--- a/The Compilation Power – C++.pptx
+++ b/The Compilation Power – C++.pptx
@@ -6,10 +6,10 @@
     <p:sldMasterId id="2147483696" r:id="rId2"/>
   </p:sldMasterIdLst>
   <p:notesMasterIdLst>
-    <p:notesMasterId r:id="rId10"/>
+    <p:notesMasterId r:id="rId11"/>
   </p:notesMasterIdLst>
   <p:handoutMasterIdLst>
-    <p:handoutMasterId r:id="rId11"/>
+    <p:handoutMasterId r:id="rId12"/>
   </p:handoutMasterIdLst>
   <p:sldIdLst>
     <p:sldId id="256" r:id="rId3"/>
@@ -18,7 +18,8 @@
     <p:sldId id="260" r:id="rId6"/>
     <p:sldId id="261" r:id="rId7"/>
     <p:sldId id="262" r:id="rId8"/>
-    <p:sldId id="259" r:id="rId9"/>
+    <p:sldId id="263" r:id="rId9"/>
+    <p:sldId id="259" r:id="rId10"/>
   </p:sldIdLst>
   <p:sldSz cx="12192000" cy="6858000"/>
   <p:notesSz cx="6858000" cy="9144000"/>
@@ -128,6 +129,7 @@
             <p14:sldId id="260"/>
             <p14:sldId id="261"/>
             <p14:sldId id="262"/>
+            <p14:sldId id="263"/>
             <p14:sldId id="259"/>
           </p14:sldIdLst>
         </p14:section>
@@ -238,7 +240,7 @@
           <a:p>
             <a:fld id="{A06473F8-06AB-43D7-ADAC-4B57757A3A12}" type="datetimeFigureOut">
               <a:rPr lang="he-IL" smtClean="0"/>
-              <a:t>י"ט/חשון/תשפ"א</a:t>
+              <a:t>כ"ה/טבת/תשפ"א</a:t>
             </a:fld>
             <a:endParaRPr lang="he-IL"/>
           </a:p>
@@ -412,7 +414,7 @@
           <a:p>
             <a:fld id="{463F63B9-98C1-4305-9CA7-9EA00E8D2AF7}" type="datetimeFigureOut">
               <a:rPr lang="he-IL" smtClean="0"/>
-              <a:t>י"ט/חשון/תשפ"א</a:t>
+              <a:t>כ"ה/טבת/תשפ"א</a:t>
             </a:fld>
             <a:endParaRPr lang="he-IL"/>
           </a:p>
@@ -735,7 +737,7 @@
           <a:noFill/>
           <a:extLst>
             <a:ext uri="{909E8E84-426E-40dd-AFC4-6F175D3DCCD1}">
-              <a14:hiddenFill xmlns:a14="http://schemas.microsoft.com/office/drawing/2010/main" xmlns="">
+              <a14:hiddenFill xmlns="" xmlns:a14="http://schemas.microsoft.com/office/drawing/2010/main">
                 <a:solidFill>
                   <a:srgbClr val="FFFFFF"/>
                 </a:solidFill>
@@ -795,7 +797,7 @@
             </a:ln>
             <a:extLst>
               <a:ext uri="{91240B29-F687-4f45-9708-019B960494DF}">
-                <a14:hiddenLine xmlns:a14="http://schemas.microsoft.com/office/drawing/2010/main" xmlns="" w="9525">
+                <a14:hiddenLine xmlns="" xmlns:a14="http://schemas.microsoft.com/office/drawing/2010/main" w="9525">
                   <a:solidFill>
                     <a:srgbClr val="000000"/>
                   </a:solidFill>
@@ -885,7 +887,7 @@
             </a:ln>
             <a:extLst>
               <a:ext uri="{91240B29-F687-4f45-9708-019B960494DF}">
-                <a14:hiddenLine xmlns:a14="http://schemas.microsoft.com/office/drawing/2010/main" xmlns="" w="9525">
+                <a14:hiddenLine xmlns="" xmlns:a14="http://schemas.microsoft.com/office/drawing/2010/main" w="9525">
                   <a:solidFill>
                     <a:srgbClr val="000000"/>
                   </a:solidFill>
@@ -975,7 +977,7 @@
             </a:ln>
             <a:extLst>
               <a:ext uri="{91240B29-F687-4f45-9708-019B960494DF}">
-                <a14:hiddenLine xmlns:a14="http://schemas.microsoft.com/office/drawing/2010/main" xmlns="" w="9525">
+                <a14:hiddenLine xmlns="" xmlns:a14="http://schemas.microsoft.com/office/drawing/2010/main" w="9525">
                   <a:solidFill>
                     <a:srgbClr val="000000"/>
                   </a:solidFill>
@@ -1009,7 +1011,7 @@
             </a:ln>
             <a:extLst>
               <a:ext uri="{91240B29-F687-4f45-9708-019B960494DF}">
-                <a14:hiddenLine xmlns:a14="http://schemas.microsoft.com/office/drawing/2010/main" xmlns="" w="9525">
+                <a14:hiddenLine xmlns="" xmlns:a14="http://schemas.microsoft.com/office/drawing/2010/main" w="9525">
                   <a:solidFill>
                     <a:srgbClr val="000000"/>
                   </a:solidFill>
@@ -1099,7 +1101,7 @@
             </a:ln>
             <a:extLst>
               <a:ext uri="{91240B29-F687-4f45-9708-019B960494DF}">
-                <a14:hiddenLine xmlns:a14="http://schemas.microsoft.com/office/drawing/2010/main" xmlns="" w="9525">
+                <a14:hiddenLine xmlns="" xmlns:a14="http://schemas.microsoft.com/office/drawing/2010/main" w="9525">
                   <a:solidFill>
                     <a:srgbClr val="000000"/>
                   </a:solidFill>
@@ -1161,7 +1163,7 @@
             </a:ln>
             <a:extLst>
               <a:ext uri="{91240B29-F687-4f45-9708-019B960494DF}">
-                <a14:hiddenLine xmlns:a14="http://schemas.microsoft.com/office/drawing/2010/main" xmlns="" w="9525">
+                <a14:hiddenLine xmlns="" xmlns:a14="http://schemas.microsoft.com/office/drawing/2010/main" w="9525">
                   <a:solidFill>
                     <a:srgbClr val="000000"/>
                   </a:solidFill>
@@ -1223,7 +1225,7 @@
             </a:ln>
             <a:extLst>
               <a:ext uri="{91240B29-F687-4f45-9708-019B960494DF}">
-                <a14:hiddenLine xmlns:a14="http://schemas.microsoft.com/office/drawing/2010/main" xmlns="" w="9525">
+                <a14:hiddenLine xmlns="" xmlns:a14="http://schemas.microsoft.com/office/drawing/2010/main" w="9525">
                   <a:solidFill>
                     <a:srgbClr val="000000"/>
                   </a:solidFill>
@@ -1313,7 +1315,7 @@
             </a:ln>
             <a:extLst>
               <a:ext uri="{91240B29-F687-4f45-9708-019B960494DF}">
-                <a14:hiddenLine xmlns:a14="http://schemas.microsoft.com/office/drawing/2010/main" xmlns="" w="9525">
+                <a14:hiddenLine xmlns="" xmlns:a14="http://schemas.microsoft.com/office/drawing/2010/main" w="9525">
                   <a:solidFill>
                     <a:srgbClr val="000000"/>
                   </a:solidFill>
@@ -1375,7 +1377,7 @@
             </a:ln>
             <a:extLst>
               <a:ext uri="{91240B29-F687-4f45-9708-019B960494DF}">
-                <a14:hiddenLine xmlns:a14="http://schemas.microsoft.com/office/drawing/2010/main" xmlns="" w="9525">
+                <a14:hiddenLine xmlns="" xmlns:a14="http://schemas.microsoft.com/office/drawing/2010/main" w="9525">
                   <a:solidFill>
                     <a:srgbClr val="000000"/>
                   </a:solidFill>
@@ -1437,7 +1439,7 @@
             </a:ln>
             <a:extLst>
               <a:ext uri="{91240B29-F687-4f45-9708-019B960494DF}">
-                <a14:hiddenLine xmlns:a14="http://schemas.microsoft.com/office/drawing/2010/main" xmlns="" w="9525">
+                <a14:hiddenLine xmlns="" xmlns:a14="http://schemas.microsoft.com/office/drawing/2010/main" w="9525">
                   <a:solidFill>
                     <a:srgbClr val="000000"/>
                   </a:solidFill>
@@ -1527,7 +1529,7 @@
             </a:ln>
             <a:extLst>
               <a:ext uri="{91240B29-F687-4f45-9708-019B960494DF}">
-                <a14:hiddenLine xmlns:a14="http://schemas.microsoft.com/office/drawing/2010/main" xmlns="" w="9525">
+                <a14:hiddenLine xmlns="" xmlns:a14="http://schemas.microsoft.com/office/drawing/2010/main" w="9525">
                   <a:solidFill>
                     <a:srgbClr val="000000"/>
                   </a:solidFill>
@@ -1617,7 +1619,7 @@
             </a:ln>
             <a:extLst>
               <a:ext uri="{91240B29-F687-4f45-9708-019B960494DF}">
-                <a14:hiddenLine xmlns:a14="http://schemas.microsoft.com/office/drawing/2010/main" xmlns="" w="9525">
+                <a14:hiddenLine xmlns="" xmlns:a14="http://schemas.microsoft.com/office/drawing/2010/main" w="9525">
                   <a:solidFill>
                     <a:srgbClr val="000000"/>
                   </a:solidFill>
@@ -1679,7 +1681,7 @@
             </a:ln>
             <a:extLst>
               <a:ext uri="{91240B29-F687-4f45-9708-019B960494DF}">
-                <a14:hiddenLine xmlns:a14="http://schemas.microsoft.com/office/drawing/2010/main" xmlns="" w="9525">
+                <a14:hiddenLine xmlns="" xmlns:a14="http://schemas.microsoft.com/office/drawing/2010/main" w="9525">
                   <a:solidFill>
                     <a:srgbClr val="000000"/>
                   </a:solidFill>
@@ -1789,7 +1791,7 @@
             </a:ln>
             <a:extLst>
               <a:ext uri="{91240B29-F687-4f45-9708-019B960494DF}">
-                <a14:hiddenLine xmlns:a14="http://schemas.microsoft.com/office/drawing/2010/main" xmlns="" w="9525">
+                <a14:hiddenLine xmlns="" xmlns:a14="http://schemas.microsoft.com/office/drawing/2010/main" w="9525">
                   <a:solidFill>
                     <a:srgbClr val="000000"/>
                   </a:solidFill>
@@ -1851,7 +1853,7 @@
             </a:ln>
             <a:extLst>
               <a:ext uri="{91240B29-F687-4f45-9708-019B960494DF}">
-                <a14:hiddenLine xmlns:a14="http://schemas.microsoft.com/office/drawing/2010/main" xmlns="" w="9525">
+                <a14:hiddenLine xmlns="" xmlns:a14="http://schemas.microsoft.com/office/drawing/2010/main" w="9525">
                   <a:solidFill>
                     <a:srgbClr val="000000"/>
                   </a:solidFill>
@@ -1941,7 +1943,7 @@
             </a:ln>
             <a:extLst>
               <a:ext uri="{91240B29-F687-4f45-9708-019B960494DF}">
-                <a14:hiddenLine xmlns:a14="http://schemas.microsoft.com/office/drawing/2010/main" xmlns="" w="9525">
+                <a14:hiddenLine xmlns="" xmlns:a14="http://schemas.microsoft.com/office/drawing/2010/main" w="9525">
                   <a:solidFill>
                     <a:srgbClr val="000000"/>
                   </a:solidFill>
@@ -2031,7 +2033,7 @@
             </a:ln>
             <a:extLst>
               <a:ext uri="{91240B29-F687-4f45-9708-019B960494DF}">
-                <a14:hiddenLine xmlns:a14="http://schemas.microsoft.com/office/drawing/2010/main" xmlns="" w="9525">
+                <a14:hiddenLine xmlns="" xmlns:a14="http://schemas.microsoft.com/office/drawing/2010/main" w="9525">
                   <a:solidFill>
                     <a:srgbClr val="000000"/>
                   </a:solidFill>
@@ -2093,7 +2095,7 @@
             </a:ln>
             <a:extLst>
               <a:ext uri="{91240B29-F687-4f45-9708-019B960494DF}">
-                <a14:hiddenLine xmlns:a14="http://schemas.microsoft.com/office/drawing/2010/main" xmlns="" w="9525">
+                <a14:hiddenLine xmlns="" xmlns:a14="http://schemas.microsoft.com/office/drawing/2010/main" w="9525">
                   <a:solidFill>
                     <a:srgbClr val="000000"/>
                   </a:solidFill>
@@ -2183,7 +2185,7 @@
             </a:ln>
             <a:extLst>
               <a:ext uri="{91240B29-F687-4f45-9708-019B960494DF}">
-                <a14:hiddenLine xmlns:a14="http://schemas.microsoft.com/office/drawing/2010/main" xmlns="" w="9525">
+                <a14:hiddenLine xmlns="" xmlns:a14="http://schemas.microsoft.com/office/drawing/2010/main" w="9525">
                   <a:solidFill>
                     <a:srgbClr val="000000"/>
                   </a:solidFill>
@@ -2273,7 +2275,7 @@
             </a:ln>
             <a:extLst>
               <a:ext uri="{91240B29-F687-4f45-9708-019B960494DF}">
-                <a14:hiddenLine xmlns:a14="http://schemas.microsoft.com/office/drawing/2010/main" xmlns="" w="9525">
+                <a14:hiddenLine xmlns="" xmlns:a14="http://schemas.microsoft.com/office/drawing/2010/main" w="9525">
                   <a:solidFill>
                     <a:srgbClr val="000000"/>
                   </a:solidFill>
@@ -2329,7 +2331,7 @@
             </a:ln>
             <a:extLst>
               <a:ext uri="{91240B29-F687-4f45-9708-019B960494DF}">
-                <a14:hiddenLine xmlns:a14="http://schemas.microsoft.com/office/drawing/2010/main" xmlns="" w="9525">
+                <a14:hiddenLine xmlns="" xmlns:a14="http://schemas.microsoft.com/office/drawing/2010/main" w="9525">
                   <a:solidFill>
                     <a:srgbClr val="000000"/>
                   </a:solidFill>
@@ -2419,7 +2421,7 @@
             </a:ln>
             <a:extLst>
               <a:ext uri="{91240B29-F687-4f45-9708-019B960494DF}">
-                <a14:hiddenLine xmlns:a14="http://schemas.microsoft.com/office/drawing/2010/main" xmlns="" w="9525">
+                <a14:hiddenLine xmlns="" xmlns:a14="http://schemas.microsoft.com/office/drawing/2010/main" w="9525">
                   <a:solidFill>
                     <a:srgbClr val="000000"/>
                   </a:solidFill>
@@ -2475,7 +2477,7 @@
             </a:ln>
             <a:extLst>
               <a:ext uri="{91240B29-F687-4f45-9708-019B960494DF}">
-                <a14:hiddenLine xmlns:a14="http://schemas.microsoft.com/office/drawing/2010/main" xmlns="" w="9525">
+                <a14:hiddenLine xmlns="" xmlns:a14="http://schemas.microsoft.com/office/drawing/2010/main" w="9525">
                   <a:solidFill>
                     <a:srgbClr val="000000"/>
                   </a:solidFill>
@@ -2565,7 +2567,7 @@
             </a:ln>
             <a:extLst>
               <a:ext uri="{91240B29-F687-4f45-9708-019B960494DF}">
-                <a14:hiddenLine xmlns:a14="http://schemas.microsoft.com/office/drawing/2010/main" xmlns="" w="9525">
+                <a14:hiddenLine xmlns="" xmlns:a14="http://schemas.microsoft.com/office/drawing/2010/main" w="9525">
                   <a:solidFill>
                     <a:srgbClr val="000000"/>
                   </a:solidFill>
@@ -2633,7 +2635,7 @@
             </a:ln>
             <a:extLst>
               <a:ext uri="{91240B29-F687-4f45-9708-019B960494DF}">
-                <a14:hiddenLine xmlns:a14="http://schemas.microsoft.com/office/drawing/2010/main" xmlns="" w="9525">
+                <a14:hiddenLine xmlns="" xmlns:a14="http://schemas.microsoft.com/office/drawing/2010/main" w="9525">
                   <a:solidFill>
                     <a:srgbClr val="000000"/>
                   </a:solidFill>
@@ -2723,7 +2725,7 @@
             </a:ln>
             <a:extLst>
               <a:ext uri="{91240B29-F687-4f45-9708-019B960494DF}">
-                <a14:hiddenLine xmlns:a14="http://schemas.microsoft.com/office/drawing/2010/main" xmlns="" w="9525">
+                <a14:hiddenLine xmlns="" xmlns:a14="http://schemas.microsoft.com/office/drawing/2010/main" w="9525">
                   <a:solidFill>
                     <a:srgbClr val="000000"/>
                   </a:solidFill>
@@ -2791,7 +2793,7 @@
             </a:ln>
             <a:extLst>
               <a:ext uri="{91240B29-F687-4f45-9708-019B960494DF}">
-                <a14:hiddenLine xmlns:a14="http://schemas.microsoft.com/office/drawing/2010/main" xmlns="" w="9525">
+                <a14:hiddenLine xmlns="" xmlns:a14="http://schemas.microsoft.com/office/drawing/2010/main" w="9525">
                   <a:solidFill>
                     <a:srgbClr val="000000"/>
                   </a:solidFill>
@@ -2881,7 +2883,7 @@
             </a:ln>
             <a:extLst>
               <a:ext uri="{91240B29-F687-4f45-9708-019B960494DF}">
-                <a14:hiddenLine xmlns:a14="http://schemas.microsoft.com/office/drawing/2010/main" xmlns="" w="9525">
+                <a14:hiddenLine xmlns="" xmlns:a14="http://schemas.microsoft.com/office/drawing/2010/main" w="9525">
                   <a:solidFill>
                     <a:srgbClr val="000000"/>
                   </a:solidFill>
@@ -2915,7 +2917,7 @@
             </a:ln>
             <a:extLst>
               <a:ext uri="{91240B29-F687-4f45-9708-019B960494DF}">
-                <a14:hiddenLine xmlns:a14="http://schemas.microsoft.com/office/drawing/2010/main" xmlns="" w="9525">
+                <a14:hiddenLine xmlns="" xmlns:a14="http://schemas.microsoft.com/office/drawing/2010/main" w="9525">
                   <a:solidFill>
                     <a:srgbClr val="000000"/>
                   </a:solidFill>
@@ -3005,7 +3007,7 @@
             </a:ln>
             <a:extLst>
               <a:ext uri="{91240B29-F687-4f45-9708-019B960494DF}">
-                <a14:hiddenLine xmlns:a14="http://schemas.microsoft.com/office/drawing/2010/main" xmlns="" w="9525">
+                <a14:hiddenLine xmlns="" xmlns:a14="http://schemas.microsoft.com/office/drawing/2010/main" w="9525">
                   <a:solidFill>
                     <a:srgbClr val="000000"/>
                   </a:solidFill>
@@ -3067,7 +3069,7 @@
             </a:ln>
             <a:extLst>
               <a:ext uri="{91240B29-F687-4f45-9708-019B960494DF}">
-                <a14:hiddenLine xmlns:a14="http://schemas.microsoft.com/office/drawing/2010/main" xmlns="" w="9525">
+                <a14:hiddenLine xmlns="" xmlns:a14="http://schemas.microsoft.com/office/drawing/2010/main" w="9525">
                   <a:solidFill>
                     <a:srgbClr val="000000"/>
                   </a:solidFill>
@@ -3129,7 +3131,7 @@
             </a:ln>
             <a:extLst>
               <a:ext uri="{91240B29-F687-4f45-9708-019B960494DF}">
-                <a14:hiddenLine xmlns:a14="http://schemas.microsoft.com/office/drawing/2010/main" xmlns="" w="9525">
+                <a14:hiddenLine xmlns="" xmlns:a14="http://schemas.microsoft.com/office/drawing/2010/main" w="9525">
                   <a:solidFill>
                     <a:srgbClr val="000000"/>
                   </a:solidFill>
@@ -3219,7 +3221,7 @@
             </a:ln>
             <a:extLst>
               <a:ext uri="{91240B29-F687-4f45-9708-019B960494DF}">
-                <a14:hiddenLine xmlns:a14="http://schemas.microsoft.com/office/drawing/2010/main" xmlns="" w="9525">
+                <a14:hiddenLine xmlns="" xmlns:a14="http://schemas.microsoft.com/office/drawing/2010/main" w="9525">
                   <a:solidFill>
                     <a:srgbClr val="000000"/>
                   </a:solidFill>
@@ -3287,7 +3289,7 @@
             </a:ln>
             <a:extLst>
               <a:ext uri="{91240B29-F687-4f45-9708-019B960494DF}">
-                <a14:hiddenLine xmlns:a14="http://schemas.microsoft.com/office/drawing/2010/main" xmlns="" w="9525">
+                <a14:hiddenLine xmlns="" xmlns:a14="http://schemas.microsoft.com/office/drawing/2010/main" w="9525">
                   <a:solidFill>
                     <a:srgbClr val="000000"/>
                   </a:solidFill>
@@ -3349,7 +3351,7 @@
             </a:ln>
             <a:extLst>
               <a:ext uri="{91240B29-F687-4f45-9708-019B960494DF}">
-                <a14:hiddenLine xmlns:a14="http://schemas.microsoft.com/office/drawing/2010/main" xmlns="" w="9525">
+                <a14:hiddenLine xmlns="" xmlns:a14="http://schemas.microsoft.com/office/drawing/2010/main" w="9525">
                   <a:solidFill>
                     <a:srgbClr val="000000"/>
                   </a:solidFill>
@@ -3439,7 +3441,7 @@
             </a:ln>
             <a:extLst>
               <a:ext uri="{91240B29-F687-4f45-9708-019B960494DF}">
-                <a14:hiddenLine xmlns:a14="http://schemas.microsoft.com/office/drawing/2010/main" xmlns="" w="9525">
+                <a14:hiddenLine xmlns="" xmlns:a14="http://schemas.microsoft.com/office/drawing/2010/main" w="9525">
                   <a:solidFill>
                     <a:srgbClr val="000000"/>
                   </a:solidFill>
@@ -3501,7 +3503,7 @@
             </a:ln>
             <a:extLst>
               <a:ext uri="{91240B29-F687-4f45-9708-019B960494DF}">
-                <a14:hiddenLine xmlns:a14="http://schemas.microsoft.com/office/drawing/2010/main" xmlns="" w="9525">
+                <a14:hiddenLine xmlns="" xmlns:a14="http://schemas.microsoft.com/office/drawing/2010/main" w="9525">
                   <a:solidFill>
                     <a:srgbClr val="000000"/>
                   </a:solidFill>
@@ -3591,7 +3593,7 @@
             </a:ln>
             <a:extLst>
               <a:ext uri="{91240B29-F687-4f45-9708-019B960494DF}">
-                <a14:hiddenLine xmlns:a14="http://schemas.microsoft.com/office/drawing/2010/main" xmlns="" w="9525">
+                <a14:hiddenLine xmlns="" xmlns:a14="http://schemas.microsoft.com/office/drawing/2010/main" w="9525">
                   <a:solidFill>
                     <a:srgbClr val="000000"/>
                   </a:solidFill>
@@ -3653,7 +3655,7 @@
             </a:ln>
             <a:extLst>
               <a:ext uri="{91240B29-F687-4f45-9708-019B960494DF}">
-                <a14:hiddenLine xmlns:a14="http://schemas.microsoft.com/office/drawing/2010/main" xmlns="" w="9525">
+                <a14:hiddenLine xmlns="" xmlns:a14="http://schemas.microsoft.com/office/drawing/2010/main" w="9525">
                   <a:solidFill>
                     <a:srgbClr val="000000"/>
                   </a:solidFill>
@@ -3743,7 +3745,7 @@
             </a:ln>
             <a:extLst>
               <a:ext uri="{91240B29-F687-4f45-9708-019B960494DF}">
-                <a14:hiddenLine xmlns:a14="http://schemas.microsoft.com/office/drawing/2010/main" xmlns="" w="9525">
+                <a14:hiddenLine xmlns="" xmlns:a14="http://schemas.microsoft.com/office/drawing/2010/main" w="9525">
                   <a:solidFill>
                     <a:srgbClr val="000000"/>
                   </a:solidFill>
@@ -3777,7 +3779,7 @@
             </a:ln>
             <a:extLst>
               <a:ext uri="{91240B29-F687-4f45-9708-019B960494DF}">
-                <a14:hiddenLine xmlns:a14="http://schemas.microsoft.com/office/drawing/2010/main" xmlns="" w="9525">
+                <a14:hiddenLine xmlns="" xmlns:a14="http://schemas.microsoft.com/office/drawing/2010/main" w="9525">
                   <a:solidFill>
                     <a:srgbClr val="000000"/>
                   </a:solidFill>
@@ -3842,7 +3844,7 @@
             </a:ln>
             <a:extLst>
               <a:ext uri="{91240B29-F687-4f45-9708-019B960494DF}">
-                <a14:hiddenLine xmlns:a14="http://schemas.microsoft.com/office/drawing/2010/main" xmlns="" w="9525">
+                <a14:hiddenLine xmlns="" xmlns:a14="http://schemas.microsoft.com/office/drawing/2010/main" w="9525">
                   <a:solidFill>
                     <a:srgbClr val="000000"/>
                   </a:solidFill>
@@ -3932,7 +3934,7 @@
             </a:ln>
             <a:extLst>
               <a:ext uri="{91240B29-F687-4f45-9708-019B960494DF}">
-                <a14:hiddenLine xmlns:a14="http://schemas.microsoft.com/office/drawing/2010/main" xmlns="" w="9525">
+                <a14:hiddenLine xmlns="" xmlns:a14="http://schemas.microsoft.com/office/drawing/2010/main" w="9525">
                   <a:solidFill>
                     <a:srgbClr val="000000"/>
                   </a:solidFill>
@@ -3994,7 +3996,7 @@
             </a:ln>
             <a:extLst>
               <a:ext uri="{91240B29-F687-4f45-9708-019B960494DF}">
-                <a14:hiddenLine xmlns:a14="http://schemas.microsoft.com/office/drawing/2010/main" xmlns="" w="9525">
+                <a14:hiddenLine xmlns="" xmlns:a14="http://schemas.microsoft.com/office/drawing/2010/main" w="9525">
                   <a:solidFill>
                     <a:srgbClr val="000000"/>
                   </a:solidFill>
@@ -4084,7 +4086,7 @@
             </a:ln>
             <a:extLst>
               <a:ext uri="{91240B29-F687-4f45-9708-019B960494DF}">
-                <a14:hiddenLine xmlns:a14="http://schemas.microsoft.com/office/drawing/2010/main" xmlns="" w="9525">
+                <a14:hiddenLine xmlns="" xmlns:a14="http://schemas.microsoft.com/office/drawing/2010/main" w="9525">
                   <a:solidFill>
                     <a:srgbClr val="000000"/>
                   </a:solidFill>
@@ -4174,7 +4176,7 @@
             </a:ln>
             <a:extLst>
               <a:ext uri="{91240B29-F687-4f45-9708-019B960494DF}">
-                <a14:hiddenLine xmlns:a14="http://schemas.microsoft.com/office/drawing/2010/main" xmlns="" w="9525">
+                <a14:hiddenLine xmlns="" xmlns:a14="http://schemas.microsoft.com/office/drawing/2010/main" w="9525">
                   <a:solidFill>
                     <a:srgbClr val="000000"/>
                   </a:solidFill>
@@ -4239,7 +4241,7 @@
             </a:ln>
             <a:extLst>
               <a:ext uri="{91240B29-F687-4f45-9708-019B960494DF}">
-                <a14:hiddenLine xmlns:a14="http://schemas.microsoft.com/office/drawing/2010/main" xmlns="" w="9525">
+                <a14:hiddenLine xmlns="" xmlns:a14="http://schemas.microsoft.com/office/drawing/2010/main" w="9525">
                   <a:solidFill>
                     <a:srgbClr val="000000"/>
                   </a:solidFill>
@@ -4301,7 +4303,7 @@
             </a:ln>
             <a:extLst>
               <a:ext uri="{91240B29-F687-4f45-9708-019B960494DF}">
-                <a14:hiddenLine xmlns:a14="http://schemas.microsoft.com/office/drawing/2010/main" xmlns="" w="9525">
+                <a14:hiddenLine xmlns="" xmlns:a14="http://schemas.microsoft.com/office/drawing/2010/main" w="9525">
                   <a:solidFill>
                     <a:srgbClr val="000000"/>
                   </a:solidFill>
@@ -4391,7 +4393,7 @@
             </a:ln>
             <a:extLst>
               <a:ext uri="{91240B29-F687-4f45-9708-019B960494DF}">
-                <a14:hiddenLine xmlns:a14="http://schemas.microsoft.com/office/drawing/2010/main" xmlns="" w="9525">
+                <a14:hiddenLine xmlns="" xmlns:a14="http://schemas.microsoft.com/office/drawing/2010/main" w="9525">
                   <a:solidFill>
                     <a:srgbClr val="000000"/>
                   </a:solidFill>
@@ -4481,7 +4483,7 @@
             </a:ln>
             <a:extLst>
               <a:ext uri="{91240B29-F687-4f45-9708-019B960494DF}">
-                <a14:hiddenLine xmlns:a14="http://schemas.microsoft.com/office/drawing/2010/main" xmlns="" w="9525">
+                <a14:hiddenLine xmlns="" xmlns:a14="http://schemas.microsoft.com/office/drawing/2010/main" w="9525">
                   <a:solidFill>
                     <a:srgbClr val="000000"/>
                   </a:solidFill>
@@ -4543,7 +4545,7 @@
             </a:ln>
             <a:extLst>
               <a:ext uri="{91240B29-F687-4f45-9708-019B960494DF}">
-                <a14:hiddenLine xmlns:a14="http://schemas.microsoft.com/office/drawing/2010/main" xmlns="" w="9525">
+                <a14:hiddenLine xmlns="" xmlns:a14="http://schemas.microsoft.com/office/drawing/2010/main" w="9525">
                   <a:solidFill>
                     <a:srgbClr val="000000"/>
                   </a:solidFill>
@@ -4663,7 +4665,7 @@
             </a:ln>
             <a:extLst>
               <a:ext uri="{91240B29-F687-4f45-9708-019B960494DF}">
-                <a14:hiddenLine xmlns:a14="http://schemas.microsoft.com/office/drawing/2010/main" xmlns="" w="9525">
+                <a14:hiddenLine xmlns="" xmlns:a14="http://schemas.microsoft.com/office/drawing/2010/main" w="9525">
                   <a:solidFill>
                     <a:srgbClr val="000000"/>
                   </a:solidFill>
@@ -4731,7 +4733,7 @@
             </a:ln>
             <a:extLst>
               <a:ext uri="{91240B29-F687-4f45-9708-019B960494DF}">
-                <a14:hiddenLine xmlns:a14="http://schemas.microsoft.com/office/drawing/2010/main" xmlns="" w="9525">
+                <a14:hiddenLine xmlns="" xmlns:a14="http://schemas.microsoft.com/office/drawing/2010/main" w="9525">
                   <a:solidFill>
                     <a:srgbClr val="000000"/>
                   </a:solidFill>
@@ -4821,7 +4823,7 @@
             </a:ln>
             <a:extLst>
               <a:ext uri="{91240B29-F687-4f45-9708-019B960494DF}">
-                <a14:hiddenLine xmlns:a14="http://schemas.microsoft.com/office/drawing/2010/main" xmlns="" w="9525">
+                <a14:hiddenLine xmlns="" xmlns:a14="http://schemas.microsoft.com/office/drawing/2010/main" w="9525">
                   <a:solidFill>
                     <a:srgbClr val="000000"/>
                   </a:solidFill>
@@ -4961,7 +4963,7 @@
           <a:p>
             <a:fld id="{B45B2D82-1C13-4A69-816D-F814F6970C61}" type="datetime8">
               <a:rPr lang="he-IL" smtClean="0"/>
-              <a:t>06 נובמבר 20</a:t>
+              <a:t>09 ינואר 21</a:t>
             </a:fld>
             <a:endParaRPr lang="he-IL"/>
           </a:p>
@@ -5232,7 +5234,7 @@
           <a:p>
             <a:fld id="{F6903D47-09DB-4882-8AD9-B3E5C59A3DD1}" type="datetime8">
               <a:rPr lang="he-IL" smtClean="0"/>
-              <a:t>06 נובמבר 20</a:t>
+              <a:t>09 ינואר 21</a:t>
             </a:fld>
             <a:endParaRPr lang="he-IL"/>
           </a:p>
@@ -5432,7 +5434,7 @@
           <a:p>
             <a:fld id="{B1AB8431-341C-4398-849B-538AB34939F0}" type="datetime8">
               <a:rPr lang="he-IL" smtClean="0"/>
-              <a:t>06 נובמבר 20</a:t>
+              <a:t>09 ינואר 21</a:t>
             </a:fld>
             <a:endParaRPr lang="he-IL"/>
           </a:p>
@@ -5699,7 +5701,7 @@
           <a:p>
             <a:fld id="{79C64617-E605-4230-B6AD-65B16A5A1D32}" type="datetime8">
               <a:rPr lang="he-IL" smtClean="0"/>
-              <a:t>06 נובמבר 20</a:t>
+              <a:t>09 ינואר 21</a:t>
             </a:fld>
             <a:endParaRPr lang="he-IL"/>
           </a:p>
@@ -6137,7 +6139,7 @@
           <a:p>
             <a:fld id="{934044E5-2E2F-4497-990B-3A2CBC6C4CF9}" type="datetime8">
               <a:rPr lang="he-IL" smtClean="0"/>
-              <a:t>06 נובמבר 20</a:t>
+              <a:t>09 ינואר 21</a:t>
             </a:fld>
             <a:endParaRPr lang="he-IL"/>
           </a:p>
@@ -6687,7 +6689,7 @@
           <a:p>
             <a:fld id="{B09CFF39-DCA7-4162-925C-989870557E6A}" type="datetime8">
               <a:rPr lang="he-IL" smtClean="0"/>
-              <a:t>06 נובמבר 20</a:t>
+              <a:t>09 ינואר 21</a:t>
             </a:fld>
             <a:endParaRPr lang="he-IL"/>
           </a:p>
@@ -7411,7 +7413,7 @@
           <a:p>
             <a:fld id="{3F6B3B34-615D-437D-89B1-17CF9FA438BD}" type="datetime8">
               <a:rPr lang="he-IL" smtClean="0"/>
-              <a:t>06 נובמבר 20</a:t>
+              <a:t>09 ינואר 21</a:t>
             </a:fld>
             <a:endParaRPr lang="he-IL"/>
           </a:p>
@@ -7585,7 +7587,7 @@
           <a:p>
             <a:fld id="{5949BB66-10B0-4215-ADA8-2212810D4F59}" type="datetime8">
               <a:rPr lang="he-IL" smtClean="0"/>
-              <a:t>06 נובמבר 20</a:t>
+              <a:t>09 ינואר 21</a:t>
             </a:fld>
             <a:endParaRPr lang="he-IL"/>
           </a:p>
@@ -7769,7 +7771,7 @@
           <a:p>
             <a:fld id="{26B289E3-1B30-4DC6-A0D9-960C9712ED44}" type="datetime8">
               <a:rPr lang="he-IL" smtClean="0"/>
-              <a:t>06 נובמבר 20</a:t>
+              <a:t>09 ינואר 21</a:t>
             </a:fld>
             <a:endParaRPr lang="he-IL"/>
           </a:p>
@@ -8063,7 +8065,7 @@
           <a:p>
             <a:fld id="{0791746A-1D26-45A1-8F56-57958EA1E527}" type="datetime8">
               <a:rPr lang="he-IL" smtClean="0"/>
-              <a:t>06 נובמבר 20</a:t>
+              <a:t>09 ינואר 21</a:t>
             </a:fld>
             <a:endParaRPr lang="he-IL"/>
           </a:p>
@@ -8277,7 +8279,7 @@
           <a:p>
             <a:fld id="{79A4B10B-764D-49ED-A7C3-2ADE07A6A267}" type="datetime8">
               <a:rPr lang="he-IL" smtClean="0"/>
-              <a:t>06 נובמבר 20</a:t>
+              <a:t>09 ינואר 21</a:t>
             </a:fld>
             <a:endParaRPr lang="he-IL"/>
           </a:p>
@@ -8451,7 +8453,7 @@
           <a:p>
             <a:fld id="{B45163B0-39A1-4BFC-8534-A79C91548DA6}" type="datetime8">
               <a:rPr lang="he-IL" smtClean="0"/>
-              <a:t>06 נובמבר 20</a:t>
+              <a:t>09 ינואר 21</a:t>
             </a:fld>
             <a:endParaRPr lang="he-IL"/>
           </a:p>
@@ -8731,7 +8733,7 @@
           <a:p>
             <a:fld id="{2AC5BA40-6DC8-436E-B72A-40A5A7BEFA36}" type="datetime8">
               <a:rPr lang="he-IL" smtClean="0"/>
-              <a:t>06 נובמבר 20</a:t>
+              <a:t>09 ינואר 21</a:t>
             </a:fld>
             <a:endParaRPr lang="he-IL"/>
           </a:p>
@@ -9001,7 +9003,7 @@
           <a:p>
             <a:fld id="{04598D4B-6B80-4A29-8D15-242A491AAC67}" type="datetime8">
               <a:rPr lang="he-IL" smtClean="0"/>
-              <a:t>06 נובמבר 20</a:t>
+              <a:t>09 ינואר 21</a:t>
             </a:fld>
             <a:endParaRPr lang="he-IL"/>
           </a:p>
@@ -9379,7 +9381,7 @@
           <a:p>
             <a:fld id="{7676FDE1-AD88-43C9-8C05-7F14A8747AB0}" type="datetime8">
               <a:rPr lang="he-IL" smtClean="0"/>
-              <a:t>06 נובמבר 20</a:t>
+              <a:t>09 ינואר 21</a:t>
             </a:fld>
             <a:endParaRPr lang="he-IL"/>
           </a:p>
@@ -9531,7 +9533,7 @@
           <a:p>
             <a:fld id="{3EF83782-3AD7-4C1D-AC79-6B5A7F18EFEE}" type="datetime8">
               <a:rPr lang="he-IL" smtClean="0"/>
-              <a:t>06 נובמבר 20</a:t>
+              <a:t>09 ינואר 21</a:t>
             </a:fld>
             <a:endParaRPr lang="he-IL"/>
           </a:p>
@@ -9660,7 +9662,7 @@
           <a:p>
             <a:fld id="{324CA802-7589-4F8D-80CA-C65978F31246}" type="datetime8">
               <a:rPr lang="he-IL" smtClean="0"/>
-              <a:t>06 נובמבר 20</a:t>
+              <a:t>09 ינואר 21</a:t>
             </a:fld>
             <a:endParaRPr lang="he-IL"/>
           </a:p>
@@ -9949,7 +9951,7 @@
           <a:p>
             <a:fld id="{BF0BBD8F-3CFA-498E-AA31-752C4CF746E2}" type="datetime8">
               <a:rPr lang="he-IL" smtClean="0"/>
-              <a:t>06 נובמבר 20</a:t>
+              <a:t>09 ינואר 21</a:t>
             </a:fld>
             <a:endParaRPr lang="he-IL"/>
           </a:p>
@@ -10277,7 +10279,7 @@
           <a:p>
             <a:fld id="{55E8307E-E698-4C89-BF9A-26F224E323F1}" type="datetime8">
               <a:rPr lang="he-IL" smtClean="0"/>
-              <a:t>06 נובמבר 20</a:t>
+              <a:t>09 ינואר 21</a:t>
             </a:fld>
             <a:endParaRPr lang="he-IL"/>
           </a:p>
@@ -10605,7 +10607,7 @@
           <a:p>
             <a:fld id="{CADC8474-B9E5-46E0-A75E-7A81166DD5BF}" type="datetime8">
               <a:rPr lang="he-IL" smtClean="0"/>
-              <a:t>06 נובמבר 20</a:t>
+              <a:t>09 ינואר 21</a:t>
             </a:fld>
             <a:endParaRPr lang="he-IL"/>
           </a:p>
@@ -10887,7 +10889,7 @@
           <a:p>
             <a:fld id="{FAEDDC8F-5324-4013-B02B-1B21B5741A1F}" type="datetime8">
               <a:rPr lang="he-IL" smtClean="0"/>
-              <a:t>06 נובמבר 20</a:t>
+              <a:t>09 ינואר 21</a:t>
             </a:fld>
             <a:endParaRPr lang="he-IL"/>
           </a:p>
@@ -11459,7 +11461,7 @@
           <a:p>
             <a:fld id="{BA3ED1E9-6163-40A8-8AEF-32B2DB8F3DFF}" type="datetime8">
               <a:rPr lang="he-IL" smtClean="0"/>
-              <a:t>06 נובמבר 20</a:t>
+              <a:t>09 ינואר 21</a:t>
             </a:fld>
             <a:endParaRPr lang="he-IL"/>
           </a:p>
@@ -11713,7 +11715,7 @@
           <a:p>
             <a:fld id="{FB23724C-3241-4879-952A-191D56AE2A10}" type="datetime8">
               <a:rPr lang="he-IL" smtClean="0"/>
-              <a:t>06 נובמבר 20</a:t>
+              <a:t>09 ינואר 21</a:t>
             </a:fld>
             <a:endParaRPr lang="he-IL"/>
           </a:p>
@@ -11995,7 +11997,7 @@
           <a:p>
             <a:fld id="{BE56777E-F177-4DEA-B05E-E76BA3603BE8}" type="datetime8">
               <a:rPr lang="he-IL" smtClean="0"/>
-              <a:t>06 נובמבר 20</a:t>
+              <a:t>09 ינואר 21</a:t>
             </a:fld>
             <a:endParaRPr lang="he-IL"/>
           </a:p>
@@ -12561,7 +12563,7 @@
           <a:p>
             <a:fld id="{435FCAAC-FB5E-4731-BE96-69855FD2237D}" type="datetime8">
               <a:rPr lang="he-IL" smtClean="0"/>
-              <a:t>06 נובמבר 20</a:t>
+              <a:t>09 ינואר 21</a:t>
             </a:fld>
             <a:endParaRPr lang="he-IL"/>
           </a:p>
@@ -12892,7 +12894,7 @@
           <a:p>
             <a:fld id="{4D996ADB-71C2-4B34-87A4-7E6B0FAEC766}" type="datetime8">
               <a:rPr lang="he-IL" smtClean="0"/>
-              <a:t>06 נובמבר 20</a:t>
+              <a:t>09 ינואר 21</a:t>
             </a:fld>
             <a:endParaRPr lang="he-IL"/>
           </a:p>
@@ -13073,7 +13075,7 @@
           <a:p>
             <a:fld id="{76B4003B-AB53-40A8-94B6-3FAD5F853BC2}" type="datetime8">
               <a:rPr lang="he-IL" smtClean="0"/>
-              <a:t>06 נובמבר 20</a:t>
+              <a:t>09 ינואר 21</a:t>
             </a:fld>
             <a:endParaRPr lang="he-IL"/>
           </a:p>
@@ -13315,7 +13317,7 @@
           <a:p>
             <a:fld id="{919F1382-8D93-4D62-841D-74D9DEE44474}" type="datetime8">
               <a:rPr lang="he-IL" smtClean="0"/>
-              <a:t>06 נובמבר 20</a:t>
+              <a:t>09 ינואר 21</a:t>
             </a:fld>
             <a:endParaRPr lang="he-IL"/>
           </a:p>
@@ -13551,7 +13553,7 @@
           <a:p>
             <a:fld id="{A53FEC75-E588-4EF6-A729-3A9A05313376}" type="datetime8">
               <a:rPr lang="he-IL" smtClean="0"/>
-              <a:t>06 נובמבר 20</a:t>
+              <a:t>09 ינואר 21</a:t>
             </a:fld>
             <a:endParaRPr lang="he-IL"/>
           </a:p>
@@ -13936,7 +13938,7 @@
           <a:p>
             <a:fld id="{25F47A3C-C652-4B7B-8CB7-B8C9E55C79FF}" type="datetime8">
               <a:rPr lang="he-IL" smtClean="0"/>
-              <a:t>06 נובמבר 20</a:t>
+              <a:t>09 ינואר 21</a:t>
             </a:fld>
             <a:endParaRPr lang="he-IL"/>
           </a:p>
@@ -14058,7 +14060,7 @@
           <a:p>
             <a:fld id="{DE8415ED-0C16-4B02-B32D-D488A4E4AEB4}" type="datetime8">
               <a:rPr lang="he-IL" smtClean="0"/>
-              <a:t>06 נובמבר 20</a:t>
+              <a:t>09 ינואר 21</a:t>
             </a:fld>
             <a:endParaRPr lang="he-IL"/>
           </a:p>
@@ -14157,7 +14159,7 @@
           <a:p>
             <a:fld id="{333FFCC5-5437-4239-BAB0-DEAFAB50EBF2}" type="datetime8">
               <a:rPr lang="he-IL" smtClean="0"/>
-              <a:t>06 נובמבר 20</a:t>
+              <a:t>09 ינואר 21</a:t>
             </a:fld>
             <a:endParaRPr lang="he-IL"/>
           </a:p>
@@ -14410,7 +14412,7 @@
           <a:p>
             <a:fld id="{C0737776-4A75-4413-86A6-EE947FC19109}" type="datetime8">
               <a:rPr lang="he-IL" smtClean="0"/>
-              <a:t>06 נובמבר 20</a:t>
+              <a:t>09 ינואר 21</a:t>
             </a:fld>
             <a:endParaRPr lang="he-IL"/>
           </a:p>
@@ -14694,7 +14696,7 @@
           <a:p>
             <a:fld id="{DA8A8506-4E66-42D1-A698-33ACE7710C64}" type="datetime8">
               <a:rPr lang="he-IL" smtClean="0"/>
-              <a:t>06 נובמבר 20</a:t>
+              <a:t>09 ינואר 21</a:t>
             </a:fld>
             <a:endParaRPr lang="he-IL"/>
           </a:p>
@@ -14814,7 +14816,7 @@
           <a:noFill/>
           <a:extLst>
             <a:ext uri="{909E8E84-426E-40dd-AFC4-6F175D3DCCD1}">
-              <a14:hiddenFill xmlns:a14="http://schemas.microsoft.com/office/drawing/2010/main" xmlns="">
+              <a14:hiddenFill xmlns="" xmlns:a14="http://schemas.microsoft.com/office/drawing/2010/main">
                 <a:solidFill>
                   <a:srgbClr val="FFFFFF"/>
                 </a:solidFill>
@@ -14888,7 +14890,7 @@
               </a:ln>
               <a:extLst>
                 <a:ext uri="{91240B29-F687-4f45-9708-019B960494DF}">
-                  <a14:hiddenLine xmlns:a14="http://schemas.microsoft.com/office/drawing/2010/main" xmlns="" w="9525">
+                  <a14:hiddenLine xmlns="" xmlns:a14="http://schemas.microsoft.com/office/drawing/2010/main" w="9525">
                     <a:solidFill>
                       <a:srgbClr val="000000"/>
                     </a:solidFill>
@@ -14978,7 +14980,7 @@
               </a:ln>
               <a:extLst>
                 <a:ext uri="{91240B29-F687-4f45-9708-019B960494DF}">
-                  <a14:hiddenLine xmlns:a14="http://schemas.microsoft.com/office/drawing/2010/main" xmlns="" w="9525">
+                  <a14:hiddenLine xmlns="" xmlns:a14="http://schemas.microsoft.com/office/drawing/2010/main" w="9525">
                     <a:solidFill>
                       <a:srgbClr val="000000"/>
                     </a:solidFill>
@@ -15068,7 +15070,7 @@
               </a:ln>
               <a:extLst>
                 <a:ext uri="{91240B29-F687-4f45-9708-019B960494DF}">
-                  <a14:hiddenLine xmlns:a14="http://schemas.microsoft.com/office/drawing/2010/main" xmlns="" w="9525">
+                  <a14:hiddenLine xmlns="" xmlns:a14="http://schemas.microsoft.com/office/drawing/2010/main" w="9525">
                     <a:solidFill>
                       <a:srgbClr val="000000"/>
                     </a:solidFill>
@@ -15130,7 +15132,7 @@
               </a:ln>
               <a:extLst>
                 <a:ext uri="{91240B29-F687-4f45-9708-019B960494DF}">
-                  <a14:hiddenLine xmlns:a14="http://schemas.microsoft.com/office/drawing/2010/main" xmlns="" w="9525">
+                  <a14:hiddenLine xmlns="" xmlns:a14="http://schemas.microsoft.com/office/drawing/2010/main" w="9525">
                     <a:solidFill>
                       <a:srgbClr val="000000"/>
                     </a:solidFill>
@@ -15220,7 +15222,7 @@
               </a:ln>
               <a:extLst>
                 <a:ext uri="{91240B29-F687-4f45-9708-019B960494DF}">
-                  <a14:hiddenLine xmlns:a14="http://schemas.microsoft.com/office/drawing/2010/main" xmlns="" w="9525">
+                  <a14:hiddenLine xmlns="" xmlns:a14="http://schemas.microsoft.com/office/drawing/2010/main" w="9525">
                     <a:solidFill>
                       <a:srgbClr val="000000"/>
                     </a:solidFill>
@@ -15282,7 +15284,7 @@
               </a:ln>
               <a:extLst>
                 <a:ext uri="{91240B29-F687-4f45-9708-019B960494DF}">
-                  <a14:hiddenLine xmlns:a14="http://schemas.microsoft.com/office/drawing/2010/main" xmlns="" w="9525">
+                  <a14:hiddenLine xmlns="" xmlns:a14="http://schemas.microsoft.com/office/drawing/2010/main" w="9525">
                     <a:solidFill>
                       <a:srgbClr val="000000"/>
                     </a:solidFill>
@@ -15344,7 +15346,7 @@
               </a:ln>
               <a:extLst>
                 <a:ext uri="{91240B29-F687-4f45-9708-019B960494DF}">
-                  <a14:hiddenLine xmlns:a14="http://schemas.microsoft.com/office/drawing/2010/main" xmlns="" w="9525">
+                  <a14:hiddenLine xmlns="" xmlns:a14="http://schemas.microsoft.com/office/drawing/2010/main" w="9525">
                     <a:solidFill>
                       <a:srgbClr val="000000"/>
                     </a:solidFill>
@@ -15434,7 +15436,7 @@
               </a:ln>
               <a:extLst>
                 <a:ext uri="{91240B29-F687-4f45-9708-019B960494DF}">
-                  <a14:hiddenLine xmlns:a14="http://schemas.microsoft.com/office/drawing/2010/main" xmlns="" w="9525">
+                  <a14:hiddenLine xmlns="" xmlns:a14="http://schemas.microsoft.com/office/drawing/2010/main" w="9525">
                     <a:solidFill>
                       <a:srgbClr val="000000"/>
                     </a:solidFill>
@@ -15524,7 +15526,7 @@
               </a:ln>
               <a:extLst>
                 <a:ext uri="{91240B29-F687-4f45-9708-019B960494DF}">
-                  <a14:hiddenLine xmlns:a14="http://schemas.microsoft.com/office/drawing/2010/main" xmlns="" w="9525">
+                  <a14:hiddenLine xmlns="" xmlns:a14="http://schemas.microsoft.com/office/drawing/2010/main" w="9525">
                     <a:solidFill>
                       <a:srgbClr val="000000"/>
                     </a:solidFill>
@@ -15586,7 +15588,7 @@
               </a:ln>
               <a:extLst>
                 <a:ext uri="{91240B29-F687-4f45-9708-019B960494DF}">
-                  <a14:hiddenLine xmlns:a14="http://schemas.microsoft.com/office/drawing/2010/main" xmlns="" w="9525">
+                  <a14:hiddenLine xmlns="" xmlns:a14="http://schemas.microsoft.com/office/drawing/2010/main" w="9525">
                     <a:solidFill>
                       <a:srgbClr val="000000"/>
                     </a:solidFill>
@@ -15696,7 +15698,7 @@
               </a:ln>
               <a:extLst>
                 <a:ext uri="{91240B29-F687-4f45-9708-019B960494DF}">
-                  <a14:hiddenLine xmlns:a14="http://schemas.microsoft.com/office/drawing/2010/main" xmlns="" w="9525">
+                  <a14:hiddenLine xmlns="" xmlns:a14="http://schemas.microsoft.com/office/drawing/2010/main" w="9525">
                     <a:solidFill>
                       <a:srgbClr val="000000"/>
                     </a:solidFill>
@@ -15780,7 +15782,7 @@
               </a:ln>
               <a:extLst>
                 <a:ext uri="{91240B29-F687-4f45-9708-019B960494DF}">
-                  <a14:hiddenLine xmlns:a14="http://schemas.microsoft.com/office/drawing/2010/main" xmlns="" w="9525">
+                  <a14:hiddenLine xmlns="" xmlns:a14="http://schemas.microsoft.com/office/drawing/2010/main" w="9525">
                     <a:solidFill>
                       <a:srgbClr val="000000"/>
                     </a:solidFill>
@@ -15842,7 +15844,7 @@
               </a:ln>
               <a:extLst>
                 <a:ext uri="{91240B29-F687-4f45-9708-019B960494DF}">
-                  <a14:hiddenLine xmlns:a14="http://schemas.microsoft.com/office/drawing/2010/main" xmlns="" w="9525">
+                  <a14:hiddenLine xmlns="" xmlns:a14="http://schemas.microsoft.com/office/drawing/2010/main" w="9525">
                     <a:solidFill>
                       <a:srgbClr val="000000"/>
                     </a:solidFill>
@@ -15904,7 +15906,7 @@
               </a:ln>
               <a:extLst>
                 <a:ext uri="{91240B29-F687-4f45-9708-019B960494DF}">
-                  <a14:hiddenLine xmlns:a14="http://schemas.microsoft.com/office/drawing/2010/main" xmlns="" w="9525">
+                  <a14:hiddenLine xmlns="" xmlns:a14="http://schemas.microsoft.com/office/drawing/2010/main" w="9525">
                     <a:solidFill>
                       <a:srgbClr val="000000"/>
                     </a:solidFill>
@@ -15994,7 +15996,7 @@
               </a:ln>
               <a:extLst>
                 <a:ext uri="{91240B29-F687-4f45-9708-019B960494DF}">
-                  <a14:hiddenLine xmlns:a14="http://schemas.microsoft.com/office/drawing/2010/main" xmlns="" w="9525">
+                  <a14:hiddenLine xmlns="" xmlns:a14="http://schemas.microsoft.com/office/drawing/2010/main" w="9525">
                     <a:solidFill>
                       <a:srgbClr val="000000"/>
                     </a:solidFill>
@@ -16028,7 +16030,7 @@
               </a:ln>
               <a:extLst>
                 <a:ext uri="{91240B29-F687-4f45-9708-019B960494DF}">
-                  <a14:hiddenLine xmlns:a14="http://schemas.microsoft.com/office/drawing/2010/main" xmlns="" w="9525">
+                  <a14:hiddenLine xmlns="" xmlns:a14="http://schemas.microsoft.com/office/drawing/2010/main" w="9525">
                     <a:solidFill>
                       <a:srgbClr val="000000"/>
                     </a:solidFill>
@@ -16093,7 +16095,7 @@
               </a:ln>
               <a:extLst>
                 <a:ext uri="{91240B29-F687-4f45-9708-019B960494DF}">
-                  <a14:hiddenLine xmlns:a14="http://schemas.microsoft.com/office/drawing/2010/main" xmlns="" w="9525">
+                  <a14:hiddenLine xmlns="" xmlns:a14="http://schemas.microsoft.com/office/drawing/2010/main" w="9525">
                     <a:solidFill>
                       <a:srgbClr val="000000"/>
                     </a:solidFill>
@@ -16183,7 +16185,7 @@
               </a:ln>
               <a:extLst>
                 <a:ext uri="{91240B29-F687-4f45-9708-019B960494DF}">
-                  <a14:hiddenLine xmlns:a14="http://schemas.microsoft.com/office/drawing/2010/main" xmlns="" w="9525">
+                  <a14:hiddenLine xmlns="" xmlns:a14="http://schemas.microsoft.com/office/drawing/2010/main" w="9525">
                     <a:solidFill>
                       <a:srgbClr val="000000"/>
                     </a:solidFill>
@@ -16245,7 +16247,7 @@
               </a:ln>
               <a:extLst>
                 <a:ext uri="{91240B29-F687-4f45-9708-019B960494DF}">
-                  <a14:hiddenLine xmlns:a14="http://schemas.microsoft.com/office/drawing/2010/main" xmlns="" w="9525">
+                  <a14:hiddenLine xmlns="" xmlns:a14="http://schemas.microsoft.com/office/drawing/2010/main" w="9525">
                     <a:solidFill>
                       <a:srgbClr val="000000"/>
                     </a:solidFill>
@@ -16335,7 +16337,7 @@
               </a:ln>
               <a:extLst>
                 <a:ext uri="{91240B29-F687-4f45-9708-019B960494DF}">
-                  <a14:hiddenLine xmlns:a14="http://schemas.microsoft.com/office/drawing/2010/main" xmlns="" w="9525">
+                  <a14:hiddenLine xmlns="" xmlns:a14="http://schemas.microsoft.com/office/drawing/2010/main" w="9525">
                     <a:solidFill>
                       <a:srgbClr val="000000"/>
                     </a:solidFill>
@@ -16400,7 +16402,7 @@
               </a:ln>
               <a:extLst>
                 <a:ext uri="{91240B29-F687-4f45-9708-019B960494DF}">
-                  <a14:hiddenLine xmlns:a14="http://schemas.microsoft.com/office/drawing/2010/main" xmlns="" w="9525">
+                  <a14:hiddenLine xmlns="" xmlns:a14="http://schemas.microsoft.com/office/drawing/2010/main" w="9525">
                     <a:solidFill>
                       <a:srgbClr val="000000"/>
                     </a:solidFill>
@@ -16462,7 +16464,7 @@
               </a:ln>
               <a:extLst>
                 <a:ext uri="{91240B29-F687-4f45-9708-019B960494DF}">
-                  <a14:hiddenLine xmlns:a14="http://schemas.microsoft.com/office/drawing/2010/main" xmlns="" w="9525">
+                  <a14:hiddenLine xmlns="" xmlns:a14="http://schemas.microsoft.com/office/drawing/2010/main" w="9525">
                     <a:solidFill>
                       <a:srgbClr val="000000"/>
                     </a:solidFill>
@@ -16552,7 +16554,7 @@
               </a:ln>
               <a:extLst>
                 <a:ext uri="{91240B29-F687-4f45-9708-019B960494DF}">
-                  <a14:hiddenLine xmlns:a14="http://schemas.microsoft.com/office/drawing/2010/main" xmlns="" w="9525">
+                  <a14:hiddenLine xmlns="" xmlns:a14="http://schemas.microsoft.com/office/drawing/2010/main" w="9525">
                     <a:solidFill>
                       <a:srgbClr val="000000"/>
                     </a:solidFill>
@@ -16642,7 +16644,7 @@
               </a:ln>
               <a:extLst>
                 <a:ext uri="{91240B29-F687-4f45-9708-019B960494DF}">
-                  <a14:hiddenLine xmlns:a14="http://schemas.microsoft.com/office/drawing/2010/main" xmlns="" w="9525">
+                  <a14:hiddenLine xmlns="" xmlns:a14="http://schemas.microsoft.com/office/drawing/2010/main" w="9525">
                     <a:solidFill>
                       <a:srgbClr val="000000"/>
                     </a:solidFill>
@@ -16707,7 +16709,7 @@
               </a:ln>
               <a:extLst>
                 <a:ext uri="{91240B29-F687-4f45-9708-019B960494DF}">
-                  <a14:hiddenLine xmlns:a14="http://schemas.microsoft.com/office/drawing/2010/main" xmlns="" w="9525">
+                  <a14:hiddenLine xmlns="" xmlns:a14="http://schemas.microsoft.com/office/drawing/2010/main" w="9525">
                     <a:solidFill>
                       <a:srgbClr val="000000"/>
                     </a:solidFill>
@@ -16827,7 +16829,7 @@
               </a:ln>
               <a:extLst>
                 <a:ext uri="{91240B29-F687-4f45-9708-019B960494DF}">
-                  <a14:hiddenLine xmlns:a14="http://schemas.microsoft.com/office/drawing/2010/main" xmlns="" w="9525">
+                  <a14:hiddenLine xmlns="" xmlns:a14="http://schemas.microsoft.com/office/drawing/2010/main" w="9525">
                     <a:solidFill>
                       <a:srgbClr val="000000"/>
                     </a:solidFill>
@@ -16925,7 +16927,7 @@
               </a:ln>
               <a:extLst>
                 <a:ext uri="{91240B29-F687-4f45-9708-019B960494DF}">
-                  <a14:hiddenLine xmlns:a14="http://schemas.microsoft.com/office/drawing/2010/main" xmlns="" w="9525">
+                  <a14:hiddenLine xmlns="" xmlns:a14="http://schemas.microsoft.com/office/drawing/2010/main" w="9525">
                     <a:solidFill>
                       <a:srgbClr val="000000"/>
                     </a:solidFill>
@@ -17040,7 +17042,7 @@
               </a:ln>
               <a:extLst>
                 <a:ext uri="{91240B29-F687-4f45-9708-019B960494DF}">
-                  <a14:hiddenLine xmlns:a14="http://schemas.microsoft.com/office/drawing/2010/main" xmlns="" w="9525">
+                  <a14:hiddenLine xmlns="" xmlns:a14="http://schemas.microsoft.com/office/drawing/2010/main" w="9525">
                     <a:solidFill>
                       <a:srgbClr val="000000"/>
                     </a:solidFill>
@@ -17130,7 +17132,7 @@
               </a:ln>
               <a:extLst>
                 <a:ext uri="{91240B29-F687-4f45-9708-019B960494DF}">
-                  <a14:hiddenLine xmlns:a14="http://schemas.microsoft.com/office/drawing/2010/main" xmlns="" w="9525">
+                  <a14:hiddenLine xmlns="" xmlns:a14="http://schemas.microsoft.com/office/drawing/2010/main" w="9525">
                     <a:solidFill>
                       <a:srgbClr val="000000"/>
                     </a:solidFill>
@@ -17195,7 +17197,7 @@
               </a:ln>
               <a:extLst>
                 <a:ext uri="{91240B29-F687-4f45-9708-019B960494DF}">
-                  <a14:hiddenLine xmlns:a14="http://schemas.microsoft.com/office/drawing/2010/main" xmlns="" w="9525">
+                  <a14:hiddenLine xmlns="" xmlns:a14="http://schemas.microsoft.com/office/drawing/2010/main" w="9525">
                     <a:solidFill>
                       <a:srgbClr val="000000"/>
                     </a:solidFill>
@@ -17285,7 +17287,7 @@
               </a:ln>
               <a:extLst>
                 <a:ext uri="{91240B29-F687-4f45-9708-019B960494DF}">
-                  <a14:hiddenLine xmlns:a14="http://schemas.microsoft.com/office/drawing/2010/main" xmlns="" w="9525">
+                  <a14:hiddenLine xmlns="" xmlns:a14="http://schemas.microsoft.com/office/drawing/2010/main" w="9525">
                     <a:solidFill>
                       <a:srgbClr val="000000"/>
                     </a:solidFill>
@@ -17353,7 +17355,7 @@
               </a:ln>
               <a:extLst>
                 <a:ext uri="{91240B29-F687-4f45-9708-019B960494DF}">
-                  <a14:hiddenLine xmlns:a14="http://schemas.microsoft.com/office/drawing/2010/main" xmlns="" w="9525">
+                  <a14:hiddenLine xmlns="" xmlns:a14="http://schemas.microsoft.com/office/drawing/2010/main" w="9525">
                     <a:solidFill>
                       <a:srgbClr val="000000"/>
                     </a:solidFill>
@@ -17443,7 +17445,7 @@
               </a:ln>
               <a:extLst>
                 <a:ext uri="{91240B29-F687-4f45-9708-019B960494DF}">
-                  <a14:hiddenLine xmlns:a14="http://schemas.microsoft.com/office/drawing/2010/main" xmlns="" w="9525">
+                  <a14:hiddenLine xmlns="" xmlns:a14="http://schemas.microsoft.com/office/drawing/2010/main" w="9525">
                     <a:solidFill>
                       <a:srgbClr val="000000"/>
                     </a:solidFill>
@@ -17511,7 +17513,7 @@
               </a:ln>
               <a:extLst>
                 <a:ext uri="{91240B29-F687-4f45-9708-019B960494DF}">
-                  <a14:hiddenLine xmlns:a14="http://schemas.microsoft.com/office/drawing/2010/main" xmlns="" w="9525">
+                  <a14:hiddenLine xmlns="" xmlns:a14="http://schemas.microsoft.com/office/drawing/2010/main" w="9525">
                     <a:solidFill>
                       <a:srgbClr val="000000"/>
                     </a:solidFill>
@@ -17601,7 +17603,7 @@
               </a:ln>
               <a:extLst>
                 <a:ext uri="{91240B29-F687-4f45-9708-019B960494DF}">
-                  <a14:hiddenLine xmlns:a14="http://schemas.microsoft.com/office/drawing/2010/main" xmlns="" w="9525">
+                  <a14:hiddenLine xmlns="" xmlns:a14="http://schemas.microsoft.com/office/drawing/2010/main" w="9525">
                     <a:solidFill>
                       <a:srgbClr val="000000"/>
                     </a:solidFill>
@@ -17635,7 +17637,7 @@
               </a:ln>
               <a:extLst>
                 <a:ext uri="{91240B29-F687-4f45-9708-019B960494DF}">
-                  <a14:hiddenLine xmlns:a14="http://schemas.microsoft.com/office/drawing/2010/main" xmlns="" w="9525">
+                  <a14:hiddenLine xmlns="" xmlns:a14="http://schemas.microsoft.com/office/drawing/2010/main" w="9525">
                     <a:solidFill>
                       <a:srgbClr val="000000"/>
                     </a:solidFill>
@@ -17775,7 +17777,7 @@
           <a:p>
             <a:fld id="{B4D2E831-0421-434F-B453-D2B84102824E}" type="datetime8">
               <a:rPr lang="he-IL" smtClean="0"/>
-              <a:t>06 נובמבר 20</a:t>
+              <a:t>09 ינואר 21</a:t>
             </a:fld>
             <a:endParaRPr lang="he-IL"/>
           </a:p>
@@ -18336,7 +18338,7 @@
           <a:p>
             <a:fld id="{7445C40F-4AEE-4AC0-A636-96FE080A188B}" type="datetime8">
               <a:rPr lang="he-IL" smtClean="0"/>
-              <a:t>06 נובמבר 20</a:t>
+              <a:t>09 ינואר 21</a:t>
             </a:fld>
             <a:endParaRPr lang="he-IL"/>
           </a:p>
@@ -22228,11 +22230,13 @@
         <p:spPr>
           <a:xfrm>
             <a:off x="1141412" y="1254643"/>
-            <a:ext cx="9905999" cy="4536558"/>
+            <a:ext cx="9905999" cy="1922190"/>
           </a:xfrm>
         </p:spPr>
         <p:txBody>
-          <a:bodyPr/>
+          <a:bodyPr>
+            <a:normAutofit lnSpcReduction="10000"/>
+          </a:bodyPr>
           <a:lstStyle/>
           <a:p>
             <a:pPr algn="l" rtl="0"/>
@@ -22251,7 +22255,7 @@
             </a:pPr>
             <a:r>
               <a:rPr lang="en-US" dirty="0"/>
-              <a:t>Using </a:t>
+              <a:t>One of the problems when using templates are the errors we can get on wrong usage. Using </a:t>
             </a:r>
             <a:r>
               <a:rPr lang="en-US" dirty="0" err="1"/>
@@ -22259,20 +22263,322 @@
             </a:r>
             <a:r>
               <a:rPr lang="en-US" dirty="0"/>
-              <a:t> restriction we can make sure on compile time to get </a:t>
-            </a:r>
-            <a:r>
-              <a:rPr lang="en-US" u="sng"/>
+              <a:t> restrictions we can make sure on compile time to get </a:t>
+            </a:r>
+            <a:r>
+              <a:rPr lang="en-US" u="sng" dirty="0"/>
               <a:t>more</a:t>
             </a:r>
             <a:r>
-              <a:rPr lang="en-US"/>
-              <a:t> informative errors </a:t>
+              <a:rPr lang="en-US" dirty="0"/>
+              <a:t> informative errors.</a:t>
             </a:r>
             <a:endParaRPr lang="he-IL" dirty="0"/>
           </a:p>
         </p:txBody>
       </p:sp>
+      <p:sp>
+        <p:nvSpPr>
+          <p:cNvPr id="5" name="TextBox 4"/>
+          <p:cNvSpPr txBox="1"/>
+          <p:nvPr/>
+        </p:nvSpPr>
+        <p:spPr>
+          <a:xfrm>
+            <a:off x="1120146" y="4247202"/>
+            <a:ext cx="8643135" cy="646331"/>
+          </a:xfrm>
+          <a:prstGeom prst="rect">
+            <a:avLst/>
+          </a:prstGeom>
+          <a:noFill/>
+        </p:spPr>
+        <p:txBody>
+          <a:bodyPr wrap="none" rtlCol="1">
+            <a:spAutoFit/>
+          </a:bodyPr>
+          <a:lstStyle/>
+          <a:p>
+            <a:r>
+              <a:rPr lang="en-US" dirty="0"/>
+              <a:t>A pretty function which should sum all the arguments that passed to it and to return the result.</a:t>
+            </a:r>
+            <a:br>
+              <a:rPr lang="en-US" dirty="0"/>
+            </a:br>
+            <a:r>
+              <a:rPr lang="en-US" dirty="0"/>
+              <a:t>On the best case, it’ll work:</a:t>
+            </a:r>
+            <a:endParaRPr lang="he-IL" dirty="0"/>
+          </a:p>
+        </p:txBody>
+      </p:sp>
+      <p:sp>
+        <p:nvSpPr>
+          <p:cNvPr id="7" name="TextBox 6"/>
+          <p:cNvSpPr txBox="1"/>
+          <p:nvPr/>
+        </p:nvSpPr>
+        <p:spPr>
+          <a:xfrm>
+            <a:off x="1141412" y="5138306"/>
+            <a:ext cx="10624768" cy="369332"/>
+          </a:xfrm>
+          <a:prstGeom prst="rect">
+            <a:avLst/>
+          </a:prstGeom>
+          <a:noFill/>
+        </p:spPr>
+        <p:txBody>
+          <a:bodyPr wrap="none" rtlCol="1">
+            <a:spAutoFit/>
+          </a:bodyPr>
+          <a:lstStyle/>
+          <a:p>
+            <a:r>
+              <a:rPr lang="en-US" dirty="0"/>
+              <a:t>Worst case, it won’t and we’ll get a very uncomfortable error that might lead to serious mistakes of our colleagues:</a:t>
+            </a:r>
+            <a:endParaRPr lang="he-IL" dirty="0"/>
+          </a:p>
+        </p:txBody>
+      </p:sp>
+      <p:sp>
+        <p:nvSpPr>
+          <p:cNvPr id="11" name="TextBox 10"/>
+          <p:cNvSpPr txBox="1"/>
+          <p:nvPr/>
+        </p:nvSpPr>
+        <p:spPr>
+          <a:xfrm>
+            <a:off x="1134616" y="1796786"/>
+            <a:ext cx="10345396" cy="830997"/>
+          </a:xfrm>
+          <a:prstGeom prst="rect">
+            <a:avLst/>
+          </a:prstGeom>
+          <a:noFill/>
+        </p:spPr>
+        <p:txBody>
+          <a:bodyPr wrap="none" rtlCol="1">
+            <a:spAutoFit/>
+          </a:bodyPr>
+          <a:lstStyle/>
+          <a:p>
+            <a:r>
+              <a:rPr lang="en-US" sz="2400" dirty="0"/>
+              <a:t>But who wants to create a legacy broken code that everyone hates? There have</a:t>
+            </a:r>
+            <a:br>
+              <a:rPr lang="en-US" sz="2400" dirty="0"/>
+            </a:br>
+            <a:r>
+              <a:rPr lang="en-US" sz="2400" dirty="0"/>
+              <a:t>to be a better way to warn developers before they break down our beautiful code!</a:t>
+            </a:r>
+            <a:endParaRPr lang="he-IL" sz="2400" dirty="0"/>
+          </a:p>
+        </p:txBody>
+      </p:sp>
+      <p:pic>
+        <p:nvPicPr>
+          <p:cNvPr id="12" name="Picture 11"/>
+          <p:cNvPicPr>
+            <a:picLocks noChangeAspect="1"/>
+          </p:cNvPicPr>
+          <p:nvPr/>
+        </p:nvPicPr>
+        <p:blipFill>
+          <a:blip r:embed="rId2"/>
+          <a:stretch>
+            <a:fillRect/>
+          </a:stretch>
+        </p:blipFill>
+        <p:spPr>
+          <a:xfrm>
+            <a:off x="1130557" y="3176833"/>
+            <a:ext cx="2105025" cy="847725"/>
+          </a:xfrm>
+          <a:prstGeom prst="rect">
+            <a:avLst/>
+          </a:prstGeom>
+        </p:spPr>
+      </p:pic>
+      <p:pic>
+        <p:nvPicPr>
+          <p:cNvPr id="13" name="Picture 12"/>
+          <p:cNvPicPr>
+            <a:picLocks noChangeAspect="1"/>
+          </p:cNvPicPr>
+          <p:nvPr/>
+        </p:nvPicPr>
+        <p:blipFill>
+          <a:blip r:embed="rId3"/>
+          <a:stretch>
+            <a:fillRect/>
+          </a:stretch>
+        </p:blipFill>
+        <p:spPr>
+          <a:xfrm>
+            <a:off x="1141190" y="4893533"/>
+            <a:ext cx="3343275" cy="219075"/>
+          </a:xfrm>
+          <a:prstGeom prst="rect">
+            <a:avLst/>
+          </a:prstGeom>
+        </p:spPr>
+      </p:pic>
+      <p:pic>
+        <p:nvPicPr>
+          <p:cNvPr id="14" name="Picture 13"/>
+          <p:cNvPicPr>
+            <a:picLocks noChangeAspect="1"/>
+          </p:cNvPicPr>
+          <p:nvPr/>
+        </p:nvPicPr>
+        <p:blipFill>
+          <a:blip r:embed="rId4"/>
+          <a:stretch>
+            <a:fillRect/>
+          </a:stretch>
+        </p:blipFill>
+        <p:spPr>
+          <a:xfrm>
+            <a:off x="1141190" y="5521298"/>
+            <a:ext cx="3790950" cy="266700"/>
+          </a:xfrm>
+          <a:prstGeom prst="rect">
+            <a:avLst/>
+          </a:prstGeom>
+        </p:spPr>
+      </p:pic>
+      <p:pic>
+        <p:nvPicPr>
+          <p:cNvPr id="15" name="Picture 14"/>
+          <p:cNvPicPr>
+            <a:picLocks noChangeAspect="1"/>
+          </p:cNvPicPr>
+          <p:nvPr/>
+        </p:nvPicPr>
+        <p:blipFill>
+          <a:blip r:embed="rId5"/>
+          <a:stretch>
+            <a:fillRect/>
+          </a:stretch>
+        </p:blipFill>
+        <p:spPr>
+          <a:xfrm>
+            <a:off x="1120146" y="5986031"/>
+            <a:ext cx="7867650" cy="581025"/>
+          </a:xfrm>
+          <a:prstGeom prst="rect">
+            <a:avLst/>
+          </a:prstGeom>
+        </p:spPr>
+      </p:pic>
+      <p:pic>
+        <p:nvPicPr>
+          <p:cNvPr id="16" name="Picture 15"/>
+          <p:cNvPicPr>
+            <a:picLocks noChangeAspect="1"/>
+          </p:cNvPicPr>
+          <p:nvPr/>
+        </p:nvPicPr>
+        <p:blipFill>
+          <a:blip r:embed="rId6"/>
+          <a:stretch>
+            <a:fillRect/>
+          </a:stretch>
+        </p:blipFill>
+        <p:spPr>
+          <a:xfrm>
+            <a:off x="1141190" y="3176833"/>
+            <a:ext cx="7181850" cy="800100"/>
+          </a:xfrm>
+          <a:prstGeom prst="rect">
+            <a:avLst/>
+          </a:prstGeom>
+        </p:spPr>
+      </p:pic>
+      <p:sp>
+        <p:nvSpPr>
+          <p:cNvPr id="17" name="TextBox 16"/>
+          <p:cNvSpPr txBox="1"/>
+          <p:nvPr/>
+        </p:nvSpPr>
+        <p:spPr>
+          <a:xfrm>
+            <a:off x="1141190" y="5145912"/>
+            <a:ext cx="9018751" cy="369332"/>
+          </a:xfrm>
+          <a:prstGeom prst="rect">
+            <a:avLst/>
+          </a:prstGeom>
+          <a:noFill/>
+        </p:spPr>
+        <p:txBody>
+          <a:bodyPr wrap="none" rtlCol="1">
+            <a:spAutoFit/>
+          </a:bodyPr>
+          <a:lstStyle/>
+          <a:p>
+            <a:r>
+              <a:rPr lang="en-US" dirty="0"/>
+              <a:t>Worst case, it won’t and we’ll get a relatively informative error in the real source of the problem:</a:t>
+            </a:r>
+            <a:endParaRPr lang="he-IL" dirty="0"/>
+          </a:p>
+        </p:txBody>
+      </p:sp>
+      <p:pic>
+        <p:nvPicPr>
+          <p:cNvPr id="18" name="Picture 17"/>
+          <p:cNvPicPr>
+            <a:picLocks noChangeAspect="1"/>
+          </p:cNvPicPr>
+          <p:nvPr/>
+        </p:nvPicPr>
+        <p:blipFill>
+          <a:blip r:embed="rId7"/>
+          <a:stretch>
+            <a:fillRect/>
+          </a:stretch>
+        </p:blipFill>
+        <p:spPr>
+          <a:xfrm>
+            <a:off x="1119979" y="5512819"/>
+            <a:ext cx="3781425" cy="209550"/>
+          </a:xfrm>
+          <a:prstGeom prst="rect">
+            <a:avLst/>
+          </a:prstGeom>
+        </p:spPr>
+      </p:pic>
+      <p:pic>
+        <p:nvPicPr>
+          <p:cNvPr id="19" name="Picture 18"/>
+          <p:cNvPicPr>
+            <a:picLocks noChangeAspect="1"/>
+          </p:cNvPicPr>
+          <p:nvPr/>
+        </p:nvPicPr>
+        <p:blipFill>
+          <a:blip r:embed="rId8"/>
+          <a:stretch>
+            <a:fillRect/>
+          </a:stretch>
+        </p:blipFill>
+        <p:spPr>
+          <a:xfrm>
+            <a:off x="1119979" y="5986031"/>
+            <a:ext cx="7934325" cy="590550"/>
+          </a:xfrm>
+          <a:prstGeom prst="rect">
+            <a:avLst/>
+          </a:prstGeom>
+        </p:spPr>
+      </p:pic>
     </p:spTree>
     <p:extLst>
       <p:ext uri="{BB962C8B-B14F-4D97-AF65-F5344CB8AC3E}">
@@ -22283,10 +22589,3710 @@
   <p:clrMapOvr>
     <a:masterClrMapping/>
   </p:clrMapOvr>
+  <p:timing>
+    <p:tnLst>
+      <p:par>
+        <p:cTn id="1" dur="indefinite" restart="never" nodeType="tmRoot">
+          <p:childTnLst>
+            <p:seq concurrent="1" nextAc="seek">
+              <p:cTn id="2" dur="indefinite" nodeType="mainSeq">
+                <p:childTnLst>
+                  <p:par>
+                    <p:cTn id="3" fill="hold">
+                      <p:stCondLst>
+                        <p:cond delay="indefinite"/>
+                      </p:stCondLst>
+                      <p:childTnLst>
+                        <p:par>
+                          <p:cTn id="4" fill="hold">
+                            <p:stCondLst>
+                              <p:cond delay="0"/>
+                            </p:stCondLst>
+                            <p:childTnLst>
+                              <p:par>
+                                <p:cTn id="5" presetID="42" presetClass="entr" presetSubtype="0" fill="hold" grpId="0" nodeType="clickEffect">
+                                  <p:stCondLst>
+                                    <p:cond delay="0"/>
+                                  </p:stCondLst>
+                                  <p:childTnLst>
+                                    <p:set>
+                                      <p:cBhvr>
+                                        <p:cTn id="6" dur="1" fill="hold">
+                                          <p:stCondLst>
+                                            <p:cond delay="0"/>
+                                          </p:stCondLst>
+                                        </p:cTn>
+                                        <p:tgtEl>
+                                          <p:spTgt spid="3">
+                                            <p:txEl>
+                                              <p:pRg st="0" end="0"/>
+                                            </p:txEl>
+                                          </p:spTgt>
+                                        </p:tgtEl>
+                                        <p:attrNameLst>
+                                          <p:attrName>style.visibility</p:attrName>
+                                        </p:attrNameLst>
+                                      </p:cBhvr>
+                                      <p:to>
+                                        <p:strVal val="visible"/>
+                                      </p:to>
+                                    </p:set>
+                                    <p:animEffect transition="in" filter="fade">
+                                      <p:cBhvr>
+                                        <p:cTn id="7" dur="1000"/>
+                                        <p:tgtEl>
+                                          <p:spTgt spid="3">
+                                            <p:txEl>
+                                              <p:pRg st="0" end="0"/>
+                                            </p:txEl>
+                                          </p:spTgt>
+                                        </p:tgtEl>
+                                      </p:cBhvr>
+                                    </p:animEffect>
+                                    <p:anim calcmode="lin" valueType="num">
+                                      <p:cBhvr>
+                                        <p:cTn id="8" dur="1000" fill="hold"/>
+                                        <p:tgtEl>
+                                          <p:spTgt spid="3">
+                                            <p:txEl>
+                                              <p:pRg st="0" end="0"/>
+                                            </p:txEl>
+                                          </p:spTgt>
+                                        </p:tgtEl>
+                                        <p:attrNameLst>
+                                          <p:attrName>ppt_x</p:attrName>
+                                        </p:attrNameLst>
+                                      </p:cBhvr>
+                                      <p:tavLst>
+                                        <p:tav tm="0">
+                                          <p:val>
+                                            <p:strVal val="#ppt_x"/>
+                                          </p:val>
+                                        </p:tav>
+                                        <p:tav tm="100000">
+                                          <p:val>
+                                            <p:strVal val="#ppt_x"/>
+                                          </p:val>
+                                        </p:tav>
+                                      </p:tavLst>
+                                    </p:anim>
+                                    <p:anim calcmode="lin" valueType="num">
+                                      <p:cBhvr>
+                                        <p:cTn id="9" dur="1000" fill="hold"/>
+                                        <p:tgtEl>
+                                          <p:spTgt spid="3">
+                                            <p:txEl>
+                                              <p:pRg st="0" end="0"/>
+                                            </p:txEl>
+                                          </p:spTgt>
+                                        </p:tgtEl>
+                                        <p:attrNameLst>
+                                          <p:attrName>ppt_y</p:attrName>
+                                        </p:attrNameLst>
+                                      </p:cBhvr>
+                                      <p:tavLst>
+                                        <p:tav tm="0">
+                                          <p:val>
+                                            <p:strVal val="#ppt_y+.1"/>
+                                          </p:val>
+                                        </p:tav>
+                                        <p:tav tm="100000">
+                                          <p:val>
+                                            <p:strVal val="#ppt_y"/>
+                                          </p:val>
+                                        </p:tav>
+                                      </p:tavLst>
+                                    </p:anim>
+                                  </p:childTnLst>
+                                </p:cTn>
+                              </p:par>
+                            </p:childTnLst>
+                          </p:cTn>
+                        </p:par>
+                      </p:childTnLst>
+                    </p:cTn>
+                  </p:par>
+                  <p:par>
+                    <p:cTn id="10" fill="hold">
+                      <p:stCondLst>
+                        <p:cond delay="indefinite"/>
+                      </p:stCondLst>
+                      <p:childTnLst>
+                        <p:par>
+                          <p:cTn id="11" fill="hold">
+                            <p:stCondLst>
+                              <p:cond delay="0"/>
+                            </p:stCondLst>
+                            <p:childTnLst>
+                              <p:par>
+                                <p:cTn id="12" presetID="10" presetClass="entr" presetSubtype="0" fill="hold" grpId="1" nodeType="clickEffect">
+                                  <p:stCondLst>
+                                    <p:cond delay="0"/>
+                                  </p:stCondLst>
+                                  <p:iterate type="wd">
+                                    <p:tmPct val="10000"/>
+                                  </p:iterate>
+                                  <p:childTnLst>
+                                    <p:set>
+                                      <p:cBhvr>
+                                        <p:cTn id="13" dur="1" fill="hold">
+                                          <p:stCondLst>
+                                            <p:cond delay="0"/>
+                                          </p:stCondLst>
+                                        </p:cTn>
+                                        <p:tgtEl>
+                                          <p:spTgt spid="3">
+                                            <p:txEl>
+                                              <p:pRg st="1" end="1"/>
+                                            </p:txEl>
+                                          </p:spTgt>
+                                        </p:tgtEl>
+                                        <p:attrNameLst>
+                                          <p:attrName>style.visibility</p:attrName>
+                                        </p:attrNameLst>
+                                      </p:cBhvr>
+                                      <p:to>
+                                        <p:strVal val="visible"/>
+                                      </p:to>
+                                    </p:set>
+                                    <p:animEffect transition="in" filter="fade">
+                                      <p:cBhvr>
+                                        <p:cTn id="14" dur="500"/>
+                                        <p:tgtEl>
+                                          <p:spTgt spid="3">
+                                            <p:txEl>
+                                              <p:pRg st="1" end="1"/>
+                                            </p:txEl>
+                                          </p:spTgt>
+                                        </p:tgtEl>
+                                      </p:cBhvr>
+                                    </p:animEffect>
+                                  </p:childTnLst>
+                                </p:cTn>
+                              </p:par>
+                            </p:childTnLst>
+                          </p:cTn>
+                        </p:par>
+                      </p:childTnLst>
+                    </p:cTn>
+                  </p:par>
+                  <p:par>
+                    <p:cTn id="15" fill="hold">
+                      <p:stCondLst>
+                        <p:cond delay="indefinite"/>
+                      </p:stCondLst>
+                      <p:childTnLst>
+                        <p:par>
+                          <p:cTn id="16" fill="hold">
+                            <p:stCondLst>
+                              <p:cond delay="0"/>
+                            </p:stCondLst>
+                            <p:childTnLst>
+                              <p:par>
+                                <p:cTn id="17" presetID="26" presetClass="entr" presetSubtype="0" fill="hold" nodeType="clickEffect">
+                                  <p:stCondLst>
+                                    <p:cond delay="0"/>
+                                  </p:stCondLst>
+                                  <p:childTnLst>
+                                    <p:set>
+                                      <p:cBhvr>
+                                        <p:cTn id="18" dur="1" fill="hold">
+                                          <p:stCondLst>
+                                            <p:cond delay="0"/>
+                                          </p:stCondLst>
+                                        </p:cTn>
+                                        <p:tgtEl>
+                                          <p:spTgt spid="12"/>
+                                        </p:tgtEl>
+                                        <p:attrNameLst>
+                                          <p:attrName>style.visibility</p:attrName>
+                                        </p:attrNameLst>
+                                      </p:cBhvr>
+                                      <p:to>
+                                        <p:strVal val="visible"/>
+                                      </p:to>
+                                    </p:set>
+                                    <p:animEffect transition="in" filter="wipe(down)">
+                                      <p:cBhvr>
+                                        <p:cTn id="19" dur="580">
+                                          <p:stCondLst>
+                                            <p:cond delay="0"/>
+                                          </p:stCondLst>
+                                        </p:cTn>
+                                        <p:tgtEl>
+                                          <p:spTgt spid="12"/>
+                                        </p:tgtEl>
+                                      </p:cBhvr>
+                                    </p:animEffect>
+                                    <p:anim calcmode="lin" valueType="num">
+                                      <p:cBhvr>
+                                        <p:cTn id="20" dur="1822" tmFilter="0,0; 0.14,0.36; 0.43,0.73; 0.71,0.91; 1.0,1.0">
+                                          <p:stCondLst>
+                                            <p:cond delay="0"/>
+                                          </p:stCondLst>
+                                        </p:cTn>
+                                        <p:tgtEl>
+                                          <p:spTgt spid="12"/>
+                                        </p:tgtEl>
+                                        <p:attrNameLst>
+                                          <p:attrName>ppt_x</p:attrName>
+                                        </p:attrNameLst>
+                                      </p:cBhvr>
+                                      <p:tavLst>
+                                        <p:tav tm="0">
+                                          <p:val>
+                                            <p:strVal val="#ppt_x-0.25"/>
+                                          </p:val>
+                                        </p:tav>
+                                        <p:tav tm="100000">
+                                          <p:val>
+                                            <p:strVal val="#ppt_x"/>
+                                          </p:val>
+                                        </p:tav>
+                                      </p:tavLst>
+                                    </p:anim>
+                                    <p:anim calcmode="lin" valueType="num">
+                                      <p:cBhvr>
+                                        <p:cTn id="21" dur="664" tmFilter="0.0,0.0; 0.25,0.07; 0.50,0.2; 0.75,0.467; 1.0,1.0">
+                                          <p:stCondLst>
+                                            <p:cond delay="0"/>
+                                          </p:stCondLst>
+                                        </p:cTn>
+                                        <p:tgtEl>
+                                          <p:spTgt spid="12"/>
+                                        </p:tgtEl>
+                                        <p:attrNameLst>
+                                          <p:attrName>ppt_y</p:attrName>
+                                        </p:attrNameLst>
+                                      </p:cBhvr>
+                                      <p:tavLst>
+                                        <p:tav tm="0" fmla="#ppt_y-sin(pi*$)/3">
+                                          <p:val>
+                                            <p:fltVal val="0.5"/>
+                                          </p:val>
+                                        </p:tav>
+                                        <p:tav tm="100000">
+                                          <p:val>
+                                            <p:fltVal val="1"/>
+                                          </p:val>
+                                        </p:tav>
+                                      </p:tavLst>
+                                    </p:anim>
+                                    <p:anim calcmode="lin" valueType="num">
+                                      <p:cBhvr>
+                                        <p:cTn id="22" dur="664" tmFilter="0, 0; 0.125,0.2665; 0.25,0.4; 0.375,0.465; 0.5,0.5;  0.625,0.535; 0.75,0.6; 0.875,0.7335; 1,1">
+                                          <p:stCondLst>
+                                            <p:cond delay="664"/>
+                                          </p:stCondLst>
+                                        </p:cTn>
+                                        <p:tgtEl>
+                                          <p:spTgt spid="12"/>
+                                        </p:tgtEl>
+                                        <p:attrNameLst>
+                                          <p:attrName>ppt_y</p:attrName>
+                                        </p:attrNameLst>
+                                      </p:cBhvr>
+                                      <p:tavLst>
+                                        <p:tav tm="0" fmla="#ppt_y-sin(pi*$)/9">
+                                          <p:val>
+                                            <p:fltVal val="0"/>
+                                          </p:val>
+                                        </p:tav>
+                                        <p:tav tm="100000">
+                                          <p:val>
+                                            <p:fltVal val="1"/>
+                                          </p:val>
+                                        </p:tav>
+                                      </p:tavLst>
+                                    </p:anim>
+                                    <p:anim calcmode="lin" valueType="num">
+                                      <p:cBhvr>
+                                        <p:cTn id="23" dur="332" tmFilter="0, 0; 0.125,0.2665; 0.25,0.4; 0.375,0.465; 0.5,0.5;  0.625,0.535; 0.75,0.6; 0.875,0.7335; 1,1">
+                                          <p:stCondLst>
+                                            <p:cond delay="1324"/>
+                                          </p:stCondLst>
+                                        </p:cTn>
+                                        <p:tgtEl>
+                                          <p:spTgt spid="12"/>
+                                        </p:tgtEl>
+                                        <p:attrNameLst>
+                                          <p:attrName>ppt_y</p:attrName>
+                                        </p:attrNameLst>
+                                      </p:cBhvr>
+                                      <p:tavLst>
+                                        <p:tav tm="0" fmla="#ppt_y-sin(pi*$)/27">
+                                          <p:val>
+                                            <p:fltVal val="0"/>
+                                          </p:val>
+                                        </p:tav>
+                                        <p:tav tm="100000">
+                                          <p:val>
+                                            <p:fltVal val="1"/>
+                                          </p:val>
+                                        </p:tav>
+                                      </p:tavLst>
+                                    </p:anim>
+                                    <p:anim calcmode="lin" valueType="num">
+                                      <p:cBhvr>
+                                        <p:cTn id="24" dur="164" tmFilter="0, 0; 0.125,0.2665; 0.25,0.4; 0.375,0.465; 0.5,0.5;  0.625,0.535; 0.75,0.6; 0.875,0.7335; 1,1">
+                                          <p:stCondLst>
+                                            <p:cond delay="1656"/>
+                                          </p:stCondLst>
+                                        </p:cTn>
+                                        <p:tgtEl>
+                                          <p:spTgt spid="12"/>
+                                        </p:tgtEl>
+                                        <p:attrNameLst>
+                                          <p:attrName>ppt_y</p:attrName>
+                                        </p:attrNameLst>
+                                      </p:cBhvr>
+                                      <p:tavLst>
+                                        <p:tav tm="0" fmla="#ppt_y-sin(pi*$)/81">
+                                          <p:val>
+                                            <p:fltVal val="0"/>
+                                          </p:val>
+                                        </p:tav>
+                                        <p:tav tm="100000">
+                                          <p:val>
+                                            <p:fltVal val="1"/>
+                                          </p:val>
+                                        </p:tav>
+                                      </p:tavLst>
+                                    </p:anim>
+                                    <p:animScale>
+                                      <p:cBhvr>
+                                        <p:cTn id="25" dur="26">
+                                          <p:stCondLst>
+                                            <p:cond delay="650"/>
+                                          </p:stCondLst>
+                                        </p:cTn>
+                                        <p:tgtEl>
+                                          <p:spTgt spid="12"/>
+                                        </p:tgtEl>
+                                      </p:cBhvr>
+                                      <p:to x="100000" y="60000"/>
+                                    </p:animScale>
+                                    <p:animScale>
+                                      <p:cBhvr>
+                                        <p:cTn id="26" dur="166" decel="50000">
+                                          <p:stCondLst>
+                                            <p:cond delay="676"/>
+                                          </p:stCondLst>
+                                        </p:cTn>
+                                        <p:tgtEl>
+                                          <p:spTgt spid="12"/>
+                                        </p:tgtEl>
+                                      </p:cBhvr>
+                                      <p:to x="100000" y="100000"/>
+                                    </p:animScale>
+                                    <p:animScale>
+                                      <p:cBhvr>
+                                        <p:cTn id="27" dur="26">
+                                          <p:stCondLst>
+                                            <p:cond delay="1312"/>
+                                          </p:stCondLst>
+                                        </p:cTn>
+                                        <p:tgtEl>
+                                          <p:spTgt spid="12"/>
+                                        </p:tgtEl>
+                                      </p:cBhvr>
+                                      <p:to x="100000" y="80000"/>
+                                    </p:animScale>
+                                    <p:animScale>
+                                      <p:cBhvr>
+                                        <p:cTn id="28" dur="166" decel="50000">
+                                          <p:stCondLst>
+                                            <p:cond delay="1338"/>
+                                          </p:stCondLst>
+                                        </p:cTn>
+                                        <p:tgtEl>
+                                          <p:spTgt spid="12"/>
+                                        </p:tgtEl>
+                                      </p:cBhvr>
+                                      <p:to x="100000" y="100000"/>
+                                    </p:animScale>
+                                    <p:animScale>
+                                      <p:cBhvr>
+                                        <p:cTn id="29" dur="26">
+                                          <p:stCondLst>
+                                            <p:cond delay="1642"/>
+                                          </p:stCondLst>
+                                        </p:cTn>
+                                        <p:tgtEl>
+                                          <p:spTgt spid="12"/>
+                                        </p:tgtEl>
+                                      </p:cBhvr>
+                                      <p:to x="100000" y="90000"/>
+                                    </p:animScale>
+                                    <p:animScale>
+                                      <p:cBhvr>
+                                        <p:cTn id="30" dur="166" decel="50000">
+                                          <p:stCondLst>
+                                            <p:cond delay="1668"/>
+                                          </p:stCondLst>
+                                        </p:cTn>
+                                        <p:tgtEl>
+                                          <p:spTgt spid="12"/>
+                                        </p:tgtEl>
+                                      </p:cBhvr>
+                                      <p:to x="100000" y="100000"/>
+                                    </p:animScale>
+                                    <p:animScale>
+                                      <p:cBhvr>
+                                        <p:cTn id="31" dur="26">
+                                          <p:stCondLst>
+                                            <p:cond delay="1808"/>
+                                          </p:stCondLst>
+                                        </p:cTn>
+                                        <p:tgtEl>
+                                          <p:spTgt spid="12"/>
+                                        </p:tgtEl>
+                                      </p:cBhvr>
+                                      <p:to x="100000" y="95000"/>
+                                    </p:animScale>
+                                    <p:animScale>
+                                      <p:cBhvr>
+                                        <p:cTn id="32" dur="166" decel="50000">
+                                          <p:stCondLst>
+                                            <p:cond delay="1834"/>
+                                          </p:stCondLst>
+                                        </p:cTn>
+                                        <p:tgtEl>
+                                          <p:spTgt spid="12"/>
+                                        </p:tgtEl>
+                                      </p:cBhvr>
+                                      <p:to x="100000" y="100000"/>
+                                    </p:animScale>
+                                  </p:childTnLst>
+                                </p:cTn>
+                              </p:par>
+                            </p:childTnLst>
+                          </p:cTn>
+                        </p:par>
+                        <p:par>
+                          <p:cTn id="33" fill="hold">
+                            <p:stCondLst>
+                              <p:cond delay="2000"/>
+                            </p:stCondLst>
+                            <p:childTnLst>
+                              <p:par>
+                                <p:cTn id="34" presetID="10" presetClass="entr" presetSubtype="0" fill="hold" grpId="0" nodeType="afterEffect">
+                                  <p:stCondLst>
+                                    <p:cond delay="0"/>
+                                  </p:stCondLst>
+                                  <p:childTnLst>
+                                    <p:set>
+                                      <p:cBhvr>
+                                        <p:cTn id="35" dur="1" fill="hold">
+                                          <p:stCondLst>
+                                            <p:cond delay="0"/>
+                                          </p:stCondLst>
+                                        </p:cTn>
+                                        <p:tgtEl>
+                                          <p:spTgt spid="5"/>
+                                        </p:tgtEl>
+                                        <p:attrNameLst>
+                                          <p:attrName>style.visibility</p:attrName>
+                                        </p:attrNameLst>
+                                      </p:cBhvr>
+                                      <p:to>
+                                        <p:strVal val="visible"/>
+                                      </p:to>
+                                    </p:set>
+                                    <p:animEffect transition="in" filter="fade">
+                                      <p:cBhvr>
+                                        <p:cTn id="36" dur="500"/>
+                                        <p:tgtEl>
+                                          <p:spTgt spid="5"/>
+                                        </p:tgtEl>
+                                      </p:cBhvr>
+                                    </p:animEffect>
+                                  </p:childTnLst>
+                                </p:cTn>
+                              </p:par>
+                            </p:childTnLst>
+                          </p:cTn>
+                        </p:par>
+                        <p:par>
+                          <p:cTn id="37" fill="hold">
+                            <p:stCondLst>
+                              <p:cond delay="2500"/>
+                            </p:stCondLst>
+                            <p:childTnLst>
+                              <p:par>
+                                <p:cTn id="38" presetID="16" presetClass="entr" presetSubtype="21" fill="hold" nodeType="afterEffect">
+                                  <p:stCondLst>
+                                    <p:cond delay="0"/>
+                                  </p:stCondLst>
+                                  <p:childTnLst>
+                                    <p:set>
+                                      <p:cBhvr>
+                                        <p:cTn id="39" dur="1" fill="hold">
+                                          <p:stCondLst>
+                                            <p:cond delay="0"/>
+                                          </p:stCondLst>
+                                        </p:cTn>
+                                        <p:tgtEl>
+                                          <p:spTgt spid="13"/>
+                                        </p:tgtEl>
+                                        <p:attrNameLst>
+                                          <p:attrName>style.visibility</p:attrName>
+                                        </p:attrNameLst>
+                                      </p:cBhvr>
+                                      <p:to>
+                                        <p:strVal val="visible"/>
+                                      </p:to>
+                                    </p:set>
+                                    <p:animEffect transition="in" filter="barn(inVertical)">
+                                      <p:cBhvr>
+                                        <p:cTn id="40" dur="500"/>
+                                        <p:tgtEl>
+                                          <p:spTgt spid="13"/>
+                                        </p:tgtEl>
+                                      </p:cBhvr>
+                                    </p:animEffect>
+                                  </p:childTnLst>
+                                </p:cTn>
+                              </p:par>
+                            </p:childTnLst>
+                          </p:cTn>
+                        </p:par>
+                      </p:childTnLst>
+                    </p:cTn>
+                  </p:par>
+                  <p:par>
+                    <p:cTn id="41" fill="hold">
+                      <p:stCondLst>
+                        <p:cond delay="indefinite"/>
+                      </p:stCondLst>
+                      <p:childTnLst>
+                        <p:par>
+                          <p:cTn id="42" fill="hold">
+                            <p:stCondLst>
+                              <p:cond delay="0"/>
+                            </p:stCondLst>
+                            <p:childTnLst>
+                              <p:par>
+                                <p:cTn id="43" presetID="42" presetClass="entr" presetSubtype="0" fill="hold" grpId="0" nodeType="clickEffect">
+                                  <p:stCondLst>
+                                    <p:cond delay="0"/>
+                                  </p:stCondLst>
+                                  <p:childTnLst>
+                                    <p:set>
+                                      <p:cBhvr>
+                                        <p:cTn id="44" dur="1" fill="hold">
+                                          <p:stCondLst>
+                                            <p:cond delay="0"/>
+                                          </p:stCondLst>
+                                        </p:cTn>
+                                        <p:tgtEl>
+                                          <p:spTgt spid="7"/>
+                                        </p:tgtEl>
+                                        <p:attrNameLst>
+                                          <p:attrName>style.visibility</p:attrName>
+                                        </p:attrNameLst>
+                                      </p:cBhvr>
+                                      <p:to>
+                                        <p:strVal val="visible"/>
+                                      </p:to>
+                                    </p:set>
+                                    <p:animEffect transition="in" filter="fade">
+                                      <p:cBhvr>
+                                        <p:cTn id="45" dur="1000"/>
+                                        <p:tgtEl>
+                                          <p:spTgt spid="7"/>
+                                        </p:tgtEl>
+                                      </p:cBhvr>
+                                    </p:animEffect>
+                                    <p:anim calcmode="lin" valueType="num">
+                                      <p:cBhvr>
+                                        <p:cTn id="46" dur="1000" fill="hold"/>
+                                        <p:tgtEl>
+                                          <p:spTgt spid="7"/>
+                                        </p:tgtEl>
+                                        <p:attrNameLst>
+                                          <p:attrName>ppt_x</p:attrName>
+                                        </p:attrNameLst>
+                                      </p:cBhvr>
+                                      <p:tavLst>
+                                        <p:tav tm="0">
+                                          <p:val>
+                                            <p:strVal val="#ppt_x"/>
+                                          </p:val>
+                                        </p:tav>
+                                        <p:tav tm="100000">
+                                          <p:val>
+                                            <p:strVal val="#ppt_x"/>
+                                          </p:val>
+                                        </p:tav>
+                                      </p:tavLst>
+                                    </p:anim>
+                                    <p:anim calcmode="lin" valueType="num">
+                                      <p:cBhvr>
+                                        <p:cTn id="47" dur="1000" fill="hold"/>
+                                        <p:tgtEl>
+                                          <p:spTgt spid="7"/>
+                                        </p:tgtEl>
+                                        <p:attrNameLst>
+                                          <p:attrName>ppt_y</p:attrName>
+                                        </p:attrNameLst>
+                                      </p:cBhvr>
+                                      <p:tavLst>
+                                        <p:tav tm="0">
+                                          <p:val>
+                                            <p:strVal val="#ppt_y+.1"/>
+                                          </p:val>
+                                        </p:tav>
+                                        <p:tav tm="100000">
+                                          <p:val>
+                                            <p:strVal val="#ppt_y"/>
+                                          </p:val>
+                                        </p:tav>
+                                      </p:tavLst>
+                                    </p:anim>
+                                  </p:childTnLst>
+                                </p:cTn>
+                              </p:par>
+                            </p:childTnLst>
+                          </p:cTn>
+                        </p:par>
+                        <p:par>
+                          <p:cTn id="48" fill="hold">
+                            <p:stCondLst>
+                              <p:cond delay="1000"/>
+                            </p:stCondLst>
+                            <p:childTnLst>
+                              <p:par>
+                                <p:cTn id="49" presetID="42" presetClass="entr" presetSubtype="0" fill="hold" nodeType="afterEffect">
+                                  <p:stCondLst>
+                                    <p:cond delay="0"/>
+                                  </p:stCondLst>
+                                  <p:childTnLst>
+                                    <p:set>
+                                      <p:cBhvr>
+                                        <p:cTn id="50" dur="1" fill="hold">
+                                          <p:stCondLst>
+                                            <p:cond delay="0"/>
+                                          </p:stCondLst>
+                                        </p:cTn>
+                                        <p:tgtEl>
+                                          <p:spTgt spid="14"/>
+                                        </p:tgtEl>
+                                        <p:attrNameLst>
+                                          <p:attrName>style.visibility</p:attrName>
+                                        </p:attrNameLst>
+                                      </p:cBhvr>
+                                      <p:to>
+                                        <p:strVal val="visible"/>
+                                      </p:to>
+                                    </p:set>
+                                    <p:animEffect transition="in" filter="fade">
+                                      <p:cBhvr>
+                                        <p:cTn id="51" dur="1000"/>
+                                        <p:tgtEl>
+                                          <p:spTgt spid="14"/>
+                                        </p:tgtEl>
+                                      </p:cBhvr>
+                                    </p:animEffect>
+                                    <p:anim calcmode="lin" valueType="num">
+                                      <p:cBhvr>
+                                        <p:cTn id="52" dur="1000" fill="hold"/>
+                                        <p:tgtEl>
+                                          <p:spTgt spid="14"/>
+                                        </p:tgtEl>
+                                        <p:attrNameLst>
+                                          <p:attrName>ppt_x</p:attrName>
+                                        </p:attrNameLst>
+                                      </p:cBhvr>
+                                      <p:tavLst>
+                                        <p:tav tm="0">
+                                          <p:val>
+                                            <p:strVal val="#ppt_x"/>
+                                          </p:val>
+                                        </p:tav>
+                                        <p:tav tm="100000">
+                                          <p:val>
+                                            <p:strVal val="#ppt_x"/>
+                                          </p:val>
+                                        </p:tav>
+                                      </p:tavLst>
+                                    </p:anim>
+                                    <p:anim calcmode="lin" valueType="num">
+                                      <p:cBhvr>
+                                        <p:cTn id="53" dur="1000" fill="hold"/>
+                                        <p:tgtEl>
+                                          <p:spTgt spid="14"/>
+                                        </p:tgtEl>
+                                        <p:attrNameLst>
+                                          <p:attrName>ppt_y</p:attrName>
+                                        </p:attrNameLst>
+                                      </p:cBhvr>
+                                      <p:tavLst>
+                                        <p:tav tm="0">
+                                          <p:val>
+                                            <p:strVal val="#ppt_y+.1"/>
+                                          </p:val>
+                                        </p:tav>
+                                        <p:tav tm="100000">
+                                          <p:val>
+                                            <p:strVal val="#ppt_y"/>
+                                          </p:val>
+                                        </p:tav>
+                                      </p:tavLst>
+                                    </p:anim>
+                                  </p:childTnLst>
+                                </p:cTn>
+                              </p:par>
+                            </p:childTnLst>
+                          </p:cTn>
+                        </p:par>
+                        <p:par>
+                          <p:cTn id="54" fill="hold">
+                            <p:stCondLst>
+                              <p:cond delay="2000"/>
+                            </p:stCondLst>
+                            <p:childTnLst>
+                              <p:par>
+                                <p:cTn id="55" presetID="22" presetClass="entr" presetSubtype="4" fill="hold" nodeType="afterEffect">
+                                  <p:stCondLst>
+                                    <p:cond delay="0"/>
+                                  </p:stCondLst>
+                                  <p:childTnLst>
+                                    <p:set>
+                                      <p:cBhvr>
+                                        <p:cTn id="56" dur="1" fill="hold">
+                                          <p:stCondLst>
+                                            <p:cond delay="0"/>
+                                          </p:stCondLst>
+                                        </p:cTn>
+                                        <p:tgtEl>
+                                          <p:spTgt spid="15"/>
+                                        </p:tgtEl>
+                                        <p:attrNameLst>
+                                          <p:attrName>style.visibility</p:attrName>
+                                        </p:attrNameLst>
+                                      </p:cBhvr>
+                                      <p:to>
+                                        <p:strVal val="visible"/>
+                                      </p:to>
+                                    </p:set>
+                                    <p:animEffect transition="in" filter="wipe(down)">
+                                      <p:cBhvr>
+                                        <p:cTn id="57" dur="500"/>
+                                        <p:tgtEl>
+                                          <p:spTgt spid="15"/>
+                                        </p:tgtEl>
+                                      </p:cBhvr>
+                                    </p:animEffect>
+                                  </p:childTnLst>
+                                </p:cTn>
+                              </p:par>
+                            </p:childTnLst>
+                          </p:cTn>
+                        </p:par>
+                      </p:childTnLst>
+                    </p:cTn>
+                  </p:par>
+                  <p:par>
+                    <p:cTn id="58" fill="hold">
+                      <p:stCondLst>
+                        <p:cond delay="indefinite"/>
+                      </p:stCondLst>
+                      <p:childTnLst>
+                        <p:par>
+                          <p:cTn id="59" fill="hold">
+                            <p:stCondLst>
+                              <p:cond delay="0"/>
+                            </p:stCondLst>
+                            <p:childTnLst>
+                              <p:par>
+                                <p:cTn id="60" presetID="22" presetClass="exit" presetSubtype="4" fill="hold" grpId="2" nodeType="clickEffect">
+                                  <p:stCondLst>
+                                    <p:cond delay="0"/>
+                                  </p:stCondLst>
+                                  <p:iterate type="wd">
+                                    <p:tmPct val="0"/>
+                                  </p:iterate>
+                                  <p:childTnLst>
+                                    <p:animEffect transition="out" filter="wipe(down)">
+                                      <p:cBhvr>
+                                        <p:cTn id="61" dur="500"/>
+                                        <p:tgtEl>
+                                          <p:spTgt spid="3">
+                                            <p:txEl>
+                                              <p:pRg st="1" end="1"/>
+                                            </p:txEl>
+                                          </p:spTgt>
+                                        </p:tgtEl>
+                                      </p:cBhvr>
+                                    </p:animEffect>
+                                    <p:set>
+                                      <p:cBhvr>
+                                        <p:cTn id="62" dur="1" fill="hold">
+                                          <p:stCondLst>
+                                            <p:cond delay="499"/>
+                                          </p:stCondLst>
+                                        </p:cTn>
+                                        <p:tgtEl>
+                                          <p:spTgt spid="3">
+                                            <p:txEl>
+                                              <p:pRg st="1" end="1"/>
+                                            </p:txEl>
+                                          </p:spTgt>
+                                        </p:tgtEl>
+                                        <p:attrNameLst>
+                                          <p:attrName>style.visibility</p:attrName>
+                                        </p:attrNameLst>
+                                      </p:cBhvr>
+                                      <p:to>
+                                        <p:strVal val="hidden"/>
+                                      </p:to>
+                                    </p:set>
+                                  </p:childTnLst>
+                                </p:cTn>
+                              </p:par>
+                            </p:childTnLst>
+                          </p:cTn>
+                        </p:par>
+                        <p:par>
+                          <p:cTn id="63" fill="hold">
+                            <p:stCondLst>
+                              <p:cond delay="500"/>
+                            </p:stCondLst>
+                            <p:childTnLst>
+                              <p:par>
+                                <p:cTn id="64" presetID="2" presetClass="entr" presetSubtype="4" fill="hold" grpId="0" nodeType="afterEffect">
+                                  <p:stCondLst>
+                                    <p:cond delay="0"/>
+                                  </p:stCondLst>
+                                  <p:childTnLst>
+                                    <p:set>
+                                      <p:cBhvr>
+                                        <p:cTn id="65" dur="1" fill="hold">
+                                          <p:stCondLst>
+                                            <p:cond delay="0"/>
+                                          </p:stCondLst>
+                                        </p:cTn>
+                                        <p:tgtEl>
+                                          <p:spTgt spid="11"/>
+                                        </p:tgtEl>
+                                        <p:attrNameLst>
+                                          <p:attrName>style.visibility</p:attrName>
+                                        </p:attrNameLst>
+                                      </p:cBhvr>
+                                      <p:to>
+                                        <p:strVal val="visible"/>
+                                      </p:to>
+                                    </p:set>
+                                    <p:anim calcmode="lin" valueType="num">
+                                      <p:cBhvr additive="base">
+                                        <p:cTn id="66" dur="500" fill="hold"/>
+                                        <p:tgtEl>
+                                          <p:spTgt spid="11"/>
+                                        </p:tgtEl>
+                                        <p:attrNameLst>
+                                          <p:attrName>ppt_x</p:attrName>
+                                        </p:attrNameLst>
+                                      </p:cBhvr>
+                                      <p:tavLst>
+                                        <p:tav tm="0">
+                                          <p:val>
+                                            <p:strVal val="#ppt_x"/>
+                                          </p:val>
+                                        </p:tav>
+                                        <p:tav tm="100000">
+                                          <p:val>
+                                            <p:strVal val="#ppt_x"/>
+                                          </p:val>
+                                        </p:tav>
+                                      </p:tavLst>
+                                    </p:anim>
+                                    <p:anim calcmode="lin" valueType="num">
+                                      <p:cBhvr additive="base">
+                                        <p:cTn id="67" dur="500" fill="hold"/>
+                                        <p:tgtEl>
+                                          <p:spTgt spid="11"/>
+                                        </p:tgtEl>
+                                        <p:attrNameLst>
+                                          <p:attrName>ppt_y</p:attrName>
+                                        </p:attrNameLst>
+                                      </p:cBhvr>
+                                      <p:tavLst>
+                                        <p:tav tm="0">
+                                          <p:val>
+                                            <p:strVal val="1+#ppt_h/2"/>
+                                          </p:val>
+                                        </p:tav>
+                                        <p:tav tm="100000">
+                                          <p:val>
+                                            <p:strVal val="#ppt_y"/>
+                                          </p:val>
+                                        </p:tav>
+                                      </p:tavLst>
+                                    </p:anim>
+                                  </p:childTnLst>
+                                </p:cTn>
+                              </p:par>
+                            </p:childTnLst>
+                          </p:cTn>
+                        </p:par>
+                      </p:childTnLst>
+                    </p:cTn>
+                  </p:par>
+                  <p:par>
+                    <p:cTn id="68" fill="hold">
+                      <p:stCondLst>
+                        <p:cond delay="indefinite"/>
+                      </p:stCondLst>
+                      <p:childTnLst>
+                        <p:par>
+                          <p:cTn id="69" fill="hold">
+                            <p:stCondLst>
+                              <p:cond delay="0"/>
+                            </p:stCondLst>
+                            <p:childTnLst>
+                              <p:par>
+                                <p:cTn id="70" presetID="14" presetClass="exit" presetSubtype="10" fill="hold" nodeType="clickEffect">
+                                  <p:stCondLst>
+                                    <p:cond delay="0"/>
+                                  </p:stCondLst>
+                                  <p:childTnLst>
+                                    <p:animEffect transition="out" filter="randombar(horizontal)">
+                                      <p:cBhvr>
+                                        <p:cTn id="71" dur="500"/>
+                                        <p:tgtEl>
+                                          <p:spTgt spid="12"/>
+                                        </p:tgtEl>
+                                      </p:cBhvr>
+                                    </p:animEffect>
+                                    <p:set>
+                                      <p:cBhvr>
+                                        <p:cTn id="72" dur="1" fill="hold">
+                                          <p:stCondLst>
+                                            <p:cond delay="499"/>
+                                          </p:stCondLst>
+                                        </p:cTn>
+                                        <p:tgtEl>
+                                          <p:spTgt spid="12"/>
+                                        </p:tgtEl>
+                                        <p:attrNameLst>
+                                          <p:attrName>style.visibility</p:attrName>
+                                        </p:attrNameLst>
+                                      </p:cBhvr>
+                                      <p:to>
+                                        <p:strVal val="hidden"/>
+                                      </p:to>
+                                    </p:set>
+                                  </p:childTnLst>
+                                </p:cTn>
+                              </p:par>
+                            </p:childTnLst>
+                          </p:cTn>
+                        </p:par>
+                        <p:par>
+                          <p:cTn id="73" fill="hold">
+                            <p:stCondLst>
+                              <p:cond delay="500"/>
+                            </p:stCondLst>
+                            <p:childTnLst>
+                              <p:par>
+                                <p:cTn id="74" presetID="14" presetClass="entr" presetSubtype="10" fill="hold" nodeType="afterEffect">
+                                  <p:stCondLst>
+                                    <p:cond delay="0"/>
+                                  </p:stCondLst>
+                                  <p:childTnLst>
+                                    <p:set>
+                                      <p:cBhvr>
+                                        <p:cTn id="75" dur="1" fill="hold">
+                                          <p:stCondLst>
+                                            <p:cond delay="0"/>
+                                          </p:stCondLst>
+                                        </p:cTn>
+                                        <p:tgtEl>
+                                          <p:spTgt spid="16"/>
+                                        </p:tgtEl>
+                                        <p:attrNameLst>
+                                          <p:attrName>style.visibility</p:attrName>
+                                        </p:attrNameLst>
+                                      </p:cBhvr>
+                                      <p:to>
+                                        <p:strVal val="visible"/>
+                                      </p:to>
+                                    </p:set>
+                                    <p:animEffect transition="in" filter="randombar(horizontal)">
+                                      <p:cBhvr>
+                                        <p:cTn id="76" dur="500"/>
+                                        <p:tgtEl>
+                                          <p:spTgt spid="16"/>
+                                        </p:tgtEl>
+                                      </p:cBhvr>
+                                    </p:animEffect>
+                                  </p:childTnLst>
+                                </p:cTn>
+                              </p:par>
+                            </p:childTnLst>
+                          </p:cTn>
+                        </p:par>
+                      </p:childTnLst>
+                    </p:cTn>
+                  </p:par>
+                  <p:par>
+                    <p:cTn id="77" fill="hold">
+                      <p:stCondLst>
+                        <p:cond delay="indefinite"/>
+                      </p:stCondLst>
+                      <p:childTnLst>
+                        <p:par>
+                          <p:cTn id="78" fill="hold">
+                            <p:stCondLst>
+                              <p:cond delay="0"/>
+                            </p:stCondLst>
+                            <p:childTnLst>
+                              <p:par>
+                                <p:cTn id="79" presetID="45" presetClass="exit" presetSubtype="0" fill="hold" grpId="1" nodeType="clickEffect">
+                                  <p:stCondLst>
+                                    <p:cond delay="0"/>
+                                  </p:stCondLst>
+                                  <p:childTnLst>
+                                    <p:animEffect transition="out" filter="fade">
+                                      <p:cBhvr>
+                                        <p:cTn id="80" dur="2000"/>
+                                        <p:tgtEl>
+                                          <p:spTgt spid="7"/>
+                                        </p:tgtEl>
+                                      </p:cBhvr>
+                                    </p:animEffect>
+                                    <p:anim calcmode="lin" valueType="num">
+                                      <p:cBhvr>
+                                        <p:cTn id="81" dur="2000"/>
+                                        <p:tgtEl>
+                                          <p:spTgt spid="7"/>
+                                        </p:tgtEl>
+                                        <p:attrNameLst>
+                                          <p:attrName>ppt_w</p:attrName>
+                                        </p:attrNameLst>
+                                      </p:cBhvr>
+                                      <p:tavLst>
+                                        <p:tav tm="0">
+                                          <p:val>
+                                            <p:strVal val="ppt_w"/>
+                                          </p:val>
+                                        </p:tav>
+                                        <p:tav tm="5000">
+                                          <p:val>
+                                            <p:strVal val="0.92*ppt_w"/>
+                                          </p:val>
+                                        </p:tav>
+                                        <p:tav tm="10000">
+                                          <p:val>
+                                            <p:strVal val="0.71*ppt_w"/>
+                                          </p:val>
+                                        </p:tav>
+                                        <p:tav tm="15000">
+                                          <p:val>
+                                            <p:strVal val="0.38*ppt_w"/>
+                                          </p:val>
+                                        </p:tav>
+                                        <p:tav tm="20000">
+                                          <p:val>
+                                            <p:fltVal val="0"/>
+                                          </p:val>
+                                        </p:tav>
+                                        <p:tav tm="25000">
+                                          <p:val>
+                                            <p:strVal val="-0.38*ppt_w"/>
+                                          </p:val>
+                                        </p:tav>
+                                        <p:tav tm="30000">
+                                          <p:val>
+                                            <p:strVal val="-0.71*ppt_w"/>
+                                          </p:val>
+                                        </p:tav>
+                                        <p:tav tm="35000">
+                                          <p:val>
+                                            <p:strVal val="-0.92*ppt_w"/>
+                                          </p:val>
+                                        </p:tav>
+                                        <p:tav tm="40000">
+                                          <p:val>
+                                            <p:strVal val="-ppt_w"/>
+                                          </p:val>
+                                        </p:tav>
+                                        <p:tav tm="45000">
+                                          <p:val>
+                                            <p:strVal val="-0.92*ppt_w"/>
+                                          </p:val>
+                                        </p:tav>
+                                        <p:tav tm="50000">
+                                          <p:val>
+                                            <p:strVal val="-0.71*ppt_w"/>
+                                          </p:val>
+                                        </p:tav>
+                                        <p:tav tm="55000">
+                                          <p:val>
+                                            <p:strVal val="-0.38*ppt_w"/>
+                                          </p:val>
+                                        </p:tav>
+                                        <p:tav tm="60000">
+                                          <p:val>
+                                            <p:fltVal val="0"/>
+                                          </p:val>
+                                        </p:tav>
+                                        <p:tav tm="65000">
+                                          <p:val>
+                                            <p:strVal val="0.38*ppt_w"/>
+                                          </p:val>
+                                        </p:tav>
+                                        <p:tav tm="70000">
+                                          <p:val>
+                                            <p:strVal val="0.71*ppt_w"/>
+                                          </p:val>
+                                        </p:tav>
+                                        <p:tav tm="75000">
+                                          <p:val>
+                                            <p:strVal val="0.92*ppt_w"/>
+                                          </p:val>
+                                        </p:tav>
+                                        <p:tav tm="80000">
+                                          <p:val>
+                                            <p:strVal val="ppt_w"/>
+                                          </p:val>
+                                        </p:tav>
+                                        <p:tav tm="85000">
+                                          <p:val>
+                                            <p:strVal val="0.92*ppt_w"/>
+                                          </p:val>
+                                        </p:tav>
+                                        <p:tav tm="90000">
+                                          <p:val>
+                                            <p:strVal val="0.71*ppt_w"/>
+                                          </p:val>
+                                        </p:tav>
+                                        <p:tav tm="95000">
+                                          <p:val>
+                                            <p:strVal val="0.38*ppt_w"/>
+                                          </p:val>
+                                        </p:tav>
+                                        <p:tav tm="100000">
+                                          <p:val>
+                                            <p:fltVal val="0"/>
+                                          </p:val>
+                                        </p:tav>
+                                      </p:tavLst>
+                                    </p:anim>
+                                    <p:anim calcmode="lin" valueType="num">
+                                      <p:cBhvr>
+                                        <p:cTn id="82" dur="2000"/>
+                                        <p:tgtEl>
+                                          <p:spTgt spid="7"/>
+                                        </p:tgtEl>
+                                        <p:attrNameLst>
+                                          <p:attrName>ppt_h</p:attrName>
+                                        </p:attrNameLst>
+                                      </p:cBhvr>
+                                      <p:tavLst>
+                                        <p:tav tm="0">
+                                          <p:val>
+                                            <p:strVal val="ppt_h"/>
+                                          </p:val>
+                                        </p:tav>
+                                        <p:tav tm="100000">
+                                          <p:val>
+                                            <p:strVal val="ppt_h"/>
+                                          </p:val>
+                                        </p:tav>
+                                      </p:tavLst>
+                                    </p:anim>
+                                    <p:set>
+                                      <p:cBhvr>
+                                        <p:cTn id="83" dur="1" fill="hold">
+                                          <p:stCondLst>
+                                            <p:cond delay="1999"/>
+                                          </p:stCondLst>
+                                        </p:cTn>
+                                        <p:tgtEl>
+                                          <p:spTgt spid="7"/>
+                                        </p:tgtEl>
+                                        <p:attrNameLst>
+                                          <p:attrName>style.visibility</p:attrName>
+                                        </p:attrNameLst>
+                                      </p:cBhvr>
+                                      <p:to>
+                                        <p:strVal val="hidden"/>
+                                      </p:to>
+                                    </p:set>
+                                  </p:childTnLst>
+                                </p:cTn>
+                              </p:par>
+                            </p:childTnLst>
+                          </p:cTn>
+                        </p:par>
+                        <p:par>
+                          <p:cTn id="84" fill="hold">
+                            <p:stCondLst>
+                              <p:cond delay="2000"/>
+                            </p:stCondLst>
+                            <p:childTnLst>
+                              <p:par>
+                                <p:cTn id="85" presetID="45" presetClass="entr" presetSubtype="0" fill="hold" grpId="0" nodeType="afterEffect">
+                                  <p:stCondLst>
+                                    <p:cond delay="0"/>
+                                  </p:stCondLst>
+                                  <p:childTnLst>
+                                    <p:set>
+                                      <p:cBhvr>
+                                        <p:cTn id="86" dur="1" fill="hold">
+                                          <p:stCondLst>
+                                            <p:cond delay="0"/>
+                                          </p:stCondLst>
+                                        </p:cTn>
+                                        <p:tgtEl>
+                                          <p:spTgt spid="17"/>
+                                        </p:tgtEl>
+                                        <p:attrNameLst>
+                                          <p:attrName>style.visibility</p:attrName>
+                                        </p:attrNameLst>
+                                      </p:cBhvr>
+                                      <p:to>
+                                        <p:strVal val="visible"/>
+                                      </p:to>
+                                    </p:set>
+                                    <p:animEffect transition="in" filter="fade">
+                                      <p:cBhvr>
+                                        <p:cTn id="87" dur="2000"/>
+                                        <p:tgtEl>
+                                          <p:spTgt spid="17"/>
+                                        </p:tgtEl>
+                                      </p:cBhvr>
+                                    </p:animEffect>
+                                    <p:anim calcmode="lin" valueType="num">
+                                      <p:cBhvr>
+                                        <p:cTn id="88" dur="2000" fill="hold"/>
+                                        <p:tgtEl>
+                                          <p:spTgt spid="17"/>
+                                        </p:tgtEl>
+                                        <p:attrNameLst>
+                                          <p:attrName>ppt_w</p:attrName>
+                                        </p:attrNameLst>
+                                      </p:cBhvr>
+                                      <p:tavLst>
+                                        <p:tav tm="0" fmla="#ppt_w*sin(2.5*pi*$)">
+                                          <p:val>
+                                            <p:fltVal val="0"/>
+                                          </p:val>
+                                        </p:tav>
+                                        <p:tav tm="100000">
+                                          <p:val>
+                                            <p:fltVal val="1"/>
+                                          </p:val>
+                                        </p:tav>
+                                      </p:tavLst>
+                                    </p:anim>
+                                    <p:anim calcmode="lin" valueType="num">
+                                      <p:cBhvr>
+                                        <p:cTn id="89" dur="2000" fill="hold"/>
+                                        <p:tgtEl>
+                                          <p:spTgt spid="17"/>
+                                        </p:tgtEl>
+                                        <p:attrNameLst>
+                                          <p:attrName>ppt_h</p:attrName>
+                                        </p:attrNameLst>
+                                      </p:cBhvr>
+                                      <p:tavLst>
+                                        <p:tav tm="0">
+                                          <p:val>
+                                            <p:strVal val="#ppt_h"/>
+                                          </p:val>
+                                        </p:tav>
+                                        <p:tav tm="100000">
+                                          <p:val>
+                                            <p:strVal val="#ppt_h"/>
+                                          </p:val>
+                                        </p:tav>
+                                      </p:tavLst>
+                                    </p:anim>
+                                  </p:childTnLst>
+                                </p:cTn>
+                              </p:par>
+                            </p:childTnLst>
+                          </p:cTn>
+                        </p:par>
+                        <p:par>
+                          <p:cTn id="90" fill="hold">
+                            <p:stCondLst>
+                              <p:cond delay="4000"/>
+                            </p:stCondLst>
+                            <p:childTnLst>
+                              <p:par>
+                                <p:cTn id="91" presetID="2" presetClass="exit" presetSubtype="4" fill="hold" nodeType="afterEffect">
+                                  <p:stCondLst>
+                                    <p:cond delay="0"/>
+                                  </p:stCondLst>
+                                  <p:childTnLst>
+                                    <p:anim calcmode="lin" valueType="num">
+                                      <p:cBhvr additive="base">
+                                        <p:cTn id="92" dur="500"/>
+                                        <p:tgtEl>
+                                          <p:spTgt spid="14"/>
+                                        </p:tgtEl>
+                                        <p:attrNameLst>
+                                          <p:attrName>ppt_x</p:attrName>
+                                        </p:attrNameLst>
+                                      </p:cBhvr>
+                                      <p:tavLst>
+                                        <p:tav tm="0">
+                                          <p:val>
+                                            <p:strVal val="ppt_x"/>
+                                          </p:val>
+                                        </p:tav>
+                                        <p:tav tm="100000">
+                                          <p:val>
+                                            <p:strVal val="ppt_x"/>
+                                          </p:val>
+                                        </p:tav>
+                                      </p:tavLst>
+                                    </p:anim>
+                                    <p:anim calcmode="lin" valueType="num">
+                                      <p:cBhvr additive="base">
+                                        <p:cTn id="93" dur="500"/>
+                                        <p:tgtEl>
+                                          <p:spTgt spid="14"/>
+                                        </p:tgtEl>
+                                        <p:attrNameLst>
+                                          <p:attrName>ppt_y</p:attrName>
+                                        </p:attrNameLst>
+                                      </p:cBhvr>
+                                      <p:tavLst>
+                                        <p:tav tm="0">
+                                          <p:val>
+                                            <p:strVal val="ppt_y"/>
+                                          </p:val>
+                                        </p:tav>
+                                        <p:tav tm="100000">
+                                          <p:val>
+                                            <p:strVal val="1+ppt_h/2"/>
+                                          </p:val>
+                                        </p:tav>
+                                      </p:tavLst>
+                                    </p:anim>
+                                    <p:set>
+                                      <p:cBhvr>
+                                        <p:cTn id="94" dur="1" fill="hold">
+                                          <p:stCondLst>
+                                            <p:cond delay="499"/>
+                                          </p:stCondLst>
+                                        </p:cTn>
+                                        <p:tgtEl>
+                                          <p:spTgt spid="14"/>
+                                        </p:tgtEl>
+                                        <p:attrNameLst>
+                                          <p:attrName>style.visibility</p:attrName>
+                                        </p:attrNameLst>
+                                      </p:cBhvr>
+                                      <p:to>
+                                        <p:strVal val="hidden"/>
+                                      </p:to>
+                                    </p:set>
+                                  </p:childTnLst>
+                                </p:cTn>
+                              </p:par>
+                            </p:childTnLst>
+                          </p:cTn>
+                        </p:par>
+                        <p:par>
+                          <p:cTn id="95" fill="hold">
+                            <p:stCondLst>
+                              <p:cond delay="4500"/>
+                            </p:stCondLst>
+                            <p:childTnLst>
+                              <p:par>
+                                <p:cTn id="96" presetID="2" presetClass="entr" presetSubtype="4" fill="hold" nodeType="afterEffect">
+                                  <p:stCondLst>
+                                    <p:cond delay="0"/>
+                                  </p:stCondLst>
+                                  <p:childTnLst>
+                                    <p:set>
+                                      <p:cBhvr>
+                                        <p:cTn id="97" dur="1" fill="hold">
+                                          <p:stCondLst>
+                                            <p:cond delay="0"/>
+                                          </p:stCondLst>
+                                        </p:cTn>
+                                        <p:tgtEl>
+                                          <p:spTgt spid="18"/>
+                                        </p:tgtEl>
+                                        <p:attrNameLst>
+                                          <p:attrName>style.visibility</p:attrName>
+                                        </p:attrNameLst>
+                                      </p:cBhvr>
+                                      <p:to>
+                                        <p:strVal val="visible"/>
+                                      </p:to>
+                                    </p:set>
+                                    <p:anim calcmode="lin" valueType="num">
+                                      <p:cBhvr additive="base">
+                                        <p:cTn id="98" dur="500" fill="hold"/>
+                                        <p:tgtEl>
+                                          <p:spTgt spid="18"/>
+                                        </p:tgtEl>
+                                        <p:attrNameLst>
+                                          <p:attrName>ppt_x</p:attrName>
+                                        </p:attrNameLst>
+                                      </p:cBhvr>
+                                      <p:tavLst>
+                                        <p:tav tm="0">
+                                          <p:val>
+                                            <p:strVal val="#ppt_x"/>
+                                          </p:val>
+                                        </p:tav>
+                                        <p:tav tm="100000">
+                                          <p:val>
+                                            <p:strVal val="#ppt_x"/>
+                                          </p:val>
+                                        </p:tav>
+                                      </p:tavLst>
+                                    </p:anim>
+                                    <p:anim calcmode="lin" valueType="num">
+                                      <p:cBhvr additive="base">
+                                        <p:cTn id="99" dur="500" fill="hold"/>
+                                        <p:tgtEl>
+                                          <p:spTgt spid="18"/>
+                                        </p:tgtEl>
+                                        <p:attrNameLst>
+                                          <p:attrName>ppt_y</p:attrName>
+                                        </p:attrNameLst>
+                                      </p:cBhvr>
+                                      <p:tavLst>
+                                        <p:tav tm="0">
+                                          <p:val>
+                                            <p:strVal val="1+#ppt_h/2"/>
+                                          </p:val>
+                                        </p:tav>
+                                        <p:tav tm="100000">
+                                          <p:val>
+                                            <p:strVal val="#ppt_y"/>
+                                          </p:val>
+                                        </p:tav>
+                                      </p:tavLst>
+                                    </p:anim>
+                                  </p:childTnLst>
+                                </p:cTn>
+                              </p:par>
+                            </p:childTnLst>
+                          </p:cTn>
+                        </p:par>
+                        <p:par>
+                          <p:cTn id="100" fill="hold">
+                            <p:stCondLst>
+                              <p:cond delay="5000"/>
+                            </p:stCondLst>
+                            <p:childTnLst>
+                              <p:par>
+                                <p:cTn id="101" presetID="53" presetClass="exit" presetSubtype="32" fill="hold" nodeType="afterEffect">
+                                  <p:stCondLst>
+                                    <p:cond delay="0"/>
+                                  </p:stCondLst>
+                                  <p:childTnLst>
+                                    <p:anim calcmode="lin" valueType="num">
+                                      <p:cBhvr>
+                                        <p:cTn id="102" dur="500"/>
+                                        <p:tgtEl>
+                                          <p:spTgt spid="15"/>
+                                        </p:tgtEl>
+                                        <p:attrNameLst>
+                                          <p:attrName>ppt_w</p:attrName>
+                                        </p:attrNameLst>
+                                      </p:cBhvr>
+                                      <p:tavLst>
+                                        <p:tav tm="0">
+                                          <p:val>
+                                            <p:strVal val="ppt_w"/>
+                                          </p:val>
+                                        </p:tav>
+                                        <p:tav tm="100000">
+                                          <p:val>
+                                            <p:fltVal val="0"/>
+                                          </p:val>
+                                        </p:tav>
+                                      </p:tavLst>
+                                    </p:anim>
+                                    <p:anim calcmode="lin" valueType="num">
+                                      <p:cBhvr>
+                                        <p:cTn id="103" dur="500"/>
+                                        <p:tgtEl>
+                                          <p:spTgt spid="15"/>
+                                        </p:tgtEl>
+                                        <p:attrNameLst>
+                                          <p:attrName>ppt_h</p:attrName>
+                                        </p:attrNameLst>
+                                      </p:cBhvr>
+                                      <p:tavLst>
+                                        <p:tav tm="0">
+                                          <p:val>
+                                            <p:strVal val="ppt_h"/>
+                                          </p:val>
+                                        </p:tav>
+                                        <p:tav tm="100000">
+                                          <p:val>
+                                            <p:fltVal val="0"/>
+                                          </p:val>
+                                        </p:tav>
+                                      </p:tavLst>
+                                    </p:anim>
+                                    <p:animEffect transition="out" filter="fade">
+                                      <p:cBhvr>
+                                        <p:cTn id="104" dur="500"/>
+                                        <p:tgtEl>
+                                          <p:spTgt spid="15"/>
+                                        </p:tgtEl>
+                                      </p:cBhvr>
+                                    </p:animEffect>
+                                    <p:set>
+                                      <p:cBhvr>
+                                        <p:cTn id="105" dur="1" fill="hold">
+                                          <p:stCondLst>
+                                            <p:cond delay="499"/>
+                                          </p:stCondLst>
+                                        </p:cTn>
+                                        <p:tgtEl>
+                                          <p:spTgt spid="15"/>
+                                        </p:tgtEl>
+                                        <p:attrNameLst>
+                                          <p:attrName>style.visibility</p:attrName>
+                                        </p:attrNameLst>
+                                      </p:cBhvr>
+                                      <p:to>
+                                        <p:strVal val="hidden"/>
+                                      </p:to>
+                                    </p:set>
+                                  </p:childTnLst>
+                                </p:cTn>
+                              </p:par>
+                            </p:childTnLst>
+                          </p:cTn>
+                        </p:par>
+                        <p:par>
+                          <p:cTn id="106" fill="hold">
+                            <p:stCondLst>
+                              <p:cond delay="5500"/>
+                            </p:stCondLst>
+                            <p:childTnLst>
+                              <p:par>
+                                <p:cTn id="107" presetID="53" presetClass="entr" presetSubtype="16" fill="hold" nodeType="afterEffect">
+                                  <p:stCondLst>
+                                    <p:cond delay="0"/>
+                                  </p:stCondLst>
+                                  <p:childTnLst>
+                                    <p:set>
+                                      <p:cBhvr>
+                                        <p:cTn id="108" dur="1" fill="hold">
+                                          <p:stCondLst>
+                                            <p:cond delay="0"/>
+                                          </p:stCondLst>
+                                        </p:cTn>
+                                        <p:tgtEl>
+                                          <p:spTgt spid="19"/>
+                                        </p:tgtEl>
+                                        <p:attrNameLst>
+                                          <p:attrName>style.visibility</p:attrName>
+                                        </p:attrNameLst>
+                                      </p:cBhvr>
+                                      <p:to>
+                                        <p:strVal val="visible"/>
+                                      </p:to>
+                                    </p:set>
+                                    <p:anim calcmode="lin" valueType="num">
+                                      <p:cBhvr>
+                                        <p:cTn id="109" dur="500" fill="hold"/>
+                                        <p:tgtEl>
+                                          <p:spTgt spid="19"/>
+                                        </p:tgtEl>
+                                        <p:attrNameLst>
+                                          <p:attrName>ppt_w</p:attrName>
+                                        </p:attrNameLst>
+                                      </p:cBhvr>
+                                      <p:tavLst>
+                                        <p:tav tm="0">
+                                          <p:val>
+                                            <p:fltVal val="0"/>
+                                          </p:val>
+                                        </p:tav>
+                                        <p:tav tm="100000">
+                                          <p:val>
+                                            <p:strVal val="#ppt_w"/>
+                                          </p:val>
+                                        </p:tav>
+                                      </p:tavLst>
+                                    </p:anim>
+                                    <p:anim calcmode="lin" valueType="num">
+                                      <p:cBhvr>
+                                        <p:cTn id="110" dur="500" fill="hold"/>
+                                        <p:tgtEl>
+                                          <p:spTgt spid="19"/>
+                                        </p:tgtEl>
+                                        <p:attrNameLst>
+                                          <p:attrName>ppt_h</p:attrName>
+                                        </p:attrNameLst>
+                                      </p:cBhvr>
+                                      <p:tavLst>
+                                        <p:tav tm="0">
+                                          <p:val>
+                                            <p:fltVal val="0"/>
+                                          </p:val>
+                                        </p:tav>
+                                        <p:tav tm="100000">
+                                          <p:val>
+                                            <p:strVal val="#ppt_h"/>
+                                          </p:val>
+                                        </p:tav>
+                                      </p:tavLst>
+                                    </p:anim>
+                                    <p:animEffect transition="in" filter="fade">
+                                      <p:cBhvr>
+                                        <p:cTn id="111" dur="500"/>
+                                        <p:tgtEl>
+                                          <p:spTgt spid="19"/>
+                                        </p:tgtEl>
+                                      </p:cBhvr>
+                                    </p:animEffect>
+                                  </p:childTnLst>
+                                </p:cTn>
+                              </p:par>
+                            </p:childTnLst>
+                          </p:cTn>
+                        </p:par>
+                      </p:childTnLst>
+                    </p:cTn>
+                  </p:par>
+                </p:childTnLst>
+              </p:cTn>
+              <p:prevCondLst>
+                <p:cond evt="onPrev" delay="0">
+                  <p:tgtEl>
+                    <p:sldTgt/>
+                  </p:tgtEl>
+                </p:cond>
+              </p:prevCondLst>
+              <p:nextCondLst>
+                <p:cond evt="onNext" delay="0">
+                  <p:tgtEl>
+                    <p:sldTgt/>
+                  </p:tgtEl>
+                </p:cond>
+              </p:nextCondLst>
+            </p:seq>
+          </p:childTnLst>
+        </p:cTn>
+      </p:par>
+    </p:tnLst>
+    <p:bldLst>
+      <p:bldP spid="3" grpId="0" uiExpand="1" build="p"/>
+      <p:bldP spid="3" grpId="1" uiExpand="1" build="p"/>
+      <p:bldP spid="3" grpId="2" uiExpand="1" build="p"/>
+      <p:bldP spid="5" grpId="0"/>
+      <p:bldP spid="7" grpId="0"/>
+      <p:bldP spid="7" grpId="1"/>
+      <p:bldP spid="11" grpId="0"/>
+      <p:bldP spid="17" grpId="0"/>
+    </p:bldLst>
+  </p:timing>
 </p:sld>
 </file>
 
 <file path=ppt/slides/slide7.xml><?xml version="1.0" encoding="utf-8"?>
+<p:sld xmlns:a="http://schemas.openxmlformats.org/drawingml/2006/main" xmlns:r="http://schemas.openxmlformats.org/officeDocument/2006/relationships" xmlns:p="http://schemas.openxmlformats.org/presentationml/2006/main">
+  <p:cSld>
+    <p:spTree>
+      <p:nvGrpSpPr>
+        <p:cNvPr id="1" name=""/>
+        <p:cNvGrpSpPr/>
+        <p:nvPr/>
+      </p:nvGrpSpPr>
+      <p:grpSpPr>
+        <a:xfrm>
+          <a:off x="0" y="0"/>
+          <a:ext cx="0" cy="0"/>
+          <a:chOff x="0" y="0"/>
+          <a:chExt cx="0" cy="0"/>
+        </a:xfrm>
+      </p:grpSpPr>
+      <p:sp>
+        <p:nvSpPr>
+          <p:cNvPr id="2" name="Title 1"/>
+          <p:cNvSpPr>
+            <a:spLocks noGrp="1"/>
+          </p:cNvSpPr>
+          <p:nvPr>
+            <p:ph type="title"/>
+          </p:nvPr>
+        </p:nvSpPr>
+        <p:spPr>
+          <a:xfrm>
+            <a:off x="1141413" y="639784"/>
+            <a:ext cx="9905998" cy="614859"/>
+          </a:xfrm>
+        </p:spPr>
+        <p:txBody>
+          <a:bodyPr>
+            <a:normAutofit/>
+          </a:bodyPr>
+          <a:lstStyle/>
+          <a:p>
+            <a:r>
+              <a:rPr lang="en-US" dirty="0"/>
+              <a:t>Template Argument Restrictions</a:t>
+            </a:r>
+            <a:endParaRPr lang="he-IL" dirty="0"/>
+          </a:p>
+        </p:txBody>
+      </p:sp>
+      <p:sp>
+        <p:nvSpPr>
+          <p:cNvPr id="3" name="Content Placeholder 2"/>
+          <p:cNvSpPr>
+            <a:spLocks noGrp="1"/>
+          </p:cNvSpPr>
+          <p:nvPr>
+            <p:ph idx="1"/>
+          </p:nvPr>
+        </p:nvSpPr>
+        <p:spPr>
+          <a:xfrm>
+            <a:off x="1141412" y="1254643"/>
+            <a:ext cx="9905999" cy="1922190"/>
+          </a:xfrm>
+        </p:spPr>
+        <p:txBody>
+          <a:bodyPr>
+            <a:normAutofit fontScale="92500" lnSpcReduction="20000"/>
+          </a:bodyPr>
+          <a:lstStyle/>
+          <a:p>
+            <a:pPr algn="l" rtl="0"/>
+            <a:r>
+              <a:rPr lang="en-US" dirty="0"/>
+              <a:t>Concepts Restrictions</a:t>
+            </a:r>
+          </a:p>
+          <a:p>
+            <a:pPr marL="0" indent="0" algn="l" rtl="0">
+              <a:buNone/>
+            </a:pPr>
+            <a:r>
+              <a:rPr lang="en-US" dirty="0"/>
+              <a:t>As we saw before, restrictions are important to make our type compiler errors more clear and informative. In C++20 we got an opportunity to create get clear errors alongside a clear code. Now the templates can speak for themselves even for a coder who has a weak metaprogramming knowledge.</a:t>
+            </a:r>
+            <a:endParaRPr lang="he-IL" dirty="0"/>
+          </a:p>
+        </p:txBody>
+      </p:sp>
+      <p:pic>
+        <p:nvPicPr>
+          <p:cNvPr id="4" name="Picture 3"/>
+          <p:cNvPicPr>
+            <a:picLocks noChangeAspect="1"/>
+          </p:cNvPicPr>
+          <p:nvPr/>
+        </p:nvPicPr>
+        <p:blipFill>
+          <a:blip r:embed="rId2"/>
+          <a:stretch>
+            <a:fillRect/>
+          </a:stretch>
+        </p:blipFill>
+        <p:spPr>
+          <a:xfrm>
+            <a:off x="1130557" y="3160244"/>
+            <a:ext cx="2971800" cy="1076325"/>
+          </a:xfrm>
+          <a:prstGeom prst="rect">
+            <a:avLst/>
+          </a:prstGeom>
+        </p:spPr>
+      </p:pic>
+      <p:sp>
+        <p:nvSpPr>
+          <p:cNvPr id="5" name="TextBox 4"/>
+          <p:cNvSpPr txBox="1"/>
+          <p:nvPr/>
+        </p:nvSpPr>
+        <p:spPr>
+          <a:xfrm>
+            <a:off x="1120146" y="4247202"/>
+            <a:ext cx="6639575" cy="646331"/>
+          </a:xfrm>
+          <a:prstGeom prst="rect">
+            <a:avLst/>
+          </a:prstGeom>
+          <a:noFill/>
+        </p:spPr>
+        <p:txBody>
+          <a:bodyPr wrap="none" rtlCol="1">
+            <a:spAutoFit/>
+          </a:bodyPr>
+          <a:lstStyle/>
+          <a:p>
+            <a:r>
+              <a:rPr lang="en-US" dirty="0"/>
+              <a:t>A pretty function which should print all the arguments that passed to it.</a:t>
+            </a:r>
+            <a:br>
+              <a:rPr lang="en-US" dirty="0"/>
+            </a:br>
+            <a:r>
+              <a:rPr lang="en-US" dirty="0"/>
+              <a:t>On the best case, it’ll work:</a:t>
+            </a:r>
+            <a:endParaRPr lang="he-IL" dirty="0"/>
+          </a:p>
+        </p:txBody>
+      </p:sp>
+      <p:pic>
+        <p:nvPicPr>
+          <p:cNvPr id="6" name="Picture 5"/>
+          <p:cNvPicPr>
+            <a:picLocks noChangeAspect="1"/>
+          </p:cNvPicPr>
+          <p:nvPr/>
+        </p:nvPicPr>
+        <p:blipFill>
+          <a:blip r:embed="rId3"/>
+          <a:stretch>
+            <a:fillRect/>
+          </a:stretch>
+        </p:blipFill>
+        <p:spPr>
+          <a:xfrm>
+            <a:off x="1141190" y="4925432"/>
+            <a:ext cx="2238375" cy="180975"/>
+          </a:xfrm>
+          <a:prstGeom prst="rect">
+            <a:avLst/>
+          </a:prstGeom>
+        </p:spPr>
+      </p:pic>
+      <p:sp>
+        <p:nvSpPr>
+          <p:cNvPr id="7" name="TextBox 6"/>
+          <p:cNvSpPr txBox="1"/>
+          <p:nvPr/>
+        </p:nvSpPr>
+        <p:spPr>
+          <a:xfrm>
+            <a:off x="1141412" y="5138306"/>
+            <a:ext cx="10688888" cy="369332"/>
+          </a:xfrm>
+          <a:prstGeom prst="rect">
+            <a:avLst/>
+          </a:prstGeom>
+          <a:noFill/>
+        </p:spPr>
+        <p:txBody>
+          <a:bodyPr wrap="none" rtlCol="1">
+            <a:spAutoFit/>
+          </a:bodyPr>
+          <a:lstStyle/>
+          <a:p>
+            <a:r>
+              <a:rPr lang="en-US" dirty="0"/>
+              <a:t>Worst case, it won’t and we’ll get a very uncomfortable error that might lead to serious mistakes of our colleagues:</a:t>
+            </a:r>
+            <a:endParaRPr lang="he-IL" dirty="0"/>
+          </a:p>
+        </p:txBody>
+      </p:sp>
+      <p:pic>
+        <p:nvPicPr>
+          <p:cNvPr id="8" name="Picture 7"/>
+          <p:cNvPicPr>
+            <a:picLocks noChangeAspect="1"/>
+          </p:cNvPicPr>
+          <p:nvPr/>
+        </p:nvPicPr>
+        <p:blipFill>
+          <a:blip r:embed="rId4"/>
+          <a:stretch>
+            <a:fillRect/>
+          </a:stretch>
+        </p:blipFill>
+        <p:spPr>
+          <a:xfrm>
+            <a:off x="1141190" y="5521298"/>
+            <a:ext cx="3200400" cy="381000"/>
+          </a:xfrm>
+          <a:prstGeom prst="rect">
+            <a:avLst/>
+          </a:prstGeom>
+        </p:spPr>
+      </p:pic>
+      <p:pic>
+        <p:nvPicPr>
+          <p:cNvPr id="10" name="Picture 9"/>
+          <p:cNvPicPr>
+            <a:picLocks noChangeAspect="1"/>
+          </p:cNvPicPr>
+          <p:nvPr/>
+        </p:nvPicPr>
+        <p:blipFill>
+          <a:blip r:embed="rId5"/>
+          <a:stretch>
+            <a:fillRect/>
+          </a:stretch>
+        </p:blipFill>
+        <p:spPr>
+          <a:xfrm>
+            <a:off x="488948" y="5986723"/>
+            <a:ext cx="11210925" cy="571500"/>
+          </a:xfrm>
+          <a:prstGeom prst="rect">
+            <a:avLst/>
+          </a:prstGeom>
+        </p:spPr>
+      </p:pic>
+      <p:pic>
+        <p:nvPicPr>
+          <p:cNvPr id="9" name="Picture 8"/>
+          <p:cNvPicPr>
+            <a:picLocks noChangeAspect="1"/>
+          </p:cNvPicPr>
+          <p:nvPr/>
+        </p:nvPicPr>
+        <p:blipFill>
+          <a:blip r:embed="rId6"/>
+          <a:stretch>
+            <a:fillRect/>
+          </a:stretch>
+        </p:blipFill>
+        <p:spPr>
+          <a:xfrm>
+            <a:off x="1120145" y="3160244"/>
+            <a:ext cx="2962275" cy="2038350"/>
+          </a:xfrm>
+          <a:prstGeom prst="rect">
+            <a:avLst/>
+          </a:prstGeom>
+        </p:spPr>
+      </p:pic>
+      <p:sp>
+        <p:nvSpPr>
+          <p:cNvPr id="13" name="TextBox 12"/>
+          <p:cNvSpPr txBox="1"/>
+          <p:nvPr/>
+        </p:nvSpPr>
+        <p:spPr>
+          <a:xfrm>
+            <a:off x="1141190" y="5145148"/>
+            <a:ext cx="9706440" cy="369332"/>
+          </a:xfrm>
+          <a:prstGeom prst="rect">
+            <a:avLst/>
+          </a:prstGeom>
+          <a:noFill/>
+        </p:spPr>
+        <p:txBody>
+          <a:bodyPr wrap="none" rtlCol="1">
+            <a:spAutoFit/>
+          </a:bodyPr>
+          <a:lstStyle/>
+          <a:p>
+            <a:r>
+              <a:rPr lang="en-US" dirty="0"/>
+              <a:t>Worst case, it won’t compile and we’ll get a very clear error that will lead us to the root of the problem:</a:t>
+            </a:r>
+            <a:endParaRPr lang="he-IL" dirty="0"/>
+          </a:p>
+        </p:txBody>
+      </p:sp>
+      <p:pic>
+        <p:nvPicPr>
+          <p:cNvPr id="14" name="Picture 13"/>
+          <p:cNvPicPr>
+            <a:picLocks noChangeAspect="1"/>
+          </p:cNvPicPr>
+          <p:nvPr/>
+        </p:nvPicPr>
+        <p:blipFill>
+          <a:blip r:embed="rId7"/>
+          <a:stretch>
+            <a:fillRect/>
+          </a:stretch>
+        </p:blipFill>
+        <p:spPr>
+          <a:xfrm>
+            <a:off x="1120145" y="5500056"/>
+            <a:ext cx="3152775" cy="409575"/>
+          </a:xfrm>
+          <a:prstGeom prst="rect">
+            <a:avLst/>
+          </a:prstGeom>
+        </p:spPr>
+      </p:pic>
+      <p:pic>
+        <p:nvPicPr>
+          <p:cNvPr id="15" name="Picture 14"/>
+          <p:cNvPicPr>
+            <a:picLocks noChangeAspect="1"/>
+          </p:cNvPicPr>
+          <p:nvPr/>
+        </p:nvPicPr>
+        <p:blipFill>
+          <a:blip r:embed="rId8"/>
+          <a:stretch>
+            <a:fillRect/>
+          </a:stretch>
+        </p:blipFill>
+        <p:spPr>
+          <a:xfrm>
+            <a:off x="488948" y="5987316"/>
+            <a:ext cx="11139374" cy="600075"/>
+          </a:xfrm>
+          <a:prstGeom prst="rect">
+            <a:avLst/>
+          </a:prstGeom>
+        </p:spPr>
+      </p:pic>
+      <p:pic>
+        <p:nvPicPr>
+          <p:cNvPr id="16" name="Picture 15"/>
+          <p:cNvPicPr>
+            <a:picLocks noChangeAspect="1"/>
+          </p:cNvPicPr>
+          <p:nvPr/>
+        </p:nvPicPr>
+        <p:blipFill>
+          <a:blip r:embed="rId9"/>
+          <a:stretch>
+            <a:fillRect/>
+          </a:stretch>
+        </p:blipFill>
+        <p:spPr>
+          <a:xfrm>
+            <a:off x="172185" y="6588222"/>
+            <a:ext cx="11772900" cy="219075"/>
+          </a:xfrm>
+          <a:prstGeom prst="rect">
+            <a:avLst/>
+          </a:prstGeom>
+        </p:spPr>
+      </p:pic>
+    </p:spTree>
+    <p:extLst>
+      <p:ext uri="{BB962C8B-B14F-4D97-AF65-F5344CB8AC3E}">
+        <p14:creationId xmlns:p14="http://schemas.microsoft.com/office/powerpoint/2010/main" val="313490046"/>
+      </p:ext>
+    </p:extLst>
+  </p:cSld>
+  <p:clrMapOvr>
+    <a:masterClrMapping/>
+  </p:clrMapOvr>
+  <p:timing>
+    <p:tnLst>
+      <p:par>
+        <p:cTn id="1" dur="indefinite" restart="never" nodeType="tmRoot">
+          <p:childTnLst>
+            <p:seq concurrent="1" nextAc="seek">
+              <p:cTn id="2" dur="indefinite" nodeType="mainSeq">
+                <p:childTnLst>
+                  <p:par>
+                    <p:cTn id="3" fill="hold">
+                      <p:stCondLst>
+                        <p:cond delay="indefinite"/>
+                      </p:stCondLst>
+                      <p:childTnLst>
+                        <p:par>
+                          <p:cTn id="4" fill="hold">
+                            <p:stCondLst>
+                              <p:cond delay="0"/>
+                            </p:stCondLst>
+                            <p:childTnLst>
+                              <p:par>
+                                <p:cTn id="5" presetID="42" presetClass="entr" presetSubtype="0" fill="hold" grpId="0" nodeType="clickEffect">
+                                  <p:stCondLst>
+                                    <p:cond delay="0"/>
+                                  </p:stCondLst>
+                                  <p:childTnLst>
+                                    <p:set>
+                                      <p:cBhvr>
+                                        <p:cTn id="6" dur="1" fill="hold">
+                                          <p:stCondLst>
+                                            <p:cond delay="0"/>
+                                          </p:stCondLst>
+                                        </p:cTn>
+                                        <p:tgtEl>
+                                          <p:spTgt spid="3">
+                                            <p:txEl>
+                                              <p:pRg st="0" end="0"/>
+                                            </p:txEl>
+                                          </p:spTgt>
+                                        </p:tgtEl>
+                                        <p:attrNameLst>
+                                          <p:attrName>style.visibility</p:attrName>
+                                        </p:attrNameLst>
+                                      </p:cBhvr>
+                                      <p:to>
+                                        <p:strVal val="visible"/>
+                                      </p:to>
+                                    </p:set>
+                                    <p:animEffect transition="in" filter="fade">
+                                      <p:cBhvr>
+                                        <p:cTn id="7" dur="1000"/>
+                                        <p:tgtEl>
+                                          <p:spTgt spid="3">
+                                            <p:txEl>
+                                              <p:pRg st="0" end="0"/>
+                                            </p:txEl>
+                                          </p:spTgt>
+                                        </p:tgtEl>
+                                      </p:cBhvr>
+                                    </p:animEffect>
+                                    <p:anim calcmode="lin" valueType="num">
+                                      <p:cBhvr>
+                                        <p:cTn id="8" dur="1000" fill="hold"/>
+                                        <p:tgtEl>
+                                          <p:spTgt spid="3">
+                                            <p:txEl>
+                                              <p:pRg st="0" end="0"/>
+                                            </p:txEl>
+                                          </p:spTgt>
+                                        </p:tgtEl>
+                                        <p:attrNameLst>
+                                          <p:attrName>ppt_x</p:attrName>
+                                        </p:attrNameLst>
+                                      </p:cBhvr>
+                                      <p:tavLst>
+                                        <p:tav tm="0">
+                                          <p:val>
+                                            <p:strVal val="#ppt_x"/>
+                                          </p:val>
+                                        </p:tav>
+                                        <p:tav tm="100000">
+                                          <p:val>
+                                            <p:strVal val="#ppt_x"/>
+                                          </p:val>
+                                        </p:tav>
+                                      </p:tavLst>
+                                    </p:anim>
+                                    <p:anim calcmode="lin" valueType="num">
+                                      <p:cBhvr>
+                                        <p:cTn id="9" dur="1000" fill="hold"/>
+                                        <p:tgtEl>
+                                          <p:spTgt spid="3">
+                                            <p:txEl>
+                                              <p:pRg st="0" end="0"/>
+                                            </p:txEl>
+                                          </p:spTgt>
+                                        </p:tgtEl>
+                                        <p:attrNameLst>
+                                          <p:attrName>ppt_y</p:attrName>
+                                        </p:attrNameLst>
+                                      </p:cBhvr>
+                                      <p:tavLst>
+                                        <p:tav tm="0">
+                                          <p:val>
+                                            <p:strVal val="#ppt_y+.1"/>
+                                          </p:val>
+                                        </p:tav>
+                                        <p:tav tm="100000">
+                                          <p:val>
+                                            <p:strVal val="#ppt_y"/>
+                                          </p:val>
+                                        </p:tav>
+                                      </p:tavLst>
+                                    </p:anim>
+                                  </p:childTnLst>
+                                </p:cTn>
+                              </p:par>
+                            </p:childTnLst>
+                          </p:cTn>
+                        </p:par>
+                      </p:childTnLst>
+                    </p:cTn>
+                  </p:par>
+                  <p:par>
+                    <p:cTn id="10" fill="hold">
+                      <p:stCondLst>
+                        <p:cond delay="indefinite"/>
+                      </p:stCondLst>
+                      <p:childTnLst>
+                        <p:par>
+                          <p:cTn id="11" fill="hold">
+                            <p:stCondLst>
+                              <p:cond delay="0"/>
+                            </p:stCondLst>
+                            <p:childTnLst>
+                              <p:par>
+                                <p:cTn id="12" presetID="10" presetClass="entr" presetSubtype="0" fill="hold" grpId="1" nodeType="clickEffect">
+                                  <p:stCondLst>
+                                    <p:cond delay="0"/>
+                                  </p:stCondLst>
+                                  <p:iterate type="wd">
+                                    <p:tmPct val="10000"/>
+                                  </p:iterate>
+                                  <p:childTnLst>
+                                    <p:set>
+                                      <p:cBhvr>
+                                        <p:cTn id="13" dur="1" fill="hold">
+                                          <p:stCondLst>
+                                            <p:cond delay="0"/>
+                                          </p:stCondLst>
+                                        </p:cTn>
+                                        <p:tgtEl>
+                                          <p:spTgt spid="3">
+                                            <p:txEl>
+                                              <p:pRg st="1" end="1"/>
+                                            </p:txEl>
+                                          </p:spTgt>
+                                        </p:tgtEl>
+                                        <p:attrNameLst>
+                                          <p:attrName>style.visibility</p:attrName>
+                                        </p:attrNameLst>
+                                      </p:cBhvr>
+                                      <p:to>
+                                        <p:strVal val="visible"/>
+                                      </p:to>
+                                    </p:set>
+                                    <p:animEffect transition="in" filter="fade">
+                                      <p:cBhvr>
+                                        <p:cTn id="14" dur="500"/>
+                                        <p:tgtEl>
+                                          <p:spTgt spid="3">
+                                            <p:txEl>
+                                              <p:pRg st="1" end="1"/>
+                                            </p:txEl>
+                                          </p:spTgt>
+                                        </p:tgtEl>
+                                      </p:cBhvr>
+                                    </p:animEffect>
+                                  </p:childTnLst>
+                                </p:cTn>
+                              </p:par>
+                            </p:childTnLst>
+                          </p:cTn>
+                        </p:par>
+                      </p:childTnLst>
+                    </p:cTn>
+                  </p:par>
+                  <p:par>
+                    <p:cTn id="15" fill="hold">
+                      <p:stCondLst>
+                        <p:cond delay="indefinite"/>
+                      </p:stCondLst>
+                      <p:childTnLst>
+                        <p:par>
+                          <p:cTn id="16" fill="hold">
+                            <p:stCondLst>
+                              <p:cond delay="0"/>
+                            </p:stCondLst>
+                            <p:childTnLst>
+                              <p:par>
+                                <p:cTn id="17" presetID="26" presetClass="entr" presetSubtype="0" fill="hold" nodeType="clickEffect">
+                                  <p:stCondLst>
+                                    <p:cond delay="0"/>
+                                  </p:stCondLst>
+                                  <p:childTnLst>
+                                    <p:set>
+                                      <p:cBhvr>
+                                        <p:cTn id="18" dur="1" fill="hold">
+                                          <p:stCondLst>
+                                            <p:cond delay="0"/>
+                                          </p:stCondLst>
+                                        </p:cTn>
+                                        <p:tgtEl>
+                                          <p:spTgt spid="4"/>
+                                        </p:tgtEl>
+                                        <p:attrNameLst>
+                                          <p:attrName>style.visibility</p:attrName>
+                                        </p:attrNameLst>
+                                      </p:cBhvr>
+                                      <p:to>
+                                        <p:strVal val="visible"/>
+                                      </p:to>
+                                    </p:set>
+                                    <p:animEffect transition="in" filter="wipe(down)">
+                                      <p:cBhvr>
+                                        <p:cTn id="19" dur="580">
+                                          <p:stCondLst>
+                                            <p:cond delay="0"/>
+                                          </p:stCondLst>
+                                        </p:cTn>
+                                        <p:tgtEl>
+                                          <p:spTgt spid="4"/>
+                                        </p:tgtEl>
+                                      </p:cBhvr>
+                                    </p:animEffect>
+                                    <p:anim calcmode="lin" valueType="num">
+                                      <p:cBhvr>
+                                        <p:cTn id="20" dur="1822" tmFilter="0,0; 0.14,0.36; 0.43,0.73; 0.71,0.91; 1.0,1.0">
+                                          <p:stCondLst>
+                                            <p:cond delay="0"/>
+                                          </p:stCondLst>
+                                        </p:cTn>
+                                        <p:tgtEl>
+                                          <p:spTgt spid="4"/>
+                                        </p:tgtEl>
+                                        <p:attrNameLst>
+                                          <p:attrName>ppt_x</p:attrName>
+                                        </p:attrNameLst>
+                                      </p:cBhvr>
+                                      <p:tavLst>
+                                        <p:tav tm="0">
+                                          <p:val>
+                                            <p:strVal val="#ppt_x-0.25"/>
+                                          </p:val>
+                                        </p:tav>
+                                        <p:tav tm="100000">
+                                          <p:val>
+                                            <p:strVal val="#ppt_x"/>
+                                          </p:val>
+                                        </p:tav>
+                                      </p:tavLst>
+                                    </p:anim>
+                                    <p:anim calcmode="lin" valueType="num">
+                                      <p:cBhvr>
+                                        <p:cTn id="21" dur="664" tmFilter="0.0,0.0; 0.25,0.07; 0.50,0.2; 0.75,0.467; 1.0,1.0">
+                                          <p:stCondLst>
+                                            <p:cond delay="0"/>
+                                          </p:stCondLst>
+                                        </p:cTn>
+                                        <p:tgtEl>
+                                          <p:spTgt spid="4"/>
+                                        </p:tgtEl>
+                                        <p:attrNameLst>
+                                          <p:attrName>ppt_y</p:attrName>
+                                        </p:attrNameLst>
+                                      </p:cBhvr>
+                                      <p:tavLst>
+                                        <p:tav tm="0" fmla="#ppt_y-sin(pi*$)/3">
+                                          <p:val>
+                                            <p:fltVal val="0.5"/>
+                                          </p:val>
+                                        </p:tav>
+                                        <p:tav tm="100000">
+                                          <p:val>
+                                            <p:fltVal val="1"/>
+                                          </p:val>
+                                        </p:tav>
+                                      </p:tavLst>
+                                    </p:anim>
+                                    <p:anim calcmode="lin" valueType="num">
+                                      <p:cBhvr>
+                                        <p:cTn id="22" dur="664" tmFilter="0, 0; 0.125,0.2665; 0.25,0.4; 0.375,0.465; 0.5,0.5;  0.625,0.535; 0.75,0.6; 0.875,0.7335; 1,1">
+                                          <p:stCondLst>
+                                            <p:cond delay="664"/>
+                                          </p:stCondLst>
+                                        </p:cTn>
+                                        <p:tgtEl>
+                                          <p:spTgt spid="4"/>
+                                        </p:tgtEl>
+                                        <p:attrNameLst>
+                                          <p:attrName>ppt_y</p:attrName>
+                                        </p:attrNameLst>
+                                      </p:cBhvr>
+                                      <p:tavLst>
+                                        <p:tav tm="0" fmla="#ppt_y-sin(pi*$)/9">
+                                          <p:val>
+                                            <p:fltVal val="0"/>
+                                          </p:val>
+                                        </p:tav>
+                                        <p:tav tm="100000">
+                                          <p:val>
+                                            <p:fltVal val="1"/>
+                                          </p:val>
+                                        </p:tav>
+                                      </p:tavLst>
+                                    </p:anim>
+                                    <p:anim calcmode="lin" valueType="num">
+                                      <p:cBhvr>
+                                        <p:cTn id="23" dur="332" tmFilter="0, 0; 0.125,0.2665; 0.25,0.4; 0.375,0.465; 0.5,0.5;  0.625,0.535; 0.75,0.6; 0.875,0.7335; 1,1">
+                                          <p:stCondLst>
+                                            <p:cond delay="1324"/>
+                                          </p:stCondLst>
+                                        </p:cTn>
+                                        <p:tgtEl>
+                                          <p:spTgt spid="4"/>
+                                        </p:tgtEl>
+                                        <p:attrNameLst>
+                                          <p:attrName>ppt_y</p:attrName>
+                                        </p:attrNameLst>
+                                      </p:cBhvr>
+                                      <p:tavLst>
+                                        <p:tav tm="0" fmla="#ppt_y-sin(pi*$)/27">
+                                          <p:val>
+                                            <p:fltVal val="0"/>
+                                          </p:val>
+                                        </p:tav>
+                                        <p:tav tm="100000">
+                                          <p:val>
+                                            <p:fltVal val="1"/>
+                                          </p:val>
+                                        </p:tav>
+                                      </p:tavLst>
+                                    </p:anim>
+                                    <p:anim calcmode="lin" valueType="num">
+                                      <p:cBhvr>
+                                        <p:cTn id="24" dur="164" tmFilter="0, 0; 0.125,0.2665; 0.25,0.4; 0.375,0.465; 0.5,0.5;  0.625,0.535; 0.75,0.6; 0.875,0.7335; 1,1">
+                                          <p:stCondLst>
+                                            <p:cond delay="1656"/>
+                                          </p:stCondLst>
+                                        </p:cTn>
+                                        <p:tgtEl>
+                                          <p:spTgt spid="4"/>
+                                        </p:tgtEl>
+                                        <p:attrNameLst>
+                                          <p:attrName>ppt_y</p:attrName>
+                                        </p:attrNameLst>
+                                      </p:cBhvr>
+                                      <p:tavLst>
+                                        <p:tav tm="0" fmla="#ppt_y-sin(pi*$)/81">
+                                          <p:val>
+                                            <p:fltVal val="0"/>
+                                          </p:val>
+                                        </p:tav>
+                                        <p:tav tm="100000">
+                                          <p:val>
+                                            <p:fltVal val="1"/>
+                                          </p:val>
+                                        </p:tav>
+                                      </p:tavLst>
+                                    </p:anim>
+                                    <p:animScale>
+                                      <p:cBhvr>
+                                        <p:cTn id="25" dur="26">
+                                          <p:stCondLst>
+                                            <p:cond delay="650"/>
+                                          </p:stCondLst>
+                                        </p:cTn>
+                                        <p:tgtEl>
+                                          <p:spTgt spid="4"/>
+                                        </p:tgtEl>
+                                      </p:cBhvr>
+                                      <p:to x="100000" y="60000"/>
+                                    </p:animScale>
+                                    <p:animScale>
+                                      <p:cBhvr>
+                                        <p:cTn id="26" dur="166" decel="50000">
+                                          <p:stCondLst>
+                                            <p:cond delay="676"/>
+                                          </p:stCondLst>
+                                        </p:cTn>
+                                        <p:tgtEl>
+                                          <p:spTgt spid="4"/>
+                                        </p:tgtEl>
+                                      </p:cBhvr>
+                                      <p:to x="100000" y="100000"/>
+                                    </p:animScale>
+                                    <p:animScale>
+                                      <p:cBhvr>
+                                        <p:cTn id="27" dur="26">
+                                          <p:stCondLst>
+                                            <p:cond delay="1312"/>
+                                          </p:stCondLst>
+                                        </p:cTn>
+                                        <p:tgtEl>
+                                          <p:spTgt spid="4"/>
+                                        </p:tgtEl>
+                                      </p:cBhvr>
+                                      <p:to x="100000" y="80000"/>
+                                    </p:animScale>
+                                    <p:animScale>
+                                      <p:cBhvr>
+                                        <p:cTn id="28" dur="166" decel="50000">
+                                          <p:stCondLst>
+                                            <p:cond delay="1338"/>
+                                          </p:stCondLst>
+                                        </p:cTn>
+                                        <p:tgtEl>
+                                          <p:spTgt spid="4"/>
+                                        </p:tgtEl>
+                                      </p:cBhvr>
+                                      <p:to x="100000" y="100000"/>
+                                    </p:animScale>
+                                    <p:animScale>
+                                      <p:cBhvr>
+                                        <p:cTn id="29" dur="26">
+                                          <p:stCondLst>
+                                            <p:cond delay="1642"/>
+                                          </p:stCondLst>
+                                        </p:cTn>
+                                        <p:tgtEl>
+                                          <p:spTgt spid="4"/>
+                                        </p:tgtEl>
+                                      </p:cBhvr>
+                                      <p:to x="100000" y="90000"/>
+                                    </p:animScale>
+                                    <p:animScale>
+                                      <p:cBhvr>
+                                        <p:cTn id="30" dur="166" decel="50000">
+                                          <p:stCondLst>
+                                            <p:cond delay="1668"/>
+                                          </p:stCondLst>
+                                        </p:cTn>
+                                        <p:tgtEl>
+                                          <p:spTgt spid="4"/>
+                                        </p:tgtEl>
+                                      </p:cBhvr>
+                                      <p:to x="100000" y="100000"/>
+                                    </p:animScale>
+                                    <p:animScale>
+                                      <p:cBhvr>
+                                        <p:cTn id="31" dur="26">
+                                          <p:stCondLst>
+                                            <p:cond delay="1808"/>
+                                          </p:stCondLst>
+                                        </p:cTn>
+                                        <p:tgtEl>
+                                          <p:spTgt spid="4"/>
+                                        </p:tgtEl>
+                                      </p:cBhvr>
+                                      <p:to x="100000" y="95000"/>
+                                    </p:animScale>
+                                    <p:animScale>
+                                      <p:cBhvr>
+                                        <p:cTn id="32" dur="166" decel="50000">
+                                          <p:stCondLst>
+                                            <p:cond delay="1834"/>
+                                          </p:stCondLst>
+                                        </p:cTn>
+                                        <p:tgtEl>
+                                          <p:spTgt spid="4"/>
+                                        </p:tgtEl>
+                                      </p:cBhvr>
+                                      <p:to x="100000" y="100000"/>
+                                    </p:animScale>
+                                  </p:childTnLst>
+                                </p:cTn>
+                              </p:par>
+                            </p:childTnLst>
+                          </p:cTn>
+                        </p:par>
+                        <p:par>
+                          <p:cTn id="33" fill="hold">
+                            <p:stCondLst>
+                              <p:cond delay="2000"/>
+                            </p:stCondLst>
+                            <p:childTnLst>
+                              <p:par>
+                                <p:cTn id="34" presetID="42" presetClass="entr" presetSubtype="0" fill="hold" grpId="1" nodeType="afterEffect">
+                                  <p:stCondLst>
+                                    <p:cond delay="0"/>
+                                  </p:stCondLst>
+                                  <p:childTnLst>
+                                    <p:set>
+                                      <p:cBhvr>
+                                        <p:cTn id="35" dur="1" fill="hold">
+                                          <p:stCondLst>
+                                            <p:cond delay="0"/>
+                                          </p:stCondLst>
+                                        </p:cTn>
+                                        <p:tgtEl>
+                                          <p:spTgt spid="5"/>
+                                        </p:tgtEl>
+                                        <p:attrNameLst>
+                                          <p:attrName>style.visibility</p:attrName>
+                                        </p:attrNameLst>
+                                      </p:cBhvr>
+                                      <p:to>
+                                        <p:strVal val="visible"/>
+                                      </p:to>
+                                    </p:set>
+                                    <p:animEffect transition="in" filter="fade">
+                                      <p:cBhvr>
+                                        <p:cTn id="36" dur="1000"/>
+                                        <p:tgtEl>
+                                          <p:spTgt spid="5"/>
+                                        </p:tgtEl>
+                                      </p:cBhvr>
+                                    </p:animEffect>
+                                    <p:anim calcmode="lin" valueType="num">
+                                      <p:cBhvr>
+                                        <p:cTn id="37" dur="1000" fill="hold"/>
+                                        <p:tgtEl>
+                                          <p:spTgt spid="5"/>
+                                        </p:tgtEl>
+                                        <p:attrNameLst>
+                                          <p:attrName>ppt_x</p:attrName>
+                                        </p:attrNameLst>
+                                      </p:cBhvr>
+                                      <p:tavLst>
+                                        <p:tav tm="0">
+                                          <p:val>
+                                            <p:strVal val="#ppt_x"/>
+                                          </p:val>
+                                        </p:tav>
+                                        <p:tav tm="100000">
+                                          <p:val>
+                                            <p:strVal val="#ppt_x"/>
+                                          </p:val>
+                                        </p:tav>
+                                      </p:tavLst>
+                                    </p:anim>
+                                    <p:anim calcmode="lin" valueType="num">
+                                      <p:cBhvr>
+                                        <p:cTn id="38" dur="1000" fill="hold"/>
+                                        <p:tgtEl>
+                                          <p:spTgt spid="5"/>
+                                        </p:tgtEl>
+                                        <p:attrNameLst>
+                                          <p:attrName>ppt_y</p:attrName>
+                                        </p:attrNameLst>
+                                      </p:cBhvr>
+                                      <p:tavLst>
+                                        <p:tav tm="0">
+                                          <p:val>
+                                            <p:strVal val="#ppt_y+.1"/>
+                                          </p:val>
+                                        </p:tav>
+                                        <p:tav tm="100000">
+                                          <p:val>
+                                            <p:strVal val="#ppt_y"/>
+                                          </p:val>
+                                        </p:tav>
+                                      </p:tavLst>
+                                    </p:anim>
+                                  </p:childTnLst>
+                                </p:cTn>
+                              </p:par>
+                            </p:childTnLst>
+                          </p:cTn>
+                        </p:par>
+                        <p:par>
+                          <p:cTn id="39" fill="hold">
+                            <p:stCondLst>
+                              <p:cond delay="3000"/>
+                            </p:stCondLst>
+                            <p:childTnLst>
+                              <p:par>
+                                <p:cTn id="40" presetID="16" presetClass="entr" presetSubtype="21" fill="hold" nodeType="afterEffect">
+                                  <p:stCondLst>
+                                    <p:cond delay="0"/>
+                                  </p:stCondLst>
+                                  <p:childTnLst>
+                                    <p:set>
+                                      <p:cBhvr>
+                                        <p:cTn id="41" dur="1" fill="hold">
+                                          <p:stCondLst>
+                                            <p:cond delay="0"/>
+                                          </p:stCondLst>
+                                        </p:cTn>
+                                        <p:tgtEl>
+                                          <p:spTgt spid="6"/>
+                                        </p:tgtEl>
+                                        <p:attrNameLst>
+                                          <p:attrName>style.visibility</p:attrName>
+                                        </p:attrNameLst>
+                                      </p:cBhvr>
+                                      <p:to>
+                                        <p:strVal val="visible"/>
+                                      </p:to>
+                                    </p:set>
+                                    <p:animEffect transition="in" filter="barn(inVertical)">
+                                      <p:cBhvr>
+                                        <p:cTn id="42" dur="500"/>
+                                        <p:tgtEl>
+                                          <p:spTgt spid="6"/>
+                                        </p:tgtEl>
+                                      </p:cBhvr>
+                                    </p:animEffect>
+                                  </p:childTnLst>
+                                </p:cTn>
+                              </p:par>
+                            </p:childTnLst>
+                          </p:cTn>
+                        </p:par>
+                      </p:childTnLst>
+                    </p:cTn>
+                  </p:par>
+                  <p:par>
+                    <p:cTn id="43" fill="hold">
+                      <p:stCondLst>
+                        <p:cond delay="indefinite"/>
+                      </p:stCondLst>
+                      <p:childTnLst>
+                        <p:par>
+                          <p:cTn id="44" fill="hold">
+                            <p:stCondLst>
+                              <p:cond delay="0"/>
+                            </p:stCondLst>
+                            <p:childTnLst>
+                              <p:par>
+                                <p:cTn id="45" presetID="42" presetClass="entr" presetSubtype="0" fill="hold" grpId="0" nodeType="clickEffect">
+                                  <p:stCondLst>
+                                    <p:cond delay="0"/>
+                                  </p:stCondLst>
+                                  <p:iterate type="wd">
+                                    <p:tmPct val="0"/>
+                                  </p:iterate>
+                                  <p:childTnLst>
+                                    <p:set>
+                                      <p:cBhvr>
+                                        <p:cTn id="46" dur="1" fill="hold">
+                                          <p:stCondLst>
+                                            <p:cond delay="0"/>
+                                          </p:stCondLst>
+                                        </p:cTn>
+                                        <p:tgtEl>
+                                          <p:spTgt spid="7"/>
+                                        </p:tgtEl>
+                                        <p:attrNameLst>
+                                          <p:attrName>style.visibility</p:attrName>
+                                        </p:attrNameLst>
+                                      </p:cBhvr>
+                                      <p:to>
+                                        <p:strVal val="visible"/>
+                                      </p:to>
+                                    </p:set>
+                                    <p:animEffect transition="in" filter="fade">
+                                      <p:cBhvr>
+                                        <p:cTn id="47" dur="1000"/>
+                                        <p:tgtEl>
+                                          <p:spTgt spid="7"/>
+                                        </p:tgtEl>
+                                      </p:cBhvr>
+                                    </p:animEffect>
+                                    <p:anim calcmode="lin" valueType="num">
+                                      <p:cBhvr>
+                                        <p:cTn id="48" dur="1000" fill="hold"/>
+                                        <p:tgtEl>
+                                          <p:spTgt spid="7"/>
+                                        </p:tgtEl>
+                                        <p:attrNameLst>
+                                          <p:attrName>ppt_x</p:attrName>
+                                        </p:attrNameLst>
+                                      </p:cBhvr>
+                                      <p:tavLst>
+                                        <p:tav tm="0">
+                                          <p:val>
+                                            <p:strVal val="#ppt_x"/>
+                                          </p:val>
+                                        </p:tav>
+                                        <p:tav tm="100000">
+                                          <p:val>
+                                            <p:strVal val="#ppt_x"/>
+                                          </p:val>
+                                        </p:tav>
+                                      </p:tavLst>
+                                    </p:anim>
+                                    <p:anim calcmode="lin" valueType="num">
+                                      <p:cBhvr>
+                                        <p:cTn id="49" dur="1000" fill="hold"/>
+                                        <p:tgtEl>
+                                          <p:spTgt spid="7"/>
+                                        </p:tgtEl>
+                                        <p:attrNameLst>
+                                          <p:attrName>ppt_y</p:attrName>
+                                        </p:attrNameLst>
+                                      </p:cBhvr>
+                                      <p:tavLst>
+                                        <p:tav tm="0">
+                                          <p:val>
+                                            <p:strVal val="#ppt_y+.1"/>
+                                          </p:val>
+                                        </p:tav>
+                                        <p:tav tm="100000">
+                                          <p:val>
+                                            <p:strVal val="#ppt_y"/>
+                                          </p:val>
+                                        </p:tav>
+                                      </p:tavLst>
+                                    </p:anim>
+                                  </p:childTnLst>
+                                </p:cTn>
+                              </p:par>
+                            </p:childTnLst>
+                          </p:cTn>
+                        </p:par>
+                        <p:par>
+                          <p:cTn id="50" fill="hold">
+                            <p:stCondLst>
+                              <p:cond delay="1000"/>
+                            </p:stCondLst>
+                            <p:childTnLst>
+                              <p:par>
+                                <p:cTn id="51" presetID="42" presetClass="entr" presetSubtype="0" fill="hold" nodeType="afterEffect">
+                                  <p:stCondLst>
+                                    <p:cond delay="0"/>
+                                  </p:stCondLst>
+                                  <p:childTnLst>
+                                    <p:set>
+                                      <p:cBhvr>
+                                        <p:cTn id="52" dur="1" fill="hold">
+                                          <p:stCondLst>
+                                            <p:cond delay="0"/>
+                                          </p:stCondLst>
+                                        </p:cTn>
+                                        <p:tgtEl>
+                                          <p:spTgt spid="8"/>
+                                        </p:tgtEl>
+                                        <p:attrNameLst>
+                                          <p:attrName>style.visibility</p:attrName>
+                                        </p:attrNameLst>
+                                      </p:cBhvr>
+                                      <p:to>
+                                        <p:strVal val="visible"/>
+                                      </p:to>
+                                    </p:set>
+                                    <p:animEffect transition="in" filter="fade">
+                                      <p:cBhvr>
+                                        <p:cTn id="53" dur="1000"/>
+                                        <p:tgtEl>
+                                          <p:spTgt spid="8"/>
+                                        </p:tgtEl>
+                                      </p:cBhvr>
+                                    </p:animEffect>
+                                    <p:anim calcmode="lin" valueType="num">
+                                      <p:cBhvr>
+                                        <p:cTn id="54" dur="1000" fill="hold"/>
+                                        <p:tgtEl>
+                                          <p:spTgt spid="8"/>
+                                        </p:tgtEl>
+                                        <p:attrNameLst>
+                                          <p:attrName>ppt_x</p:attrName>
+                                        </p:attrNameLst>
+                                      </p:cBhvr>
+                                      <p:tavLst>
+                                        <p:tav tm="0">
+                                          <p:val>
+                                            <p:strVal val="#ppt_x"/>
+                                          </p:val>
+                                        </p:tav>
+                                        <p:tav tm="100000">
+                                          <p:val>
+                                            <p:strVal val="#ppt_x"/>
+                                          </p:val>
+                                        </p:tav>
+                                      </p:tavLst>
+                                    </p:anim>
+                                    <p:anim calcmode="lin" valueType="num">
+                                      <p:cBhvr>
+                                        <p:cTn id="55" dur="1000" fill="hold"/>
+                                        <p:tgtEl>
+                                          <p:spTgt spid="8"/>
+                                        </p:tgtEl>
+                                        <p:attrNameLst>
+                                          <p:attrName>ppt_y</p:attrName>
+                                        </p:attrNameLst>
+                                      </p:cBhvr>
+                                      <p:tavLst>
+                                        <p:tav tm="0">
+                                          <p:val>
+                                            <p:strVal val="#ppt_y+.1"/>
+                                          </p:val>
+                                        </p:tav>
+                                        <p:tav tm="100000">
+                                          <p:val>
+                                            <p:strVal val="#ppt_y"/>
+                                          </p:val>
+                                        </p:tav>
+                                      </p:tavLst>
+                                    </p:anim>
+                                  </p:childTnLst>
+                                </p:cTn>
+                              </p:par>
+                            </p:childTnLst>
+                          </p:cTn>
+                        </p:par>
+                        <p:par>
+                          <p:cTn id="56" fill="hold">
+                            <p:stCondLst>
+                              <p:cond delay="2000"/>
+                            </p:stCondLst>
+                            <p:childTnLst>
+                              <p:par>
+                                <p:cTn id="57" presetID="22" presetClass="entr" presetSubtype="4" fill="hold" nodeType="afterEffect">
+                                  <p:stCondLst>
+                                    <p:cond delay="0"/>
+                                  </p:stCondLst>
+                                  <p:childTnLst>
+                                    <p:set>
+                                      <p:cBhvr>
+                                        <p:cTn id="58" dur="1" fill="hold">
+                                          <p:stCondLst>
+                                            <p:cond delay="0"/>
+                                          </p:stCondLst>
+                                        </p:cTn>
+                                        <p:tgtEl>
+                                          <p:spTgt spid="10"/>
+                                        </p:tgtEl>
+                                        <p:attrNameLst>
+                                          <p:attrName>style.visibility</p:attrName>
+                                        </p:attrNameLst>
+                                      </p:cBhvr>
+                                      <p:to>
+                                        <p:strVal val="visible"/>
+                                      </p:to>
+                                    </p:set>
+                                    <p:animEffect transition="in" filter="wipe(down)">
+                                      <p:cBhvr>
+                                        <p:cTn id="59" dur="500"/>
+                                        <p:tgtEl>
+                                          <p:spTgt spid="10"/>
+                                        </p:tgtEl>
+                                      </p:cBhvr>
+                                    </p:animEffect>
+                                  </p:childTnLst>
+                                </p:cTn>
+                              </p:par>
+                            </p:childTnLst>
+                          </p:cTn>
+                        </p:par>
+                      </p:childTnLst>
+                    </p:cTn>
+                  </p:par>
+                  <p:par>
+                    <p:cTn id="60" fill="hold">
+                      <p:stCondLst>
+                        <p:cond delay="indefinite"/>
+                      </p:stCondLst>
+                      <p:childTnLst>
+                        <p:par>
+                          <p:cTn id="61" fill="hold">
+                            <p:stCondLst>
+                              <p:cond delay="0"/>
+                            </p:stCondLst>
+                            <p:childTnLst>
+                              <p:par>
+                                <p:cTn id="62" presetID="14" presetClass="exit" presetSubtype="10" fill="hold" nodeType="clickEffect">
+                                  <p:stCondLst>
+                                    <p:cond delay="0"/>
+                                  </p:stCondLst>
+                                  <p:childTnLst>
+                                    <p:animEffect transition="out" filter="randombar(horizontal)">
+                                      <p:cBhvr>
+                                        <p:cTn id="63" dur="500"/>
+                                        <p:tgtEl>
+                                          <p:spTgt spid="4"/>
+                                        </p:tgtEl>
+                                      </p:cBhvr>
+                                    </p:animEffect>
+                                    <p:set>
+                                      <p:cBhvr>
+                                        <p:cTn id="64" dur="1" fill="hold">
+                                          <p:stCondLst>
+                                            <p:cond delay="499"/>
+                                          </p:stCondLst>
+                                        </p:cTn>
+                                        <p:tgtEl>
+                                          <p:spTgt spid="4"/>
+                                        </p:tgtEl>
+                                        <p:attrNameLst>
+                                          <p:attrName>style.visibility</p:attrName>
+                                        </p:attrNameLst>
+                                      </p:cBhvr>
+                                      <p:to>
+                                        <p:strVal val="hidden"/>
+                                      </p:to>
+                                    </p:set>
+                                  </p:childTnLst>
+                                </p:cTn>
+                              </p:par>
+                              <p:par>
+                                <p:cTn id="65" presetID="10" presetClass="exit" presetSubtype="0" fill="hold" grpId="0" nodeType="withEffect">
+                                  <p:stCondLst>
+                                    <p:cond delay="0"/>
+                                  </p:stCondLst>
+                                  <p:childTnLst>
+                                    <p:animEffect transition="out" filter="fade">
+                                      <p:cBhvr>
+                                        <p:cTn id="66" dur="500"/>
+                                        <p:tgtEl>
+                                          <p:spTgt spid="5"/>
+                                        </p:tgtEl>
+                                      </p:cBhvr>
+                                    </p:animEffect>
+                                    <p:set>
+                                      <p:cBhvr>
+                                        <p:cTn id="67" dur="1" fill="hold">
+                                          <p:stCondLst>
+                                            <p:cond delay="499"/>
+                                          </p:stCondLst>
+                                        </p:cTn>
+                                        <p:tgtEl>
+                                          <p:spTgt spid="5"/>
+                                        </p:tgtEl>
+                                        <p:attrNameLst>
+                                          <p:attrName>style.visibility</p:attrName>
+                                        </p:attrNameLst>
+                                      </p:cBhvr>
+                                      <p:to>
+                                        <p:strVal val="hidden"/>
+                                      </p:to>
+                                    </p:set>
+                                  </p:childTnLst>
+                                </p:cTn>
+                              </p:par>
+                              <p:par>
+                                <p:cTn id="68" presetID="10" presetClass="exit" presetSubtype="0" fill="hold" nodeType="withEffect">
+                                  <p:stCondLst>
+                                    <p:cond delay="0"/>
+                                  </p:stCondLst>
+                                  <p:childTnLst>
+                                    <p:animEffect transition="out" filter="fade">
+                                      <p:cBhvr>
+                                        <p:cTn id="69" dur="500"/>
+                                        <p:tgtEl>
+                                          <p:spTgt spid="6"/>
+                                        </p:tgtEl>
+                                      </p:cBhvr>
+                                    </p:animEffect>
+                                    <p:set>
+                                      <p:cBhvr>
+                                        <p:cTn id="70" dur="1" fill="hold">
+                                          <p:stCondLst>
+                                            <p:cond delay="499"/>
+                                          </p:stCondLst>
+                                        </p:cTn>
+                                        <p:tgtEl>
+                                          <p:spTgt spid="6"/>
+                                        </p:tgtEl>
+                                        <p:attrNameLst>
+                                          <p:attrName>style.visibility</p:attrName>
+                                        </p:attrNameLst>
+                                      </p:cBhvr>
+                                      <p:to>
+                                        <p:strVal val="hidden"/>
+                                      </p:to>
+                                    </p:set>
+                                  </p:childTnLst>
+                                </p:cTn>
+                              </p:par>
+                            </p:childTnLst>
+                          </p:cTn>
+                        </p:par>
+                        <p:par>
+                          <p:cTn id="71" fill="hold">
+                            <p:stCondLst>
+                              <p:cond delay="500"/>
+                            </p:stCondLst>
+                            <p:childTnLst>
+                              <p:par>
+                                <p:cTn id="72" presetID="14" presetClass="entr" presetSubtype="10" fill="hold" nodeType="afterEffect">
+                                  <p:stCondLst>
+                                    <p:cond delay="500"/>
+                                  </p:stCondLst>
+                                  <p:childTnLst>
+                                    <p:set>
+                                      <p:cBhvr>
+                                        <p:cTn id="73" dur="1" fill="hold">
+                                          <p:stCondLst>
+                                            <p:cond delay="0"/>
+                                          </p:stCondLst>
+                                        </p:cTn>
+                                        <p:tgtEl>
+                                          <p:spTgt spid="9"/>
+                                        </p:tgtEl>
+                                        <p:attrNameLst>
+                                          <p:attrName>style.visibility</p:attrName>
+                                        </p:attrNameLst>
+                                      </p:cBhvr>
+                                      <p:to>
+                                        <p:strVal val="visible"/>
+                                      </p:to>
+                                    </p:set>
+                                    <p:animEffect transition="in" filter="randombar(horizontal)">
+                                      <p:cBhvr>
+                                        <p:cTn id="74" dur="500"/>
+                                        <p:tgtEl>
+                                          <p:spTgt spid="9"/>
+                                        </p:tgtEl>
+                                      </p:cBhvr>
+                                    </p:animEffect>
+                                  </p:childTnLst>
+                                </p:cTn>
+                              </p:par>
+                            </p:childTnLst>
+                          </p:cTn>
+                        </p:par>
+                      </p:childTnLst>
+                    </p:cTn>
+                  </p:par>
+                  <p:par>
+                    <p:cTn id="75" fill="hold">
+                      <p:stCondLst>
+                        <p:cond delay="indefinite"/>
+                      </p:stCondLst>
+                      <p:childTnLst>
+                        <p:par>
+                          <p:cTn id="76" fill="hold">
+                            <p:stCondLst>
+                              <p:cond delay="0"/>
+                            </p:stCondLst>
+                            <p:childTnLst>
+                              <p:par>
+                                <p:cTn id="77" presetID="10" presetClass="exit" presetSubtype="0" fill="hold" grpId="1" nodeType="clickEffect">
+                                  <p:stCondLst>
+                                    <p:cond delay="0"/>
+                                  </p:stCondLst>
+                                  <p:iterate type="wd">
+                                    <p:tmPct val="10000"/>
+                                  </p:iterate>
+                                  <p:childTnLst>
+                                    <p:animEffect transition="out" filter="fade">
+                                      <p:cBhvr>
+                                        <p:cTn id="78" dur="500"/>
+                                        <p:tgtEl>
+                                          <p:spTgt spid="7"/>
+                                        </p:tgtEl>
+                                      </p:cBhvr>
+                                    </p:animEffect>
+                                    <p:set>
+                                      <p:cBhvr>
+                                        <p:cTn id="79" dur="1" fill="hold">
+                                          <p:stCondLst>
+                                            <p:cond delay="499"/>
+                                          </p:stCondLst>
+                                        </p:cTn>
+                                        <p:tgtEl>
+                                          <p:spTgt spid="7"/>
+                                        </p:tgtEl>
+                                        <p:attrNameLst>
+                                          <p:attrName>style.visibility</p:attrName>
+                                        </p:attrNameLst>
+                                      </p:cBhvr>
+                                      <p:to>
+                                        <p:strVal val="hidden"/>
+                                      </p:to>
+                                    </p:set>
+                                  </p:childTnLst>
+                                </p:cTn>
+                              </p:par>
+                            </p:childTnLst>
+                          </p:cTn>
+                        </p:par>
+                        <p:par>
+                          <p:cTn id="80" fill="hold">
+                            <p:stCondLst>
+                              <p:cond delay="1550"/>
+                            </p:stCondLst>
+                            <p:childTnLst>
+                              <p:par>
+                                <p:cTn id="81" presetID="10" presetClass="entr" presetSubtype="0" fill="hold" grpId="0" nodeType="afterEffect">
+                                  <p:stCondLst>
+                                    <p:cond delay="500"/>
+                                  </p:stCondLst>
+                                  <p:iterate type="lt">
+                                    <p:tmPct val="10000"/>
+                                  </p:iterate>
+                                  <p:childTnLst>
+                                    <p:set>
+                                      <p:cBhvr>
+                                        <p:cTn id="82" dur="1" fill="hold">
+                                          <p:stCondLst>
+                                            <p:cond delay="0"/>
+                                          </p:stCondLst>
+                                        </p:cTn>
+                                        <p:tgtEl>
+                                          <p:spTgt spid="13"/>
+                                        </p:tgtEl>
+                                        <p:attrNameLst>
+                                          <p:attrName>style.visibility</p:attrName>
+                                        </p:attrNameLst>
+                                      </p:cBhvr>
+                                      <p:to>
+                                        <p:strVal val="visible"/>
+                                      </p:to>
+                                    </p:set>
+                                    <p:animEffect transition="in" filter="fade">
+                                      <p:cBhvr>
+                                        <p:cTn id="83" dur="500"/>
+                                        <p:tgtEl>
+                                          <p:spTgt spid="13"/>
+                                        </p:tgtEl>
+                                      </p:cBhvr>
+                                    </p:animEffect>
+                                  </p:childTnLst>
+                                </p:cTn>
+                              </p:par>
+                            </p:childTnLst>
+                          </p:cTn>
+                        </p:par>
+                        <p:par>
+                          <p:cTn id="84" fill="hold">
+                            <p:stCondLst>
+                              <p:cond delay="6800"/>
+                            </p:stCondLst>
+                            <p:childTnLst>
+                              <p:par>
+                                <p:cTn id="85" presetID="53" presetClass="exit" presetSubtype="32" fill="hold" nodeType="afterEffect">
+                                  <p:stCondLst>
+                                    <p:cond delay="0"/>
+                                  </p:stCondLst>
+                                  <p:childTnLst>
+                                    <p:anim calcmode="lin" valueType="num">
+                                      <p:cBhvr>
+                                        <p:cTn id="86" dur="500"/>
+                                        <p:tgtEl>
+                                          <p:spTgt spid="8"/>
+                                        </p:tgtEl>
+                                        <p:attrNameLst>
+                                          <p:attrName>ppt_w</p:attrName>
+                                        </p:attrNameLst>
+                                      </p:cBhvr>
+                                      <p:tavLst>
+                                        <p:tav tm="0">
+                                          <p:val>
+                                            <p:strVal val="ppt_w"/>
+                                          </p:val>
+                                        </p:tav>
+                                        <p:tav tm="100000">
+                                          <p:val>
+                                            <p:fltVal val="0"/>
+                                          </p:val>
+                                        </p:tav>
+                                      </p:tavLst>
+                                    </p:anim>
+                                    <p:anim calcmode="lin" valueType="num">
+                                      <p:cBhvr>
+                                        <p:cTn id="87" dur="500"/>
+                                        <p:tgtEl>
+                                          <p:spTgt spid="8"/>
+                                        </p:tgtEl>
+                                        <p:attrNameLst>
+                                          <p:attrName>ppt_h</p:attrName>
+                                        </p:attrNameLst>
+                                      </p:cBhvr>
+                                      <p:tavLst>
+                                        <p:tav tm="0">
+                                          <p:val>
+                                            <p:strVal val="ppt_h"/>
+                                          </p:val>
+                                        </p:tav>
+                                        <p:tav tm="100000">
+                                          <p:val>
+                                            <p:fltVal val="0"/>
+                                          </p:val>
+                                        </p:tav>
+                                      </p:tavLst>
+                                    </p:anim>
+                                    <p:animEffect transition="out" filter="fade">
+                                      <p:cBhvr>
+                                        <p:cTn id="88" dur="500"/>
+                                        <p:tgtEl>
+                                          <p:spTgt spid="8"/>
+                                        </p:tgtEl>
+                                      </p:cBhvr>
+                                    </p:animEffect>
+                                    <p:set>
+                                      <p:cBhvr>
+                                        <p:cTn id="89" dur="1" fill="hold">
+                                          <p:stCondLst>
+                                            <p:cond delay="499"/>
+                                          </p:stCondLst>
+                                        </p:cTn>
+                                        <p:tgtEl>
+                                          <p:spTgt spid="8"/>
+                                        </p:tgtEl>
+                                        <p:attrNameLst>
+                                          <p:attrName>style.visibility</p:attrName>
+                                        </p:attrNameLst>
+                                      </p:cBhvr>
+                                      <p:to>
+                                        <p:strVal val="hidden"/>
+                                      </p:to>
+                                    </p:set>
+                                  </p:childTnLst>
+                                </p:cTn>
+                              </p:par>
+                            </p:childTnLst>
+                          </p:cTn>
+                        </p:par>
+                        <p:par>
+                          <p:cTn id="90" fill="hold">
+                            <p:stCondLst>
+                              <p:cond delay="7300"/>
+                            </p:stCondLst>
+                            <p:childTnLst>
+                              <p:par>
+                                <p:cTn id="91" presetID="53" presetClass="entr" presetSubtype="16" fill="hold" nodeType="afterEffect">
+                                  <p:stCondLst>
+                                    <p:cond delay="0"/>
+                                  </p:stCondLst>
+                                  <p:childTnLst>
+                                    <p:set>
+                                      <p:cBhvr>
+                                        <p:cTn id="92" dur="1" fill="hold">
+                                          <p:stCondLst>
+                                            <p:cond delay="0"/>
+                                          </p:stCondLst>
+                                        </p:cTn>
+                                        <p:tgtEl>
+                                          <p:spTgt spid="14"/>
+                                        </p:tgtEl>
+                                        <p:attrNameLst>
+                                          <p:attrName>style.visibility</p:attrName>
+                                        </p:attrNameLst>
+                                      </p:cBhvr>
+                                      <p:to>
+                                        <p:strVal val="visible"/>
+                                      </p:to>
+                                    </p:set>
+                                    <p:anim calcmode="lin" valueType="num">
+                                      <p:cBhvr>
+                                        <p:cTn id="93" dur="500" fill="hold"/>
+                                        <p:tgtEl>
+                                          <p:spTgt spid="14"/>
+                                        </p:tgtEl>
+                                        <p:attrNameLst>
+                                          <p:attrName>ppt_w</p:attrName>
+                                        </p:attrNameLst>
+                                      </p:cBhvr>
+                                      <p:tavLst>
+                                        <p:tav tm="0">
+                                          <p:val>
+                                            <p:fltVal val="0"/>
+                                          </p:val>
+                                        </p:tav>
+                                        <p:tav tm="100000">
+                                          <p:val>
+                                            <p:strVal val="#ppt_w"/>
+                                          </p:val>
+                                        </p:tav>
+                                      </p:tavLst>
+                                    </p:anim>
+                                    <p:anim calcmode="lin" valueType="num">
+                                      <p:cBhvr>
+                                        <p:cTn id="94" dur="500" fill="hold"/>
+                                        <p:tgtEl>
+                                          <p:spTgt spid="14"/>
+                                        </p:tgtEl>
+                                        <p:attrNameLst>
+                                          <p:attrName>ppt_h</p:attrName>
+                                        </p:attrNameLst>
+                                      </p:cBhvr>
+                                      <p:tavLst>
+                                        <p:tav tm="0">
+                                          <p:val>
+                                            <p:fltVal val="0"/>
+                                          </p:val>
+                                        </p:tav>
+                                        <p:tav tm="100000">
+                                          <p:val>
+                                            <p:strVal val="#ppt_h"/>
+                                          </p:val>
+                                        </p:tav>
+                                      </p:tavLst>
+                                    </p:anim>
+                                    <p:animEffect transition="in" filter="fade">
+                                      <p:cBhvr>
+                                        <p:cTn id="95" dur="500"/>
+                                        <p:tgtEl>
+                                          <p:spTgt spid="14"/>
+                                        </p:tgtEl>
+                                      </p:cBhvr>
+                                    </p:animEffect>
+                                  </p:childTnLst>
+                                </p:cTn>
+                              </p:par>
+                            </p:childTnLst>
+                          </p:cTn>
+                        </p:par>
+                        <p:par>
+                          <p:cTn id="96" fill="hold">
+                            <p:stCondLst>
+                              <p:cond delay="7800"/>
+                            </p:stCondLst>
+                            <p:childTnLst>
+                              <p:par>
+                                <p:cTn id="97" presetID="31" presetClass="exit" presetSubtype="0" fill="hold" nodeType="afterEffect">
+                                  <p:stCondLst>
+                                    <p:cond delay="0"/>
+                                  </p:stCondLst>
+                                  <p:childTnLst>
+                                    <p:anim calcmode="lin" valueType="num">
+                                      <p:cBhvr>
+                                        <p:cTn id="98" dur="1000"/>
+                                        <p:tgtEl>
+                                          <p:spTgt spid="10"/>
+                                        </p:tgtEl>
+                                        <p:attrNameLst>
+                                          <p:attrName>ppt_w</p:attrName>
+                                        </p:attrNameLst>
+                                      </p:cBhvr>
+                                      <p:tavLst>
+                                        <p:tav tm="0">
+                                          <p:val>
+                                            <p:strVal val="ppt_w"/>
+                                          </p:val>
+                                        </p:tav>
+                                        <p:tav tm="100000">
+                                          <p:val>
+                                            <p:fltVal val="0"/>
+                                          </p:val>
+                                        </p:tav>
+                                      </p:tavLst>
+                                    </p:anim>
+                                    <p:anim calcmode="lin" valueType="num">
+                                      <p:cBhvr>
+                                        <p:cTn id="99" dur="1000"/>
+                                        <p:tgtEl>
+                                          <p:spTgt spid="10"/>
+                                        </p:tgtEl>
+                                        <p:attrNameLst>
+                                          <p:attrName>ppt_h</p:attrName>
+                                        </p:attrNameLst>
+                                      </p:cBhvr>
+                                      <p:tavLst>
+                                        <p:tav tm="0">
+                                          <p:val>
+                                            <p:strVal val="ppt_h"/>
+                                          </p:val>
+                                        </p:tav>
+                                        <p:tav tm="100000">
+                                          <p:val>
+                                            <p:fltVal val="0"/>
+                                          </p:val>
+                                        </p:tav>
+                                      </p:tavLst>
+                                    </p:anim>
+                                    <p:anim calcmode="lin" valueType="num">
+                                      <p:cBhvr>
+                                        <p:cTn id="100" dur="1000"/>
+                                        <p:tgtEl>
+                                          <p:spTgt spid="10"/>
+                                        </p:tgtEl>
+                                        <p:attrNameLst>
+                                          <p:attrName>style.rotation</p:attrName>
+                                        </p:attrNameLst>
+                                      </p:cBhvr>
+                                      <p:tavLst>
+                                        <p:tav tm="0">
+                                          <p:val>
+                                            <p:fltVal val="0"/>
+                                          </p:val>
+                                        </p:tav>
+                                        <p:tav tm="100000">
+                                          <p:val>
+                                            <p:fltVal val="90"/>
+                                          </p:val>
+                                        </p:tav>
+                                      </p:tavLst>
+                                    </p:anim>
+                                    <p:animEffect transition="out" filter="fade">
+                                      <p:cBhvr>
+                                        <p:cTn id="101" dur="1000"/>
+                                        <p:tgtEl>
+                                          <p:spTgt spid="10"/>
+                                        </p:tgtEl>
+                                      </p:cBhvr>
+                                    </p:animEffect>
+                                    <p:set>
+                                      <p:cBhvr>
+                                        <p:cTn id="102" dur="1" fill="hold">
+                                          <p:stCondLst>
+                                            <p:cond delay="999"/>
+                                          </p:stCondLst>
+                                        </p:cTn>
+                                        <p:tgtEl>
+                                          <p:spTgt spid="10"/>
+                                        </p:tgtEl>
+                                        <p:attrNameLst>
+                                          <p:attrName>style.visibility</p:attrName>
+                                        </p:attrNameLst>
+                                      </p:cBhvr>
+                                      <p:to>
+                                        <p:strVal val="hidden"/>
+                                      </p:to>
+                                    </p:set>
+                                  </p:childTnLst>
+                                </p:cTn>
+                              </p:par>
+                            </p:childTnLst>
+                          </p:cTn>
+                        </p:par>
+                        <p:par>
+                          <p:cTn id="103" fill="hold">
+                            <p:stCondLst>
+                              <p:cond delay="8800"/>
+                            </p:stCondLst>
+                            <p:childTnLst>
+                              <p:par>
+                                <p:cTn id="104" presetID="31" presetClass="entr" presetSubtype="0" fill="hold" nodeType="afterEffect">
+                                  <p:stCondLst>
+                                    <p:cond delay="500"/>
+                                  </p:stCondLst>
+                                  <p:childTnLst>
+                                    <p:set>
+                                      <p:cBhvr>
+                                        <p:cTn id="105" dur="1" fill="hold">
+                                          <p:stCondLst>
+                                            <p:cond delay="0"/>
+                                          </p:stCondLst>
+                                        </p:cTn>
+                                        <p:tgtEl>
+                                          <p:spTgt spid="15"/>
+                                        </p:tgtEl>
+                                        <p:attrNameLst>
+                                          <p:attrName>style.visibility</p:attrName>
+                                        </p:attrNameLst>
+                                      </p:cBhvr>
+                                      <p:to>
+                                        <p:strVal val="visible"/>
+                                      </p:to>
+                                    </p:set>
+                                    <p:anim calcmode="lin" valueType="num">
+                                      <p:cBhvr>
+                                        <p:cTn id="106" dur="1000" fill="hold"/>
+                                        <p:tgtEl>
+                                          <p:spTgt spid="15"/>
+                                        </p:tgtEl>
+                                        <p:attrNameLst>
+                                          <p:attrName>ppt_w</p:attrName>
+                                        </p:attrNameLst>
+                                      </p:cBhvr>
+                                      <p:tavLst>
+                                        <p:tav tm="0">
+                                          <p:val>
+                                            <p:fltVal val="0"/>
+                                          </p:val>
+                                        </p:tav>
+                                        <p:tav tm="100000">
+                                          <p:val>
+                                            <p:strVal val="#ppt_w"/>
+                                          </p:val>
+                                        </p:tav>
+                                      </p:tavLst>
+                                    </p:anim>
+                                    <p:anim calcmode="lin" valueType="num">
+                                      <p:cBhvr>
+                                        <p:cTn id="107" dur="1000" fill="hold"/>
+                                        <p:tgtEl>
+                                          <p:spTgt spid="15"/>
+                                        </p:tgtEl>
+                                        <p:attrNameLst>
+                                          <p:attrName>ppt_h</p:attrName>
+                                        </p:attrNameLst>
+                                      </p:cBhvr>
+                                      <p:tavLst>
+                                        <p:tav tm="0">
+                                          <p:val>
+                                            <p:fltVal val="0"/>
+                                          </p:val>
+                                        </p:tav>
+                                        <p:tav tm="100000">
+                                          <p:val>
+                                            <p:strVal val="#ppt_h"/>
+                                          </p:val>
+                                        </p:tav>
+                                      </p:tavLst>
+                                    </p:anim>
+                                    <p:anim calcmode="lin" valueType="num">
+                                      <p:cBhvr>
+                                        <p:cTn id="108" dur="1000" fill="hold"/>
+                                        <p:tgtEl>
+                                          <p:spTgt spid="15"/>
+                                        </p:tgtEl>
+                                        <p:attrNameLst>
+                                          <p:attrName>style.rotation</p:attrName>
+                                        </p:attrNameLst>
+                                      </p:cBhvr>
+                                      <p:tavLst>
+                                        <p:tav tm="0">
+                                          <p:val>
+                                            <p:fltVal val="90"/>
+                                          </p:val>
+                                        </p:tav>
+                                        <p:tav tm="100000">
+                                          <p:val>
+                                            <p:fltVal val="0"/>
+                                          </p:val>
+                                        </p:tav>
+                                      </p:tavLst>
+                                    </p:anim>
+                                    <p:animEffect transition="in" filter="fade">
+                                      <p:cBhvr>
+                                        <p:cTn id="109" dur="1000"/>
+                                        <p:tgtEl>
+                                          <p:spTgt spid="15"/>
+                                        </p:tgtEl>
+                                      </p:cBhvr>
+                                    </p:animEffect>
+                                  </p:childTnLst>
+                                </p:cTn>
+                              </p:par>
+                            </p:childTnLst>
+                          </p:cTn>
+                        </p:par>
+                        <p:par>
+                          <p:cTn id="110" fill="hold">
+                            <p:stCondLst>
+                              <p:cond delay="10300"/>
+                            </p:stCondLst>
+                            <p:childTnLst>
+                              <p:par>
+                                <p:cTn id="111" presetID="10" presetClass="entr" presetSubtype="0" fill="hold" nodeType="afterEffect">
+                                  <p:stCondLst>
+                                    <p:cond delay="0"/>
+                                  </p:stCondLst>
+                                  <p:childTnLst>
+                                    <p:set>
+                                      <p:cBhvr>
+                                        <p:cTn id="112" dur="1" fill="hold">
+                                          <p:stCondLst>
+                                            <p:cond delay="0"/>
+                                          </p:stCondLst>
+                                        </p:cTn>
+                                        <p:tgtEl>
+                                          <p:spTgt spid="16"/>
+                                        </p:tgtEl>
+                                        <p:attrNameLst>
+                                          <p:attrName>style.visibility</p:attrName>
+                                        </p:attrNameLst>
+                                      </p:cBhvr>
+                                      <p:to>
+                                        <p:strVal val="visible"/>
+                                      </p:to>
+                                    </p:set>
+                                    <p:animEffect transition="in" filter="fade">
+                                      <p:cBhvr>
+                                        <p:cTn id="113" dur="500"/>
+                                        <p:tgtEl>
+                                          <p:spTgt spid="16"/>
+                                        </p:tgtEl>
+                                      </p:cBhvr>
+                                    </p:animEffect>
+                                  </p:childTnLst>
+                                </p:cTn>
+                              </p:par>
+                            </p:childTnLst>
+                          </p:cTn>
+                        </p:par>
+                      </p:childTnLst>
+                    </p:cTn>
+                  </p:par>
+                </p:childTnLst>
+              </p:cTn>
+              <p:prevCondLst>
+                <p:cond evt="onPrev" delay="0">
+                  <p:tgtEl>
+                    <p:sldTgt/>
+                  </p:tgtEl>
+                </p:cond>
+              </p:prevCondLst>
+              <p:nextCondLst>
+                <p:cond evt="onNext" delay="0">
+                  <p:tgtEl>
+                    <p:sldTgt/>
+                  </p:tgtEl>
+                </p:cond>
+              </p:nextCondLst>
+            </p:seq>
+          </p:childTnLst>
+        </p:cTn>
+      </p:par>
+    </p:tnLst>
+    <p:bldLst>
+      <p:bldP spid="3" grpId="0" uiExpand="1" build="p"/>
+      <p:bldP spid="3" grpId="1" uiExpand="1" build="p"/>
+      <p:bldP spid="5" grpId="0"/>
+      <p:bldP spid="5" grpId="1"/>
+      <p:bldP spid="7" grpId="0"/>
+      <p:bldP spid="7" grpId="1"/>
+      <p:bldP spid="13" grpId="0"/>
+    </p:bldLst>
+  </p:timing>
+</p:sld>
+</file>
+
+<file path=ppt/slides/slide8.xml><?xml version="1.0" encoding="utf-8"?>
 <p:sld xmlns:a="http://schemas.openxmlformats.org/drawingml/2006/main" xmlns:r="http://schemas.openxmlformats.org/officeDocument/2006/relationships" xmlns:p="http://schemas.openxmlformats.org/presentationml/2006/main">
   <p:cSld>
     <p:spTree>

--- a/The Compilation Power – C++.pptx
+++ b/The Compilation Power – C++.pptx
@@ -6,10 +6,10 @@
     <p:sldMasterId id="2147483696" r:id="rId2"/>
   </p:sldMasterIdLst>
   <p:notesMasterIdLst>
-    <p:notesMasterId r:id="rId11"/>
+    <p:notesMasterId r:id="rId13"/>
   </p:notesMasterIdLst>
   <p:handoutMasterIdLst>
-    <p:handoutMasterId r:id="rId12"/>
+    <p:handoutMasterId r:id="rId14"/>
   </p:handoutMasterIdLst>
   <p:sldIdLst>
     <p:sldId id="256" r:id="rId3"/>
@@ -19,7 +19,9 @@
     <p:sldId id="261" r:id="rId7"/>
     <p:sldId id="262" r:id="rId8"/>
     <p:sldId id="263" r:id="rId9"/>
-    <p:sldId id="259" r:id="rId10"/>
+    <p:sldId id="264" r:id="rId10"/>
+    <p:sldId id="265" r:id="rId11"/>
+    <p:sldId id="259" r:id="rId12"/>
   </p:sldIdLst>
   <p:sldSz cx="12192000" cy="6858000"/>
   <p:notesSz cx="6858000" cy="9144000"/>
@@ -130,6 +132,8 @@
             <p14:sldId id="261"/>
             <p14:sldId id="262"/>
             <p14:sldId id="263"/>
+            <p14:sldId id="264"/>
+            <p14:sldId id="265"/>
             <p14:sldId id="259"/>
           </p14:sldIdLst>
         </p14:section>
@@ -18946,6 +18950,886 @@
 </p:sld>
 </file>
 
+<file path=ppt/slides/slide10.xml><?xml version="1.0" encoding="utf-8"?>
+<p:sld xmlns:a="http://schemas.openxmlformats.org/drawingml/2006/main" xmlns:r="http://schemas.openxmlformats.org/officeDocument/2006/relationships" xmlns:p="http://schemas.openxmlformats.org/presentationml/2006/main">
+  <p:cSld>
+    <p:spTree>
+      <p:nvGrpSpPr>
+        <p:cNvPr id="1" name=""/>
+        <p:cNvGrpSpPr/>
+        <p:nvPr/>
+      </p:nvGrpSpPr>
+      <p:grpSpPr>
+        <a:xfrm>
+          <a:off x="0" y="0"/>
+          <a:ext cx="0" cy="0"/>
+          <a:chOff x="0" y="0"/>
+          <a:chExt cx="0" cy="0"/>
+        </a:xfrm>
+      </p:grpSpPr>
+      <p:sp>
+        <p:nvSpPr>
+          <p:cNvPr id="2" name="Title 1"/>
+          <p:cNvSpPr>
+            <a:spLocks noGrp="1"/>
+          </p:cNvSpPr>
+          <p:nvPr>
+            <p:ph type="title"/>
+          </p:nvPr>
+        </p:nvSpPr>
+        <p:spPr/>
+        <p:txBody>
+          <a:bodyPr/>
+          <a:lstStyle/>
+          <a:p>
+            <a:r>
+              <a:rPr lang="en-US" dirty="0"/>
+              <a:t>Questions</a:t>
+            </a:r>
+            <a:endParaRPr lang="he-IL" dirty="0"/>
+          </a:p>
+        </p:txBody>
+      </p:sp>
+      <p:sp>
+        <p:nvSpPr>
+          <p:cNvPr id="3" name="Content Placeholder 2"/>
+          <p:cNvSpPr>
+            <a:spLocks noGrp="1"/>
+          </p:cNvSpPr>
+          <p:nvPr>
+            <p:ph idx="1"/>
+          </p:nvPr>
+        </p:nvSpPr>
+        <p:spPr>
+          <a:xfrm>
+            <a:off x="1141412" y="2249487"/>
+            <a:ext cx="9905999" cy="560825"/>
+          </a:xfrm>
+        </p:spPr>
+        <p:txBody>
+          <a:bodyPr/>
+          <a:lstStyle/>
+          <a:p>
+            <a:pPr marL="0" indent="0" algn="l" rtl="0">
+              <a:buNone/>
+            </a:pPr>
+            <a:r>
+              <a:rPr lang="en-US" dirty="0"/>
+              <a:t>If you have any questions, speak now or for ever hold your peace.</a:t>
+            </a:r>
+          </a:p>
+        </p:txBody>
+      </p:sp>
+      <p:sp>
+        <p:nvSpPr>
+          <p:cNvPr id="4" name="TextBox 3"/>
+          <p:cNvSpPr txBox="1"/>
+          <p:nvPr/>
+        </p:nvSpPr>
+        <p:spPr>
+          <a:xfrm>
+            <a:off x="1141412" y="2810312"/>
+            <a:ext cx="2954207" cy="369332"/>
+          </a:xfrm>
+          <a:prstGeom prst="rect">
+            <a:avLst/>
+          </a:prstGeom>
+          <a:noFill/>
+        </p:spPr>
+        <p:txBody>
+          <a:bodyPr wrap="none" rtlCol="1">
+            <a:spAutoFit/>
+          </a:bodyPr>
+          <a:lstStyle/>
+          <a:p>
+            <a:r>
+              <a:rPr lang="en-US" dirty="0"/>
+              <a:t>Or at least until you’ll be near</a:t>
+            </a:r>
+            <a:endParaRPr lang="he-IL" dirty="0"/>
+          </a:p>
+        </p:txBody>
+      </p:sp>
+      <p:sp>
+        <p:nvSpPr>
+          <p:cNvPr id="5" name="TextBox 4"/>
+          <p:cNvSpPr txBox="1"/>
+          <p:nvPr/>
+        </p:nvSpPr>
+        <p:spPr>
+          <a:xfrm>
+            <a:off x="1283516" y="3632433"/>
+            <a:ext cx="2147254" cy="369332"/>
+          </a:xfrm>
+          <a:prstGeom prst="rect">
+            <a:avLst/>
+          </a:prstGeom>
+          <a:noFill/>
+        </p:spPr>
+        <p:txBody>
+          <a:bodyPr wrap="none" rtlCol="1">
+            <a:spAutoFit/>
+          </a:bodyPr>
+          <a:lstStyle/>
+          <a:p>
+            <a:r>
+              <a:rPr lang="en-US" dirty="0"/>
+              <a:t>LinkedIn: /</a:t>
+            </a:r>
+            <a:r>
+              <a:rPr lang="en-US" dirty="0" err="1"/>
+              <a:t>koralkashri</a:t>
+            </a:r>
+            <a:endParaRPr lang="he-IL" dirty="0"/>
+          </a:p>
+        </p:txBody>
+      </p:sp>
+      <p:sp>
+        <p:nvSpPr>
+          <p:cNvPr id="6" name="TextBox 5"/>
+          <p:cNvSpPr txBox="1"/>
+          <p:nvPr/>
+        </p:nvSpPr>
+        <p:spPr>
+          <a:xfrm>
+            <a:off x="6459523" y="3632433"/>
+            <a:ext cx="2860398" cy="369332"/>
+          </a:xfrm>
+          <a:prstGeom prst="rect">
+            <a:avLst/>
+          </a:prstGeom>
+          <a:noFill/>
+        </p:spPr>
+        <p:txBody>
+          <a:bodyPr wrap="none" rtlCol="1">
+            <a:spAutoFit/>
+          </a:bodyPr>
+          <a:lstStyle/>
+          <a:p>
+            <a:r>
+              <a:rPr lang="en-US" dirty="0"/>
+              <a:t>Mail: koralkashri@gmail.com</a:t>
+            </a:r>
+            <a:endParaRPr lang="he-IL" dirty="0"/>
+          </a:p>
+        </p:txBody>
+      </p:sp>
+      <p:sp>
+        <p:nvSpPr>
+          <p:cNvPr id="7" name="TextBox 6"/>
+          <p:cNvSpPr txBox="1"/>
+          <p:nvPr/>
+        </p:nvSpPr>
+        <p:spPr>
+          <a:xfrm>
+            <a:off x="1283516" y="4001765"/>
+            <a:ext cx="2074927" cy="369332"/>
+          </a:xfrm>
+          <a:prstGeom prst="rect">
+            <a:avLst/>
+          </a:prstGeom>
+          <a:noFill/>
+        </p:spPr>
+        <p:txBody>
+          <a:bodyPr wrap="none" rtlCol="1">
+            <a:spAutoFit/>
+          </a:bodyPr>
+          <a:lstStyle/>
+          <a:p>
+            <a:r>
+              <a:rPr lang="en-US" dirty="0"/>
+              <a:t>GitHub: /</a:t>
+            </a:r>
+            <a:r>
+              <a:rPr lang="en-US" dirty="0" err="1"/>
+              <a:t>koralkashri</a:t>
+            </a:r>
+            <a:endParaRPr lang="he-IL" dirty="0"/>
+          </a:p>
+        </p:txBody>
+      </p:sp>
+      <p:sp>
+        <p:nvSpPr>
+          <p:cNvPr id="9" name="TextBox 8"/>
+          <p:cNvSpPr txBox="1"/>
+          <p:nvPr/>
+        </p:nvSpPr>
+        <p:spPr>
+          <a:xfrm>
+            <a:off x="6459523" y="4001765"/>
+            <a:ext cx="2146806" cy="369332"/>
+          </a:xfrm>
+          <a:prstGeom prst="rect">
+            <a:avLst/>
+          </a:prstGeom>
+          <a:noFill/>
+        </p:spPr>
+        <p:txBody>
+          <a:bodyPr wrap="none" rtlCol="1">
+            <a:spAutoFit/>
+          </a:bodyPr>
+          <a:lstStyle/>
+          <a:p>
+            <a:r>
+              <a:rPr lang="en-US" dirty="0"/>
+              <a:t>Twitter: @</a:t>
+            </a:r>
+            <a:r>
+              <a:rPr lang="en-US" dirty="0" err="1"/>
+              <a:t>koralkashri</a:t>
+            </a:r>
+            <a:endParaRPr lang="he-IL" dirty="0"/>
+          </a:p>
+        </p:txBody>
+      </p:sp>
+    </p:spTree>
+    <p:extLst>
+      <p:ext uri="{BB962C8B-B14F-4D97-AF65-F5344CB8AC3E}">
+        <p14:creationId xmlns:p14="http://schemas.microsoft.com/office/powerpoint/2010/main" val="1977489723"/>
+      </p:ext>
+    </p:extLst>
+  </p:cSld>
+  <p:clrMapOvr>
+    <a:masterClrMapping/>
+  </p:clrMapOvr>
+  <p:timing>
+    <p:tnLst>
+      <p:par>
+        <p:cTn id="1" dur="indefinite" restart="never" nodeType="tmRoot">
+          <p:childTnLst>
+            <p:seq concurrent="1" nextAc="seek">
+              <p:cTn id="2" dur="indefinite" nodeType="mainSeq">
+                <p:childTnLst>
+                  <p:par>
+                    <p:cTn id="3" fill="hold">
+                      <p:stCondLst>
+                        <p:cond delay="indefinite"/>
+                      </p:stCondLst>
+                      <p:childTnLst>
+                        <p:par>
+                          <p:cTn id="4" fill="hold">
+                            <p:stCondLst>
+                              <p:cond delay="0"/>
+                            </p:stCondLst>
+                            <p:childTnLst>
+                              <p:par>
+                                <p:cTn id="5" presetID="42" presetClass="entr" presetSubtype="0" fill="hold" grpId="0" nodeType="clickEffect">
+                                  <p:stCondLst>
+                                    <p:cond delay="0"/>
+                                  </p:stCondLst>
+                                  <p:childTnLst>
+                                    <p:set>
+                                      <p:cBhvr>
+                                        <p:cTn id="6" dur="1" fill="hold">
+                                          <p:stCondLst>
+                                            <p:cond delay="0"/>
+                                          </p:stCondLst>
+                                        </p:cTn>
+                                        <p:tgtEl>
+                                          <p:spTgt spid="3">
+                                            <p:txEl>
+                                              <p:pRg st="0" end="0"/>
+                                            </p:txEl>
+                                          </p:spTgt>
+                                        </p:tgtEl>
+                                        <p:attrNameLst>
+                                          <p:attrName>style.visibility</p:attrName>
+                                        </p:attrNameLst>
+                                      </p:cBhvr>
+                                      <p:to>
+                                        <p:strVal val="visible"/>
+                                      </p:to>
+                                    </p:set>
+                                    <p:animEffect transition="in" filter="fade">
+                                      <p:cBhvr>
+                                        <p:cTn id="7" dur="1000"/>
+                                        <p:tgtEl>
+                                          <p:spTgt spid="3">
+                                            <p:txEl>
+                                              <p:pRg st="0" end="0"/>
+                                            </p:txEl>
+                                          </p:spTgt>
+                                        </p:tgtEl>
+                                      </p:cBhvr>
+                                    </p:animEffect>
+                                    <p:anim calcmode="lin" valueType="num">
+                                      <p:cBhvr>
+                                        <p:cTn id="8" dur="1000" fill="hold"/>
+                                        <p:tgtEl>
+                                          <p:spTgt spid="3">
+                                            <p:txEl>
+                                              <p:pRg st="0" end="0"/>
+                                            </p:txEl>
+                                          </p:spTgt>
+                                        </p:tgtEl>
+                                        <p:attrNameLst>
+                                          <p:attrName>ppt_x</p:attrName>
+                                        </p:attrNameLst>
+                                      </p:cBhvr>
+                                      <p:tavLst>
+                                        <p:tav tm="0">
+                                          <p:val>
+                                            <p:strVal val="#ppt_x"/>
+                                          </p:val>
+                                        </p:tav>
+                                        <p:tav tm="100000">
+                                          <p:val>
+                                            <p:strVal val="#ppt_x"/>
+                                          </p:val>
+                                        </p:tav>
+                                      </p:tavLst>
+                                    </p:anim>
+                                    <p:anim calcmode="lin" valueType="num">
+                                      <p:cBhvr>
+                                        <p:cTn id="9" dur="1000" fill="hold"/>
+                                        <p:tgtEl>
+                                          <p:spTgt spid="3">
+                                            <p:txEl>
+                                              <p:pRg st="0" end="0"/>
+                                            </p:txEl>
+                                          </p:spTgt>
+                                        </p:tgtEl>
+                                        <p:attrNameLst>
+                                          <p:attrName>ppt_y</p:attrName>
+                                        </p:attrNameLst>
+                                      </p:cBhvr>
+                                      <p:tavLst>
+                                        <p:tav tm="0">
+                                          <p:val>
+                                            <p:strVal val="#ppt_y+.1"/>
+                                          </p:val>
+                                        </p:tav>
+                                        <p:tav tm="100000">
+                                          <p:val>
+                                            <p:strVal val="#ppt_y"/>
+                                          </p:val>
+                                        </p:tav>
+                                      </p:tavLst>
+                                    </p:anim>
+                                  </p:childTnLst>
+                                </p:cTn>
+                              </p:par>
+                            </p:childTnLst>
+                          </p:cTn>
+                        </p:par>
+                        <p:par>
+                          <p:cTn id="10" fill="hold">
+                            <p:stCondLst>
+                              <p:cond delay="1000"/>
+                            </p:stCondLst>
+                            <p:childTnLst>
+                              <p:par>
+                                <p:cTn id="11" presetID="16" presetClass="entr" presetSubtype="21" fill="hold" grpId="0" nodeType="afterEffect">
+                                  <p:stCondLst>
+                                    <p:cond delay="500"/>
+                                  </p:stCondLst>
+                                  <p:childTnLst>
+                                    <p:set>
+                                      <p:cBhvr>
+                                        <p:cTn id="12" dur="1" fill="hold">
+                                          <p:stCondLst>
+                                            <p:cond delay="0"/>
+                                          </p:stCondLst>
+                                        </p:cTn>
+                                        <p:tgtEl>
+                                          <p:spTgt spid="4"/>
+                                        </p:tgtEl>
+                                        <p:attrNameLst>
+                                          <p:attrName>style.visibility</p:attrName>
+                                        </p:attrNameLst>
+                                      </p:cBhvr>
+                                      <p:to>
+                                        <p:strVal val="visible"/>
+                                      </p:to>
+                                    </p:set>
+                                    <p:animEffect transition="in" filter="barn(inVertical)">
+                                      <p:cBhvr>
+                                        <p:cTn id="13" dur="500"/>
+                                        <p:tgtEl>
+                                          <p:spTgt spid="4"/>
+                                        </p:tgtEl>
+                                      </p:cBhvr>
+                                    </p:animEffect>
+                                  </p:childTnLst>
+                                </p:cTn>
+                              </p:par>
+                            </p:childTnLst>
+                          </p:cTn>
+                        </p:par>
+                        <p:par>
+                          <p:cTn id="14" fill="hold">
+                            <p:stCondLst>
+                              <p:cond delay="2000"/>
+                            </p:stCondLst>
+                            <p:childTnLst>
+                              <p:par>
+                                <p:cTn id="15" presetID="14" presetClass="entr" presetSubtype="10" fill="hold" grpId="0" nodeType="afterEffect">
+                                  <p:stCondLst>
+                                    <p:cond delay="500"/>
+                                  </p:stCondLst>
+                                  <p:childTnLst>
+                                    <p:set>
+                                      <p:cBhvr>
+                                        <p:cTn id="16" dur="1" fill="hold">
+                                          <p:stCondLst>
+                                            <p:cond delay="0"/>
+                                          </p:stCondLst>
+                                        </p:cTn>
+                                        <p:tgtEl>
+                                          <p:spTgt spid="5"/>
+                                        </p:tgtEl>
+                                        <p:attrNameLst>
+                                          <p:attrName>style.visibility</p:attrName>
+                                        </p:attrNameLst>
+                                      </p:cBhvr>
+                                      <p:to>
+                                        <p:strVal val="visible"/>
+                                      </p:to>
+                                    </p:set>
+                                    <p:animEffect transition="in" filter="randombar(horizontal)">
+                                      <p:cBhvr>
+                                        <p:cTn id="17" dur="500"/>
+                                        <p:tgtEl>
+                                          <p:spTgt spid="5"/>
+                                        </p:tgtEl>
+                                      </p:cBhvr>
+                                    </p:animEffect>
+                                  </p:childTnLst>
+                                </p:cTn>
+                              </p:par>
+                              <p:par>
+                                <p:cTn id="18" presetID="6" presetClass="entr" presetSubtype="16" fill="hold" grpId="0" nodeType="withEffect">
+                                  <p:stCondLst>
+                                    <p:cond delay="500"/>
+                                  </p:stCondLst>
+                                  <p:childTnLst>
+                                    <p:set>
+                                      <p:cBhvr>
+                                        <p:cTn id="19" dur="1" fill="hold">
+                                          <p:stCondLst>
+                                            <p:cond delay="0"/>
+                                          </p:stCondLst>
+                                        </p:cTn>
+                                        <p:tgtEl>
+                                          <p:spTgt spid="7"/>
+                                        </p:tgtEl>
+                                        <p:attrNameLst>
+                                          <p:attrName>style.visibility</p:attrName>
+                                        </p:attrNameLst>
+                                      </p:cBhvr>
+                                      <p:to>
+                                        <p:strVal val="visible"/>
+                                      </p:to>
+                                    </p:set>
+                                    <p:animEffect transition="in" filter="circle(in)">
+                                      <p:cBhvr>
+                                        <p:cTn id="20" dur="2000"/>
+                                        <p:tgtEl>
+                                          <p:spTgt spid="7"/>
+                                        </p:tgtEl>
+                                      </p:cBhvr>
+                                    </p:animEffect>
+                                  </p:childTnLst>
+                                </p:cTn>
+                              </p:par>
+                              <p:par>
+                                <p:cTn id="21" presetID="45" presetClass="entr" presetSubtype="0" fill="hold" grpId="0" nodeType="withEffect">
+                                  <p:stCondLst>
+                                    <p:cond delay="500"/>
+                                  </p:stCondLst>
+                                  <p:childTnLst>
+                                    <p:set>
+                                      <p:cBhvr>
+                                        <p:cTn id="22" dur="1" fill="hold">
+                                          <p:stCondLst>
+                                            <p:cond delay="0"/>
+                                          </p:stCondLst>
+                                        </p:cTn>
+                                        <p:tgtEl>
+                                          <p:spTgt spid="6"/>
+                                        </p:tgtEl>
+                                        <p:attrNameLst>
+                                          <p:attrName>style.visibility</p:attrName>
+                                        </p:attrNameLst>
+                                      </p:cBhvr>
+                                      <p:to>
+                                        <p:strVal val="visible"/>
+                                      </p:to>
+                                    </p:set>
+                                    <p:animEffect transition="in" filter="fade">
+                                      <p:cBhvr>
+                                        <p:cTn id="23" dur="2000"/>
+                                        <p:tgtEl>
+                                          <p:spTgt spid="6"/>
+                                        </p:tgtEl>
+                                      </p:cBhvr>
+                                    </p:animEffect>
+                                    <p:anim calcmode="lin" valueType="num">
+                                      <p:cBhvr>
+                                        <p:cTn id="24" dur="2000" fill="hold"/>
+                                        <p:tgtEl>
+                                          <p:spTgt spid="6"/>
+                                        </p:tgtEl>
+                                        <p:attrNameLst>
+                                          <p:attrName>ppt_w</p:attrName>
+                                        </p:attrNameLst>
+                                      </p:cBhvr>
+                                      <p:tavLst>
+                                        <p:tav tm="0" fmla="#ppt_w*sin(2.5*pi*$)">
+                                          <p:val>
+                                            <p:fltVal val="0"/>
+                                          </p:val>
+                                        </p:tav>
+                                        <p:tav tm="100000">
+                                          <p:val>
+                                            <p:fltVal val="1"/>
+                                          </p:val>
+                                        </p:tav>
+                                      </p:tavLst>
+                                    </p:anim>
+                                    <p:anim calcmode="lin" valueType="num">
+                                      <p:cBhvr>
+                                        <p:cTn id="25" dur="2000" fill="hold"/>
+                                        <p:tgtEl>
+                                          <p:spTgt spid="6"/>
+                                        </p:tgtEl>
+                                        <p:attrNameLst>
+                                          <p:attrName>ppt_h</p:attrName>
+                                        </p:attrNameLst>
+                                      </p:cBhvr>
+                                      <p:tavLst>
+                                        <p:tav tm="0">
+                                          <p:val>
+                                            <p:strVal val="#ppt_h"/>
+                                          </p:val>
+                                        </p:tav>
+                                        <p:tav tm="100000">
+                                          <p:val>
+                                            <p:strVal val="#ppt_h"/>
+                                          </p:val>
+                                        </p:tav>
+                                      </p:tavLst>
+                                    </p:anim>
+                                  </p:childTnLst>
+                                </p:cTn>
+                              </p:par>
+                              <p:par>
+                                <p:cTn id="26" presetID="26" presetClass="entr" presetSubtype="0" fill="hold" grpId="0" nodeType="withEffect">
+                                  <p:stCondLst>
+                                    <p:cond delay="500"/>
+                                  </p:stCondLst>
+                                  <p:childTnLst>
+                                    <p:set>
+                                      <p:cBhvr>
+                                        <p:cTn id="27" dur="1" fill="hold">
+                                          <p:stCondLst>
+                                            <p:cond delay="0"/>
+                                          </p:stCondLst>
+                                        </p:cTn>
+                                        <p:tgtEl>
+                                          <p:spTgt spid="9"/>
+                                        </p:tgtEl>
+                                        <p:attrNameLst>
+                                          <p:attrName>style.visibility</p:attrName>
+                                        </p:attrNameLst>
+                                      </p:cBhvr>
+                                      <p:to>
+                                        <p:strVal val="visible"/>
+                                      </p:to>
+                                    </p:set>
+                                    <p:animEffect transition="in" filter="wipe(down)">
+                                      <p:cBhvr>
+                                        <p:cTn id="28" dur="580">
+                                          <p:stCondLst>
+                                            <p:cond delay="0"/>
+                                          </p:stCondLst>
+                                        </p:cTn>
+                                        <p:tgtEl>
+                                          <p:spTgt spid="9"/>
+                                        </p:tgtEl>
+                                      </p:cBhvr>
+                                    </p:animEffect>
+                                    <p:anim calcmode="lin" valueType="num">
+                                      <p:cBhvr>
+                                        <p:cTn id="29" dur="1822" tmFilter="0,0; 0.14,0.36; 0.43,0.73; 0.71,0.91; 1.0,1.0">
+                                          <p:stCondLst>
+                                            <p:cond delay="0"/>
+                                          </p:stCondLst>
+                                        </p:cTn>
+                                        <p:tgtEl>
+                                          <p:spTgt spid="9"/>
+                                        </p:tgtEl>
+                                        <p:attrNameLst>
+                                          <p:attrName>ppt_x</p:attrName>
+                                        </p:attrNameLst>
+                                      </p:cBhvr>
+                                      <p:tavLst>
+                                        <p:tav tm="0">
+                                          <p:val>
+                                            <p:strVal val="#ppt_x-0.25"/>
+                                          </p:val>
+                                        </p:tav>
+                                        <p:tav tm="100000">
+                                          <p:val>
+                                            <p:strVal val="#ppt_x"/>
+                                          </p:val>
+                                        </p:tav>
+                                      </p:tavLst>
+                                    </p:anim>
+                                    <p:anim calcmode="lin" valueType="num">
+                                      <p:cBhvr>
+                                        <p:cTn id="30" dur="664" tmFilter="0.0,0.0; 0.25,0.07; 0.50,0.2; 0.75,0.467; 1.0,1.0">
+                                          <p:stCondLst>
+                                            <p:cond delay="0"/>
+                                          </p:stCondLst>
+                                        </p:cTn>
+                                        <p:tgtEl>
+                                          <p:spTgt spid="9"/>
+                                        </p:tgtEl>
+                                        <p:attrNameLst>
+                                          <p:attrName>ppt_y</p:attrName>
+                                        </p:attrNameLst>
+                                      </p:cBhvr>
+                                      <p:tavLst>
+                                        <p:tav tm="0" fmla="#ppt_y-sin(pi*$)/3">
+                                          <p:val>
+                                            <p:fltVal val="0.5"/>
+                                          </p:val>
+                                        </p:tav>
+                                        <p:tav tm="100000">
+                                          <p:val>
+                                            <p:fltVal val="1"/>
+                                          </p:val>
+                                        </p:tav>
+                                      </p:tavLst>
+                                    </p:anim>
+                                    <p:anim calcmode="lin" valueType="num">
+                                      <p:cBhvr>
+                                        <p:cTn id="31" dur="664" tmFilter="0, 0; 0.125,0.2665; 0.25,0.4; 0.375,0.465; 0.5,0.5;  0.625,0.535; 0.75,0.6; 0.875,0.7335; 1,1">
+                                          <p:stCondLst>
+                                            <p:cond delay="664"/>
+                                          </p:stCondLst>
+                                        </p:cTn>
+                                        <p:tgtEl>
+                                          <p:spTgt spid="9"/>
+                                        </p:tgtEl>
+                                        <p:attrNameLst>
+                                          <p:attrName>ppt_y</p:attrName>
+                                        </p:attrNameLst>
+                                      </p:cBhvr>
+                                      <p:tavLst>
+                                        <p:tav tm="0" fmla="#ppt_y-sin(pi*$)/9">
+                                          <p:val>
+                                            <p:fltVal val="0"/>
+                                          </p:val>
+                                        </p:tav>
+                                        <p:tav tm="100000">
+                                          <p:val>
+                                            <p:fltVal val="1"/>
+                                          </p:val>
+                                        </p:tav>
+                                      </p:tavLst>
+                                    </p:anim>
+                                    <p:anim calcmode="lin" valueType="num">
+                                      <p:cBhvr>
+                                        <p:cTn id="32" dur="332" tmFilter="0, 0; 0.125,0.2665; 0.25,0.4; 0.375,0.465; 0.5,0.5;  0.625,0.535; 0.75,0.6; 0.875,0.7335; 1,1">
+                                          <p:stCondLst>
+                                            <p:cond delay="1324"/>
+                                          </p:stCondLst>
+                                        </p:cTn>
+                                        <p:tgtEl>
+                                          <p:spTgt spid="9"/>
+                                        </p:tgtEl>
+                                        <p:attrNameLst>
+                                          <p:attrName>ppt_y</p:attrName>
+                                        </p:attrNameLst>
+                                      </p:cBhvr>
+                                      <p:tavLst>
+                                        <p:tav tm="0" fmla="#ppt_y-sin(pi*$)/27">
+                                          <p:val>
+                                            <p:fltVal val="0"/>
+                                          </p:val>
+                                        </p:tav>
+                                        <p:tav tm="100000">
+                                          <p:val>
+                                            <p:fltVal val="1"/>
+                                          </p:val>
+                                        </p:tav>
+                                      </p:tavLst>
+                                    </p:anim>
+                                    <p:anim calcmode="lin" valueType="num">
+                                      <p:cBhvr>
+                                        <p:cTn id="33" dur="164" tmFilter="0, 0; 0.125,0.2665; 0.25,0.4; 0.375,0.465; 0.5,0.5;  0.625,0.535; 0.75,0.6; 0.875,0.7335; 1,1">
+                                          <p:stCondLst>
+                                            <p:cond delay="1656"/>
+                                          </p:stCondLst>
+                                        </p:cTn>
+                                        <p:tgtEl>
+                                          <p:spTgt spid="9"/>
+                                        </p:tgtEl>
+                                        <p:attrNameLst>
+                                          <p:attrName>ppt_y</p:attrName>
+                                        </p:attrNameLst>
+                                      </p:cBhvr>
+                                      <p:tavLst>
+                                        <p:tav tm="0" fmla="#ppt_y-sin(pi*$)/81">
+                                          <p:val>
+                                            <p:fltVal val="0"/>
+                                          </p:val>
+                                        </p:tav>
+                                        <p:tav tm="100000">
+                                          <p:val>
+                                            <p:fltVal val="1"/>
+                                          </p:val>
+                                        </p:tav>
+                                      </p:tavLst>
+                                    </p:anim>
+                                    <p:animScale>
+                                      <p:cBhvr>
+                                        <p:cTn id="34" dur="26">
+                                          <p:stCondLst>
+                                            <p:cond delay="650"/>
+                                          </p:stCondLst>
+                                        </p:cTn>
+                                        <p:tgtEl>
+                                          <p:spTgt spid="9"/>
+                                        </p:tgtEl>
+                                      </p:cBhvr>
+                                      <p:to x="100000" y="60000"/>
+                                    </p:animScale>
+                                    <p:animScale>
+                                      <p:cBhvr>
+                                        <p:cTn id="35" dur="166" decel="50000">
+                                          <p:stCondLst>
+                                            <p:cond delay="676"/>
+                                          </p:stCondLst>
+                                        </p:cTn>
+                                        <p:tgtEl>
+                                          <p:spTgt spid="9"/>
+                                        </p:tgtEl>
+                                      </p:cBhvr>
+                                      <p:to x="100000" y="100000"/>
+                                    </p:animScale>
+                                    <p:animScale>
+                                      <p:cBhvr>
+                                        <p:cTn id="36" dur="26">
+                                          <p:stCondLst>
+                                            <p:cond delay="1312"/>
+                                          </p:stCondLst>
+                                        </p:cTn>
+                                        <p:tgtEl>
+                                          <p:spTgt spid="9"/>
+                                        </p:tgtEl>
+                                      </p:cBhvr>
+                                      <p:to x="100000" y="80000"/>
+                                    </p:animScale>
+                                    <p:animScale>
+                                      <p:cBhvr>
+                                        <p:cTn id="37" dur="166" decel="50000">
+                                          <p:stCondLst>
+                                            <p:cond delay="1338"/>
+                                          </p:stCondLst>
+                                        </p:cTn>
+                                        <p:tgtEl>
+                                          <p:spTgt spid="9"/>
+                                        </p:tgtEl>
+                                      </p:cBhvr>
+                                      <p:to x="100000" y="100000"/>
+                                    </p:animScale>
+                                    <p:animScale>
+                                      <p:cBhvr>
+                                        <p:cTn id="38" dur="26">
+                                          <p:stCondLst>
+                                            <p:cond delay="1642"/>
+                                          </p:stCondLst>
+                                        </p:cTn>
+                                        <p:tgtEl>
+                                          <p:spTgt spid="9"/>
+                                        </p:tgtEl>
+                                      </p:cBhvr>
+                                      <p:to x="100000" y="90000"/>
+                                    </p:animScale>
+                                    <p:animScale>
+                                      <p:cBhvr>
+                                        <p:cTn id="39" dur="166" decel="50000">
+                                          <p:stCondLst>
+                                            <p:cond delay="1668"/>
+                                          </p:stCondLst>
+                                        </p:cTn>
+                                        <p:tgtEl>
+                                          <p:spTgt spid="9"/>
+                                        </p:tgtEl>
+                                      </p:cBhvr>
+                                      <p:to x="100000" y="100000"/>
+                                    </p:animScale>
+                                    <p:animScale>
+                                      <p:cBhvr>
+                                        <p:cTn id="40" dur="26">
+                                          <p:stCondLst>
+                                            <p:cond delay="1808"/>
+                                          </p:stCondLst>
+                                        </p:cTn>
+                                        <p:tgtEl>
+                                          <p:spTgt spid="9"/>
+                                        </p:tgtEl>
+                                      </p:cBhvr>
+                                      <p:to x="100000" y="95000"/>
+                                    </p:animScale>
+                                    <p:animScale>
+                                      <p:cBhvr>
+                                        <p:cTn id="41" dur="166" decel="50000">
+                                          <p:stCondLst>
+                                            <p:cond delay="1834"/>
+                                          </p:stCondLst>
+                                        </p:cTn>
+                                        <p:tgtEl>
+                                          <p:spTgt spid="9"/>
+                                        </p:tgtEl>
+                                      </p:cBhvr>
+                                      <p:to x="100000" y="100000"/>
+                                    </p:animScale>
+                                  </p:childTnLst>
+                                </p:cTn>
+                              </p:par>
+                            </p:childTnLst>
+                          </p:cTn>
+                        </p:par>
+                      </p:childTnLst>
+                    </p:cTn>
+                  </p:par>
+                </p:childTnLst>
+              </p:cTn>
+              <p:prevCondLst>
+                <p:cond evt="onPrev" delay="0">
+                  <p:tgtEl>
+                    <p:sldTgt/>
+                  </p:tgtEl>
+                </p:cond>
+              </p:prevCondLst>
+              <p:nextCondLst>
+                <p:cond evt="onNext" delay="0">
+                  <p:tgtEl>
+                    <p:sldTgt/>
+                  </p:tgtEl>
+                </p:cond>
+              </p:nextCondLst>
+            </p:seq>
+          </p:childTnLst>
+        </p:cTn>
+      </p:par>
+    </p:tnLst>
+    <p:bldLst>
+      <p:bldP spid="3" grpId="0" build="p"/>
+      <p:bldP spid="4" grpId="0"/>
+      <p:bldP spid="5" grpId="0"/>
+      <p:bldP spid="6" grpId="0"/>
+      <p:bldP spid="7" grpId="0"/>
+      <p:bldP spid="9" grpId="0"/>
+    </p:bldLst>
+  </p:timing>
+</p:sld>
+</file>
+
 <file path=ppt/slides/slide2.xml><?xml version="1.0" encoding="utf-8"?>
 <p:sld xmlns:a="http://schemas.openxmlformats.org/drawingml/2006/main" xmlns:r="http://schemas.openxmlformats.org/officeDocument/2006/relationships" xmlns:p="http://schemas.openxmlformats.org/presentationml/2006/main">
   <p:cSld>
@@ -26319,14 +27203,22 @@
             <p:ph type="title"/>
           </p:nvPr>
         </p:nvSpPr>
-        <p:spPr/>
+        <p:spPr>
+          <a:xfrm>
+            <a:off x="1141413" y="639784"/>
+            <a:ext cx="9905998" cy="614859"/>
+          </a:xfrm>
+        </p:spPr>
         <p:txBody>
-          <a:bodyPr/>
+          <a:bodyPr>
+            <a:normAutofit/>
+          </a:bodyPr>
           <a:lstStyle/>
           <a:p>
+            <a:pPr rtl="0"/>
             <a:r>
               <a:rPr lang="en-US" dirty="0"/>
-              <a:t>Questions</a:t>
+              <a:t>Back to Concepts</a:t>
             </a:r>
             <a:endParaRPr lang="he-IL" dirty="0"/>
           </a:p>
@@ -26344,12 +27236,14 @@
         </p:nvSpPr>
         <p:spPr>
           <a:xfrm>
-            <a:off x="1141412" y="2249487"/>
-            <a:ext cx="9905999" cy="560825"/>
+            <a:off x="1141412" y="1254643"/>
+            <a:ext cx="9905999" cy="1922190"/>
           </a:xfrm>
         </p:spPr>
         <p:txBody>
-          <a:bodyPr/>
+          <a:bodyPr>
+            <a:normAutofit fontScale="92500"/>
+          </a:bodyPr>
           <a:lstStyle/>
           <a:p>
             <a:pPr marL="0" indent="0" algn="l" rtl="0">
@@ -26357,21 +27251,45 @@
             </a:pPr>
             <a:r>
               <a:rPr lang="en-US" dirty="0"/>
-              <a:t>If you have any questions, speak now or for ever hold your peace.</a:t>
+              <a:t>Concepts got a special attention in C++20 and made it possible to move more elements from the runtime evaluation to the compile-time evaluation. In additional for this, it made it possible to help the compiler know more specific details about our template parameters ahead- Even before we made the call for them.</a:t>
             </a:r>
           </a:p>
         </p:txBody>
       </p:sp>
+      <p:pic>
+        <p:nvPicPr>
+          <p:cNvPr id="11" name="Picture 10"/>
+          <p:cNvPicPr>
+            <a:picLocks noChangeAspect="1"/>
+          </p:cNvPicPr>
+          <p:nvPr/>
+        </p:nvPicPr>
+        <p:blipFill>
+          <a:blip r:embed="rId2"/>
+          <a:stretch>
+            <a:fillRect/>
+          </a:stretch>
+        </p:blipFill>
+        <p:spPr>
+          <a:xfrm>
+            <a:off x="1141412" y="3357576"/>
+            <a:ext cx="4724400" cy="1590675"/>
+          </a:xfrm>
+          <a:prstGeom prst="rect">
+            <a:avLst/>
+          </a:prstGeom>
+        </p:spPr>
+      </p:pic>
       <p:sp>
         <p:nvSpPr>
-          <p:cNvPr id="4" name="TextBox 3"/>
+          <p:cNvPr id="12" name="TextBox 11"/>
           <p:cNvSpPr txBox="1"/>
           <p:nvPr/>
         </p:nvSpPr>
         <p:spPr>
           <a:xfrm>
-            <a:off x="1141412" y="2810312"/>
-            <a:ext cx="2954207" cy="369332"/>
+            <a:off x="1141411" y="2996075"/>
+            <a:ext cx="3964996" cy="369332"/>
           </a:xfrm>
           <a:prstGeom prst="rect">
             <a:avLst/>
@@ -26386,7 +27304,7 @@
           <a:p>
             <a:r>
               <a:rPr lang="en-US" dirty="0"/>
-              <a:t>Or at least until you’ll be near</a:t>
+              <a:t>Take for example the following interface:</a:t>
             </a:r>
             <a:endParaRPr lang="he-IL" dirty="0"/>
           </a:p>
@@ -26394,14 +27312,14 @@
       </p:sp>
       <p:sp>
         <p:nvSpPr>
-          <p:cNvPr id="5" name="TextBox 4"/>
+          <p:cNvPr id="18" name="TextBox 17"/>
           <p:cNvSpPr txBox="1"/>
           <p:nvPr/>
         </p:nvSpPr>
         <p:spPr>
           <a:xfrm>
-            <a:off x="1283516" y="3632433"/>
-            <a:ext cx="2147254" cy="369332"/>
+            <a:off x="1141411" y="4948251"/>
+            <a:ext cx="10098534" cy="369332"/>
           </a:xfrm>
           <a:prstGeom prst="rect">
             <a:avLst/>
@@ -26416,26 +27334,45 @@
           <a:p>
             <a:r>
               <a:rPr lang="en-US" dirty="0"/>
-              <a:t>LinkedIn: /</a:t>
+              <a:t>Assume we want to create a class which inherit from a template parameter that have to inherit this interface.</a:t>
             </a:r>
-            <a:r>
-              <a:rPr lang="en-US" dirty="0" err="1"/>
-              <a:t>koralkashri</a:t>
-            </a:r>
-            <a:endParaRPr lang="he-IL" dirty="0"/>
           </a:p>
         </p:txBody>
       </p:sp>
+      <p:pic>
+        <p:nvPicPr>
+          <p:cNvPr id="20" name="Picture 19"/>
+          <p:cNvPicPr>
+            <a:picLocks noChangeAspect="1"/>
+          </p:cNvPicPr>
+          <p:nvPr/>
+        </p:nvPicPr>
+        <p:blipFill>
+          <a:blip r:embed="rId3"/>
+          <a:stretch>
+            <a:fillRect/>
+          </a:stretch>
+        </p:blipFill>
+        <p:spPr>
+          <a:xfrm>
+            <a:off x="1141410" y="5317583"/>
+            <a:ext cx="7972425" cy="1209675"/>
+          </a:xfrm>
+          <a:prstGeom prst="rect">
+            <a:avLst/>
+          </a:prstGeom>
+        </p:spPr>
+      </p:pic>
       <p:sp>
         <p:nvSpPr>
-          <p:cNvPr id="6" name="TextBox 5"/>
+          <p:cNvPr id="21" name="TextBox 20"/>
           <p:cNvSpPr txBox="1"/>
           <p:nvPr/>
         </p:nvSpPr>
         <p:spPr>
           <a:xfrm>
-            <a:off x="6459523" y="3632433"/>
-            <a:ext cx="2860398" cy="369332"/>
+            <a:off x="1141410" y="2994659"/>
+            <a:ext cx="10338599" cy="369332"/>
           </a:xfrm>
           <a:prstGeom prst="rect">
             <a:avLst/>
@@ -26450,22 +27387,46 @@
           <a:p>
             <a:r>
               <a:rPr lang="en-US" dirty="0"/>
-              <a:t>Mail: koralkashri@gmail.com</a:t>
+              <a:t>With a wrong usage we’ll get a great compilation error, which will mark the class implementation as a mistake:</a:t>
             </a:r>
             <a:endParaRPr lang="he-IL" dirty="0"/>
           </a:p>
         </p:txBody>
       </p:sp>
+      <p:pic>
+        <p:nvPicPr>
+          <p:cNvPr id="23" name="Picture 22"/>
+          <p:cNvPicPr>
+            <a:picLocks noChangeAspect="1"/>
+          </p:cNvPicPr>
+          <p:nvPr/>
+        </p:nvPicPr>
+        <p:blipFill>
+          <a:blip r:embed="rId4"/>
+          <a:stretch>
+            <a:fillRect/>
+          </a:stretch>
+        </p:blipFill>
+        <p:spPr>
+          <a:xfrm>
+            <a:off x="1141409" y="3363991"/>
+            <a:ext cx="10078955" cy="1608526"/>
+          </a:xfrm>
+          <a:prstGeom prst="rect">
+            <a:avLst/>
+          </a:prstGeom>
+        </p:spPr>
+      </p:pic>
       <p:sp>
         <p:nvSpPr>
-          <p:cNvPr id="7" name="TextBox 6"/>
+          <p:cNvPr id="26" name="TextBox 25"/>
           <p:cNvSpPr txBox="1"/>
           <p:nvPr/>
         </p:nvSpPr>
         <p:spPr>
           <a:xfrm>
-            <a:off x="1283516" y="4001765"/>
-            <a:ext cx="2074927" cy="369332"/>
+            <a:off x="1141408" y="4950075"/>
+            <a:ext cx="7002366" cy="369332"/>
           </a:xfrm>
           <a:prstGeom prst="rect">
             <a:avLst/>
@@ -26480,26 +27441,70 @@
           <a:p>
             <a:r>
               <a:rPr lang="en-US" dirty="0"/>
-              <a:t>GitHub: /</a:t>
-            </a:r>
-            <a:r>
-              <a:rPr lang="en-US" dirty="0" err="1"/>
-              <a:t>koralkashri</a:t>
+              <a:t>To fix this issue, and to be more clear at compile time, we can use concepts:</a:t>
             </a:r>
             <a:endParaRPr lang="he-IL" dirty="0"/>
           </a:p>
         </p:txBody>
       </p:sp>
+      <p:pic>
+        <p:nvPicPr>
+          <p:cNvPr id="27" name="Picture 26"/>
+          <p:cNvPicPr>
+            <a:picLocks noChangeAspect="1"/>
+          </p:cNvPicPr>
+          <p:nvPr/>
+        </p:nvPicPr>
+        <p:blipFill>
+          <a:blip r:embed="rId5"/>
+          <a:stretch>
+            <a:fillRect/>
+          </a:stretch>
+        </p:blipFill>
+        <p:spPr>
+          <a:xfrm>
+            <a:off x="1141410" y="5316167"/>
+            <a:ext cx="6226953" cy="1413526"/>
+          </a:xfrm>
+          <a:prstGeom prst="rect">
+            <a:avLst/>
+          </a:prstGeom>
+        </p:spPr>
+      </p:pic>
+      <p:pic>
+        <p:nvPicPr>
+          <p:cNvPr id="28" name="Picture 27"/>
+          <p:cNvPicPr>
+            <a:picLocks noChangeAspect="1"/>
+          </p:cNvPicPr>
+          <p:nvPr/>
+        </p:nvPicPr>
+        <p:blipFill>
+          <a:blip r:embed="rId6"/>
+          <a:stretch>
+            <a:fillRect/>
+          </a:stretch>
+        </p:blipFill>
+        <p:spPr>
+          <a:xfrm>
+            <a:off x="1135859" y="3364982"/>
+            <a:ext cx="10344150" cy="1590675"/>
+          </a:xfrm>
+          <a:prstGeom prst="rect">
+            <a:avLst/>
+          </a:prstGeom>
+        </p:spPr>
+      </p:pic>
       <p:sp>
         <p:nvSpPr>
-          <p:cNvPr id="9" name="TextBox 8"/>
+          <p:cNvPr id="29" name="TextBox 28"/>
           <p:cNvSpPr txBox="1"/>
           <p:nvPr/>
         </p:nvSpPr>
         <p:spPr>
           <a:xfrm>
-            <a:off x="6459523" y="4001765"/>
-            <a:ext cx="2146806" cy="369332"/>
+            <a:off x="1135859" y="2994659"/>
+            <a:ext cx="4309898" cy="369332"/>
           </a:xfrm>
           <a:prstGeom prst="rect">
             <a:avLst/>
@@ -26514,11 +27519,7 @@
           <a:p>
             <a:r>
               <a:rPr lang="en-US" dirty="0"/>
-              <a:t>Twitter: @</a:t>
-            </a:r>
-            <a:r>
-              <a:rPr lang="en-US" dirty="0" err="1"/>
-              <a:t>koralkashri</a:t>
+              <a:t>And now the error we get from wrong usage:</a:t>
             </a:r>
             <a:endParaRPr lang="he-IL" dirty="0"/>
           </a:p>
@@ -26527,7 +27528,7 @@
     </p:spTree>
     <p:extLst>
       <p:ext uri="{BB962C8B-B14F-4D97-AF65-F5344CB8AC3E}">
-        <p14:creationId xmlns:p14="http://schemas.microsoft.com/office/powerpoint/2010/main" val="1977489723"/>
+        <p14:creationId xmlns:p14="http://schemas.microsoft.com/office/powerpoint/2010/main" val="2650848840"/>
       </p:ext>
     </p:extLst>
   </p:cSld>
@@ -26654,27 +27655,36 @@
                             </p:childTnLst>
                           </p:cTn>
                         </p:par>
+                      </p:childTnLst>
+                    </p:cTn>
+                  </p:par>
+                  <p:par>
+                    <p:cTn id="10" fill="hold">
+                      <p:stCondLst>
+                        <p:cond delay="indefinite"/>
+                      </p:stCondLst>
+                      <p:childTnLst>
                         <p:par>
-                          <p:cTn id="10" fill="hold">
+                          <p:cTn id="11" fill="hold">
                             <p:stCondLst>
-                              <p:cond delay="1000"/>
+                              <p:cond delay="0"/>
                             </p:stCondLst>
                             <p:childTnLst>
                               <p:par>
-                                <p:cTn id="11" presetID="16" presetClass="entr" presetSubtype="21" fill="hold" grpId="0" nodeType="afterEffect">
+                                <p:cTn id="12" presetID="10" presetClass="entr" presetSubtype="0" fill="hold" grpId="0" nodeType="clickEffect">
                                   <p:stCondLst>
-                                    <p:cond delay="500"/>
+                                    <p:cond delay="0"/>
                                   </p:stCondLst>
                                   <p:childTnLst>
                                     <p:set>
                                       <p:cBhvr>
-                                        <p:cTn id="12" dur="1" fill="hold">
+                                        <p:cTn id="13" dur="1" fill="hold">
                                           <p:stCondLst>
                                             <p:cond delay="0"/>
                                           </p:stCondLst>
                                         </p:cTn>
                                         <p:tgtEl>
-                                          <p:spTgt spid="4"/>
+                                          <p:spTgt spid="12"/>
                                         </p:tgtEl>
                                         <p:attrNameLst>
                                           <p:attrName>style.visibility</p:attrName>
@@ -26684,11 +27694,11 @@
                                         <p:strVal val="visible"/>
                                       </p:to>
                                     </p:set>
-                                    <p:animEffect transition="in" filter="barn(inVertical)">
+                                    <p:animEffect transition="in" filter="fade">
                                       <p:cBhvr>
-                                        <p:cTn id="13" dur="500"/>
-                                        <p:tgtEl>
-                                          <p:spTgt spid="4"/>
+                                        <p:cTn id="14" dur="500"/>
+                                        <p:tgtEl>
+                                          <p:spTgt spid="12"/>
                                         </p:tgtEl>
                                       </p:cBhvr>
                                     </p:animEffect>
@@ -26699,26 +27709,26 @@
                           </p:cTn>
                         </p:par>
                         <p:par>
-                          <p:cTn id="14" fill="hold">
+                          <p:cTn id="15" fill="hold">
                             <p:stCondLst>
-                              <p:cond delay="2000"/>
+                              <p:cond delay="500"/>
                             </p:stCondLst>
                             <p:childTnLst>
                               <p:par>
-                                <p:cTn id="15" presetID="14" presetClass="entr" presetSubtype="10" fill="hold" grpId="0" nodeType="afterEffect">
+                                <p:cTn id="16" presetID="14" presetClass="entr" presetSubtype="10" fill="hold" nodeType="afterEffect">
                                   <p:stCondLst>
-                                    <p:cond delay="500"/>
+                                    <p:cond delay="0"/>
                                   </p:stCondLst>
                                   <p:childTnLst>
                                     <p:set>
                                       <p:cBhvr>
-                                        <p:cTn id="16" dur="1" fill="hold">
+                                        <p:cTn id="17" dur="1" fill="hold">
                                           <p:stCondLst>
                                             <p:cond delay="0"/>
                                           </p:stCondLst>
                                         </p:cTn>
                                         <p:tgtEl>
-                                          <p:spTgt spid="5"/>
+                                          <p:spTgt spid="11"/>
                                         </p:tgtEl>
                                         <p:attrNameLst>
                                           <p:attrName>style.visibility</p:attrName>
@@ -26730,55 +27740,41 @@
                                     </p:set>
                                     <p:animEffect transition="in" filter="randombar(horizontal)">
                                       <p:cBhvr>
-                                        <p:cTn id="17" dur="500"/>
-                                        <p:tgtEl>
-                                          <p:spTgt spid="5"/>
+                                        <p:cTn id="18" dur="500"/>
+                                        <p:tgtEl>
+                                          <p:spTgt spid="11"/>
                                         </p:tgtEl>
                                       </p:cBhvr>
                                     </p:animEffect>
                                   </p:childTnLst>
                                 </p:cTn>
                               </p:par>
+                            </p:childTnLst>
+                          </p:cTn>
+                        </p:par>
+                      </p:childTnLst>
+                    </p:cTn>
+                  </p:par>
+                  <p:par>
+                    <p:cTn id="19" fill="hold">
+                      <p:stCondLst>
+                        <p:cond delay="indefinite"/>
+                      </p:stCondLst>
+                      <p:childTnLst>
+                        <p:par>
+                          <p:cTn id="20" fill="hold">
+                            <p:stCondLst>
+                              <p:cond delay="0"/>
+                            </p:stCondLst>
+                            <p:childTnLst>
                               <p:par>
-                                <p:cTn id="18" presetID="6" presetClass="entr" presetSubtype="16" fill="hold" grpId="0" nodeType="withEffect">
+                                <p:cTn id="21" presetID="10" presetClass="entr" presetSubtype="0" fill="hold" grpId="0" nodeType="clickEffect">
                                   <p:stCondLst>
-                                    <p:cond delay="500"/>
+                                    <p:cond delay="0"/>
                                   </p:stCondLst>
-                                  <p:childTnLst>
-                                    <p:set>
-                                      <p:cBhvr>
-                                        <p:cTn id="19" dur="1" fill="hold">
-                                          <p:stCondLst>
-                                            <p:cond delay="0"/>
-                                          </p:stCondLst>
-                                        </p:cTn>
-                                        <p:tgtEl>
-                                          <p:spTgt spid="7"/>
-                                        </p:tgtEl>
-                                        <p:attrNameLst>
-                                          <p:attrName>style.visibility</p:attrName>
-                                        </p:attrNameLst>
-                                      </p:cBhvr>
-                                      <p:to>
-                                        <p:strVal val="visible"/>
-                                      </p:to>
-                                    </p:set>
-                                    <p:animEffect transition="in" filter="circle(in)">
-                                      <p:cBhvr>
-                                        <p:cTn id="20" dur="2000"/>
-                                        <p:tgtEl>
-                                          <p:spTgt spid="7"/>
-                                        </p:tgtEl>
-                                      </p:cBhvr>
-                                    </p:animEffect>
-                                  </p:childTnLst>
-                                </p:cTn>
-                              </p:par>
-                              <p:par>
-                                <p:cTn id="21" presetID="45" presetClass="entr" presetSubtype="0" fill="hold" grpId="0" nodeType="withEffect">
-                                  <p:stCondLst>
-                                    <p:cond delay="500"/>
-                                  </p:stCondLst>
+                                  <p:iterate type="wd">
+                                    <p:tmPct val="10000"/>
+                                  </p:iterate>
                                   <p:childTnLst>
                                     <p:set>
                                       <p:cBhvr>
@@ -26788,7 +27784,7 @@
                                           </p:stCondLst>
                                         </p:cTn>
                                         <p:tgtEl>
-                                          <p:spTgt spid="6"/>
+                                          <p:spTgt spid="18"/>
                                         </p:tgtEl>
                                         <p:attrNameLst>
                                           <p:attrName>style.visibility</p:attrName>
@@ -26800,17 +27796,722 @@
                                     </p:set>
                                     <p:animEffect transition="in" filter="fade">
                                       <p:cBhvr>
-                                        <p:cTn id="23" dur="2000"/>
-                                        <p:tgtEl>
-                                          <p:spTgt spid="6"/>
+                                        <p:cTn id="23" dur="500"/>
+                                        <p:tgtEl>
+                                          <p:spTgt spid="18"/>
+                                        </p:tgtEl>
+                                      </p:cBhvr>
+                                    </p:animEffect>
+                                  </p:childTnLst>
+                                </p:cTn>
+                              </p:par>
+                            </p:childTnLst>
+                          </p:cTn>
+                        </p:par>
+                        <p:par>
+                          <p:cTn id="24" fill="hold">
+                            <p:stCondLst>
+                              <p:cond delay="1450"/>
+                            </p:stCondLst>
+                            <p:childTnLst>
+                              <p:par>
+                                <p:cTn id="25" presetID="21" presetClass="entr" presetSubtype="1" fill="hold" nodeType="afterEffect">
+                                  <p:stCondLst>
+                                    <p:cond delay="0"/>
+                                  </p:stCondLst>
+                                  <p:childTnLst>
+                                    <p:set>
+                                      <p:cBhvr>
+                                        <p:cTn id="26" dur="1" fill="hold">
+                                          <p:stCondLst>
+                                            <p:cond delay="0"/>
+                                          </p:stCondLst>
+                                        </p:cTn>
+                                        <p:tgtEl>
+                                          <p:spTgt spid="20"/>
+                                        </p:tgtEl>
+                                        <p:attrNameLst>
+                                          <p:attrName>style.visibility</p:attrName>
+                                        </p:attrNameLst>
+                                      </p:cBhvr>
+                                      <p:to>
+                                        <p:strVal val="visible"/>
+                                      </p:to>
+                                    </p:set>
+                                    <p:animEffect transition="in" filter="wheel(1)">
+                                      <p:cBhvr>
+                                        <p:cTn id="27" dur="1000"/>
+                                        <p:tgtEl>
+                                          <p:spTgt spid="20"/>
+                                        </p:tgtEl>
+                                      </p:cBhvr>
+                                    </p:animEffect>
+                                  </p:childTnLst>
+                                </p:cTn>
+                              </p:par>
+                            </p:childTnLst>
+                          </p:cTn>
+                        </p:par>
+                      </p:childTnLst>
+                    </p:cTn>
+                  </p:par>
+                  <p:par>
+                    <p:cTn id="28" fill="hold">
+                      <p:stCondLst>
+                        <p:cond delay="indefinite"/>
+                      </p:stCondLst>
+                      <p:childTnLst>
+                        <p:par>
+                          <p:cTn id="29" fill="hold">
+                            <p:stCondLst>
+                              <p:cond delay="0"/>
+                            </p:stCondLst>
+                            <p:childTnLst>
+                              <p:par>
+                                <p:cTn id="30" presetID="10" presetClass="exit" presetSubtype="0" fill="hold" grpId="1" nodeType="clickEffect">
+                                  <p:stCondLst>
+                                    <p:cond delay="0"/>
+                                  </p:stCondLst>
+                                  <p:childTnLst>
+                                    <p:animEffect transition="out" filter="fade">
+                                      <p:cBhvr>
+                                        <p:cTn id="31" dur="500"/>
+                                        <p:tgtEl>
+                                          <p:spTgt spid="12"/>
+                                        </p:tgtEl>
+                                      </p:cBhvr>
+                                    </p:animEffect>
+                                    <p:set>
+                                      <p:cBhvr>
+                                        <p:cTn id="32" dur="1" fill="hold">
+                                          <p:stCondLst>
+                                            <p:cond delay="499"/>
+                                          </p:stCondLst>
+                                        </p:cTn>
+                                        <p:tgtEl>
+                                          <p:spTgt spid="12"/>
+                                        </p:tgtEl>
+                                        <p:attrNameLst>
+                                          <p:attrName>style.visibility</p:attrName>
+                                        </p:attrNameLst>
+                                      </p:cBhvr>
+                                      <p:to>
+                                        <p:strVal val="hidden"/>
+                                      </p:to>
+                                    </p:set>
+                                  </p:childTnLst>
+                                </p:cTn>
+                              </p:par>
+                            </p:childTnLst>
+                          </p:cTn>
+                        </p:par>
+                        <p:par>
+                          <p:cTn id="33" fill="hold">
+                            <p:stCondLst>
+                              <p:cond delay="500"/>
+                            </p:stCondLst>
+                            <p:childTnLst>
+                              <p:par>
+                                <p:cTn id="34" presetID="31" presetClass="exit" presetSubtype="0" fill="hold" nodeType="afterEffect">
+                                  <p:stCondLst>
+                                    <p:cond delay="0"/>
+                                  </p:stCondLst>
+                                  <p:childTnLst>
+                                    <p:anim calcmode="lin" valueType="num">
+                                      <p:cBhvr>
+                                        <p:cTn id="35" dur="1000"/>
+                                        <p:tgtEl>
+                                          <p:spTgt spid="11"/>
+                                        </p:tgtEl>
+                                        <p:attrNameLst>
+                                          <p:attrName>ppt_w</p:attrName>
+                                        </p:attrNameLst>
+                                      </p:cBhvr>
+                                      <p:tavLst>
+                                        <p:tav tm="0">
+                                          <p:val>
+                                            <p:strVal val="ppt_w"/>
+                                          </p:val>
+                                        </p:tav>
+                                        <p:tav tm="100000">
+                                          <p:val>
+                                            <p:fltVal val="0"/>
+                                          </p:val>
+                                        </p:tav>
+                                      </p:tavLst>
+                                    </p:anim>
+                                    <p:anim calcmode="lin" valueType="num">
+                                      <p:cBhvr>
+                                        <p:cTn id="36" dur="1000"/>
+                                        <p:tgtEl>
+                                          <p:spTgt spid="11"/>
+                                        </p:tgtEl>
+                                        <p:attrNameLst>
+                                          <p:attrName>ppt_h</p:attrName>
+                                        </p:attrNameLst>
+                                      </p:cBhvr>
+                                      <p:tavLst>
+                                        <p:tav tm="0">
+                                          <p:val>
+                                            <p:strVal val="ppt_h"/>
+                                          </p:val>
+                                        </p:tav>
+                                        <p:tav tm="100000">
+                                          <p:val>
+                                            <p:fltVal val="0"/>
+                                          </p:val>
+                                        </p:tav>
+                                      </p:tavLst>
+                                    </p:anim>
+                                    <p:anim calcmode="lin" valueType="num">
+                                      <p:cBhvr>
+                                        <p:cTn id="37" dur="1000"/>
+                                        <p:tgtEl>
+                                          <p:spTgt spid="11"/>
+                                        </p:tgtEl>
+                                        <p:attrNameLst>
+                                          <p:attrName>style.rotation</p:attrName>
+                                        </p:attrNameLst>
+                                      </p:cBhvr>
+                                      <p:tavLst>
+                                        <p:tav tm="0">
+                                          <p:val>
+                                            <p:fltVal val="0"/>
+                                          </p:val>
+                                        </p:tav>
+                                        <p:tav tm="100000">
+                                          <p:val>
+                                            <p:fltVal val="90"/>
+                                          </p:val>
+                                        </p:tav>
+                                      </p:tavLst>
+                                    </p:anim>
+                                    <p:animEffect transition="out" filter="fade">
+                                      <p:cBhvr>
+                                        <p:cTn id="38" dur="1000"/>
+                                        <p:tgtEl>
+                                          <p:spTgt spid="11"/>
+                                        </p:tgtEl>
+                                      </p:cBhvr>
+                                    </p:animEffect>
+                                    <p:set>
+                                      <p:cBhvr>
+                                        <p:cTn id="39" dur="1" fill="hold">
+                                          <p:stCondLst>
+                                            <p:cond delay="999"/>
+                                          </p:stCondLst>
+                                        </p:cTn>
+                                        <p:tgtEl>
+                                          <p:spTgt spid="11"/>
+                                        </p:tgtEl>
+                                        <p:attrNameLst>
+                                          <p:attrName>style.visibility</p:attrName>
+                                        </p:attrNameLst>
+                                      </p:cBhvr>
+                                      <p:to>
+                                        <p:strVal val="hidden"/>
+                                      </p:to>
+                                    </p:set>
+                                  </p:childTnLst>
+                                </p:cTn>
+                              </p:par>
+                            </p:childTnLst>
+                          </p:cTn>
+                        </p:par>
+                      </p:childTnLst>
+                    </p:cTn>
+                  </p:par>
+                  <p:par>
+                    <p:cTn id="40" fill="hold">
+                      <p:stCondLst>
+                        <p:cond delay="indefinite"/>
+                      </p:stCondLst>
+                      <p:childTnLst>
+                        <p:par>
+                          <p:cTn id="41" fill="hold">
+                            <p:stCondLst>
+                              <p:cond delay="0"/>
+                            </p:stCondLst>
+                            <p:childTnLst>
+                              <p:par>
+                                <p:cTn id="42" presetID="10" presetClass="entr" presetSubtype="0" fill="hold" grpId="0" nodeType="clickEffect">
+                                  <p:stCondLst>
+                                    <p:cond delay="0"/>
+                                  </p:stCondLst>
+                                  <p:childTnLst>
+                                    <p:set>
+                                      <p:cBhvr>
+                                        <p:cTn id="43" dur="1" fill="hold">
+                                          <p:stCondLst>
+                                            <p:cond delay="0"/>
+                                          </p:stCondLst>
+                                        </p:cTn>
+                                        <p:tgtEl>
+                                          <p:spTgt spid="21"/>
+                                        </p:tgtEl>
+                                        <p:attrNameLst>
+                                          <p:attrName>style.visibility</p:attrName>
+                                        </p:attrNameLst>
+                                      </p:cBhvr>
+                                      <p:to>
+                                        <p:strVal val="visible"/>
+                                      </p:to>
+                                    </p:set>
+                                    <p:animEffect transition="in" filter="fade">
+                                      <p:cBhvr>
+                                        <p:cTn id="44" dur="500"/>
+                                        <p:tgtEl>
+                                          <p:spTgt spid="21"/>
+                                        </p:tgtEl>
+                                      </p:cBhvr>
+                                    </p:animEffect>
+                                  </p:childTnLst>
+                                </p:cTn>
+                              </p:par>
+                            </p:childTnLst>
+                          </p:cTn>
+                        </p:par>
+                        <p:par>
+                          <p:cTn id="45" fill="hold">
+                            <p:stCondLst>
+                              <p:cond delay="500"/>
+                            </p:stCondLst>
+                            <p:childTnLst>
+                              <p:par>
+                                <p:cTn id="46" presetID="31" presetClass="entr" presetSubtype="0" fill="hold" nodeType="afterEffect">
+                                  <p:stCondLst>
+                                    <p:cond delay="0"/>
+                                  </p:stCondLst>
+                                  <p:childTnLst>
+                                    <p:set>
+                                      <p:cBhvr>
+                                        <p:cTn id="47" dur="1" fill="hold">
+                                          <p:stCondLst>
+                                            <p:cond delay="0"/>
+                                          </p:stCondLst>
+                                        </p:cTn>
+                                        <p:tgtEl>
+                                          <p:spTgt spid="23"/>
+                                        </p:tgtEl>
+                                        <p:attrNameLst>
+                                          <p:attrName>style.visibility</p:attrName>
+                                        </p:attrNameLst>
+                                      </p:cBhvr>
+                                      <p:to>
+                                        <p:strVal val="visible"/>
+                                      </p:to>
+                                    </p:set>
+                                    <p:anim calcmode="lin" valueType="num">
+                                      <p:cBhvr>
+                                        <p:cTn id="48" dur="1000" fill="hold"/>
+                                        <p:tgtEl>
+                                          <p:spTgt spid="23"/>
+                                        </p:tgtEl>
+                                        <p:attrNameLst>
+                                          <p:attrName>ppt_w</p:attrName>
+                                        </p:attrNameLst>
+                                      </p:cBhvr>
+                                      <p:tavLst>
+                                        <p:tav tm="0">
+                                          <p:val>
+                                            <p:fltVal val="0"/>
+                                          </p:val>
+                                        </p:tav>
+                                        <p:tav tm="100000">
+                                          <p:val>
+                                            <p:strVal val="#ppt_w"/>
+                                          </p:val>
+                                        </p:tav>
+                                      </p:tavLst>
+                                    </p:anim>
+                                    <p:anim calcmode="lin" valueType="num">
+                                      <p:cBhvr>
+                                        <p:cTn id="49" dur="1000" fill="hold"/>
+                                        <p:tgtEl>
+                                          <p:spTgt spid="23"/>
+                                        </p:tgtEl>
+                                        <p:attrNameLst>
+                                          <p:attrName>ppt_h</p:attrName>
+                                        </p:attrNameLst>
+                                      </p:cBhvr>
+                                      <p:tavLst>
+                                        <p:tav tm="0">
+                                          <p:val>
+                                            <p:fltVal val="0"/>
+                                          </p:val>
+                                        </p:tav>
+                                        <p:tav tm="100000">
+                                          <p:val>
+                                            <p:strVal val="#ppt_h"/>
+                                          </p:val>
+                                        </p:tav>
+                                      </p:tavLst>
+                                    </p:anim>
+                                    <p:anim calcmode="lin" valueType="num">
+                                      <p:cBhvr>
+                                        <p:cTn id="50" dur="1000" fill="hold"/>
+                                        <p:tgtEl>
+                                          <p:spTgt spid="23"/>
+                                        </p:tgtEl>
+                                        <p:attrNameLst>
+                                          <p:attrName>style.rotation</p:attrName>
+                                        </p:attrNameLst>
+                                      </p:cBhvr>
+                                      <p:tavLst>
+                                        <p:tav tm="0">
+                                          <p:val>
+                                            <p:fltVal val="90"/>
+                                          </p:val>
+                                        </p:tav>
+                                        <p:tav tm="100000">
+                                          <p:val>
+                                            <p:fltVal val="0"/>
+                                          </p:val>
+                                        </p:tav>
+                                      </p:tavLst>
+                                    </p:anim>
+                                    <p:animEffect transition="in" filter="fade">
+                                      <p:cBhvr>
+                                        <p:cTn id="51" dur="1000"/>
+                                        <p:tgtEl>
+                                          <p:spTgt spid="23"/>
+                                        </p:tgtEl>
+                                      </p:cBhvr>
+                                    </p:animEffect>
+                                  </p:childTnLst>
+                                </p:cTn>
+                              </p:par>
+                            </p:childTnLst>
+                          </p:cTn>
+                        </p:par>
+                      </p:childTnLst>
+                    </p:cTn>
+                  </p:par>
+                  <p:par>
+                    <p:cTn id="52" fill="hold">
+                      <p:stCondLst>
+                        <p:cond delay="indefinite"/>
+                      </p:stCondLst>
+                      <p:childTnLst>
+                        <p:par>
+                          <p:cTn id="53" fill="hold">
+                            <p:stCondLst>
+                              <p:cond delay="0"/>
+                            </p:stCondLst>
+                            <p:childTnLst>
+                              <p:par>
+                                <p:cTn id="54" presetID="16" presetClass="exit" presetSubtype="21" fill="hold" grpId="1" nodeType="clickEffect">
+                                  <p:stCondLst>
+                                    <p:cond delay="0"/>
+                                  </p:stCondLst>
+                                  <p:iterate type="wd">
+                                    <p:tmPct val="0"/>
+                                  </p:iterate>
+                                  <p:childTnLst>
+                                    <p:animEffect transition="out" filter="barn(inVertical)">
+                                      <p:cBhvr>
+                                        <p:cTn id="55" dur="500"/>
+                                        <p:tgtEl>
+                                          <p:spTgt spid="18"/>
+                                        </p:tgtEl>
+                                      </p:cBhvr>
+                                    </p:animEffect>
+                                    <p:set>
+                                      <p:cBhvr>
+                                        <p:cTn id="56" dur="1" fill="hold">
+                                          <p:stCondLst>
+                                            <p:cond delay="499"/>
+                                          </p:stCondLst>
+                                        </p:cTn>
+                                        <p:tgtEl>
+                                          <p:spTgt spid="18"/>
+                                        </p:tgtEl>
+                                        <p:attrNameLst>
+                                          <p:attrName>style.visibility</p:attrName>
+                                        </p:attrNameLst>
+                                      </p:cBhvr>
+                                      <p:to>
+                                        <p:strVal val="hidden"/>
+                                      </p:to>
+                                    </p:set>
+                                  </p:childTnLst>
+                                </p:cTn>
+                              </p:par>
+                            </p:childTnLst>
+                          </p:cTn>
+                        </p:par>
+                        <p:par>
+                          <p:cTn id="57" fill="hold">
+                            <p:stCondLst>
+                              <p:cond delay="500"/>
+                            </p:stCondLst>
+                            <p:childTnLst>
+                              <p:par>
+                                <p:cTn id="58" presetID="16" presetClass="entr" presetSubtype="21" fill="hold" grpId="0" nodeType="afterEffect">
+                                  <p:stCondLst>
+                                    <p:cond delay="0"/>
+                                  </p:stCondLst>
+                                  <p:childTnLst>
+                                    <p:set>
+                                      <p:cBhvr>
+                                        <p:cTn id="59" dur="1" fill="hold">
+                                          <p:stCondLst>
+                                            <p:cond delay="0"/>
+                                          </p:stCondLst>
+                                        </p:cTn>
+                                        <p:tgtEl>
+                                          <p:spTgt spid="26"/>
+                                        </p:tgtEl>
+                                        <p:attrNameLst>
+                                          <p:attrName>style.visibility</p:attrName>
+                                        </p:attrNameLst>
+                                      </p:cBhvr>
+                                      <p:to>
+                                        <p:strVal val="visible"/>
+                                      </p:to>
+                                    </p:set>
+                                    <p:animEffect transition="in" filter="barn(inVertical)">
+                                      <p:cBhvr>
+                                        <p:cTn id="60" dur="500"/>
+                                        <p:tgtEl>
+                                          <p:spTgt spid="26"/>
+                                        </p:tgtEl>
+                                      </p:cBhvr>
+                                    </p:animEffect>
+                                  </p:childTnLst>
+                                </p:cTn>
+                              </p:par>
+                            </p:childTnLst>
+                          </p:cTn>
+                        </p:par>
+                        <p:par>
+                          <p:cTn id="61" fill="hold">
+                            <p:stCondLst>
+                              <p:cond delay="1000"/>
+                            </p:stCondLst>
+                            <p:childTnLst>
+                              <p:par>
+                                <p:cTn id="62" presetID="45" presetClass="exit" presetSubtype="0" fill="hold" nodeType="afterEffect">
+                                  <p:stCondLst>
+                                    <p:cond delay="0"/>
+                                  </p:stCondLst>
+                                  <p:childTnLst>
+                                    <p:animEffect transition="out" filter="fade">
+                                      <p:cBhvr>
+                                        <p:cTn id="63" dur="2000"/>
+                                        <p:tgtEl>
+                                          <p:spTgt spid="20"/>
                                         </p:tgtEl>
                                       </p:cBhvr>
                                     </p:animEffect>
                                     <p:anim calcmode="lin" valueType="num">
                                       <p:cBhvr>
-                                        <p:cTn id="24" dur="2000" fill="hold"/>
-                                        <p:tgtEl>
-                                          <p:spTgt spid="6"/>
+                                        <p:cTn id="64" dur="2000"/>
+                                        <p:tgtEl>
+                                          <p:spTgt spid="20"/>
+                                        </p:tgtEl>
+                                        <p:attrNameLst>
+                                          <p:attrName>ppt_w</p:attrName>
+                                        </p:attrNameLst>
+                                      </p:cBhvr>
+                                      <p:tavLst>
+                                        <p:tav tm="0">
+                                          <p:val>
+                                            <p:strVal val="ppt_w"/>
+                                          </p:val>
+                                        </p:tav>
+                                        <p:tav tm="5000">
+                                          <p:val>
+                                            <p:strVal val="0.92*ppt_w"/>
+                                          </p:val>
+                                        </p:tav>
+                                        <p:tav tm="10000">
+                                          <p:val>
+                                            <p:strVal val="0.71*ppt_w"/>
+                                          </p:val>
+                                        </p:tav>
+                                        <p:tav tm="15000">
+                                          <p:val>
+                                            <p:strVal val="0.38*ppt_w"/>
+                                          </p:val>
+                                        </p:tav>
+                                        <p:tav tm="20000">
+                                          <p:val>
+                                            <p:fltVal val="0"/>
+                                          </p:val>
+                                        </p:tav>
+                                        <p:tav tm="25000">
+                                          <p:val>
+                                            <p:strVal val="-0.38*ppt_w"/>
+                                          </p:val>
+                                        </p:tav>
+                                        <p:tav tm="30000">
+                                          <p:val>
+                                            <p:strVal val="-0.71*ppt_w"/>
+                                          </p:val>
+                                        </p:tav>
+                                        <p:tav tm="35000">
+                                          <p:val>
+                                            <p:strVal val="-0.92*ppt_w"/>
+                                          </p:val>
+                                        </p:tav>
+                                        <p:tav tm="40000">
+                                          <p:val>
+                                            <p:strVal val="-ppt_w"/>
+                                          </p:val>
+                                        </p:tav>
+                                        <p:tav tm="45000">
+                                          <p:val>
+                                            <p:strVal val="-0.92*ppt_w"/>
+                                          </p:val>
+                                        </p:tav>
+                                        <p:tav tm="50000">
+                                          <p:val>
+                                            <p:strVal val="-0.71*ppt_w"/>
+                                          </p:val>
+                                        </p:tav>
+                                        <p:tav tm="55000">
+                                          <p:val>
+                                            <p:strVal val="-0.38*ppt_w"/>
+                                          </p:val>
+                                        </p:tav>
+                                        <p:tav tm="60000">
+                                          <p:val>
+                                            <p:fltVal val="0"/>
+                                          </p:val>
+                                        </p:tav>
+                                        <p:tav tm="65000">
+                                          <p:val>
+                                            <p:strVal val="0.38*ppt_w"/>
+                                          </p:val>
+                                        </p:tav>
+                                        <p:tav tm="70000">
+                                          <p:val>
+                                            <p:strVal val="0.71*ppt_w"/>
+                                          </p:val>
+                                        </p:tav>
+                                        <p:tav tm="75000">
+                                          <p:val>
+                                            <p:strVal val="0.92*ppt_w"/>
+                                          </p:val>
+                                        </p:tav>
+                                        <p:tav tm="80000">
+                                          <p:val>
+                                            <p:strVal val="ppt_w"/>
+                                          </p:val>
+                                        </p:tav>
+                                        <p:tav tm="85000">
+                                          <p:val>
+                                            <p:strVal val="0.92*ppt_w"/>
+                                          </p:val>
+                                        </p:tav>
+                                        <p:tav tm="90000">
+                                          <p:val>
+                                            <p:strVal val="0.71*ppt_w"/>
+                                          </p:val>
+                                        </p:tav>
+                                        <p:tav tm="95000">
+                                          <p:val>
+                                            <p:strVal val="0.38*ppt_w"/>
+                                          </p:val>
+                                        </p:tav>
+                                        <p:tav tm="100000">
+                                          <p:val>
+                                            <p:fltVal val="0"/>
+                                          </p:val>
+                                        </p:tav>
+                                      </p:tavLst>
+                                    </p:anim>
+                                    <p:anim calcmode="lin" valueType="num">
+                                      <p:cBhvr>
+                                        <p:cTn id="65" dur="2000"/>
+                                        <p:tgtEl>
+                                          <p:spTgt spid="20"/>
+                                        </p:tgtEl>
+                                        <p:attrNameLst>
+                                          <p:attrName>ppt_h</p:attrName>
+                                        </p:attrNameLst>
+                                      </p:cBhvr>
+                                      <p:tavLst>
+                                        <p:tav tm="0">
+                                          <p:val>
+                                            <p:strVal val="ppt_h"/>
+                                          </p:val>
+                                        </p:tav>
+                                        <p:tav tm="100000">
+                                          <p:val>
+                                            <p:strVal val="ppt_h"/>
+                                          </p:val>
+                                        </p:tav>
+                                      </p:tavLst>
+                                    </p:anim>
+                                    <p:set>
+                                      <p:cBhvr>
+                                        <p:cTn id="66" dur="1" fill="hold">
+                                          <p:stCondLst>
+                                            <p:cond delay="1999"/>
+                                          </p:stCondLst>
+                                        </p:cTn>
+                                        <p:tgtEl>
+                                          <p:spTgt spid="20"/>
+                                        </p:tgtEl>
+                                        <p:attrNameLst>
+                                          <p:attrName>style.visibility</p:attrName>
+                                        </p:attrNameLst>
+                                      </p:cBhvr>
+                                      <p:to>
+                                        <p:strVal val="hidden"/>
+                                      </p:to>
+                                    </p:set>
+                                  </p:childTnLst>
+                                </p:cTn>
+                              </p:par>
+                            </p:childTnLst>
+                          </p:cTn>
+                        </p:par>
+                        <p:par>
+                          <p:cTn id="67" fill="hold">
+                            <p:stCondLst>
+                              <p:cond delay="3000"/>
+                            </p:stCondLst>
+                            <p:childTnLst>
+                              <p:par>
+                                <p:cTn id="68" presetID="45" presetClass="entr" presetSubtype="0" fill="hold" nodeType="afterEffect">
+                                  <p:stCondLst>
+                                    <p:cond delay="0"/>
+                                  </p:stCondLst>
+                                  <p:childTnLst>
+                                    <p:set>
+                                      <p:cBhvr>
+                                        <p:cTn id="69" dur="1" fill="hold">
+                                          <p:stCondLst>
+                                            <p:cond delay="0"/>
+                                          </p:stCondLst>
+                                        </p:cTn>
+                                        <p:tgtEl>
+                                          <p:spTgt spid="27"/>
+                                        </p:tgtEl>
+                                        <p:attrNameLst>
+                                          <p:attrName>style.visibility</p:attrName>
+                                        </p:attrNameLst>
+                                      </p:cBhvr>
+                                      <p:to>
+                                        <p:strVal val="visible"/>
+                                      </p:to>
+                                    </p:set>
+                                    <p:animEffect transition="in" filter="fade">
+                                      <p:cBhvr>
+                                        <p:cTn id="70" dur="2000"/>
+                                        <p:tgtEl>
+                                          <p:spTgt spid="27"/>
+                                        </p:tgtEl>
+                                      </p:cBhvr>
+                                    </p:animEffect>
+                                    <p:anim calcmode="lin" valueType="num">
+                                      <p:cBhvr>
+                                        <p:cTn id="71" dur="2000" fill="hold"/>
+                                        <p:tgtEl>
+                                          <p:spTgt spid="27"/>
                                         </p:tgtEl>
                                         <p:attrNameLst>
                                           <p:attrName>ppt_w</p:attrName>
@@ -26831,9 +28532,9 @@
                                     </p:anim>
                                     <p:anim calcmode="lin" valueType="num">
                                       <p:cBhvr>
-                                        <p:cTn id="25" dur="2000" fill="hold"/>
-                                        <p:tgtEl>
-                                          <p:spTgt spid="6"/>
+                                        <p:cTn id="72" dur="2000" fill="hold"/>
+                                        <p:tgtEl>
+                                          <p:spTgt spid="27"/>
                                         </p:tgtEl>
                                         <p:attrNameLst>
                                           <p:attrName>ppt_h</p:attrName>
@@ -26855,21 +28556,164 @@
                                   </p:childTnLst>
                                 </p:cTn>
                               </p:par>
+                            </p:childTnLst>
+                          </p:cTn>
+                        </p:par>
+                        <p:par>
+                          <p:cTn id="73" fill="hold">
+                            <p:stCondLst>
+                              <p:cond delay="5000"/>
+                            </p:stCondLst>
+                            <p:childTnLst>
                               <p:par>
-                                <p:cTn id="26" presetID="26" presetClass="entr" presetSubtype="0" fill="hold" grpId="0" nodeType="withEffect">
+                                <p:cTn id="74" presetID="22" presetClass="exit" presetSubtype="4" fill="hold" grpId="1" nodeType="afterEffect">
                                   <p:stCondLst>
-                                    <p:cond delay="500"/>
+                                    <p:cond delay="0"/>
+                                  </p:stCondLst>
+                                  <p:childTnLst>
+                                    <p:animEffect transition="out" filter="wipe(down)">
+                                      <p:cBhvr>
+                                        <p:cTn id="75" dur="500"/>
+                                        <p:tgtEl>
+                                          <p:spTgt spid="21"/>
+                                        </p:tgtEl>
+                                      </p:cBhvr>
+                                    </p:animEffect>
+                                    <p:set>
+                                      <p:cBhvr>
+                                        <p:cTn id="76" dur="1" fill="hold">
+                                          <p:stCondLst>
+                                            <p:cond delay="499"/>
+                                          </p:stCondLst>
+                                        </p:cTn>
+                                        <p:tgtEl>
+                                          <p:spTgt spid="21"/>
+                                        </p:tgtEl>
+                                        <p:attrNameLst>
+                                          <p:attrName>style.visibility</p:attrName>
+                                        </p:attrNameLst>
+                                      </p:cBhvr>
+                                      <p:to>
+                                        <p:strVal val="hidden"/>
+                                      </p:to>
+                                    </p:set>
+                                  </p:childTnLst>
+                                </p:cTn>
+                              </p:par>
+                            </p:childTnLst>
+                          </p:cTn>
+                        </p:par>
+                        <p:par>
+                          <p:cTn id="77" fill="hold">
+                            <p:stCondLst>
+                              <p:cond delay="5500"/>
+                            </p:stCondLst>
+                            <p:childTnLst>
+                              <p:par>
+                                <p:cTn id="78" presetID="42" presetClass="exit" presetSubtype="0" fill="hold" nodeType="afterEffect">
+                                  <p:stCondLst>
+                                    <p:cond delay="0"/>
+                                  </p:stCondLst>
+                                  <p:childTnLst>
+                                    <p:animEffect transition="out" filter="fade">
+                                      <p:cBhvr>
+                                        <p:cTn id="79" dur="1000"/>
+                                        <p:tgtEl>
+                                          <p:spTgt spid="23"/>
+                                        </p:tgtEl>
+                                      </p:cBhvr>
+                                    </p:animEffect>
+                                    <p:anim calcmode="lin" valueType="num">
+                                      <p:cBhvr>
+                                        <p:cTn id="80" dur="1000"/>
+                                        <p:tgtEl>
+                                          <p:spTgt spid="23"/>
+                                        </p:tgtEl>
+                                        <p:attrNameLst>
+                                          <p:attrName>ppt_x</p:attrName>
+                                        </p:attrNameLst>
+                                      </p:cBhvr>
+                                      <p:tavLst>
+                                        <p:tav tm="0">
+                                          <p:val>
+                                            <p:strVal val="ppt_x"/>
+                                          </p:val>
+                                        </p:tav>
+                                        <p:tav tm="100000">
+                                          <p:val>
+                                            <p:strVal val="ppt_x"/>
+                                          </p:val>
+                                        </p:tav>
+                                      </p:tavLst>
+                                    </p:anim>
+                                    <p:anim calcmode="lin" valueType="num">
+                                      <p:cBhvr>
+                                        <p:cTn id="81" dur="1000"/>
+                                        <p:tgtEl>
+                                          <p:spTgt spid="23"/>
+                                        </p:tgtEl>
+                                        <p:attrNameLst>
+                                          <p:attrName>ppt_y</p:attrName>
+                                        </p:attrNameLst>
+                                      </p:cBhvr>
+                                      <p:tavLst>
+                                        <p:tav tm="0">
+                                          <p:val>
+                                            <p:strVal val="ppt_y"/>
+                                          </p:val>
+                                        </p:tav>
+                                        <p:tav tm="100000">
+                                          <p:val>
+                                            <p:strVal val="ppt_y+.1"/>
+                                          </p:val>
+                                        </p:tav>
+                                      </p:tavLst>
+                                    </p:anim>
+                                    <p:set>
+                                      <p:cBhvr>
+                                        <p:cTn id="82" dur="1" fill="hold">
+                                          <p:stCondLst>
+                                            <p:cond delay="999"/>
+                                          </p:stCondLst>
+                                        </p:cTn>
+                                        <p:tgtEl>
+                                          <p:spTgt spid="23"/>
+                                        </p:tgtEl>
+                                        <p:attrNameLst>
+                                          <p:attrName>style.visibility</p:attrName>
+                                        </p:attrNameLst>
+                                      </p:cBhvr>
+                                      <p:to>
+                                        <p:strVal val="hidden"/>
+                                      </p:to>
+                                    </p:set>
+                                  </p:childTnLst>
+                                </p:cTn>
+                              </p:par>
+                            </p:childTnLst>
+                          </p:cTn>
+                        </p:par>
+                        <p:par>
+                          <p:cTn id="83" fill="hold">
+                            <p:stCondLst>
+                              <p:cond delay="6500"/>
+                            </p:stCondLst>
+                            <p:childTnLst>
+                              <p:par>
+                                <p:cTn id="84" presetID="10" presetClass="entr" presetSubtype="0" fill="hold" grpId="0" nodeType="afterEffect">
+                                  <p:stCondLst>
+                                    <p:cond delay="0"/>
                                   </p:stCondLst>
                                   <p:childTnLst>
                                     <p:set>
                                       <p:cBhvr>
-                                        <p:cTn id="27" dur="1" fill="hold">
+                                        <p:cTn id="85" dur="1" fill="hold">
                                           <p:stCondLst>
                                             <p:cond delay="0"/>
                                           </p:stCondLst>
                                         </p:cTn>
                                         <p:tgtEl>
-                                          <p:spTgt spid="9"/>
+                                          <p:spTgt spid="29"/>
                                         </p:tgtEl>
                                         <p:attrNameLst>
                                           <p:attrName>style.visibility</p:attrName>
@@ -26879,27 +28723,63 @@
                                         <p:strVal val="visible"/>
                                       </p:to>
                                     </p:set>
-                                    <p:animEffect transition="in" filter="wipe(down)">
+                                    <p:animEffect transition="in" filter="fade">
                                       <p:cBhvr>
-                                        <p:cTn id="28" dur="580">
+                                        <p:cTn id="86" dur="500"/>
+                                        <p:tgtEl>
+                                          <p:spTgt spid="29"/>
+                                        </p:tgtEl>
+                                      </p:cBhvr>
+                                    </p:animEffect>
+                                  </p:childTnLst>
+                                </p:cTn>
+                              </p:par>
+                            </p:childTnLst>
+                          </p:cTn>
+                        </p:par>
+                        <p:par>
+                          <p:cTn id="87" fill="hold">
+                            <p:stCondLst>
+                              <p:cond delay="7000"/>
+                            </p:stCondLst>
+                            <p:childTnLst>
+                              <p:par>
+                                <p:cTn id="88" presetID="42" presetClass="entr" presetSubtype="0" fill="hold" nodeType="afterEffect">
+                                  <p:stCondLst>
+                                    <p:cond delay="0"/>
+                                  </p:stCondLst>
+                                  <p:childTnLst>
+                                    <p:set>
+                                      <p:cBhvr>
+                                        <p:cTn id="89" dur="1" fill="hold">
                                           <p:stCondLst>
                                             <p:cond delay="0"/>
                                           </p:stCondLst>
                                         </p:cTn>
                                         <p:tgtEl>
-                                          <p:spTgt spid="9"/>
+                                          <p:spTgt spid="28"/>
+                                        </p:tgtEl>
+                                        <p:attrNameLst>
+                                          <p:attrName>style.visibility</p:attrName>
+                                        </p:attrNameLst>
+                                      </p:cBhvr>
+                                      <p:to>
+                                        <p:strVal val="visible"/>
+                                      </p:to>
+                                    </p:set>
+                                    <p:animEffect transition="in" filter="fade">
+                                      <p:cBhvr>
+                                        <p:cTn id="90" dur="1000"/>
+                                        <p:tgtEl>
+                                          <p:spTgt spid="28"/>
                                         </p:tgtEl>
                                       </p:cBhvr>
                                     </p:animEffect>
                                     <p:anim calcmode="lin" valueType="num">
                                       <p:cBhvr>
-                                        <p:cTn id="29" dur="1822" tmFilter="0,0; 0.14,0.36; 0.43,0.73; 0.71,0.91; 1.0,1.0">
-                                          <p:stCondLst>
-                                            <p:cond delay="0"/>
-                                          </p:stCondLst>
-                                        </p:cTn>
-                                        <p:tgtEl>
-                                          <p:spTgt spid="9"/>
+                                        <p:cTn id="91" dur="1000" fill="hold"/>
+                                        <p:tgtEl>
+                                          <p:spTgt spid="28"/>
                                         </p:tgtEl>
                                         <p:attrNameLst>
                                           <p:attrName>ppt_x</p:attrName>
@@ -26908,7 +28788,7 @@
                                       <p:tavLst>
                                         <p:tav tm="0">
                                           <p:val>
-                                            <p:strVal val="#ppt_x-0.25"/>
+                                            <p:strVal val="#ppt_x"/>
                                           </p:val>
                                         </p:tav>
                                         <p:tav tm="100000">
@@ -26920,216 +28800,27 @@
                                     </p:anim>
                                     <p:anim calcmode="lin" valueType="num">
                                       <p:cBhvr>
-                                        <p:cTn id="30" dur="664" tmFilter="0.0,0.0; 0.25,0.07; 0.50,0.2; 0.75,0.467; 1.0,1.0">
-                                          <p:stCondLst>
-                                            <p:cond delay="0"/>
-                                          </p:stCondLst>
-                                        </p:cTn>
-                                        <p:tgtEl>
-                                          <p:spTgt spid="9"/>
+                                        <p:cTn id="92" dur="1000" fill="hold"/>
+                                        <p:tgtEl>
+                                          <p:spTgt spid="28"/>
                                         </p:tgtEl>
                                         <p:attrNameLst>
                                           <p:attrName>ppt_y</p:attrName>
                                         </p:attrNameLst>
                                       </p:cBhvr>
                                       <p:tavLst>
-                                        <p:tav tm="0" fmla="#ppt_y-sin(pi*$)/3">
+                                        <p:tav tm="0">
                                           <p:val>
-                                            <p:fltVal val="0.5"/>
+                                            <p:strVal val="#ppt_y+.1"/>
                                           </p:val>
                                         </p:tav>
                                         <p:tav tm="100000">
                                           <p:val>
-                                            <p:fltVal val="1"/>
+                                            <p:strVal val="#ppt_y"/>
                                           </p:val>
                                         </p:tav>
                                       </p:tavLst>
                                     </p:anim>
-                                    <p:anim calcmode="lin" valueType="num">
-                                      <p:cBhvr>
-                                        <p:cTn id="31" dur="664" tmFilter="0, 0; 0.125,0.2665; 0.25,0.4; 0.375,0.465; 0.5,0.5;  0.625,0.535; 0.75,0.6; 0.875,0.7335; 1,1">
-                                          <p:stCondLst>
-                                            <p:cond delay="664"/>
-                                          </p:stCondLst>
-                                        </p:cTn>
-                                        <p:tgtEl>
-                                          <p:spTgt spid="9"/>
-                                        </p:tgtEl>
-                                        <p:attrNameLst>
-                                          <p:attrName>ppt_y</p:attrName>
-                                        </p:attrNameLst>
-                                      </p:cBhvr>
-                                      <p:tavLst>
-                                        <p:tav tm="0" fmla="#ppt_y-sin(pi*$)/9">
-                                          <p:val>
-                                            <p:fltVal val="0"/>
-                                          </p:val>
-                                        </p:tav>
-                                        <p:tav tm="100000">
-                                          <p:val>
-                                            <p:fltVal val="1"/>
-                                          </p:val>
-                                        </p:tav>
-                                      </p:tavLst>
-                                    </p:anim>
-                                    <p:anim calcmode="lin" valueType="num">
-                                      <p:cBhvr>
-                                        <p:cTn id="32" dur="332" tmFilter="0, 0; 0.125,0.2665; 0.25,0.4; 0.375,0.465; 0.5,0.5;  0.625,0.535; 0.75,0.6; 0.875,0.7335; 1,1">
-                                          <p:stCondLst>
-                                            <p:cond delay="1324"/>
-                                          </p:stCondLst>
-                                        </p:cTn>
-                                        <p:tgtEl>
-                                          <p:spTgt spid="9"/>
-                                        </p:tgtEl>
-                                        <p:attrNameLst>
-                                          <p:attrName>ppt_y</p:attrName>
-                                        </p:attrNameLst>
-                                      </p:cBhvr>
-                                      <p:tavLst>
-                                        <p:tav tm="0" fmla="#ppt_y-sin(pi*$)/27">
-                                          <p:val>
-                                            <p:fltVal val="0"/>
-                                          </p:val>
-                                        </p:tav>
-                                        <p:tav tm="100000">
-                                          <p:val>
-                                            <p:fltVal val="1"/>
-                                          </p:val>
-                                        </p:tav>
-                                      </p:tavLst>
-                                    </p:anim>
-                                    <p:anim calcmode="lin" valueType="num">
-                                      <p:cBhvr>
-                                        <p:cTn id="33" dur="164" tmFilter="0, 0; 0.125,0.2665; 0.25,0.4; 0.375,0.465; 0.5,0.5;  0.625,0.535; 0.75,0.6; 0.875,0.7335; 1,1">
-                                          <p:stCondLst>
-                                            <p:cond delay="1656"/>
-                                          </p:stCondLst>
-                                        </p:cTn>
-                                        <p:tgtEl>
-                                          <p:spTgt spid="9"/>
-                                        </p:tgtEl>
-                                        <p:attrNameLst>
-                                          <p:attrName>ppt_y</p:attrName>
-                                        </p:attrNameLst>
-                                      </p:cBhvr>
-                                      <p:tavLst>
-                                        <p:tav tm="0" fmla="#ppt_y-sin(pi*$)/81">
-                                          <p:val>
-                                            <p:fltVal val="0"/>
-                                          </p:val>
-                                        </p:tav>
-                                        <p:tav tm="100000">
-                                          <p:val>
-                                            <p:fltVal val="1"/>
-                                          </p:val>
-                                        </p:tav>
-                                      </p:tavLst>
-                                    </p:anim>
-                                    <p:animScale>
-                                      <p:cBhvr>
-                                        <p:cTn id="34" dur="26">
-                                          <p:stCondLst>
-                                            <p:cond delay="650"/>
-                                          </p:stCondLst>
-                                        </p:cTn>
-                                        <p:tgtEl>
-                                          <p:spTgt spid="9"/>
-                                        </p:tgtEl>
-                                      </p:cBhvr>
-                                      <p:to x="100000" y="60000"/>
-                                    </p:animScale>
-                                    <p:animScale>
-                                      <p:cBhvr>
-                                        <p:cTn id="35" dur="166" decel="50000">
-                                          <p:stCondLst>
-                                            <p:cond delay="676"/>
-                                          </p:stCondLst>
-                                        </p:cTn>
-                                        <p:tgtEl>
-                                          <p:spTgt spid="9"/>
-                                        </p:tgtEl>
-                                      </p:cBhvr>
-                                      <p:to x="100000" y="100000"/>
-                                    </p:animScale>
-                                    <p:animScale>
-                                      <p:cBhvr>
-                                        <p:cTn id="36" dur="26">
-                                          <p:stCondLst>
-                                            <p:cond delay="1312"/>
-                                          </p:stCondLst>
-                                        </p:cTn>
-                                        <p:tgtEl>
-                                          <p:spTgt spid="9"/>
-                                        </p:tgtEl>
-                                      </p:cBhvr>
-                                      <p:to x="100000" y="80000"/>
-                                    </p:animScale>
-                                    <p:animScale>
-                                      <p:cBhvr>
-                                        <p:cTn id="37" dur="166" decel="50000">
-                                          <p:stCondLst>
-                                            <p:cond delay="1338"/>
-                                          </p:stCondLst>
-                                        </p:cTn>
-                                        <p:tgtEl>
-                                          <p:spTgt spid="9"/>
-                                        </p:tgtEl>
-                                      </p:cBhvr>
-                                      <p:to x="100000" y="100000"/>
-                                    </p:animScale>
-                                    <p:animScale>
-                                      <p:cBhvr>
-                                        <p:cTn id="38" dur="26">
-                                          <p:stCondLst>
-                                            <p:cond delay="1642"/>
-                                          </p:stCondLst>
-                                        </p:cTn>
-                                        <p:tgtEl>
-                                          <p:spTgt spid="9"/>
-                                        </p:tgtEl>
-                                      </p:cBhvr>
-                                      <p:to x="100000" y="90000"/>
-                                    </p:animScale>
-                                    <p:animScale>
-                                      <p:cBhvr>
-                                        <p:cTn id="39" dur="166" decel="50000">
-                                          <p:stCondLst>
-                                            <p:cond delay="1668"/>
-                                          </p:stCondLst>
-                                        </p:cTn>
-                                        <p:tgtEl>
-                                          <p:spTgt spid="9"/>
-                                        </p:tgtEl>
-                                      </p:cBhvr>
-                                      <p:to x="100000" y="100000"/>
-                                    </p:animScale>
-                                    <p:animScale>
-                                      <p:cBhvr>
-                                        <p:cTn id="40" dur="26">
-                                          <p:stCondLst>
-                                            <p:cond delay="1808"/>
-                                          </p:stCondLst>
-                                        </p:cTn>
-                                        <p:tgtEl>
-                                          <p:spTgt spid="9"/>
-                                        </p:tgtEl>
-                                      </p:cBhvr>
-                                      <p:to x="100000" y="95000"/>
-                                    </p:animScale>
-                                    <p:animScale>
-                                      <p:cBhvr>
-                                        <p:cTn id="41" dur="166" decel="50000">
-                                          <p:stCondLst>
-                                            <p:cond delay="1834"/>
-                                          </p:stCondLst>
-                                        </p:cTn>
-                                        <p:tgtEl>
-                                          <p:spTgt spid="9"/>
-                                        </p:tgtEl>
-                                      </p:cBhvr>
-                                      <p:to x="100000" y="100000"/>
-                                    </p:animScale>
                                   </p:childTnLst>
                                 </p:cTn>
                               </p:par>
@@ -27162,10 +28853,546 @@
     </p:tnLst>
     <p:bldLst>
       <p:bldP spid="3" grpId="0" build="p"/>
+      <p:bldP spid="12" grpId="0"/>
+      <p:bldP spid="12" grpId="1"/>
+      <p:bldP spid="18" grpId="0"/>
+      <p:bldP spid="18" grpId="1"/>
+      <p:bldP spid="21" grpId="0"/>
+      <p:bldP spid="21" grpId="1"/>
+      <p:bldP spid="26" grpId="0"/>
+      <p:bldP spid="29" grpId="0"/>
+    </p:bldLst>
+  </p:timing>
+</p:sld>
+</file>
+
+<file path=ppt/slides/slide9.xml><?xml version="1.0" encoding="utf-8"?>
+<p:sld xmlns:a="http://schemas.openxmlformats.org/drawingml/2006/main" xmlns:r="http://schemas.openxmlformats.org/officeDocument/2006/relationships" xmlns:p="http://schemas.openxmlformats.org/presentationml/2006/main">
+  <p:cSld>
+    <p:spTree>
+      <p:nvGrpSpPr>
+        <p:cNvPr id="1" name=""/>
+        <p:cNvGrpSpPr/>
+        <p:nvPr/>
+      </p:nvGrpSpPr>
+      <p:grpSpPr>
+        <a:xfrm>
+          <a:off x="0" y="0"/>
+          <a:ext cx="0" cy="0"/>
+          <a:chOff x="0" y="0"/>
+          <a:chExt cx="0" cy="0"/>
+        </a:xfrm>
+      </p:grpSpPr>
+      <p:sp>
+        <p:nvSpPr>
+          <p:cNvPr id="2" name="Title 1"/>
+          <p:cNvSpPr>
+            <a:spLocks noGrp="1"/>
+          </p:cNvSpPr>
+          <p:nvPr>
+            <p:ph type="title"/>
+          </p:nvPr>
+        </p:nvSpPr>
+        <p:spPr>
+          <a:xfrm>
+            <a:off x="1141413" y="618518"/>
+            <a:ext cx="9905998" cy="689287"/>
+          </a:xfrm>
+        </p:spPr>
+        <p:txBody>
+          <a:bodyPr/>
+          <a:lstStyle/>
+          <a:p>
+            <a:r>
+              <a:rPr lang="en-US" dirty="0"/>
+              <a:t>Concepts one step ahead</a:t>
+            </a:r>
+            <a:endParaRPr lang="he-IL" dirty="0"/>
+          </a:p>
+        </p:txBody>
+      </p:sp>
+      <p:sp>
+        <p:nvSpPr>
+          <p:cNvPr id="4" name="TextBox 3"/>
+          <p:cNvSpPr txBox="1"/>
+          <p:nvPr/>
+        </p:nvSpPr>
+        <p:spPr>
+          <a:xfrm>
+            <a:off x="1141413" y="1318438"/>
+            <a:ext cx="3727302" cy="461665"/>
+          </a:xfrm>
+          <a:prstGeom prst="rect">
+            <a:avLst/>
+          </a:prstGeom>
+          <a:noFill/>
+        </p:spPr>
+        <p:txBody>
+          <a:bodyPr wrap="none" rtlCol="1">
+            <a:spAutoFit/>
+          </a:bodyPr>
+          <a:lstStyle/>
+          <a:p>
+            <a:r>
+              <a:rPr lang="en-US" sz="2400" dirty="0"/>
+              <a:t>Interface Without Inheritance</a:t>
+            </a:r>
+            <a:endParaRPr lang="he-IL" sz="2400" dirty="0"/>
+          </a:p>
+        </p:txBody>
+      </p:sp>
+      <p:sp>
+        <p:nvSpPr>
+          <p:cNvPr id="5" name="TextBox 4"/>
+          <p:cNvSpPr txBox="1"/>
+          <p:nvPr/>
+        </p:nvSpPr>
+        <p:spPr>
+          <a:xfrm>
+            <a:off x="1141413" y="1780103"/>
+            <a:ext cx="10783016" cy="646331"/>
+          </a:xfrm>
+          <a:prstGeom prst="rect">
+            <a:avLst/>
+          </a:prstGeom>
+          <a:noFill/>
+        </p:spPr>
+        <p:txBody>
+          <a:bodyPr wrap="none" rtlCol="1">
+            <a:spAutoFit/>
+          </a:bodyPr>
+          <a:lstStyle/>
+          <a:p>
+            <a:r>
+              <a:rPr lang="en-US" dirty="0"/>
+              <a:t>Inheritance allows us to apply interfaces to different classes in order to allow a common functionality between them.</a:t>
+            </a:r>
+          </a:p>
+          <a:p>
+            <a:r>
+              <a:rPr lang="en-US" dirty="0"/>
+              <a:t>Concepts helps us to avoid unnecessary inheritance while keeping the common functionality:</a:t>
+            </a:r>
+            <a:endParaRPr lang="he-IL" dirty="0"/>
+          </a:p>
+        </p:txBody>
+      </p:sp>
+      <p:sp>
+        <p:nvSpPr>
+          <p:cNvPr id="9" name="TextBox 8"/>
+          <p:cNvSpPr txBox="1"/>
+          <p:nvPr/>
+        </p:nvSpPr>
+        <p:spPr>
+          <a:xfrm>
+            <a:off x="1141413" y="5007709"/>
+            <a:ext cx="5390578" cy="369332"/>
+          </a:xfrm>
+          <a:prstGeom prst="rect">
+            <a:avLst/>
+          </a:prstGeom>
+          <a:noFill/>
+        </p:spPr>
+        <p:txBody>
+          <a:bodyPr wrap="none" rtlCol="1">
+            <a:spAutoFit/>
+          </a:bodyPr>
+          <a:lstStyle/>
+          <a:p>
+            <a:r>
+              <a:rPr lang="en-US" dirty="0"/>
+              <a:t>You can also apply concept restrictions to auto variables:</a:t>
+            </a:r>
+            <a:endParaRPr lang="he-IL" dirty="0"/>
+          </a:p>
+        </p:txBody>
+      </p:sp>
+      <p:pic>
+        <p:nvPicPr>
+          <p:cNvPr id="11" name="Picture 10"/>
+          <p:cNvPicPr>
+            <a:picLocks noChangeAspect="1"/>
+          </p:cNvPicPr>
+          <p:nvPr/>
+        </p:nvPicPr>
+        <p:blipFill>
+          <a:blip r:embed="rId2"/>
+          <a:stretch>
+            <a:fillRect/>
+          </a:stretch>
+        </p:blipFill>
+        <p:spPr>
+          <a:xfrm>
+            <a:off x="1234927" y="5377041"/>
+            <a:ext cx="2076450" cy="447675"/>
+          </a:xfrm>
+          <a:prstGeom prst="rect">
+            <a:avLst/>
+          </a:prstGeom>
+        </p:spPr>
+      </p:pic>
+      <p:pic>
+        <p:nvPicPr>
+          <p:cNvPr id="13" name="Picture 12"/>
+          <p:cNvPicPr>
+            <a:picLocks noChangeAspect="1"/>
+          </p:cNvPicPr>
+          <p:nvPr/>
+        </p:nvPicPr>
+        <p:blipFill>
+          <a:blip r:embed="rId3"/>
+          <a:stretch>
+            <a:fillRect/>
+          </a:stretch>
+        </p:blipFill>
+        <p:spPr>
+          <a:xfrm>
+            <a:off x="1234927" y="2428232"/>
+            <a:ext cx="7267575" cy="2590800"/>
+          </a:xfrm>
+          <a:prstGeom prst="rect">
+            <a:avLst/>
+          </a:prstGeom>
+        </p:spPr>
+      </p:pic>
+    </p:spTree>
+    <p:extLst>
+      <p:ext uri="{BB962C8B-B14F-4D97-AF65-F5344CB8AC3E}">
+        <p14:creationId xmlns:p14="http://schemas.microsoft.com/office/powerpoint/2010/main" val="2463616285"/>
+      </p:ext>
+    </p:extLst>
+  </p:cSld>
+  <p:clrMapOvr>
+    <a:masterClrMapping/>
+  </p:clrMapOvr>
+  <p:timing>
+    <p:tnLst>
+      <p:par>
+        <p:cTn id="1" dur="indefinite" restart="never" nodeType="tmRoot">
+          <p:childTnLst>
+            <p:seq concurrent="1" nextAc="seek">
+              <p:cTn id="2" dur="indefinite" nodeType="mainSeq">
+                <p:childTnLst>
+                  <p:par>
+                    <p:cTn id="3" fill="hold">
+                      <p:stCondLst>
+                        <p:cond delay="indefinite"/>
+                      </p:stCondLst>
+                      <p:childTnLst>
+                        <p:par>
+                          <p:cTn id="4" fill="hold">
+                            <p:stCondLst>
+                              <p:cond delay="0"/>
+                            </p:stCondLst>
+                            <p:childTnLst>
+                              <p:par>
+                                <p:cTn id="5" presetID="42" presetClass="entr" presetSubtype="0" fill="hold" grpId="0" nodeType="clickEffect">
+                                  <p:stCondLst>
+                                    <p:cond delay="0"/>
+                                  </p:stCondLst>
+                                  <p:childTnLst>
+                                    <p:set>
+                                      <p:cBhvr>
+                                        <p:cTn id="6" dur="1" fill="hold">
+                                          <p:stCondLst>
+                                            <p:cond delay="0"/>
+                                          </p:stCondLst>
+                                        </p:cTn>
+                                        <p:tgtEl>
+                                          <p:spTgt spid="4"/>
+                                        </p:tgtEl>
+                                        <p:attrNameLst>
+                                          <p:attrName>style.visibility</p:attrName>
+                                        </p:attrNameLst>
+                                      </p:cBhvr>
+                                      <p:to>
+                                        <p:strVal val="visible"/>
+                                      </p:to>
+                                    </p:set>
+                                    <p:animEffect transition="in" filter="fade">
+                                      <p:cBhvr>
+                                        <p:cTn id="7" dur="1000"/>
+                                        <p:tgtEl>
+                                          <p:spTgt spid="4"/>
+                                        </p:tgtEl>
+                                      </p:cBhvr>
+                                    </p:animEffect>
+                                    <p:anim calcmode="lin" valueType="num">
+                                      <p:cBhvr>
+                                        <p:cTn id="8" dur="1000" fill="hold"/>
+                                        <p:tgtEl>
+                                          <p:spTgt spid="4"/>
+                                        </p:tgtEl>
+                                        <p:attrNameLst>
+                                          <p:attrName>ppt_x</p:attrName>
+                                        </p:attrNameLst>
+                                      </p:cBhvr>
+                                      <p:tavLst>
+                                        <p:tav tm="0">
+                                          <p:val>
+                                            <p:strVal val="#ppt_x"/>
+                                          </p:val>
+                                        </p:tav>
+                                        <p:tav tm="100000">
+                                          <p:val>
+                                            <p:strVal val="#ppt_x"/>
+                                          </p:val>
+                                        </p:tav>
+                                      </p:tavLst>
+                                    </p:anim>
+                                    <p:anim calcmode="lin" valueType="num">
+                                      <p:cBhvr>
+                                        <p:cTn id="9" dur="1000" fill="hold"/>
+                                        <p:tgtEl>
+                                          <p:spTgt spid="4"/>
+                                        </p:tgtEl>
+                                        <p:attrNameLst>
+                                          <p:attrName>ppt_y</p:attrName>
+                                        </p:attrNameLst>
+                                      </p:cBhvr>
+                                      <p:tavLst>
+                                        <p:tav tm="0">
+                                          <p:val>
+                                            <p:strVal val="#ppt_y+.1"/>
+                                          </p:val>
+                                        </p:tav>
+                                        <p:tav tm="100000">
+                                          <p:val>
+                                            <p:strVal val="#ppt_y"/>
+                                          </p:val>
+                                        </p:tav>
+                                      </p:tavLst>
+                                    </p:anim>
+                                  </p:childTnLst>
+                                </p:cTn>
+                              </p:par>
+                            </p:childTnLst>
+                          </p:cTn>
+                        </p:par>
+                      </p:childTnLst>
+                    </p:cTn>
+                  </p:par>
+                  <p:par>
+                    <p:cTn id="10" fill="hold">
+                      <p:stCondLst>
+                        <p:cond delay="indefinite"/>
+                      </p:stCondLst>
+                      <p:childTnLst>
+                        <p:par>
+                          <p:cTn id="11" fill="hold">
+                            <p:stCondLst>
+                              <p:cond delay="0"/>
+                            </p:stCondLst>
+                            <p:childTnLst>
+                              <p:par>
+                                <p:cTn id="12" presetID="22" presetClass="entr" presetSubtype="8" fill="hold" grpId="0" nodeType="clickEffect">
+                                  <p:stCondLst>
+                                    <p:cond delay="0"/>
+                                  </p:stCondLst>
+                                  <p:iterate type="lt">
+                                    <p:tmPct val="10000"/>
+                                  </p:iterate>
+                                  <p:childTnLst>
+                                    <p:set>
+                                      <p:cBhvr>
+                                        <p:cTn id="13" dur="1" fill="hold">
+                                          <p:stCondLst>
+                                            <p:cond delay="0"/>
+                                          </p:stCondLst>
+                                        </p:cTn>
+                                        <p:tgtEl>
+                                          <p:spTgt spid="5"/>
+                                        </p:tgtEl>
+                                        <p:attrNameLst>
+                                          <p:attrName>style.visibility</p:attrName>
+                                        </p:attrNameLst>
+                                      </p:cBhvr>
+                                      <p:to>
+                                        <p:strVal val="visible"/>
+                                      </p:to>
+                                    </p:set>
+                                    <p:animEffect transition="in" filter="wipe(left)">
+                                      <p:cBhvr>
+                                        <p:cTn id="14" dur="100"/>
+                                        <p:tgtEl>
+                                          <p:spTgt spid="5"/>
+                                        </p:tgtEl>
+                                      </p:cBhvr>
+                                    </p:animEffect>
+                                  </p:childTnLst>
+                                </p:cTn>
+                              </p:par>
+                            </p:childTnLst>
+                          </p:cTn>
+                        </p:par>
+                        <p:par>
+                          <p:cTn id="15" fill="hold">
+                            <p:stCondLst>
+                              <p:cond delay="1880"/>
+                            </p:stCondLst>
+                            <p:childTnLst>
+                              <p:par>
+                                <p:cTn id="16" presetID="14" presetClass="entr" presetSubtype="5" fill="hold" nodeType="afterEffect">
+                                  <p:stCondLst>
+                                    <p:cond delay="0"/>
+                                  </p:stCondLst>
+                                  <p:childTnLst>
+                                    <p:set>
+                                      <p:cBhvr>
+                                        <p:cTn id="17" dur="1" fill="hold">
+                                          <p:stCondLst>
+                                            <p:cond delay="0"/>
+                                          </p:stCondLst>
+                                        </p:cTn>
+                                        <p:tgtEl>
+                                          <p:spTgt spid="13"/>
+                                        </p:tgtEl>
+                                        <p:attrNameLst>
+                                          <p:attrName>style.visibility</p:attrName>
+                                        </p:attrNameLst>
+                                      </p:cBhvr>
+                                      <p:to>
+                                        <p:strVal val="visible"/>
+                                      </p:to>
+                                    </p:set>
+                                    <p:animEffect transition="in" filter="randombar(vertical)">
+                                      <p:cBhvr>
+                                        <p:cTn id="18" dur="500"/>
+                                        <p:tgtEl>
+                                          <p:spTgt spid="13"/>
+                                        </p:tgtEl>
+                                      </p:cBhvr>
+                                    </p:animEffect>
+                                  </p:childTnLst>
+                                </p:cTn>
+                              </p:par>
+                            </p:childTnLst>
+                          </p:cTn>
+                        </p:par>
+                      </p:childTnLst>
+                    </p:cTn>
+                  </p:par>
+                  <p:par>
+                    <p:cTn id="19" fill="hold">
+                      <p:stCondLst>
+                        <p:cond delay="indefinite"/>
+                      </p:stCondLst>
+                      <p:childTnLst>
+                        <p:par>
+                          <p:cTn id="20" fill="hold">
+                            <p:stCondLst>
+                              <p:cond delay="0"/>
+                            </p:stCondLst>
+                            <p:childTnLst>
+                              <p:par>
+                                <p:cTn id="21" presetID="22" presetClass="entr" presetSubtype="8" fill="hold" grpId="0" nodeType="clickEffect">
+                                  <p:stCondLst>
+                                    <p:cond delay="0"/>
+                                  </p:stCondLst>
+                                  <p:childTnLst>
+                                    <p:set>
+                                      <p:cBhvr>
+                                        <p:cTn id="22" dur="1" fill="hold">
+                                          <p:stCondLst>
+                                            <p:cond delay="0"/>
+                                          </p:stCondLst>
+                                        </p:cTn>
+                                        <p:tgtEl>
+                                          <p:spTgt spid="9"/>
+                                        </p:tgtEl>
+                                        <p:attrNameLst>
+                                          <p:attrName>style.visibility</p:attrName>
+                                        </p:attrNameLst>
+                                      </p:cBhvr>
+                                      <p:to>
+                                        <p:strVal val="visible"/>
+                                      </p:to>
+                                    </p:set>
+                                    <p:animEffect transition="in" filter="wipe(left)">
+                                      <p:cBhvr>
+                                        <p:cTn id="23" dur="500"/>
+                                        <p:tgtEl>
+                                          <p:spTgt spid="9"/>
+                                        </p:tgtEl>
+                                      </p:cBhvr>
+                                    </p:animEffect>
+                                  </p:childTnLst>
+                                </p:cTn>
+                              </p:par>
+                            </p:childTnLst>
+                          </p:cTn>
+                        </p:par>
+                        <p:par>
+                          <p:cTn id="24" fill="hold">
+                            <p:stCondLst>
+                              <p:cond delay="500"/>
+                            </p:stCondLst>
+                            <p:childTnLst>
+                              <p:par>
+                                <p:cTn id="25" presetID="21" presetClass="entr" presetSubtype="1" fill="hold" nodeType="afterEffect">
+                                  <p:stCondLst>
+                                    <p:cond delay="0"/>
+                                  </p:stCondLst>
+                                  <p:childTnLst>
+                                    <p:set>
+                                      <p:cBhvr>
+                                        <p:cTn id="26" dur="1" fill="hold">
+                                          <p:stCondLst>
+                                            <p:cond delay="0"/>
+                                          </p:stCondLst>
+                                        </p:cTn>
+                                        <p:tgtEl>
+                                          <p:spTgt spid="11"/>
+                                        </p:tgtEl>
+                                        <p:attrNameLst>
+                                          <p:attrName>style.visibility</p:attrName>
+                                        </p:attrNameLst>
+                                      </p:cBhvr>
+                                      <p:to>
+                                        <p:strVal val="visible"/>
+                                      </p:to>
+                                    </p:set>
+                                    <p:animEffect transition="in" filter="wheel(1)">
+                                      <p:cBhvr>
+                                        <p:cTn id="27" dur="2000"/>
+                                        <p:tgtEl>
+                                          <p:spTgt spid="11"/>
+                                        </p:tgtEl>
+                                      </p:cBhvr>
+                                    </p:animEffect>
+                                  </p:childTnLst>
+                                </p:cTn>
+                              </p:par>
+                            </p:childTnLst>
+                          </p:cTn>
+                        </p:par>
+                      </p:childTnLst>
+                    </p:cTn>
+                  </p:par>
+                </p:childTnLst>
+              </p:cTn>
+              <p:prevCondLst>
+                <p:cond evt="onPrev" delay="0">
+                  <p:tgtEl>
+                    <p:sldTgt/>
+                  </p:tgtEl>
+                </p:cond>
+              </p:prevCondLst>
+              <p:nextCondLst>
+                <p:cond evt="onNext" delay="0">
+                  <p:tgtEl>
+                    <p:sldTgt/>
+                  </p:tgtEl>
+                </p:cond>
+              </p:nextCondLst>
+            </p:seq>
+          </p:childTnLst>
+        </p:cTn>
+      </p:par>
+    </p:tnLst>
+    <p:bldLst>
       <p:bldP spid="4" grpId="0"/>
       <p:bldP spid="5" grpId="0"/>
-      <p:bldP spid="6" grpId="0"/>
-      <p:bldP spid="7" grpId="0"/>
       <p:bldP spid="9" grpId="0"/>
     </p:bldLst>
   </p:timing>

--- a/The Compilation Power – C++.pptx
+++ b/The Compilation Power – C++.pptx
@@ -6,10 +6,10 @@
     <p:sldMasterId id="2147483696" r:id="rId2"/>
   </p:sldMasterIdLst>
   <p:notesMasterIdLst>
-    <p:notesMasterId r:id="rId13"/>
+    <p:notesMasterId r:id="rId14"/>
   </p:notesMasterIdLst>
   <p:handoutMasterIdLst>
-    <p:handoutMasterId r:id="rId14"/>
+    <p:handoutMasterId r:id="rId15"/>
   </p:handoutMasterIdLst>
   <p:sldIdLst>
     <p:sldId id="256" r:id="rId3"/>
@@ -19,9 +19,10 @@
     <p:sldId id="261" r:id="rId7"/>
     <p:sldId id="262" r:id="rId8"/>
     <p:sldId id="263" r:id="rId9"/>
-    <p:sldId id="264" r:id="rId10"/>
-    <p:sldId id="265" r:id="rId11"/>
-    <p:sldId id="259" r:id="rId12"/>
+    <p:sldId id="266" r:id="rId10"/>
+    <p:sldId id="264" r:id="rId11"/>
+    <p:sldId id="265" r:id="rId12"/>
+    <p:sldId id="259" r:id="rId13"/>
   </p:sldIdLst>
   <p:sldSz cx="12192000" cy="6858000"/>
   <p:notesSz cx="6858000" cy="9144000"/>
@@ -132,6 +133,7 @@
             <p14:sldId id="261"/>
             <p14:sldId id="262"/>
             <p14:sldId id="263"/>
+            <p14:sldId id="266"/>
             <p14:sldId id="264"/>
             <p14:sldId id="265"/>
             <p14:sldId id="259"/>
@@ -18977,6 +18979,539 @@
             <p:ph type="title"/>
           </p:nvPr>
         </p:nvSpPr>
+        <p:spPr>
+          <a:xfrm>
+            <a:off x="1141413" y="618518"/>
+            <a:ext cx="9905998" cy="689287"/>
+          </a:xfrm>
+        </p:spPr>
+        <p:txBody>
+          <a:bodyPr/>
+          <a:lstStyle/>
+          <a:p>
+            <a:r>
+              <a:rPr lang="en-US" dirty="0"/>
+              <a:t>Concepts one step ahead</a:t>
+            </a:r>
+            <a:endParaRPr lang="he-IL" dirty="0"/>
+          </a:p>
+        </p:txBody>
+      </p:sp>
+      <p:sp>
+        <p:nvSpPr>
+          <p:cNvPr id="4" name="TextBox 3"/>
+          <p:cNvSpPr txBox="1"/>
+          <p:nvPr/>
+        </p:nvSpPr>
+        <p:spPr>
+          <a:xfrm>
+            <a:off x="1141413" y="1318438"/>
+            <a:ext cx="3727302" cy="461665"/>
+          </a:xfrm>
+          <a:prstGeom prst="rect">
+            <a:avLst/>
+          </a:prstGeom>
+          <a:noFill/>
+        </p:spPr>
+        <p:txBody>
+          <a:bodyPr wrap="none" rtlCol="1">
+            <a:spAutoFit/>
+          </a:bodyPr>
+          <a:lstStyle/>
+          <a:p>
+            <a:r>
+              <a:rPr lang="en-US" sz="2400" dirty="0"/>
+              <a:t>Interface Without Inheritance</a:t>
+            </a:r>
+            <a:endParaRPr lang="he-IL" sz="2400" dirty="0"/>
+          </a:p>
+        </p:txBody>
+      </p:sp>
+      <p:sp>
+        <p:nvSpPr>
+          <p:cNvPr id="5" name="TextBox 4"/>
+          <p:cNvSpPr txBox="1"/>
+          <p:nvPr/>
+        </p:nvSpPr>
+        <p:spPr>
+          <a:xfrm>
+            <a:off x="1141413" y="1780103"/>
+            <a:ext cx="10783016" cy="646331"/>
+          </a:xfrm>
+          <a:prstGeom prst="rect">
+            <a:avLst/>
+          </a:prstGeom>
+          <a:noFill/>
+        </p:spPr>
+        <p:txBody>
+          <a:bodyPr wrap="none" rtlCol="1">
+            <a:spAutoFit/>
+          </a:bodyPr>
+          <a:lstStyle/>
+          <a:p>
+            <a:r>
+              <a:rPr lang="en-US" dirty="0"/>
+              <a:t>Inheritance allows us to apply interfaces to different classes in order to allow a common functionality between them.</a:t>
+            </a:r>
+          </a:p>
+          <a:p>
+            <a:r>
+              <a:rPr lang="en-US" dirty="0"/>
+              <a:t>Concepts helps us to avoid unnecessary inheritance while keeping the common functionality:</a:t>
+            </a:r>
+            <a:endParaRPr lang="he-IL" dirty="0"/>
+          </a:p>
+        </p:txBody>
+      </p:sp>
+      <p:sp>
+        <p:nvSpPr>
+          <p:cNvPr id="9" name="TextBox 8"/>
+          <p:cNvSpPr txBox="1"/>
+          <p:nvPr/>
+        </p:nvSpPr>
+        <p:spPr>
+          <a:xfrm>
+            <a:off x="1141413" y="5007709"/>
+            <a:ext cx="5390578" cy="369332"/>
+          </a:xfrm>
+          <a:prstGeom prst="rect">
+            <a:avLst/>
+          </a:prstGeom>
+          <a:noFill/>
+        </p:spPr>
+        <p:txBody>
+          <a:bodyPr wrap="none" rtlCol="1">
+            <a:spAutoFit/>
+          </a:bodyPr>
+          <a:lstStyle/>
+          <a:p>
+            <a:r>
+              <a:rPr lang="en-US" dirty="0"/>
+              <a:t>You can also apply concept restrictions to auto variables:</a:t>
+            </a:r>
+            <a:endParaRPr lang="he-IL" dirty="0"/>
+          </a:p>
+        </p:txBody>
+      </p:sp>
+      <p:pic>
+        <p:nvPicPr>
+          <p:cNvPr id="11" name="Picture 10"/>
+          <p:cNvPicPr>
+            <a:picLocks noChangeAspect="1"/>
+          </p:cNvPicPr>
+          <p:nvPr/>
+        </p:nvPicPr>
+        <p:blipFill>
+          <a:blip r:embed="rId2"/>
+          <a:stretch>
+            <a:fillRect/>
+          </a:stretch>
+        </p:blipFill>
+        <p:spPr>
+          <a:xfrm>
+            <a:off x="1234927" y="5377041"/>
+            <a:ext cx="2076450" cy="447675"/>
+          </a:xfrm>
+          <a:prstGeom prst="rect">
+            <a:avLst/>
+          </a:prstGeom>
+        </p:spPr>
+      </p:pic>
+      <p:pic>
+        <p:nvPicPr>
+          <p:cNvPr id="13" name="Picture 12"/>
+          <p:cNvPicPr>
+            <a:picLocks noChangeAspect="1"/>
+          </p:cNvPicPr>
+          <p:nvPr/>
+        </p:nvPicPr>
+        <p:blipFill>
+          <a:blip r:embed="rId3"/>
+          <a:stretch>
+            <a:fillRect/>
+          </a:stretch>
+        </p:blipFill>
+        <p:spPr>
+          <a:xfrm>
+            <a:off x="1234927" y="2428232"/>
+            <a:ext cx="7267575" cy="2590800"/>
+          </a:xfrm>
+          <a:prstGeom prst="rect">
+            <a:avLst/>
+          </a:prstGeom>
+        </p:spPr>
+      </p:pic>
+    </p:spTree>
+    <p:extLst>
+      <p:ext uri="{BB962C8B-B14F-4D97-AF65-F5344CB8AC3E}">
+        <p14:creationId xmlns:p14="http://schemas.microsoft.com/office/powerpoint/2010/main" val="2463616285"/>
+      </p:ext>
+    </p:extLst>
+  </p:cSld>
+  <p:clrMapOvr>
+    <a:masterClrMapping/>
+  </p:clrMapOvr>
+  <p:timing>
+    <p:tnLst>
+      <p:par>
+        <p:cTn id="1" dur="indefinite" restart="never" nodeType="tmRoot">
+          <p:childTnLst>
+            <p:seq concurrent="1" nextAc="seek">
+              <p:cTn id="2" dur="indefinite" nodeType="mainSeq">
+                <p:childTnLst>
+                  <p:par>
+                    <p:cTn id="3" fill="hold">
+                      <p:stCondLst>
+                        <p:cond delay="indefinite"/>
+                      </p:stCondLst>
+                      <p:childTnLst>
+                        <p:par>
+                          <p:cTn id="4" fill="hold">
+                            <p:stCondLst>
+                              <p:cond delay="0"/>
+                            </p:stCondLst>
+                            <p:childTnLst>
+                              <p:par>
+                                <p:cTn id="5" presetID="42" presetClass="entr" presetSubtype="0" fill="hold" grpId="0" nodeType="clickEffect">
+                                  <p:stCondLst>
+                                    <p:cond delay="0"/>
+                                  </p:stCondLst>
+                                  <p:childTnLst>
+                                    <p:set>
+                                      <p:cBhvr>
+                                        <p:cTn id="6" dur="1" fill="hold">
+                                          <p:stCondLst>
+                                            <p:cond delay="0"/>
+                                          </p:stCondLst>
+                                        </p:cTn>
+                                        <p:tgtEl>
+                                          <p:spTgt spid="4"/>
+                                        </p:tgtEl>
+                                        <p:attrNameLst>
+                                          <p:attrName>style.visibility</p:attrName>
+                                        </p:attrNameLst>
+                                      </p:cBhvr>
+                                      <p:to>
+                                        <p:strVal val="visible"/>
+                                      </p:to>
+                                    </p:set>
+                                    <p:animEffect transition="in" filter="fade">
+                                      <p:cBhvr>
+                                        <p:cTn id="7" dur="1000"/>
+                                        <p:tgtEl>
+                                          <p:spTgt spid="4"/>
+                                        </p:tgtEl>
+                                      </p:cBhvr>
+                                    </p:animEffect>
+                                    <p:anim calcmode="lin" valueType="num">
+                                      <p:cBhvr>
+                                        <p:cTn id="8" dur="1000" fill="hold"/>
+                                        <p:tgtEl>
+                                          <p:spTgt spid="4"/>
+                                        </p:tgtEl>
+                                        <p:attrNameLst>
+                                          <p:attrName>ppt_x</p:attrName>
+                                        </p:attrNameLst>
+                                      </p:cBhvr>
+                                      <p:tavLst>
+                                        <p:tav tm="0">
+                                          <p:val>
+                                            <p:strVal val="#ppt_x"/>
+                                          </p:val>
+                                        </p:tav>
+                                        <p:tav tm="100000">
+                                          <p:val>
+                                            <p:strVal val="#ppt_x"/>
+                                          </p:val>
+                                        </p:tav>
+                                      </p:tavLst>
+                                    </p:anim>
+                                    <p:anim calcmode="lin" valueType="num">
+                                      <p:cBhvr>
+                                        <p:cTn id="9" dur="1000" fill="hold"/>
+                                        <p:tgtEl>
+                                          <p:spTgt spid="4"/>
+                                        </p:tgtEl>
+                                        <p:attrNameLst>
+                                          <p:attrName>ppt_y</p:attrName>
+                                        </p:attrNameLst>
+                                      </p:cBhvr>
+                                      <p:tavLst>
+                                        <p:tav tm="0">
+                                          <p:val>
+                                            <p:strVal val="#ppt_y+.1"/>
+                                          </p:val>
+                                        </p:tav>
+                                        <p:tav tm="100000">
+                                          <p:val>
+                                            <p:strVal val="#ppt_y"/>
+                                          </p:val>
+                                        </p:tav>
+                                      </p:tavLst>
+                                    </p:anim>
+                                  </p:childTnLst>
+                                </p:cTn>
+                              </p:par>
+                            </p:childTnLst>
+                          </p:cTn>
+                        </p:par>
+                      </p:childTnLst>
+                    </p:cTn>
+                  </p:par>
+                  <p:par>
+                    <p:cTn id="10" fill="hold">
+                      <p:stCondLst>
+                        <p:cond delay="indefinite"/>
+                      </p:stCondLst>
+                      <p:childTnLst>
+                        <p:par>
+                          <p:cTn id="11" fill="hold">
+                            <p:stCondLst>
+                              <p:cond delay="0"/>
+                            </p:stCondLst>
+                            <p:childTnLst>
+                              <p:par>
+                                <p:cTn id="12" presetID="22" presetClass="entr" presetSubtype="8" fill="hold" grpId="0" nodeType="clickEffect">
+                                  <p:stCondLst>
+                                    <p:cond delay="0"/>
+                                  </p:stCondLst>
+                                  <p:iterate type="lt">
+                                    <p:tmPct val="10000"/>
+                                  </p:iterate>
+                                  <p:childTnLst>
+                                    <p:set>
+                                      <p:cBhvr>
+                                        <p:cTn id="13" dur="1" fill="hold">
+                                          <p:stCondLst>
+                                            <p:cond delay="0"/>
+                                          </p:stCondLst>
+                                        </p:cTn>
+                                        <p:tgtEl>
+                                          <p:spTgt spid="5"/>
+                                        </p:tgtEl>
+                                        <p:attrNameLst>
+                                          <p:attrName>style.visibility</p:attrName>
+                                        </p:attrNameLst>
+                                      </p:cBhvr>
+                                      <p:to>
+                                        <p:strVal val="visible"/>
+                                      </p:to>
+                                    </p:set>
+                                    <p:animEffect transition="in" filter="wipe(left)">
+                                      <p:cBhvr>
+                                        <p:cTn id="14" dur="100"/>
+                                        <p:tgtEl>
+                                          <p:spTgt spid="5"/>
+                                        </p:tgtEl>
+                                      </p:cBhvr>
+                                    </p:animEffect>
+                                  </p:childTnLst>
+                                </p:cTn>
+                              </p:par>
+                            </p:childTnLst>
+                          </p:cTn>
+                        </p:par>
+                        <p:par>
+                          <p:cTn id="15" fill="hold">
+                            <p:stCondLst>
+                              <p:cond delay="1880"/>
+                            </p:stCondLst>
+                            <p:childTnLst>
+                              <p:par>
+                                <p:cTn id="16" presetID="14" presetClass="entr" presetSubtype="5" fill="hold" nodeType="afterEffect">
+                                  <p:stCondLst>
+                                    <p:cond delay="0"/>
+                                  </p:stCondLst>
+                                  <p:childTnLst>
+                                    <p:set>
+                                      <p:cBhvr>
+                                        <p:cTn id="17" dur="1" fill="hold">
+                                          <p:stCondLst>
+                                            <p:cond delay="0"/>
+                                          </p:stCondLst>
+                                        </p:cTn>
+                                        <p:tgtEl>
+                                          <p:spTgt spid="13"/>
+                                        </p:tgtEl>
+                                        <p:attrNameLst>
+                                          <p:attrName>style.visibility</p:attrName>
+                                        </p:attrNameLst>
+                                      </p:cBhvr>
+                                      <p:to>
+                                        <p:strVal val="visible"/>
+                                      </p:to>
+                                    </p:set>
+                                    <p:animEffect transition="in" filter="randombar(vertical)">
+                                      <p:cBhvr>
+                                        <p:cTn id="18" dur="500"/>
+                                        <p:tgtEl>
+                                          <p:spTgt spid="13"/>
+                                        </p:tgtEl>
+                                      </p:cBhvr>
+                                    </p:animEffect>
+                                  </p:childTnLst>
+                                </p:cTn>
+                              </p:par>
+                            </p:childTnLst>
+                          </p:cTn>
+                        </p:par>
+                      </p:childTnLst>
+                    </p:cTn>
+                  </p:par>
+                  <p:par>
+                    <p:cTn id="19" fill="hold">
+                      <p:stCondLst>
+                        <p:cond delay="indefinite"/>
+                      </p:stCondLst>
+                      <p:childTnLst>
+                        <p:par>
+                          <p:cTn id="20" fill="hold">
+                            <p:stCondLst>
+                              <p:cond delay="0"/>
+                            </p:stCondLst>
+                            <p:childTnLst>
+                              <p:par>
+                                <p:cTn id="21" presetID="22" presetClass="entr" presetSubtype="8" fill="hold" grpId="0" nodeType="clickEffect">
+                                  <p:stCondLst>
+                                    <p:cond delay="0"/>
+                                  </p:stCondLst>
+                                  <p:childTnLst>
+                                    <p:set>
+                                      <p:cBhvr>
+                                        <p:cTn id="22" dur="1" fill="hold">
+                                          <p:stCondLst>
+                                            <p:cond delay="0"/>
+                                          </p:stCondLst>
+                                        </p:cTn>
+                                        <p:tgtEl>
+                                          <p:spTgt spid="9"/>
+                                        </p:tgtEl>
+                                        <p:attrNameLst>
+                                          <p:attrName>style.visibility</p:attrName>
+                                        </p:attrNameLst>
+                                      </p:cBhvr>
+                                      <p:to>
+                                        <p:strVal val="visible"/>
+                                      </p:to>
+                                    </p:set>
+                                    <p:animEffect transition="in" filter="wipe(left)">
+                                      <p:cBhvr>
+                                        <p:cTn id="23" dur="500"/>
+                                        <p:tgtEl>
+                                          <p:spTgt spid="9"/>
+                                        </p:tgtEl>
+                                      </p:cBhvr>
+                                    </p:animEffect>
+                                  </p:childTnLst>
+                                </p:cTn>
+                              </p:par>
+                            </p:childTnLst>
+                          </p:cTn>
+                        </p:par>
+                        <p:par>
+                          <p:cTn id="24" fill="hold">
+                            <p:stCondLst>
+                              <p:cond delay="500"/>
+                            </p:stCondLst>
+                            <p:childTnLst>
+                              <p:par>
+                                <p:cTn id="25" presetID="21" presetClass="entr" presetSubtype="1" fill="hold" nodeType="afterEffect">
+                                  <p:stCondLst>
+                                    <p:cond delay="0"/>
+                                  </p:stCondLst>
+                                  <p:childTnLst>
+                                    <p:set>
+                                      <p:cBhvr>
+                                        <p:cTn id="26" dur="1" fill="hold">
+                                          <p:stCondLst>
+                                            <p:cond delay="0"/>
+                                          </p:stCondLst>
+                                        </p:cTn>
+                                        <p:tgtEl>
+                                          <p:spTgt spid="11"/>
+                                        </p:tgtEl>
+                                        <p:attrNameLst>
+                                          <p:attrName>style.visibility</p:attrName>
+                                        </p:attrNameLst>
+                                      </p:cBhvr>
+                                      <p:to>
+                                        <p:strVal val="visible"/>
+                                      </p:to>
+                                    </p:set>
+                                    <p:animEffect transition="in" filter="wheel(1)">
+                                      <p:cBhvr>
+                                        <p:cTn id="27" dur="2000"/>
+                                        <p:tgtEl>
+                                          <p:spTgt spid="11"/>
+                                        </p:tgtEl>
+                                      </p:cBhvr>
+                                    </p:animEffect>
+                                  </p:childTnLst>
+                                </p:cTn>
+                              </p:par>
+                            </p:childTnLst>
+                          </p:cTn>
+                        </p:par>
+                      </p:childTnLst>
+                    </p:cTn>
+                  </p:par>
+                </p:childTnLst>
+              </p:cTn>
+              <p:prevCondLst>
+                <p:cond evt="onPrev" delay="0">
+                  <p:tgtEl>
+                    <p:sldTgt/>
+                  </p:tgtEl>
+                </p:cond>
+              </p:prevCondLst>
+              <p:nextCondLst>
+                <p:cond evt="onNext" delay="0">
+                  <p:tgtEl>
+                    <p:sldTgt/>
+                  </p:tgtEl>
+                </p:cond>
+              </p:nextCondLst>
+            </p:seq>
+          </p:childTnLst>
+        </p:cTn>
+      </p:par>
+    </p:tnLst>
+    <p:bldLst>
+      <p:bldP spid="4" grpId="0"/>
+      <p:bldP spid="5" grpId="0"/>
+      <p:bldP spid="9" grpId="0"/>
+    </p:bldLst>
+  </p:timing>
+</p:sld>
+</file>
+
+<file path=ppt/slides/slide11.xml><?xml version="1.0" encoding="utf-8"?>
+<p:sld xmlns:a="http://schemas.openxmlformats.org/drawingml/2006/main" xmlns:r="http://schemas.openxmlformats.org/officeDocument/2006/relationships" xmlns:p="http://schemas.openxmlformats.org/presentationml/2006/main">
+  <p:cSld>
+    <p:spTree>
+      <p:nvGrpSpPr>
+        <p:cNvPr id="1" name=""/>
+        <p:cNvGrpSpPr/>
+        <p:nvPr/>
+      </p:nvGrpSpPr>
+      <p:grpSpPr>
+        <a:xfrm>
+          <a:off x="0" y="0"/>
+          <a:ext cx="0" cy="0"/>
+          <a:chOff x="0" y="0"/>
+          <a:chExt cx="0" cy="0"/>
+        </a:xfrm>
+      </p:grpSpPr>
+      <p:sp>
+        <p:nvSpPr>
+          <p:cNvPr id="2" name="Title 1"/>
+          <p:cNvSpPr>
+            <a:spLocks noGrp="1"/>
+          </p:cNvSpPr>
+          <p:nvPr>
+            <p:ph type="title"/>
+          </p:nvPr>
+        </p:nvSpPr>
         <p:spPr/>
         <p:txBody>
           <a:bodyPr/>
@@ -27205,6 +27740,126 @@
         </p:nvSpPr>
         <p:spPr>
           <a:xfrm>
+            <a:off x="1141413" y="618518"/>
+            <a:ext cx="9905998" cy="657389"/>
+          </a:xfrm>
+        </p:spPr>
+        <p:txBody>
+          <a:bodyPr/>
+          <a:lstStyle/>
+          <a:p>
+            <a:r>
+              <a:rPr lang="en-US" dirty="0" err="1"/>
+              <a:t>Constexpr</a:t>
+            </a:r>
+            <a:r>
+              <a:rPr lang="en-US" dirty="0"/>
+              <a:t> &amp; </a:t>
+            </a:r>
+            <a:r>
+              <a:rPr lang="en-US" dirty="0" err="1"/>
+              <a:t>Consteval</a:t>
+            </a:r>
+            <a:endParaRPr lang="he-IL" dirty="0"/>
+          </a:p>
+        </p:txBody>
+      </p:sp>
+      <p:sp>
+        <p:nvSpPr>
+          <p:cNvPr id="4" name="TextBox 3"/>
+          <p:cNvSpPr txBox="1"/>
+          <p:nvPr/>
+        </p:nvSpPr>
+        <p:spPr>
+          <a:xfrm>
+            <a:off x="1275907" y="1562986"/>
+            <a:ext cx="10231968" cy="923330"/>
+          </a:xfrm>
+          <a:prstGeom prst="rect">
+            <a:avLst/>
+          </a:prstGeom>
+          <a:noFill/>
+        </p:spPr>
+        <p:txBody>
+          <a:bodyPr wrap="none" rtlCol="1">
+            <a:spAutoFit/>
+          </a:bodyPr>
+          <a:lstStyle/>
+          <a:p>
+            <a:r>
+              <a:rPr lang="en-US" dirty="0" err="1"/>
+              <a:t>Constexpr</a:t>
+            </a:r>
+            <a:r>
+              <a:rPr lang="en-US" dirty="0"/>
+              <a:t> allows us to create large (possibly) compile time sections which might contain variables, conditions,</a:t>
+            </a:r>
+          </a:p>
+          <a:p>
+            <a:r>
+              <a:rPr lang="en-US" dirty="0"/>
+              <a:t>loops, classes and more! New C++ versions brought new abilities to this keyword, and C++20 brought us</a:t>
+            </a:r>
+          </a:p>
+          <a:p>
+            <a:r>
+              <a:rPr lang="en-US" dirty="0"/>
+              <a:t>for the first time the complete compile-time evaluation keyword: </a:t>
+            </a:r>
+            <a:r>
+              <a:rPr lang="en-US" dirty="0" err="1"/>
+              <a:t>consteval</a:t>
+            </a:r>
+            <a:r>
+              <a:rPr lang="en-US" dirty="0"/>
+              <a:t>.</a:t>
+            </a:r>
+            <a:endParaRPr lang="he-IL" dirty="0"/>
+          </a:p>
+        </p:txBody>
+      </p:sp>
+    </p:spTree>
+    <p:extLst>
+      <p:ext uri="{BB962C8B-B14F-4D97-AF65-F5344CB8AC3E}">
+        <p14:creationId xmlns:p14="http://schemas.microsoft.com/office/powerpoint/2010/main" val="3268483122"/>
+      </p:ext>
+    </p:extLst>
+  </p:cSld>
+  <p:clrMapOvr>
+    <a:masterClrMapping/>
+  </p:clrMapOvr>
+</p:sld>
+</file>
+
+<file path=ppt/slides/slide9.xml><?xml version="1.0" encoding="utf-8"?>
+<p:sld xmlns:a="http://schemas.openxmlformats.org/drawingml/2006/main" xmlns:r="http://schemas.openxmlformats.org/officeDocument/2006/relationships" xmlns:p="http://schemas.openxmlformats.org/presentationml/2006/main">
+  <p:cSld>
+    <p:spTree>
+      <p:nvGrpSpPr>
+        <p:cNvPr id="1" name=""/>
+        <p:cNvGrpSpPr/>
+        <p:nvPr/>
+      </p:nvGrpSpPr>
+      <p:grpSpPr>
+        <a:xfrm>
+          <a:off x="0" y="0"/>
+          <a:ext cx="0" cy="0"/>
+          <a:chOff x="0" y="0"/>
+          <a:chExt cx="0" cy="0"/>
+        </a:xfrm>
+      </p:grpSpPr>
+      <p:sp>
+        <p:nvSpPr>
+          <p:cNvPr id="2" name="Title 1"/>
+          <p:cNvSpPr>
+            <a:spLocks noGrp="1"/>
+          </p:cNvSpPr>
+          <p:nvPr>
+            <p:ph type="title"/>
+          </p:nvPr>
+        </p:nvSpPr>
+        <p:spPr>
+          <a:xfrm>
             <a:off x="1141413" y="639784"/>
             <a:ext cx="9905998" cy="614859"/>
           </a:xfrm>
@@ -28861,539 +29516,6 @@
       <p:bldP spid="21" grpId="1"/>
       <p:bldP spid="26" grpId="0"/>
       <p:bldP spid="29" grpId="0"/>
-    </p:bldLst>
-  </p:timing>
-</p:sld>
-</file>
-
-<file path=ppt/slides/slide9.xml><?xml version="1.0" encoding="utf-8"?>
-<p:sld xmlns:a="http://schemas.openxmlformats.org/drawingml/2006/main" xmlns:r="http://schemas.openxmlformats.org/officeDocument/2006/relationships" xmlns:p="http://schemas.openxmlformats.org/presentationml/2006/main">
-  <p:cSld>
-    <p:spTree>
-      <p:nvGrpSpPr>
-        <p:cNvPr id="1" name=""/>
-        <p:cNvGrpSpPr/>
-        <p:nvPr/>
-      </p:nvGrpSpPr>
-      <p:grpSpPr>
-        <a:xfrm>
-          <a:off x="0" y="0"/>
-          <a:ext cx="0" cy="0"/>
-          <a:chOff x="0" y="0"/>
-          <a:chExt cx="0" cy="0"/>
-        </a:xfrm>
-      </p:grpSpPr>
-      <p:sp>
-        <p:nvSpPr>
-          <p:cNvPr id="2" name="Title 1"/>
-          <p:cNvSpPr>
-            <a:spLocks noGrp="1"/>
-          </p:cNvSpPr>
-          <p:nvPr>
-            <p:ph type="title"/>
-          </p:nvPr>
-        </p:nvSpPr>
-        <p:spPr>
-          <a:xfrm>
-            <a:off x="1141413" y="618518"/>
-            <a:ext cx="9905998" cy="689287"/>
-          </a:xfrm>
-        </p:spPr>
-        <p:txBody>
-          <a:bodyPr/>
-          <a:lstStyle/>
-          <a:p>
-            <a:r>
-              <a:rPr lang="en-US" dirty="0"/>
-              <a:t>Concepts one step ahead</a:t>
-            </a:r>
-            <a:endParaRPr lang="he-IL" dirty="0"/>
-          </a:p>
-        </p:txBody>
-      </p:sp>
-      <p:sp>
-        <p:nvSpPr>
-          <p:cNvPr id="4" name="TextBox 3"/>
-          <p:cNvSpPr txBox="1"/>
-          <p:nvPr/>
-        </p:nvSpPr>
-        <p:spPr>
-          <a:xfrm>
-            <a:off x="1141413" y="1318438"/>
-            <a:ext cx="3727302" cy="461665"/>
-          </a:xfrm>
-          <a:prstGeom prst="rect">
-            <a:avLst/>
-          </a:prstGeom>
-          <a:noFill/>
-        </p:spPr>
-        <p:txBody>
-          <a:bodyPr wrap="none" rtlCol="1">
-            <a:spAutoFit/>
-          </a:bodyPr>
-          <a:lstStyle/>
-          <a:p>
-            <a:r>
-              <a:rPr lang="en-US" sz="2400" dirty="0"/>
-              <a:t>Interface Without Inheritance</a:t>
-            </a:r>
-            <a:endParaRPr lang="he-IL" sz="2400" dirty="0"/>
-          </a:p>
-        </p:txBody>
-      </p:sp>
-      <p:sp>
-        <p:nvSpPr>
-          <p:cNvPr id="5" name="TextBox 4"/>
-          <p:cNvSpPr txBox="1"/>
-          <p:nvPr/>
-        </p:nvSpPr>
-        <p:spPr>
-          <a:xfrm>
-            <a:off x="1141413" y="1780103"/>
-            <a:ext cx="10783016" cy="646331"/>
-          </a:xfrm>
-          <a:prstGeom prst="rect">
-            <a:avLst/>
-          </a:prstGeom>
-          <a:noFill/>
-        </p:spPr>
-        <p:txBody>
-          <a:bodyPr wrap="none" rtlCol="1">
-            <a:spAutoFit/>
-          </a:bodyPr>
-          <a:lstStyle/>
-          <a:p>
-            <a:r>
-              <a:rPr lang="en-US" dirty="0"/>
-              <a:t>Inheritance allows us to apply interfaces to different classes in order to allow a common functionality between them.</a:t>
-            </a:r>
-          </a:p>
-          <a:p>
-            <a:r>
-              <a:rPr lang="en-US" dirty="0"/>
-              <a:t>Concepts helps us to avoid unnecessary inheritance while keeping the common functionality:</a:t>
-            </a:r>
-            <a:endParaRPr lang="he-IL" dirty="0"/>
-          </a:p>
-        </p:txBody>
-      </p:sp>
-      <p:sp>
-        <p:nvSpPr>
-          <p:cNvPr id="9" name="TextBox 8"/>
-          <p:cNvSpPr txBox="1"/>
-          <p:nvPr/>
-        </p:nvSpPr>
-        <p:spPr>
-          <a:xfrm>
-            <a:off x="1141413" y="5007709"/>
-            <a:ext cx="5390578" cy="369332"/>
-          </a:xfrm>
-          <a:prstGeom prst="rect">
-            <a:avLst/>
-          </a:prstGeom>
-          <a:noFill/>
-        </p:spPr>
-        <p:txBody>
-          <a:bodyPr wrap="none" rtlCol="1">
-            <a:spAutoFit/>
-          </a:bodyPr>
-          <a:lstStyle/>
-          <a:p>
-            <a:r>
-              <a:rPr lang="en-US" dirty="0"/>
-              <a:t>You can also apply concept restrictions to auto variables:</a:t>
-            </a:r>
-            <a:endParaRPr lang="he-IL" dirty="0"/>
-          </a:p>
-        </p:txBody>
-      </p:sp>
-      <p:pic>
-        <p:nvPicPr>
-          <p:cNvPr id="11" name="Picture 10"/>
-          <p:cNvPicPr>
-            <a:picLocks noChangeAspect="1"/>
-          </p:cNvPicPr>
-          <p:nvPr/>
-        </p:nvPicPr>
-        <p:blipFill>
-          <a:blip r:embed="rId2"/>
-          <a:stretch>
-            <a:fillRect/>
-          </a:stretch>
-        </p:blipFill>
-        <p:spPr>
-          <a:xfrm>
-            <a:off x="1234927" y="5377041"/>
-            <a:ext cx="2076450" cy="447675"/>
-          </a:xfrm>
-          <a:prstGeom prst="rect">
-            <a:avLst/>
-          </a:prstGeom>
-        </p:spPr>
-      </p:pic>
-      <p:pic>
-        <p:nvPicPr>
-          <p:cNvPr id="13" name="Picture 12"/>
-          <p:cNvPicPr>
-            <a:picLocks noChangeAspect="1"/>
-          </p:cNvPicPr>
-          <p:nvPr/>
-        </p:nvPicPr>
-        <p:blipFill>
-          <a:blip r:embed="rId3"/>
-          <a:stretch>
-            <a:fillRect/>
-          </a:stretch>
-        </p:blipFill>
-        <p:spPr>
-          <a:xfrm>
-            <a:off x="1234927" y="2428232"/>
-            <a:ext cx="7267575" cy="2590800"/>
-          </a:xfrm>
-          <a:prstGeom prst="rect">
-            <a:avLst/>
-          </a:prstGeom>
-        </p:spPr>
-      </p:pic>
-    </p:spTree>
-    <p:extLst>
-      <p:ext uri="{BB962C8B-B14F-4D97-AF65-F5344CB8AC3E}">
-        <p14:creationId xmlns:p14="http://schemas.microsoft.com/office/powerpoint/2010/main" val="2463616285"/>
-      </p:ext>
-    </p:extLst>
-  </p:cSld>
-  <p:clrMapOvr>
-    <a:masterClrMapping/>
-  </p:clrMapOvr>
-  <p:timing>
-    <p:tnLst>
-      <p:par>
-        <p:cTn id="1" dur="indefinite" restart="never" nodeType="tmRoot">
-          <p:childTnLst>
-            <p:seq concurrent="1" nextAc="seek">
-              <p:cTn id="2" dur="indefinite" nodeType="mainSeq">
-                <p:childTnLst>
-                  <p:par>
-                    <p:cTn id="3" fill="hold">
-                      <p:stCondLst>
-                        <p:cond delay="indefinite"/>
-                      </p:stCondLst>
-                      <p:childTnLst>
-                        <p:par>
-                          <p:cTn id="4" fill="hold">
-                            <p:stCondLst>
-                              <p:cond delay="0"/>
-                            </p:stCondLst>
-                            <p:childTnLst>
-                              <p:par>
-                                <p:cTn id="5" presetID="42" presetClass="entr" presetSubtype="0" fill="hold" grpId="0" nodeType="clickEffect">
-                                  <p:stCondLst>
-                                    <p:cond delay="0"/>
-                                  </p:stCondLst>
-                                  <p:childTnLst>
-                                    <p:set>
-                                      <p:cBhvr>
-                                        <p:cTn id="6" dur="1" fill="hold">
-                                          <p:stCondLst>
-                                            <p:cond delay="0"/>
-                                          </p:stCondLst>
-                                        </p:cTn>
-                                        <p:tgtEl>
-                                          <p:spTgt spid="4"/>
-                                        </p:tgtEl>
-                                        <p:attrNameLst>
-                                          <p:attrName>style.visibility</p:attrName>
-                                        </p:attrNameLst>
-                                      </p:cBhvr>
-                                      <p:to>
-                                        <p:strVal val="visible"/>
-                                      </p:to>
-                                    </p:set>
-                                    <p:animEffect transition="in" filter="fade">
-                                      <p:cBhvr>
-                                        <p:cTn id="7" dur="1000"/>
-                                        <p:tgtEl>
-                                          <p:spTgt spid="4"/>
-                                        </p:tgtEl>
-                                      </p:cBhvr>
-                                    </p:animEffect>
-                                    <p:anim calcmode="lin" valueType="num">
-                                      <p:cBhvr>
-                                        <p:cTn id="8" dur="1000" fill="hold"/>
-                                        <p:tgtEl>
-                                          <p:spTgt spid="4"/>
-                                        </p:tgtEl>
-                                        <p:attrNameLst>
-                                          <p:attrName>ppt_x</p:attrName>
-                                        </p:attrNameLst>
-                                      </p:cBhvr>
-                                      <p:tavLst>
-                                        <p:tav tm="0">
-                                          <p:val>
-                                            <p:strVal val="#ppt_x"/>
-                                          </p:val>
-                                        </p:tav>
-                                        <p:tav tm="100000">
-                                          <p:val>
-                                            <p:strVal val="#ppt_x"/>
-                                          </p:val>
-                                        </p:tav>
-                                      </p:tavLst>
-                                    </p:anim>
-                                    <p:anim calcmode="lin" valueType="num">
-                                      <p:cBhvr>
-                                        <p:cTn id="9" dur="1000" fill="hold"/>
-                                        <p:tgtEl>
-                                          <p:spTgt spid="4"/>
-                                        </p:tgtEl>
-                                        <p:attrNameLst>
-                                          <p:attrName>ppt_y</p:attrName>
-                                        </p:attrNameLst>
-                                      </p:cBhvr>
-                                      <p:tavLst>
-                                        <p:tav tm="0">
-                                          <p:val>
-                                            <p:strVal val="#ppt_y+.1"/>
-                                          </p:val>
-                                        </p:tav>
-                                        <p:tav tm="100000">
-                                          <p:val>
-                                            <p:strVal val="#ppt_y"/>
-                                          </p:val>
-                                        </p:tav>
-                                      </p:tavLst>
-                                    </p:anim>
-                                  </p:childTnLst>
-                                </p:cTn>
-                              </p:par>
-                            </p:childTnLst>
-                          </p:cTn>
-                        </p:par>
-                      </p:childTnLst>
-                    </p:cTn>
-                  </p:par>
-                  <p:par>
-                    <p:cTn id="10" fill="hold">
-                      <p:stCondLst>
-                        <p:cond delay="indefinite"/>
-                      </p:stCondLst>
-                      <p:childTnLst>
-                        <p:par>
-                          <p:cTn id="11" fill="hold">
-                            <p:stCondLst>
-                              <p:cond delay="0"/>
-                            </p:stCondLst>
-                            <p:childTnLst>
-                              <p:par>
-                                <p:cTn id="12" presetID="22" presetClass="entr" presetSubtype="8" fill="hold" grpId="0" nodeType="clickEffect">
-                                  <p:stCondLst>
-                                    <p:cond delay="0"/>
-                                  </p:stCondLst>
-                                  <p:iterate type="lt">
-                                    <p:tmPct val="10000"/>
-                                  </p:iterate>
-                                  <p:childTnLst>
-                                    <p:set>
-                                      <p:cBhvr>
-                                        <p:cTn id="13" dur="1" fill="hold">
-                                          <p:stCondLst>
-                                            <p:cond delay="0"/>
-                                          </p:stCondLst>
-                                        </p:cTn>
-                                        <p:tgtEl>
-                                          <p:spTgt spid="5"/>
-                                        </p:tgtEl>
-                                        <p:attrNameLst>
-                                          <p:attrName>style.visibility</p:attrName>
-                                        </p:attrNameLst>
-                                      </p:cBhvr>
-                                      <p:to>
-                                        <p:strVal val="visible"/>
-                                      </p:to>
-                                    </p:set>
-                                    <p:animEffect transition="in" filter="wipe(left)">
-                                      <p:cBhvr>
-                                        <p:cTn id="14" dur="100"/>
-                                        <p:tgtEl>
-                                          <p:spTgt spid="5"/>
-                                        </p:tgtEl>
-                                      </p:cBhvr>
-                                    </p:animEffect>
-                                  </p:childTnLst>
-                                </p:cTn>
-                              </p:par>
-                            </p:childTnLst>
-                          </p:cTn>
-                        </p:par>
-                        <p:par>
-                          <p:cTn id="15" fill="hold">
-                            <p:stCondLst>
-                              <p:cond delay="1880"/>
-                            </p:stCondLst>
-                            <p:childTnLst>
-                              <p:par>
-                                <p:cTn id="16" presetID="14" presetClass="entr" presetSubtype="5" fill="hold" nodeType="afterEffect">
-                                  <p:stCondLst>
-                                    <p:cond delay="0"/>
-                                  </p:stCondLst>
-                                  <p:childTnLst>
-                                    <p:set>
-                                      <p:cBhvr>
-                                        <p:cTn id="17" dur="1" fill="hold">
-                                          <p:stCondLst>
-                                            <p:cond delay="0"/>
-                                          </p:stCondLst>
-                                        </p:cTn>
-                                        <p:tgtEl>
-                                          <p:spTgt spid="13"/>
-                                        </p:tgtEl>
-                                        <p:attrNameLst>
-                                          <p:attrName>style.visibility</p:attrName>
-                                        </p:attrNameLst>
-                                      </p:cBhvr>
-                                      <p:to>
-                                        <p:strVal val="visible"/>
-                                      </p:to>
-                                    </p:set>
-                                    <p:animEffect transition="in" filter="randombar(vertical)">
-                                      <p:cBhvr>
-                                        <p:cTn id="18" dur="500"/>
-                                        <p:tgtEl>
-                                          <p:spTgt spid="13"/>
-                                        </p:tgtEl>
-                                      </p:cBhvr>
-                                    </p:animEffect>
-                                  </p:childTnLst>
-                                </p:cTn>
-                              </p:par>
-                            </p:childTnLst>
-                          </p:cTn>
-                        </p:par>
-                      </p:childTnLst>
-                    </p:cTn>
-                  </p:par>
-                  <p:par>
-                    <p:cTn id="19" fill="hold">
-                      <p:stCondLst>
-                        <p:cond delay="indefinite"/>
-                      </p:stCondLst>
-                      <p:childTnLst>
-                        <p:par>
-                          <p:cTn id="20" fill="hold">
-                            <p:stCondLst>
-                              <p:cond delay="0"/>
-                            </p:stCondLst>
-                            <p:childTnLst>
-                              <p:par>
-                                <p:cTn id="21" presetID="22" presetClass="entr" presetSubtype="8" fill="hold" grpId="0" nodeType="clickEffect">
-                                  <p:stCondLst>
-                                    <p:cond delay="0"/>
-                                  </p:stCondLst>
-                                  <p:childTnLst>
-                                    <p:set>
-                                      <p:cBhvr>
-                                        <p:cTn id="22" dur="1" fill="hold">
-                                          <p:stCondLst>
-                                            <p:cond delay="0"/>
-                                          </p:stCondLst>
-                                        </p:cTn>
-                                        <p:tgtEl>
-                                          <p:spTgt spid="9"/>
-                                        </p:tgtEl>
-                                        <p:attrNameLst>
-                                          <p:attrName>style.visibility</p:attrName>
-                                        </p:attrNameLst>
-                                      </p:cBhvr>
-                                      <p:to>
-                                        <p:strVal val="visible"/>
-                                      </p:to>
-                                    </p:set>
-                                    <p:animEffect transition="in" filter="wipe(left)">
-                                      <p:cBhvr>
-                                        <p:cTn id="23" dur="500"/>
-                                        <p:tgtEl>
-                                          <p:spTgt spid="9"/>
-                                        </p:tgtEl>
-                                      </p:cBhvr>
-                                    </p:animEffect>
-                                  </p:childTnLst>
-                                </p:cTn>
-                              </p:par>
-                            </p:childTnLst>
-                          </p:cTn>
-                        </p:par>
-                        <p:par>
-                          <p:cTn id="24" fill="hold">
-                            <p:stCondLst>
-                              <p:cond delay="500"/>
-                            </p:stCondLst>
-                            <p:childTnLst>
-                              <p:par>
-                                <p:cTn id="25" presetID="21" presetClass="entr" presetSubtype="1" fill="hold" nodeType="afterEffect">
-                                  <p:stCondLst>
-                                    <p:cond delay="0"/>
-                                  </p:stCondLst>
-                                  <p:childTnLst>
-                                    <p:set>
-                                      <p:cBhvr>
-                                        <p:cTn id="26" dur="1" fill="hold">
-                                          <p:stCondLst>
-                                            <p:cond delay="0"/>
-                                          </p:stCondLst>
-                                        </p:cTn>
-                                        <p:tgtEl>
-                                          <p:spTgt spid="11"/>
-                                        </p:tgtEl>
-                                        <p:attrNameLst>
-                                          <p:attrName>style.visibility</p:attrName>
-                                        </p:attrNameLst>
-                                      </p:cBhvr>
-                                      <p:to>
-                                        <p:strVal val="visible"/>
-                                      </p:to>
-                                    </p:set>
-                                    <p:animEffect transition="in" filter="wheel(1)">
-                                      <p:cBhvr>
-                                        <p:cTn id="27" dur="2000"/>
-                                        <p:tgtEl>
-                                          <p:spTgt spid="11"/>
-                                        </p:tgtEl>
-                                      </p:cBhvr>
-                                    </p:animEffect>
-                                  </p:childTnLst>
-                                </p:cTn>
-                              </p:par>
-                            </p:childTnLst>
-                          </p:cTn>
-                        </p:par>
-                      </p:childTnLst>
-                    </p:cTn>
-                  </p:par>
-                </p:childTnLst>
-              </p:cTn>
-              <p:prevCondLst>
-                <p:cond evt="onPrev" delay="0">
-                  <p:tgtEl>
-                    <p:sldTgt/>
-                  </p:tgtEl>
-                </p:cond>
-              </p:prevCondLst>
-              <p:nextCondLst>
-                <p:cond evt="onNext" delay="0">
-                  <p:tgtEl>
-                    <p:sldTgt/>
-                  </p:tgtEl>
-                </p:cond>
-              </p:nextCondLst>
-            </p:seq>
-          </p:childTnLst>
-        </p:cTn>
-      </p:par>
-    </p:tnLst>
-    <p:bldLst>
-      <p:bldP spid="4" grpId="0"/>
-      <p:bldP spid="5" grpId="0"/>
-      <p:bldP spid="9" grpId="0"/>
     </p:bldLst>
   </p:timing>
 </p:sld>

--- a/The Compilation Power – C++.pptx
+++ b/The Compilation Power – C++.pptx
@@ -246,7 +246,7 @@
           <a:p>
             <a:fld id="{A06473F8-06AB-43D7-ADAC-4B57757A3A12}" type="datetimeFigureOut">
               <a:rPr lang="he-IL" smtClean="0"/>
-              <a:t>כ"ה/טבת/תשפ"א</a:t>
+              <a:t>י'/שבט/תשפ"א</a:t>
             </a:fld>
             <a:endParaRPr lang="he-IL"/>
           </a:p>
@@ -420,7 +420,7 @@
           <a:p>
             <a:fld id="{463F63B9-98C1-4305-9CA7-9EA00E8D2AF7}" type="datetimeFigureOut">
               <a:rPr lang="he-IL" smtClean="0"/>
-              <a:t>כ"ה/טבת/תשפ"א</a:t>
+              <a:t>י'/שבט/תשפ"א</a:t>
             </a:fld>
             <a:endParaRPr lang="he-IL"/>
           </a:p>
@@ -743,7 +743,7 @@
           <a:noFill/>
           <a:extLst>
             <a:ext uri="{909E8E84-426E-40dd-AFC4-6F175D3DCCD1}">
-              <a14:hiddenFill xmlns="" xmlns:a14="http://schemas.microsoft.com/office/drawing/2010/main">
+              <a14:hiddenFill xmlns:a14="http://schemas.microsoft.com/office/drawing/2010/main" xmlns="">
                 <a:solidFill>
                   <a:srgbClr val="FFFFFF"/>
                 </a:solidFill>
@@ -803,7 +803,7 @@
             </a:ln>
             <a:extLst>
               <a:ext uri="{91240B29-F687-4f45-9708-019B960494DF}">
-                <a14:hiddenLine xmlns="" xmlns:a14="http://schemas.microsoft.com/office/drawing/2010/main" w="9525">
+                <a14:hiddenLine xmlns:a14="http://schemas.microsoft.com/office/drawing/2010/main" xmlns="" w="9525">
                   <a:solidFill>
                     <a:srgbClr val="000000"/>
                   </a:solidFill>
@@ -893,7 +893,7 @@
             </a:ln>
             <a:extLst>
               <a:ext uri="{91240B29-F687-4f45-9708-019B960494DF}">
-                <a14:hiddenLine xmlns="" xmlns:a14="http://schemas.microsoft.com/office/drawing/2010/main" w="9525">
+                <a14:hiddenLine xmlns:a14="http://schemas.microsoft.com/office/drawing/2010/main" xmlns="" w="9525">
                   <a:solidFill>
                     <a:srgbClr val="000000"/>
                   </a:solidFill>
@@ -983,7 +983,7 @@
             </a:ln>
             <a:extLst>
               <a:ext uri="{91240B29-F687-4f45-9708-019B960494DF}">
-                <a14:hiddenLine xmlns="" xmlns:a14="http://schemas.microsoft.com/office/drawing/2010/main" w="9525">
+                <a14:hiddenLine xmlns:a14="http://schemas.microsoft.com/office/drawing/2010/main" xmlns="" w="9525">
                   <a:solidFill>
                     <a:srgbClr val="000000"/>
                   </a:solidFill>
@@ -1017,7 +1017,7 @@
             </a:ln>
             <a:extLst>
               <a:ext uri="{91240B29-F687-4f45-9708-019B960494DF}">
-                <a14:hiddenLine xmlns="" xmlns:a14="http://schemas.microsoft.com/office/drawing/2010/main" w="9525">
+                <a14:hiddenLine xmlns:a14="http://schemas.microsoft.com/office/drawing/2010/main" xmlns="" w="9525">
                   <a:solidFill>
                     <a:srgbClr val="000000"/>
                   </a:solidFill>
@@ -1107,7 +1107,7 @@
             </a:ln>
             <a:extLst>
               <a:ext uri="{91240B29-F687-4f45-9708-019B960494DF}">
-                <a14:hiddenLine xmlns="" xmlns:a14="http://schemas.microsoft.com/office/drawing/2010/main" w="9525">
+                <a14:hiddenLine xmlns:a14="http://schemas.microsoft.com/office/drawing/2010/main" xmlns="" w="9525">
                   <a:solidFill>
                     <a:srgbClr val="000000"/>
                   </a:solidFill>
@@ -1169,7 +1169,7 @@
             </a:ln>
             <a:extLst>
               <a:ext uri="{91240B29-F687-4f45-9708-019B960494DF}">
-                <a14:hiddenLine xmlns="" xmlns:a14="http://schemas.microsoft.com/office/drawing/2010/main" w="9525">
+                <a14:hiddenLine xmlns:a14="http://schemas.microsoft.com/office/drawing/2010/main" xmlns="" w="9525">
                   <a:solidFill>
                     <a:srgbClr val="000000"/>
                   </a:solidFill>
@@ -1231,7 +1231,7 @@
             </a:ln>
             <a:extLst>
               <a:ext uri="{91240B29-F687-4f45-9708-019B960494DF}">
-                <a14:hiddenLine xmlns="" xmlns:a14="http://schemas.microsoft.com/office/drawing/2010/main" w="9525">
+                <a14:hiddenLine xmlns:a14="http://schemas.microsoft.com/office/drawing/2010/main" xmlns="" w="9525">
                   <a:solidFill>
                     <a:srgbClr val="000000"/>
                   </a:solidFill>
@@ -1321,7 +1321,7 @@
             </a:ln>
             <a:extLst>
               <a:ext uri="{91240B29-F687-4f45-9708-019B960494DF}">
-                <a14:hiddenLine xmlns="" xmlns:a14="http://schemas.microsoft.com/office/drawing/2010/main" w="9525">
+                <a14:hiddenLine xmlns:a14="http://schemas.microsoft.com/office/drawing/2010/main" xmlns="" w="9525">
                   <a:solidFill>
                     <a:srgbClr val="000000"/>
                   </a:solidFill>
@@ -1383,7 +1383,7 @@
             </a:ln>
             <a:extLst>
               <a:ext uri="{91240B29-F687-4f45-9708-019B960494DF}">
-                <a14:hiddenLine xmlns="" xmlns:a14="http://schemas.microsoft.com/office/drawing/2010/main" w="9525">
+                <a14:hiddenLine xmlns:a14="http://schemas.microsoft.com/office/drawing/2010/main" xmlns="" w="9525">
                   <a:solidFill>
                     <a:srgbClr val="000000"/>
                   </a:solidFill>
@@ -1445,7 +1445,7 @@
             </a:ln>
             <a:extLst>
               <a:ext uri="{91240B29-F687-4f45-9708-019B960494DF}">
-                <a14:hiddenLine xmlns="" xmlns:a14="http://schemas.microsoft.com/office/drawing/2010/main" w="9525">
+                <a14:hiddenLine xmlns:a14="http://schemas.microsoft.com/office/drawing/2010/main" xmlns="" w="9525">
                   <a:solidFill>
                     <a:srgbClr val="000000"/>
                   </a:solidFill>
@@ -1535,7 +1535,7 @@
             </a:ln>
             <a:extLst>
               <a:ext uri="{91240B29-F687-4f45-9708-019B960494DF}">
-                <a14:hiddenLine xmlns="" xmlns:a14="http://schemas.microsoft.com/office/drawing/2010/main" w="9525">
+                <a14:hiddenLine xmlns:a14="http://schemas.microsoft.com/office/drawing/2010/main" xmlns="" w="9525">
                   <a:solidFill>
                     <a:srgbClr val="000000"/>
                   </a:solidFill>
@@ -1625,7 +1625,7 @@
             </a:ln>
             <a:extLst>
               <a:ext uri="{91240B29-F687-4f45-9708-019B960494DF}">
-                <a14:hiddenLine xmlns="" xmlns:a14="http://schemas.microsoft.com/office/drawing/2010/main" w="9525">
+                <a14:hiddenLine xmlns:a14="http://schemas.microsoft.com/office/drawing/2010/main" xmlns="" w="9525">
                   <a:solidFill>
                     <a:srgbClr val="000000"/>
                   </a:solidFill>
@@ -1687,7 +1687,7 @@
             </a:ln>
             <a:extLst>
               <a:ext uri="{91240B29-F687-4f45-9708-019B960494DF}">
-                <a14:hiddenLine xmlns="" xmlns:a14="http://schemas.microsoft.com/office/drawing/2010/main" w="9525">
+                <a14:hiddenLine xmlns:a14="http://schemas.microsoft.com/office/drawing/2010/main" xmlns="" w="9525">
                   <a:solidFill>
                     <a:srgbClr val="000000"/>
                   </a:solidFill>
@@ -1797,7 +1797,7 @@
             </a:ln>
             <a:extLst>
               <a:ext uri="{91240B29-F687-4f45-9708-019B960494DF}">
-                <a14:hiddenLine xmlns="" xmlns:a14="http://schemas.microsoft.com/office/drawing/2010/main" w="9525">
+                <a14:hiddenLine xmlns:a14="http://schemas.microsoft.com/office/drawing/2010/main" xmlns="" w="9525">
                   <a:solidFill>
                     <a:srgbClr val="000000"/>
                   </a:solidFill>
@@ -1859,7 +1859,7 @@
             </a:ln>
             <a:extLst>
               <a:ext uri="{91240B29-F687-4f45-9708-019B960494DF}">
-                <a14:hiddenLine xmlns="" xmlns:a14="http://schemas.microsoft.com/office/drawing/2010/main" w="9525">
+                <a14:hiddenLine xmlns:a14="http://schemas.microsoft.com/office/drawing/2010/main" xmlns="" w="9525">
                   <a:solidFill>
                     <a:srgbClr val="000000"/>
                   </a:solidFill>
@@ -1949,7 +1949,7 @@
             </a:ln>
             <a:extLst>
               <a:ext uri="{91240B29-F687-4f45-9708-019B960494DF}">
-                <a14:hiddenLine xmlns="" xmlns:a14="http://schemas.microsoft.com/office/drawing/2010/main" w="9525">
+                <a14:hiddenLine xmlns:a14="http://schemas.microsoft.com/office/drawing/2010/main" xmlns="" w="9525">
                   <a:solidFill>
                     <a:srgbClr val="000000"/>
                   </a:solidFill>
@@ -2039,7 +2039,7 @@
             </a:ln>
             <a:extLst>
               <a:ext uri="{91240B29-F687-4f45-9708-019B960494DF}">
-                <a14:hiddenLine xmlns="" xmlns:a14="http://schemas.microsoft.com/office/drawing/2010/main" w="9525">
+                <a14:hiddenLine xmlns:a14="http://schemas.microsoft.com/office/drawing/2010/main" xmlns="" w="9525">
                   <a:solidFill>
                     <a:srgbClr val="000000"/>
                   </a:solidFill>
@@ -2101,7 +2101,7 @@
             </a:ln>
             <a:extLst>
               <a:ext uri="{91240B29-F687-4f45-9708-019B960494DF}">
-                <a14:hiddenLine xmlns="" xmlns:a14="http://schemas.microsoft.com/office/drawing/2010/main" w="9525">
+                <a14:hiddenLine xmlns:a14="http://schemas.microsoft.com/office/drawing/2010/main" xmlns="" w="9525">
                   <a:solidFill>
                     <a:srgbClr val="000000"/>
                   </a:solidFill>
@@ -2191,7 +2191,7 @@
             </a:ln>
             <a:extLst>
               <a:ext uri="{91240B29-F687-4f45-9708-019B960494DF}">
-                <a14:hiddenLine xmlns="" xmlns:a14="http://schemas.microsoft.com/office/drawing/2010/main" w="9525">
+                <a14:hiddenLine xmlns:a14="http://schemas.microsoft.com/office/drawing/2010/main" xmlns="" w="9525">
                   <a:solidFill>
                     <a:srgbClr val="000000"/>
                   </a:solidFill>
@@ -2281,7 +2281,7 @@
             </a:ln>
             <a:extLst>
               <a:ext uri="{91240B29-F687-4f45-9708-019B960494DF}">
-                <a14:hiddenLine xmlns="" xmlns:a14="http://schemas.microsoft.com/office/drawing/2010/main" w="9525">
+                <a14:hiddenLine xmlns:a14="http://schemas.microsoft.com/office/drawing/2010/main" xmlns="" w="9525">
                   <a:solidFill>
                     <a:srgbClr val="000000"/>
                   </a:solidFill>
@@ -2337,7 +2337,7 @@
             </a:ln>
             <a:extLst>
               <a:ext uri="{91240B29-F687-4f45-9708-019B960494DF}">
-                <a14:hiddenLine xmlns="" xmlns:a14="http://schemas.microsoft.com/office/drawing/2010/main" w="9525">
+                <a14:hiddenLine xmlns:a14="http://schemas.microsoft.com/office/drawing/2010/main" xmlns="" w="9525">
                   <a:solidFill>
                     <a:srgbClr val="000000"/>
                   </a:solidFill>
@@ -2427,7 +2427,7 @@
             </a:ln>
             <a:extLst>
               <a:ext uri="{91240B29-F687-4f45-9708-019B960494DF}">
-                <a14:hiddenLine xmlns="" xmlns:a14="http://schemas.microsoft.com/office/drawing/2010/main" w="9525">
+                <a14:hiddenLine xmlns:a14="http://schemas.microsoft.com/office/drawing/2010/main" xmlns="" w="9525">
                   <a:solidFill>
                     <a:srgbClr val="000000"/>
                   </a:solidFill>
@@ -2483,7 +2483,7 @@
             </a:ln>
             <a:extLst>
               <a:ext uri="{91240B29-F687-4f45-9708-019B960494DF}">
-                <a14:hiddenLine xmlns="" xmlns:a14="http://schemas.microsoft.com/office/drawing/2010/main" w="9525">
+                <a14:hiddenLine xmlns:a14="http://schemas.microsoft.com/office/drawing/2010/main" xmlns="" w="9525">
                   <a:solidFill>
                     <a:srgbClr val="000000"/>
                   </a:solidFill>
@@ -2573,7 +2573,7 @@
             </a:ln>
             <a:extLst>
               <a:ext uri="{91240B29-F687-4f45-9708-019B960494DF}">
-                <a14:hiddenLine xmlns="" xmlns:a14="http://schemas.microsoft.com/office/drawing/2010/main" w="9525">
+                <a14:hiddenLine xmlns:a14="http://schemas.microsoft.com/office/drawing/2010/main" xmlns="" w="9525">
                   <a:solidFill>
                     <a:srgbClr val="000000"/>
                   </a:solidFill>
@@ -2641,7 +2641,7 @@
             </a:ln>
             <a:extLst>
               <a:ext uri="{91240B29-F687-4f45-9708-019B960494DF}">
-                <a14:hiddenLine xmlns="" xmlns:a14="http://schemas.microsoft.com/office/drawing/2010/main" w="9525">
+                <a14:hiddenLine xmlns:a14="http://schemas.microsoft.com/office/drawing/2010/main" xmlns="" w="9525">
                   <a:solidFill>
                     <a:srgbClr val="000000"/>
                   </a:solidFill>
@@ -2731,7 +2731,7 @@
             </a:ln>
             <a:extLst>
               <a:ext uri="{91240B29-F687-4f45-9708-019B960494DF}">
-                <a14:hiddenLine xmlns="" xmlns:a14="http://schemas.microsoft.com/office/drawing/2010/main" w="9525">
+                <a14:hiddenLine xmlns:a14="http://schemas.microsoft.com/office/drawing/2010/main" xmlns="" w="9525">
                   <a:solidFill>
                     <a:srgbClr val="000000"/>
                   </a:solidFill>
@@ -2799,7 +2799,7 @@
             </a:ln>
             <a:extLst>
               <a:ext uri="{91240B29-F687-4f45-9708-019B960494DF}">
-                <a14:hiddenLine xmlns="" xmlns:a14="http://schemas.microsoft.com/office/drawing/2010/main" w="9525">
+                <a14:hiddenLine xmlns:a14="http://schemas.microsoft.com/office/drawing/2010/main" xmlns="" w="9525">
                   <a:solidFill>
                     <a:srgbClr val="000000"/>
                   </a:solidFill>
@@ -2889,7 +2889,7 @@
             </a:ln>
             <a:extLst>
               <a:ext uri="{91240B29-F687-4f45-9708-019B960494DF}">
-                <a14:hiddenLine xmlns="" xmlns:a14="http://schemas.microsoft.com/office/drawing/2010/main" w="9525">
+                <a14:hiddenLine xmlns:a14="http://schemas.microsoft.com/office/drawing/2010/main" xmlns="" w="9525">
                   <a:solidFill>
                     <a:srgbClr val="000000"/>
                   </a:solidFill>
@@ -2923,7 +2923,7 @@
             </a:ln>
             <a:extLst>
               <a:ext uri="{91240B29-F687-4f45-9708-019B960494DF}">
-                <a14:hiddenLine xmlns="" xmlns:a14="http://schemas.microsoft.com/office/drawing/2010/main" w="9525">
+                <a14:hiddenLine xmlns:a14="http://schemas.microsoft.com/office/drawing/2010/main" xmlns="" w="9525">
                   <a:solidFill>
                     <a:srgbClr val="000000"/>
                   </a:solidFill>
@@ -3013,7 +3013,7 @@
             </a:ln>
             <a:extLst>
               <a:ext uri="{91240B29-F687-4f45-9708-019B960494DF}">
-                <a14:hiddenLine xmlns="" xmlns:a14="http://schemas.microsoft.com/office/drawing/2010/main" w="9525">
+                <a14:hiddenLine xmlns:a14="http://schemas.microsoft.com/office/drawing/2010/main" xmlns="" w="9525">
                   <a:solidFill>
                     <a:srgbClr val="000000"/>
                   </a:solidFill>
@@ -3075,7 +3075,7 @@
             </a:ln>
             <a:extLst>
               <a:ext uri="{91240B29-F687-4f45-9708-019B960494DF}">
-                <a14:hiddenLine xmlns="" xmlns:a14="http://schemas.microsoft.com/office/drawing/2010/main" w="9525">
+                <a14:hiddenLine xmlns:a14="http://schemas.microsoft.com/office/drawing/2010/main" xmlns="" w="9525">
                   <a:solidFill>
                     <a:srgbClr val="000000"/>
                   </a:solidFill>
@@ -3137,7 +3137,7 @@
             </a:ln>
             <a:extLst>
               <a:ext uri="{91240B29-F687-4f45-9708-019B960494DF}">
-                <a14:hiddenLine xmlns="" xmlns:a14="http://schemas.microsoft.com/office/drawing/2010/main" w="9525">
+                <a14:hiddenLine xmlns:a14="http://schemas.microsoft.com/office/drawing/2010/main" xmlns="" w="9525">
                   <a:solidFill>
                     <a:srgbClr val="000000"/>
                   </a:solidFill>
@@ -3227,7 +3227,7 @@
             </a:ln>
             <a:extLst>
               <a:ext uri="{91240B29-F687-4f45-9708-019B960494DF}">
-                <a14:hiddenLine xmlns="" xmlns:a14="http://schemas.microsoft.com/office/drawing/2010/main" w="9525">
+                <a14:hiddenLine xmlns:a14="http://schemas.microsoft.com/office/drawing/2010/main" xmlns="" w="9525">
                   <a:solidFill>
                     <a:srgbClr val="000000"/>
                   </a:solidFill>
@@ -3295,7 +3295,7 @@
             </a:ln>
             <a:extLst>
               <a:ext uri="{91240B29-F687-4f45-9708-019B960494DF}">
-                <a14:hiddenLine xmlns="" xmlns:a14="http://schemas.microsoft.com/office/drawing/2010/main" w="9525">
+                <a14:hiddenLine xmlns:a14="http://schemas.microsoft.com/office/drawing/2010/main" xmlns="" w="9525">
                   <a:solidFill>
                     <a:srgbClr val="000000"/>
                   </a:solidFill>
@@ -3357,7 +3357,7 @@
             </a:ln>
             <a:extLst>
               <a:ext uri="{91240B29-F687-4f45-9708-019B960494DF}">
-                <a14:hiddenLine xmlns="" xmlns:a14="http://schemas.microsoft.com/office/drawing/2010/main" w="9525">
+                <a14:hiddenLine xmlns:a14="http://schemas.microsoft.com/office/drawing/2010/main" xmlns="" w="9525">
                   <a:solidFill>
                     <a:srgbClr val="000000"/>
                   </a:solidFill>
@@ -3447,7 +3447,7 @@
             </a:ln>
             <a:extLst>
               <a:ext uri="{91240B29-F687-4f45-9708-019B960494DF}">
-                <a14:hiddenLine xmlns="" xmlns:a14="http://schemas.microsoft.com/office/drawing/2010/main" w="9525">
+                <a14:hiddenLine xmlns:a14="http://schemas.microsoft.com/office/drawing/2010/main" xmlns="" w="9525">
                   <a:solidFill>
                     <a:srgbClr val="000000"/>
                   </a:solidFill>
@@ -3509,7 +3509,7 @@
             </a:ln>
             <a:extLst>
               <a:ext uri="{91240B29-F687-4f45-9708-019B960494DF}">
-                <a14:hiddenLine xmlns="" xmlns:a14="http://schemas.microsoft.com/office/drawing/2010/main" w="9525">
+                <a14:hiddenLine xmlns:a14="http://schemas.microsoft.com/office/drawing/2010/main" xmlns="" w="9525">
                   <a:solidFill>
                     <a:srgbClr val="000000"/>
                   </a:solidFill>
@@ -3599,7 +3599,7 @@
             </a:ln>
             <a:extLst>
               <a:ext uri="{91240B29-F687-4f45-9708-019B960494DF}">
-                <a14:hiddenLine xmlns="" xmlns:a14="http://schemas.microsoft.com/office/drawing/2010/main" w="9525">
+                <a14:hiddenLine xmlns:a14="http://schemas.microsoft.com/office/drawing/2010/main" xmlns="" w="9525">
                   <a:solidFill>
                     <a:srgbClr val="000000"/>
                   </a:solidFill>
@@ -3661,7 +3661,7 @@
             </a:ln>
             <a:extLst>
               <a:ext uri="{91240B29-F687-4f45-9708-019B960494DF}">
-                <a14:hiddenLine xmlns="" xmlns:a14="http://schemas.microsoft.com/office/drawing/2010/main" w="9525">
+                <a14:hiddenLine xmlns:a14="http://schemas.microsoft.com/office/drawing/2010/main" xmlns="" w="9525">
                   <a:solidFill>
                     <a:srgbClr val="000000"/>
                   </a:solidFill>
@@ -3751,7 +3751,7 @@
             </a:ln>
             <a:extLst>
               <a:ext uri="{91240B29-F687-4f45-9708-019B960494DF}">
-                <a14:hiddenLine xmlns="" xmlns:a14="http://schemas.microsoft.com/office/drawing/2010/main" w="9525">
+                <a14:hiddenLine xmlns:a14="http://schemas.microsoft.com/office/drawing/2010/main" xmlns="" w="9525">
                   <a:solidFill>
                     <a:srgbClr val="000000"/>
                   </a:solidFill>
@@ -3785,7 +3785,7 @@
             </a:ln>
             <a:extLst>
               <a:ext uri="{91240B29-F687-4f45-9708-019B960494DF}">
-                <a14:hiddenLine xmlns="" xmlns:a14="http://schemas.microsoft.com/office/drawing/2010/main" w="9525">
+                <a14:hiddenLine xmlns:a14="http://schemas.microsoft.com/office/drawing/2010/main" xmlns="" w="9525">
                   <a:solidFill>
                     <a:srgbClr val="000000"/>
                   </a:solidFill>
@@ -3850,7 +3850,7 @@
             </a:ln>
             <a:extLst>
               <a:ext uri="{91240B29-F687-4f45-9708-019B960494DF}">
-                <a14:hiddenLine xmlns="" xmlns:a14="http://schemas.microsoft.com/office/drawing/2010/main" w="9525">
+                <a14:hiddenLine xmlns:a14="http://schemas.microsoft.com/office/drawing/2010/main" xmlns="" w="9525">
                   <a:solidFill>
                     <a:srgbClr val="000000"/>
                   </a:solidFill>
@@ -3940,7 +3940,7 @@
             </a:ln>
             <a:extLst>
               <a:ext uri="{91240B29-F687-4f45-9708-019B960494DF}">
-                <a14:hiddenLine xmlns="" xmlns:a14="http://schemas.microsoft.com/office/drawing/2010/main" w="9525">
+                <a14:hiddenLine xmlns:a14="http://schemas.microsoft.com/office/drawing/2010/main" xmlns="" w="9525">
                   <a:solidFill>
                     <a:srgbClr val="000000"/>
                   </a:solidFill>
@@ -4002,7 +4002,7 @@
             </a:ln>
             <a:extLst>
               <a:ext uri="{91240B29-F687-4f45-9708-019B960494DF}">
-                <a14:hiddenLine xmlns="" xmlns:a14="http://schemas.microsoft.com/office/drawing/2010/main" w="9525">
+                <a14:hiddenLine xmlns:a14="http://schemas.microsoft.com/office/drawing/2010/main" xmlns="" w="9525">
                   <a:solidFill>
                     <a:srgbClr val="000000"/>
                   </a:solidFill>
@@ -4092,7 +4092,7 @@
             </a:ln>
             <a:extLst>
               <a:ext uri="{91240B29-F687-4f45-9708-019B960494DF}">
-                <a14:hiddenLine xmlns="" xmlns:a14="http://schemas.microsoft.com/office/drawing/2010/main" w="9525">
+                <a14:hiddenLine xmlns:a14="http://schemas.microsoft.com/office/drawing/2010/main" xmlns="" w="9525">
                   <a:solidFill>
                     <a:srgbClr val="000000"/>
                   </a:solidFill>
@@ -4182,7 +4182,7 @@
             </a:ln>
             <a:extLst>
               <a:ext uri="{91240B29-F687-4f45-9708-019B960494DF}">
-                <a14:hiddenLine xmlns="" xmlns:a14="http://schemas.microsoft.com/office/drawing/2010/main" w="9525">
+                <a14:hiddenLine xmlns:a14="http://schemas.microsoft.com/office/drawing/2010/main" xmlns="" w="9525">
                   <a:solidFill>
                     <a:srgbClr val="000000"/>
                   </a:solidFill>
@@ -4247,7 +4247,7 @@
             </a:ln>
             <a:extLst>
               <a:ext uri="{91240B29-F687-4f45-9708-019B960494DF}">
-                <a14:hiddenLine xmlns="" xmlns:a14="http://schemas.microsoft.com/office/drawing/2010/main" w="9525">
+                <a14:hiddenLine xmlns:a14="http://schemas.microsoft.com/office/drawing/2010/main" xmlns="" w="9525">
                   <a:solidFill>
                     <a:srgbClr val="000000"/>
                   </a:solidFill>
@@ -4309,7 +4309,7 @@
             </a:ln>
             <a:extLst>
               <a:ext uri="{91240B29-F687-4f45-9708-019B960494DF}">
-                <a14:hiddenLine xmlns="" xmlns:a14="http://schemas.microsoft.com/office/drawing/2010/main" w="9525">
+                <a14:hiddenLine xmlns:a14="http://schemas.microsoft.com/office/drawing/2010/main" xmlns="" w="9525">
                   <a:solidFill>
                     <a:srgbClr val="000000"/>
                   </a:solidFill>
@@ -4399,7 +4399,7 @@
             </a:ln>
             <a:extLst>
               <a:ext uri="{91240B29-F687-4f45-9708-019B960494DF}">
-                <a14:hiddenLine xmlns="" xmlns:a14="http://schemas.microsoft.com/office/drawing/2010/main" w="9525">
+                <a14:hiddenLine xmlns:a14="http://schemas.microsoft.com/office/drawing/2010/main" xmlns="" w="9525">
                   <a:solidFill>
                     <a:srgbClr val="000000"/>
                   </a:solidFill>
@@ -4489,7 +4489,7 @@
             </a:ln>
             <a:extLst>
               <a:ext uri="{91240B29-F687-4f45-9708-019B960494DF}">
-                <a14:hiddenLine xmlns="" xmlns:a14="http://schemas.microsoft.com/office/drawing/2010/main" w="9525">
+                <a14:hiddenLine xmlns:a14="http://schemas.microsoft.com/office/drawing/2010/main" xmlns="" w="9525">
                   <a:solidFill>
                     <a:srgbClr val="000000"/>
                   </a:solidFill>
@@ -4551,7 +4551,7 @@
             </a:ln>
             <a:extLst>
               <a:ext uri="{91240B29-F687-4f45-9708-019B960494DF}">
-                <a14:hiddenLine xmlns="" xmlns:a14="http://schemas.microsoft.com/office/drawing/2010/main" w="9525">
+                <a14:hiddenLine xmlns:a14="http://schemas.microsoft.com/office/drawing/2010/main" xmlns="" w="9525">
                   <a:solidFill>
                     <a:srgbClr val="000000"/>
                   </a:solidFill>
@@ -4671,7 +4671,7 @@
             </a:ln>
             <a:extLst>
               <a:ext uri="{91240B29-F687-4f45-9708-019B960494DF}">
-                <a14:hiddenLine xmlns="" xmlns:a14="http://schemas.microsoft.com/office/drawing/2010/main" w="9525">
+                <a14:hiddenLine xmlns:a14="http://schemas.microsoft.com/office/drawing/2010/main" xmlns="" w="9525">
                   <a:solidFill>
                     <a:srgbClr val="000000"/>
                   </a:solidFill>
@@ -4739,7 +4739,7 @@
             </a:ln>
             <a:extLst>
               <a:ext uri="{91240B29-F687-4f45-9708-019B960494DF}">
-                <a14:hiddenLine xmlns="" xmlns:a14="http://schemas.microsoft.com/office/drawing/2010/main" w="9525">
+                <a14:hiddenLine xmlns:a14="http://schemas.microsoft.com/office/drawing/2010/main" xmlns="" w="9525">
                   <a:solidFill>
                     <a:srgbClr val="000000"/>
                   </a:solidFill>
@@ -4829,7 +4829,7 @@
             </a:ln>
             <a:extLst>
               <a:ext uri="{91240B29-F687-4f45-9708-019B960494DF}">
-                <a14:hiddenLine xmlns="" xmlns:a14="http://schemas.microsoft.com/office/drawing/2010/main" w="9525">
+                <a14:hiddenLine xmlns:a14="http://schemas.microsoft.com/office/drawing/2010/main" xmlns="" w="9525">
                   <a:solidFill>
                     <a:srgbClr val="000000"/>
                   </a:solidFill>
@@ -4969,7 +4969,7 @@
           <a:p>
             <a:fld id="{B45B2D82-1C13-4A69-816D-F814F6970C61}" type="datetime8">
               <a:rPr lang="he-IL" smtClean="0"/>
-              <a:t>09 ינואר 21</a:t>
+              <a:t>23 ינואר 21</a:t>
             </a:fld>
             <a:endParaRPr lang="he-IL"/>
           </a:p>
@@ -5240,7 +5240,7 @@
           <a:p>
             <a:fld id="{F6903D47-09DB-4882-8AD9-B3E5C59A3DD1}" type="datetime8">
               <a:rPr lang="he-IL" smtClean="0"/>
-              <a:t>09 ינואר 21</a:t>
+              <a:t>23 ינואר 21</a:t>
             </a:fld>
             <a:endParaRPr lang="he-IL"/>
           </a:p>
@@ -5440,7 +5440,7 @@
           <a:p>
             <a:fld id="{B1AB8431-341C-4398-849B-538AB34939F0}" type="datetime8">
               <a:rPr lang="he-IL" smtClean="0"/>
-              <a:t>09 ינואר 21</a:t>
+              <a:t>23 ינואר 21</a:t>
             </a:fld>
             <a:endParaRPr lang="he-IL"/>
           </a:p>
@@ -5707,7 +5707,7 @@
           <a:p>
             <a:fld id="{79C64617-E605-4230-B6AD-65B16A5A1D32}" type="datetime8">
               <a:rPr lang="he-IL" smtClean="0"/>
-              <a:t>09 ינואר 21</a:t>
+              <a:t>23 ינואר 21</a:t>
             </a:fld>
             <a:endParaRPr lang="he-IL"/>
           </a:p>
@@ -6145,7 +6145,7 @@
           <a:p>
             <a:fld id="{934044E5-2E2F-4497-990B-3A2CBC6C4CF9}" type="datetime8">
               <a:rPr lang="he-IL" smtClean="0"/>
-              <a:t>09 ינואר 21</a:t>
+              <a:t>23 ינואר 21</a:t>
             </a:fld>
             <a:endParaRPr lang="he-IL"/>
           </a:p>
@@ -6695,7 +6695,7 @@
           <a:p>
             <a:fld id="{B09CFF39-DCA7-4162-925C-989870557E6A}" type="datetime8">
               <a:rPr lang="he-IL" smtClean="0"/>
-              <a:t>09 ינואר 21</a:t>
+              <a:t>23 ינואר 21</a:t>
             </a:fld>
             <a:endParaRPr lang="he-IL"/>
           </a:p>
@@ -7419,7 +7419,7 @@
           <a:p>
             <a:fld id="{3F6B3B34-615D-437D-89B1-17CF9FA438BD}" type="datetime8">
               <a:rPr lang="he-IL" smtClean="0"/>
-              <a:t>09 ינואר 21</a:t>
+              <a:t>23 ינואר 21</a:t>
             </a:fld>
             <a:endParaRPr lang="he-IL"/>
           </a:p>
@@ -7593,7 +7593,7 @@
           <a:p>
             <a:fld id="{5949BB66-10B0-4215-ADA8-2212810D4F59}" type="datetime8">
               <a:rPr lang="he-IL" smtClean="0"/>
-              <a:t>09 ינואר 21</a:t>
+              <a:t>23 ינואר 21</a:t>
             </a:fld>
             <a:endParaRPr lang="he-IL"/>
           </a:p>
@@ -7777,7 +7777,7 @@
           <a:p>
             <a:fld id="{26B289E3-1B30-4DC6-A0D9-960C9712ED44}" type="datetime8">
               <a:rPr lang="he-IL" smtClean="0"/>
-              <a:t>09 ינואר 21</a:t>
+              <a:t>23 ינואר 21</a:t>
             </a:fld>
             <a:endParaRPr lang="he-IL"/>
           </a:p>
@@ -8071,7 +8071,7 @@
           <a:p>
             <a:fld id="{0791746A-1D26-45A1-8F56-57958EA1E527}" type="datetime8">
               <a:rPr lang="he-IL" smtClean="0"/>
-              <a:t>09 ינואר 21</a:t>
+              <a:t>23 ינואר 21</a:t>
             </a:fld>
             <a:endParaRPr lang="he-IL"/>
           </a:p>
@@ -8285,7 +8285,7 @@
           <a:p>
             <a:fld id="{79A4B10B-764D-49ED-A7C3-2ADE07A6A267}" type="datetime8">
               <a:rPr lang="he-IL" smtClean="0"/>
-              <a:t>09 ינואר 21</a:t>
+              <a:t>23 ינואר 21</a:t>
             </a:fld>
             <a:endParaRPr lang="he-IL"/>
           </a:p>
@@ -8459,7 +8459,7 @@
           <a:p>
             <a:fld id="{B45163B0-39A1-4BFC-8534-A79C91548DA6}" type="datetime8">
               <a:rPr lang="he-IL" smtClean="0"/>
-              <a:t>09 ינואר 21</a:t>
+              <a:t>23 ינואר 21</a:t>
             </a:fld>
             <a:endParaRPr lang="he-IL"/>
           </a:p>
@@ -8739,7 +8739,7 @@
           <a:p>
             <a:fld id="{2AC5BA40-6DC8-436E-B72A-40A5A7BEFA36}" type="datetime8">
               <a:rPr lang="he-IL" smtClean="0"/>
-              <a:t>09 ינואר 21</a:t>
+              <a:t>23 ינואר 21</a:t>
             </a:fld>
             <a:endParaRPr lang="he-IL"/>
           </a:p>
@@ -9009,7 +9009,7 @@
           <a:p>
             <a:fld id="{04598D4B-6B80-4A29-8D15-242A491AAC67}" type="datetime8">
               <a:rPr lang="he-IL" smtClean="0"/>
-              <a:t>09 ינואר 21</a:t>
+              <a:t>23 ינואר 21</a:t>
             </a:fld>
             <a:endParaRPr lang="he-IL"/>
           </a:p>
@@ -9387,7 +9387,7 @@
           <a:p>
             <a:fld id="{7676FDE1-AD88-43C9-8C05-7F14A8747AB0}" type="datetime8">
               <a:rPr lang="he-IL" smtClean="0"/>
-              <a:t>09 ינואר 21</a:t>
+              <a:t>23 ינואר 21</a:t>
             </a:fld>
             <a:endParaRPr lang="he-IL"/>
           </a:p>
@@ -9539,7 +9539,7 @@
           <a:p>
             <a:fld id="{3EF83782-3AD7-4C1D-AC79-6B5A7F18EFEE}" type="datetime8">
               <a:rPr lang="he-IL" smtClean="0"/>
-              <a:t>09 ינואר 21</a:t>
+              <a:t>23 ינואר 21</a:t>
             </a:fld>
             <a:endParaRPr lang="he-IL"/>
           </a:p>
@@ -9668,7 +9668,7 @@
           <a:p>
             <a:fld id="{324CA802-7589-4F8D-80CA-C65978F31246}" type="datetime8">
               <a:rPr lang="he-IL" smtClean="0"/>
-              <a:t>09 ינואר 21</a:t>
+              <a:t>23 ינואר 21</a:t>
             </a:fld>
             <a:endParaRPr lang="he-IL"/>
           </a:p>
@@ -9957,7 +9957,7 @@
           <a:p>
             <a:fld id="{BF0BBD8F-3CFA-498E-AA31-752C4CF746E2}" type="datetime8">
               <a:rPr lang="he-IL" smtClean="0"/>
-              <a:t>09 ינואר 21</a:t>
+              <a:t>23 ינואר 21</a:t>
             </a:fld>
             <a:endParaRPr lang="he-IL"/>
           </a:p>
@@ -10285,7 +10285,7 @@
           <a:p>
             <a:fld id="{55E8307E-E698-4C89-BF9A-26F224E323F1}" type="datetime8">
               <a:rPr lang="he-IL" smtClean="0"/>
-              <a:t>09 ינואר 21</a:t>
+              <a:t>23 ינואר 21</a:t>
             </a:fld>
             <a:endParaRPr lang="he-IL"/>
           </a:p>
@@ -10613,7 +10613,7 @@
           <a:p>
             <a:fld id="{CADC8474-B9E5-46E0-A75E-7A81166DD5BF}" type="datetime8">
               <a:rPr lang="he-IL" smtClean="0"/>
-              <a:t>09 ינואר 21</a:t>
+              <a:t>23 ינואר 21</a:t>
             </a:fld>
             <a:endParaRPr lang="he-IL"/>
           </a:p>
@@ -10895,7 +10895,7 @@
           <a:p>
             <a:fld id="{FAEDDC8F-5324-4013-B02B-1B21B5741A1F}" type="datetime8">
               <a:rPr lang="he-IL" smtClean="0"/>
-              <a:t>09 ינואר 21</a:t>
+              <a:t>23 ינואר 21</a:t>
             </a:fld>
             <a:endParaRPr lang="he-IL"/>
           </a:p>
@@ -11467,7 +11467,7 @@
           <a:p>
             <a:fld id="{BA3ED1E9-6163-40A8-8AEF-32B2DB8F3DFF}" type="datetime8">
               <a:rPr lang="he-IL" smtClean="0"/>
-              <a:t>09 ינואר 21</a:t>
+              <a:t>23 ינואר 21</a:t>
             </a:fld>
             <a:endParaRPr lang="he-IL"/>
           </a:p>
@@ -11721,7 +11721,7 @@
           <a:p>
             <a:fld id="{FB23724C-3241-4879-952A-191D56AE2A10}" type="datetime8">
               <a:rPr lang="he-IL" smtClean="0"/>
-              <a:t>09 ינואר 21</a:t>
+              <a:t>23 ינואר 21</a:t>
             </a:fld>
             <a:endParaRPr lang="he-IL"/>
           </a:p>
@@ -12003,7 +12003,7 @@
           <a:p>
             <a:fld id="{BE56777E-F177-4DEA-B05E-E76BA3603BE8}" type="datetime8">
               <a:rPr lang="he-IL" smtClean="0"/>
-              <a:t>09 ינואר 21</a:t>
+              <a:t>23 ינואר 21</a:t>
             </a:fld>
             <a:endParaRPr lang="he-IL"/>
           </a:p>
@@ -12569,7 +12569,7 @@
           <a:p>
             <a:fld id="{435FCAAC-FB5E-4731-BE96-69855FD2237D}" type="datetime8">
               <a:rPr lang="he-IL" smtClean="0"/>
-              <a:t>09 ינואר 21</a:t>
+              <a:t>23 ינואר 21</a:t>
             </a:fld>
             <a:endParaRPr lang="he-IL"/>
           </a:p>
@@ -12900,7 +12900,7 @@
           <a:p>
             <a:fld id="{4D996ADB-71C2-4B34-87A4-7E6B0FAEC766}" type="datetime8">
               <a:rPr lang="he-IL" smtClean="0"/>
-              <a:t>09 ינואר 21</a:t>
+              <a:t>23 ינואר 21</a:t>
             </a:fld>
             <a:endParaRPr lang="he-IL"/>
           </a:p>
@@ -13081,7 +13081,7 @@
           <a:p>
             <a:fld id="{76B4003B-AB53-40A8-94B6-3FAD5F853BC2}" type="datetime8">
               <a:rPr lang="he-IL" smtClean="0"/>
-              <a:t>09 ינואר 21</a:t>
+              <a:t>23 ינואר 21</a:t>
             </a:fld>
             <a:endParaRPr lang="he-IL"/>
           </a:p>
@@ -13323,7 +13323,7 @@
           <a:p>
             <a:fld id="{919F1382-8D93-4D62-841D-74D9DEE44474}" type="datetime8">
               <a:rPr lang="he-IL" smtClean="0"/>
-              <a:t>09 ינואר 21</a:t>
+              <a:t>23 ינואר 21</a:t>
             </a:fld>
             <a:endParaRPr lang="he-IL"/>
           </a:p>
@@ -13559,7 +13559,7 @@
           <a:p>
             <a:fld id="{A53FEC75-E588-4EF6-A729-3A9A05313376}" type="datetime8">
               <a:rPr lang="he-IL" smtClean="0"/>
-              <a:t>09 ינואר 21</a:t>
+              <a:t>23 ינואר 21</a:t>
             </a:fld>
             <a:endParaRPr lang="he-IL"/>
           </a:p>
@@ -13944,7 +13944,7 @@
           <a:p>
             <a:fld id="{25F47A3C-C652-4B7B-8CB7-B8C9E55C79FF}" type="datetime8">
               <a:rPr lang="he-IL" smtClean="0"/>
-              <a:t>09 ינואר 21</a:t>
+              <a:t>23 ינואר 21</a:t>
             </a:fld>
             <a:endParaRPr lang="he-IL"/>
           </a:p>
@@ -14066,7 +14066,7 @@
           <a:p>
             <a:fld id="{DE8415ED-0C16-4B02-B32D-D488A4E4AEB4}" type="datetime8">
               <a:rPr lang="he-IL" smtClean="0"/>
-              <a:t>09 ינואר 21</a:t>
+              <a:t>23 ינואר 21</a:t>
             </a:fld>
             <a:endParaRPr lang="he-IL"/>
           </a:p>
@@ -14165,7 +14165,7 @@
           <a:p>
             <a:fld id="{333FFCC5-5437-4239-BAB0-DEAFAB50EBF2}" type="datetime8">
               <a:rPr lang="he-IL" smtClean="0"/>
-              <a:t>09 ינואר 21</a:t>
+              <a:t>23 ינואר 21</a:t>
             </a:fld>
             <a:endParaRPr lang="he-IL"/>
           </a:p>
@@ -14418,7 +14418,7 @@
           <a:p>
             <a:fld id="{C0737776-4A75-4413-86A6-EE947FC19109}" type="datetime8">
               <a:rPr lang="he-IL" smtClean="0"/>
-              <a:t>09 ינואר 21</a:t>
+              <a:t>23 ינואר 21</a:t>
             </a:fld>
             <a:endParaRPr lang="he-IL"/>
           </a:p>
@@ -14702,7 +14702,7 @@
           <a:p>
             <a:fld id="{DA8A8506-4E66-42D1-A698-33ACE7710C64}" type="datetime8">
               <a:rPr lang="he-IL" smtClean="0"/>
-              <a:t>09 ינואר 21</a:t>
+              <a:t>23 ינואר 21</a:t>
             </a:fld>
             <a:endParaRPr lang="he-IL"/>
           </a:p>
@@ -14822,7 +14822,7 @@
           <a:noFill/>
           <a:extLst>
             <a:ext uri="{909E8E84-426E-40dd-AFC4-6F175D3DCCD1}">
-              <a14:hiddenFill xmlns="" xmlns:a14="http://schemas.microsoft.com/office/drawing/2010/main">
+              <a14:hiddenFill xmlns:a14="http://schemas.microsoft.com/office/drawing/2010/main" xmlns="">
                 <a:solidFill>
                   <a:srgbClr val="FFFFFF"/>
                 </a:solidFill>
@@ -14896,7 +14896,7 @@
               </a:ln>
               <a:extLst>
                 <a:ext uri="{91240B29-F687-4f45-9708-019B960494DF}">
-                  <a14:hiddenLine xmlns="" xmlns:a14="http://schemas.microsoft.com/office/drawing/2010/main" w="9525">
+                  <a14:hiddenLine xmlns:a14="http://schemas.microsoft.com/office/drawing/2010/main" xmlns="" w="9525">
                     <a:solidFill>
                       <a:srgbClr val="000000"/>
                     </a:solidFill>
@@ -14986,7 +14986,7 @@
               </a:ln>
               <a:extLst>
                 <a:ext uri="{91240B29-F687-4f45-9708-019B960494DF}">
-                  <a14:hiddenLine xmlns="" xmlns:a14="http://schemas.microsoft.com/office/drawing/2010/main" w="9525">
+                  <a14:hiddenLine xmlns:a14="http://schemas.microsoft.com/office/drawing/2010/main" xmlns="" w="9525">
                     <a:solidFill>
                       <a:srgbClr val="000000"/>
                     </a:solidFill>
@@ -15076,7 +15076,7 @@
               </a:ln>
               <a:extLst>
                 <a:ext uri="{91240B29-F687-4f45-9708-019B960494DF}">
-                  <a14:hiddenLine xmlns="" xmlns:a14="http://schemas.microsoft.com/office/drawing/2010/main" w="9525">
+                  <a14:hiddenLine xmlns:a14="http://schemas.microsoft.com/office/drawing/2010/main" xmlns="" w="9525">
                     <a:solidFill>
                       <a:srgbClr val="000000"/>
                     </a:solidFill>
@@ -15138,7 +15138,7 @@
               </a:ln>
               <a:extLst>
                 <a:ext uri="{91240B29-F687-4f45-9708-019B960494DF}">
-                  <a14:hiddenLine xmlns="" xmlns:a14="http://schemas.microsoft.com/office/drawing/2010/main" w="9525">
+                  <a14:hiddenLine xmlns:a14="http://schemas.microsoft.com/office/drawing/2010/main" xmlns="" w="9525">
                     <a:solidFill>
                       <a:srgbClr val="000000"/>
                     </a:solidFill>
@@ -15228,7 +15228,7 @@
               </a:ln>
               <a:extLst>
                 <a:ext uri="{91240B29-F687-4f45-9708-019B960494DF}">
-                  <a14:hiddenLine xmlns="" xmlns:a14="http://schemas.microsoft.com/office/drawing/2010/main" w="9525">
+                  <a14:hiddenLine xmlns:a14="http://schemas.microsoft.com/office/drawing/2010/main" xmlns="" w="9525">
                     <a:solidFill>
                       <a:srgbClr val="000000"/>
                     </a:solidFill>
@@ -15290,7 +15290,7 @@
               </a:ln>
               <a:extLst>
                 <a:ext uri="{91240B29-F687-4f45-9708-019B960494DF}">
-                  <a14:hiddenLine xmlns="" xmlns:a14="http://schemas.microsoft.com/office/drawing/2010/main" w="9525">
+                  <a14:hiddenLine xmlns:a14="http://schemas.microsoft.com/office/drawing/2010/main" xmlns="" w="9525">
                     <a:solidFill>
                       <a:srgbClr val="000000"/>
                     </a:solidFill>
@@ -15352,7 +15352,7 @@
               </a:ln>
               <a:extLst>
                 <a:ext uri="{91240B29-F687-4f45-9708-019B960494DF}">
-                  <a14:hiddenLine xmlns="" xmlns:a14="http://schemas.microsoft.com/office/drawing/2010/main" w="9525">
+                  <a14:hiddenLine xmlns:a14="http://schemas.microsoft.com/office/drawing/2010/main" xmlns="" w="9525">
                     <a:solidFill>
                       <a:srgbClr val="000000"/>
                     </a:solidFill>
@@ -15442,7 +15442,7 @@
               </a:ln>
               <a:extLst>
                 <a:ext uri="{91240B29-F687-4f45-9708-019B960494DF}">
-                  <a14:hiddenLine xmlns="" xmlns:a14="http://schemas.microsoft.com/office/drawing/2010/main" w="9525">
+                  <a14:hiddenLine xmlns:a14="http://schemas.microsoft.com/office/drawing/2010/main" xmlns="" w="9525">
                     <a:solidFill>
                       <a:srgbClr val="000000"/>
                     </a:solidFill>
@@ -15532,7 +15532,7 @@
               </a:ln>
               <a:extLst>
                 <a:ext uri="{91240B29-F687-4f45-9708-019B960494DF}">
-                  <a14:hiddenLine xmlns="" xmlns:a14="http://schemas.microsoft.com/office/drawing/2010/main" w="9525">
+                  <a14:hiddenLine xmlns:a14="http://schemas.microsoft.com/office/drawing/2010/main" xmlns="" w="9525">
                     <a:solidFill>
                       <a:srgbClr val="000000"/>
                     </a:solidFill>
@@ -15594,7 +15594,7 @@
               </a:ln>
               <a:extLst>
                 <a:ext uri="{91240B29-F687-4f45-9708-019B960494DF}">
-                  <a14:hiddenLine xmlns="" xmlns:a14="http://schemas.microsoft.com/office/drawing/2010/main" w="9525">
+                  <a14:hiddenLine xmlns:a14="http://schemas.microsoft.com/office/drawing/2010/main" xmlns="" w="9525">
                     <a:solidFill>
                       <a:srgbClr val="000000"/>
                     </a:solidFill>
@@ -15704,7 +15704,7 @@
               </a:ln>
               <a:extLst>
                 <a:ext uri="{91240B29-F687-4f45-9708-019B960494DF}">
-                  <a14:hiddenLine xmlns="" xmlns:a14="http://schemas.microsoft.com/office/drawing/2010/main" w="9525">
+                  <a14:hiddenLine xmlns:a14="http://schemas.microsoft.com/office/drawing/2010/main" xmlns="" w="9525">
                     <a:solidFill>
                       <a:srgbClr val="000000"/>
                     </a:solidFill>
@@ -15788,7 +15788,7 @@
               </a:ln>
               <a:extLst>
                 <a:ext uri="{91240B29-F687-4f45-9708-019B960494DF}">
-                  <a14:hiddenLine xmlns="" xmlns:a14="http://schemas.microsoft.com/office/drawing/2010/main" w="9525">
+                  <a14:hiddenLine xmlns:a14="http://schemas.microsoft.com/office/drawing/2010/main" xmlns="" w="9525">
                     <a:solidFill>
                       <a:srgbClr val="000000"/>
                     </a:solidFill>
@@ -15850,7 +15850,7 @@
               </a:ln>
               <a:extLst>
                 <a:ext uri="{91240B29-F687-4f45-9708-019B960494DF}">
-                  <a14:hiddenLine xmlns="" xmlns:a14="http://schemas.microsoft.com/office/drawing/2010/main" w="9525">
+                  <a14:hiddenLine xmlns:a14="http://schemas.microsoft.com/office/drawing/2010/main" xmlns="" w="9525">
                     <a:solidFill>
                       <a:srgbClr val="000000"/>
                     </a:solidFill>
@@ -15912,7 +15912,7 @@
               </a:ln>
               <a:extLst>
                 <a:ext uri="{91240B29-F687-4f45-9708-019B960494DF}">
-                  <a14:hiddenLine xmlns="" xmlns:a14="http://schemas.microsoft.com/office/drawing/2010/main" w="9525">
+                  <a14:hiddenLine xmlns:a14="http://schemas.microsoft.com/office/drawing/2010/main" xmlns="" w="9525">
                     <a:solidFill>
                       <a:srgbClr val="000000"/>
                     </a:solidFill>
@@ -16002,7 +16002,7 @@
               </a:ln>
               <a:extLst>
                 <a:ext uri="{91240B29-F687-4f45-9708-019B960494DF}">
-                  <a14:hiddenLine xmlns="" xmlns:a14="http://schemas.microsoft.com/office/drawing/2010/main" w="9525">
+                  <a14:hiddenLine xmlns:a14="http://schemas.microsoft.com/office/drawing/2010/main" xmlns="" w="9525">
                     <a:solidFill>
                       <a:srgbClr val="000000"/>
                     </a:solidFill>
@@ -16036,7 +16036,7 @@
               </a:ln>
               <a:extLst>
                 <a:ext uri="{91240B29-F687-4f45-9708-019B960494DF}">
-                  <a14:hiddenLine xmlns="" xmlns:a14="http://schemas.microsoft.com/office/drawing/2010/main" w="9525">
+                  <a14:hiddenLine xmlns:a14="http://schemas.microsoft.com/office/drawing/2010/main" xmlns="" w="9525">
                     <a:solidFill>
                       <a:srgbClr val="000000"/>
                     </a:solidFill>
@@ -16101,7 +16101,7 @@
               </a:ln>
               <a:extLst>
                 <a:ext uri="{91240B29-F687-4f45-9708-019B960494DF}">
-                  <a14:hiddenLine xmlns="" xmlns:a14="http://schemas.microsoft.com/office/drawing/2010/main" w="9525">
+                  <a14:hiddenLine xmlns:a14="http://schemas.microsoft.com/office/drawing/2010/main" xmlns="" w="9525">
                     <a:solidFill>
                       <a:srgbClr val="000000"/>
                     </a:solidFill>
@@ -16191,7 +16191,7 @@
               </a:ln>
               <a:extLst>
                 <a:ext uri="{91240B29-F687-4f45-9708-019B960494DF}">
-                  <a14:hiddenLine xmlns="" xmlns:a14="http://schemas.microsoft.com/office/drawing/2010/main" w="9525">
+                  <a14:hiddenLine xmlns:a14="http://schemas.microsoft.com/office/drawing/2010/main" xmlns="" w="9525">
                     <a:solidFill>
                       <a:srgbClr val="000000"/>
                     </a:solidFill>
@@ -16253,7 +16253,7 @@
               </a:ln>
               <a:extLst>
                 <a:ext uri="{91240B29-F687-4f45-9708-019B960494DF}">
-                  <a14:hiddenLine xmlns="" xmlns:a14="http://schemas.microsoft.com/office/drawing/2010/main" w="9525">
+                  <a14:hiddenLine xmlns:a14="http://schemas.microsoft.com/office/drawing/2010/main" xmlns="" w="9525">
                     <a:solidFill>
                       <a:srgbClr val="000000"/>
                     </a:solidFill>
@@ -16343,7 +16343,7 @@
               </a:ln>
               <a:extLst>
                 <a:ext uri="{91240B29-F687-4f45-9708-019B960494DF}">
-                  <a14:hiddenLine xmlns="" xmlns:a14="http://schemas.microsoft.com/office/drawing/2010/main" w="9525">
+                  <a14:hiddenLine xmlns:a14="http://schemas.microsoft.com/office/drawing/2010/main" xmlns="" w="9525">
                     <a:solidFill>
                       <a:srgbClr val="000000"/>
                     </a:solidFill>
@@ -16408,7 +16408,7 @@
               </a:ln>
               <a:extLst>
                 <a:ext uri="{91240B29-F687-4f45-9708-019B960494DF}">
-                  <a14:hiddenLine xmlns="" xmlns:a14="http://schemas.microsoft.com/office/drawing/2010/main" w="9525">
+                  <a14:hiddenLine xmlns:a14="http://schemas.microsoft.com/office/drawing/2010/main" xmlns="" w="9525">
                     <a:solidFill>
                       <a:srgbClr val="000000"/>
                     </a:solidFill>
@@ -16470,7 +16470,7 @@
               </a:ln>
               <a:extLst>
                 <a:ext uri="{91240B29-F687-4f45-9708-019B960494DF}">
-                  <a14:hiddenLine xmlns="" xmlns:a14="http://schemas.microsoft.com/office/drawing/2010/main" w="9525">
+                  <a14:hiddenLine xmlns:a14="http://schemas.microsoft.com/office/drawing/2010/main" xmlns="" w="9525">
                     <a:solidFill>
                       <a:srgbClr val="000000"/>
                     </a:solidFill>
@@ -16560,7 +16560,7 @@
               </a:ln>
               <a:extLst>
                 <a:ext uri="{91240B29-F687-4f45-9708-019B960494DF}">
-                  <a14:hiddenLine xmlns="" xmlns:a14="http://schemas.microsoft.com/office/drawing/2010/main" w="9525">
+                  <a14:hiddenLine xmlns:a14="http://schemas.microsoft.com/office/drawing/2010/main" xmlns="" w="9525">
                     <a:solidFill>
                       <a:srgbClr val="000000"/>
                     </a:solidFill>
@@ -16650,7 +16650,7 @@
               </a:ln>
               <a:extLst>
                 <a:ext uri="{91240B29-F687-4f45-9708-019B960494DF}">
-                  <a14:hiddenLine xmlns="" xmlns:a14="http://schemas.microsoft.com/office/drawing/2010/main" w="9525">
+                  <a14:hiddenLine xmlns:a14="http://schemas.microsoft.com/office/drawing/2010/main" xmlns="" w="9525">
                     <a:solidFill>
                       <a:srgbClr val="000000"/>
                     </a:solidFill>
@@ -16715,7 +16715,7 @@
               </a:ln>
               <a:extLst>
                 <a:ext uri="{91240B29-F687-4f45-9708-019B960494DF}">
-                  <a14:hiddenLine xmlns="" xmlns:a14="http://schemas.microsoft.com/office/drawing/2010/main" w="9525">
+                  <a14:hiddenLine xmlns:a14="http://schemas.microsoft.com/office/drawing/2010/main" xmlns="" w="9525">
                     <a:solidFill>
                       <a:srgbClr val="000000"/>
                     </a:solidFill>
@@ -16835,7 +16835,7 @@
               </a:ln>
               <a:extLst>
                 <a:ext uri="{91240B29-F687-4f45-9708-019B960494DF}">
-                  <a14:hiddenLine xmlns="" xmlns:a14="http://schemas.microsoft.com/office/drawing/2010/main" w="9525">
+                  <a14:hiddenLine xmlns:a14="http://schemas.microsoft.com/office/drawing/2010/main" xmlns="" w="9525">
                     <a:solidFill>
                       <a:srgbClr val="000000"/>
                     </a:solidFill>
@@ -16933,7 +16933,7 @@
               </a:ln>
               <a:extLst>
                 <a:ext uri="{91240B29-F687-4f45-9708-019B960494DF}">
-                  <a14:hiddenLine xmlns="" xmlns:a14="http://schemas.microsoft.com/office/drawing/2010/main" w="9525">
+                  <a14:hiddenLine xmlns:a14="http://schemas.microsoft.com/office/drawing/2010/main" xmlns="" w="9525">
                     <a:solidFill>
                       <a:srgbClr val="000000"/>
                     </a:solidFill>
@@ -17048,7 +17048,7 @@
               </a:ln>
               <a:extLst>
                 <a:ext uri="{91240B29-F687-4f45-9708-019B960494DF}">
-                  <a14:hiddenLine xmlns="" xmlns:a14="http://schemas.microsoft.com/office/drawing/2010/main" w="9525">
+                  <a14:hiddenLine xmlns:a14="http://schemas.microsoft.com/office/drawing/2010/main" xmlns="" w="9525">
                     <a:solidFill>
                       <a:srgbClr val="000000"/>
                     </a:solidFill>
@@ -17138,7 +17138,7 @@
               </a:ln>
               <a:extLst>
                 <a:ext uri="{91240B29-F687-4f45-9708-019B960494DF}">
-                  <a14:hiddenLine xmlns="" xmlns:a14="http://schemas.microsoft.com/office/drawing/2010/main" w="9525">
+                  <a14:hiddenLine xmlns:a14="http://schemas.microsoft.com/office/drawing/2010/main" xmlns="" w="9525">
                     <a:solidFill>
                       <a:srgbClr val="000000"/>
                     </a:solidFill>
@@ -17203,7 +17203,7 @@
               </a:ln>
               <a:extLst>
                 <a:ext uri="{91240B29-F687-4f45-9708-019B960494DF}">
-                  <a14:hiddenLine xmlns="" xmlns:a14="http://schemas.microsoft.com/office/drawing/2010/main" w="9525">
+                  <a14:hiddenLine xmlns:a14="http://schemas.microsoft.com/office/drawing/2010/main" xmlns="" w="9525">
                     <a:solidFill>
                       <a:srgbClr val="000000"/>
                     </a:solidFill>
@@ -17293,7 +17293,7 @@
               </a:ln>
               <a:extLst>
                 <a:ext uri="{91240B29-F687-4f45-9708-019B960494DF}">
-                  <a14:hiddenLine xmlns="" xmlns:a14="http://schemas.microsoft.com/office/drawing/2010/main" w="9525">
+                  <a14:hiddenLine xmlns:a14="http://schemas.microsoft.com/office/drawing/2010/main" xmlns="" w="9525">
                     <a:solidFill>
                       <a:srgbClr val="000000"/>
                     </a:solidFill>
@@ -17361,7 +17361,7 @@
               </a:ln>
               <a:extLst>
                 <a:ext uri="{91240B29-F687-4f45-9708-019B960494DF}">
-                  <a14:hiddenLine xmlns="" xmlns:a14="http://schemas.microsoft.com/office/drawing/2010/main" w="9525">
+                  <a14:hiddenLine xmlns:a14="http://schemas.microsoft.com/office/drawing/2010/main" xmlns="" w="9525">
                     <a:solidFill>
                       <a:srgbClr val="000000"/>
                     </a:solidFill>
@@ -17451,7 +17451,7 @@
               </a:ln>
               <a:extLst>
                 <a:ext uri="{91240B29-F687-4f45-9708-019B960494DF}">
-                  <a14:hiddenLine xmlns="" xmlns:a14="http://schemas.microsoft.com/office/drawing/2010/main" w="9525">
+                  <a14:hiddenLine xmlns:a14="http://schemas.microsoft.com/office/drawing/2010/main" xmlns="" w="9525">
                     <a:solidFill>
                       <a:srgbClr val="000000"/>
                     </a:solidFill>
@@ -17519,7 +17519,7 @@
               </a:ln>
               <a:extLst>
                 <a:ext uri="{91240B29-F687-4f45-9708-019B960494DF}">
-                  <a14:hiddenLine xmlns="" xmlns:a14="http://schemas.microsoft.com/office/drawing/2010/main" w="9525">
+                  <a14:hiddenLine xmlns:a14="http://schemas.microsoft.com/office/drawing/2010/main" xmlns="" w="9525">
                     <a:solidFill>
                       <a:srgbClr val="000000"/>
                     </a:solidFill>
@@ -17609,7 +17609,7 @@
               </a:ln>
               <a:extLst>
                 <a:ext uri="{91240B29-F687-4f45-9708-019B960494DF}">
-                  <a14:hiddenLine xmlns="" xmlns:a14="http://schemas.microsoft.com/office/drawing/2010/main" w="9525">
+                  <a14:hiddenLine xmlns:a14="http://schemas.microsoft.com/office/drawing/2010/main" xmlns="" w="9525">
                     <a:solidFill>
                       <a:srgbClr val="000000"/>
                     </a:solidFill>
@@ -17643,7 +17643,7 @@
               </a:ln>
               <a:extLst>
                 <a:ext uri="{91240B29-F687-4f45-9708-019B960494DF}">
-                  <a14:hiddenLine xmlns="" xmlns:a14="http://schemas.microsoft.com/office/drawing/2010/main" w="9525">
+                  <a14:hiddenLine xmlns:a14="http://schemas.microsoft.com/office/drawing/2010/main" xmlns="" w="9525">
                     <a:solidFill>
                       <a:srgbClr val="000000"/>
                     </a:solidFill>
@@ -17783,7 +17783,7 @@
           <a:p>
             <a:fld id="{B4D2E831-0421-434F-B453-D2B84102824E}" type="datetime8">
               <a:rPr lang="he-IL" smtClean="0"/>
-              <a:t>09 ינואר 21</a:t>
+              <a:t>23 ינואר 21</a:t>
             </a:fld>
             <a:endParaRPr lang="he-IL"/>
           </a:p>
@@ -18344,7 +18344,7 @@
           <a:p>
             <a:fld id="{7445C40F-4AEE-4AC0-A636-96FE080A188B}" type="datetime8">
               <a:rPr lang="he-IL" smtClean="0"/>
-              <a:t>09 ינואר 21</a:t>
+              <a:t>23 ינואר 21</a:t>
             </a:fld>
             <a:endParaRPr lang="he-IL"/>
           </a:p>
@@ -27728,6 +27728,54 @@
           <a:chExt cx="0" cy="0"/>
         </a:xfrm>
       </p:grpSpPr>
+      <p:pic>
+        <p:nvPicPr>
+          <p:cNvPr id="8" name="Picture 7"/>
+          <p:cNvPicPr>
+            <a:picLocks noChangeAspect="1"/>
+          </p:cNvPicPr>
+          <p:nvPr/>
+        </p:nvPicPr>
+        <p:blipFill>
+          <a:blip r:embed="rId2"/>
+          <a:stretch>
+            <a:fillRect/>
+          </a:stretch>
+        </p:blipFill>
+        <p:spPr>
+          <a:xfrm>
+            <a:off x="1356976" y="3173285"/>
+            <a:ext cx="4808154" cy="2320752"/>
+          </a:xfrm>
+          <a:prstGeom prst="rect">
+            <a:avLst/>
+          </a:prstGeom>
+        </p:spPr>
+      </p:pic>
+      <p:pic>
+        <p:nvPicPr>
+          <p:cNvPr id="6" name="Picture 5"/>
+          <p:cNvPicPr>
+            <a:picLocks noChangeAspect="1"/>
+          </p:cNvPicPr>
+          <p:nvPr/>
+        </p:nvPicPr>
+        <p:blipFill>
+          <a:blip r:embed="rId3"/>
+          <a:stretch>
+            <a:fillRect/>
+          </a:stretch>
+        </p:blipFill>
+        <p:spPr>
+          <a:xfrm>
+            <a:off x="1358229" y="3159739"/>
+            <a:ext cx="4806901" cy="2311010"/>
+          </a:xfrm>
+          <a:prstGeom prst="rect">
+            <a:avLst/>
+          </a:prstGeom>
+        </p:spPr>
+      </p:pic>
       <p:sp>
         <p:nvSpPr>
           <p:cNvPr id="2" name="Title 1"/>
@@ -27818,6 +27866,232 @@
           </a:p>
         </p:txBody>
       </p:sp>
+      <p:sp>
+        <p:nvSpPr>
+          <p:cNvPr id="5" name="TextBox 4"/>
+          <p:cNvSpPr txBox="1"/>
+          <p:nvPr/>
+        </p:nvSpPr>
+        <p:spPr>
+          <a:xfrm>
+            <a:off x="1275907" y="2499862"/>
+            <a:ext cx="9817431" cy="646331"/>
+          </a:xfrm>
+          <a:prstGeom prst="rect">
+            <a:avLst/>
+          </a:prstGeom>
+          <a:noFill/>
+        </p:spPr>
+        <p:txBody>
+          <a:bodyPr wrap="none" rtlCol="1">
+            <a:spAutoFit/>
+          </a:bodyPr>
+          <a:lstStyle/>
+          <a:p>
+            <a:r>
+              <a:rPr lang="en-US" dirty="0"/>
+              <a:t>The following class is a complete compile-time evaluation, defined using </a:t>
+            </a:r>
+            <a:r>
+              <a:rPr lang="en-US" dirty="0" err="1"/>
+              <a:t>consteval</a:t>
+            </a:r>
+            <a:r>
+              <a:rPr lang="en-US" dirty="0"/>
+              <a:t>. Any usage of this class</a:t>
+            </a:r>
+          </a:p>
+          <a:p>
+            <a:r>
+              <a:rPr lang="en-US" dirty="0"/>
+              <a:t>outside the compile time context, will lead to a compilation error:</a:t>
+            </a:r>
+            <a:endParaRPr lang="he-IL" dirty="0"/>
+          </a:p>
+        </p:txBody>
+      </p:sp>
+      <p:sp>
+        <p:nvSpPr>
+          <p:cNvPr id="7" name="TextBox 6"/>
+          <p:cNvSpPr txBox="1"/>
+          <p:nvPr/>
+        </p:nvSpPr>
+        <p:spPr>
+          <a:xfrm>
+            <a:off x="1275907" y="2513408"/>
+            <a:ext cx="8551572" cy="646331"/>
+          </a:xfrm>
+          <a:prstGeom prst="rect">
+            <a:avLst/>
+          </a:prstGeom>
+          <a:noFill/>
+        </p:spPr>
+        <p:txBody>
+          <a:bodyPr wrap="none" rtlCol="1">
+            <a:spAutoFit/>
+          </a:bodyPr>
+          <a:lstStyle/>
+          <a:p>
+            <a:r>
+              <a:rPr lang="en-US" dirty="0"/>
+              <a:t>The following class will be evaluated on compile time whenever the context will allow it, but</a:t>
+            </a:r>
+          </a:p>
+          <a:p>
+            <a:r>
+              <a:rPr lang="en-US" dirty="0"/>
+              <a:t>we also can make a runtime instance of it:</a:t>
+            </a:r>
+            <a:endParaRPr lang="he-IL" dirty="0"/>
+          </a:p>
+        </p:txBody>
+      </p:sp>
+      <p:pic>
+        <p:nvPicPr>
+          <p:cNvPr id="9" name="Picture 8"/>
+          <p:cNvPicPr>
+            <a:picLocks noChangeAspect="1"/>
+          </p:cNvPicPr>
+          <p:nvPr/>
+        </p:nvPicPr>
+        <p:blipFill>
+          <a:blip r:embed="rId4"/>
+          <a:stretch>
+            <a:fillRect/>
+          </a:stretch>
+        </p:blipFill>
+        <p:spPr>
+          <a:xfrm>
+            <a:off x="6254008" y="3146193"/>
+            <a:ext cx="5222448" cy="2347844"/>
+          </a:xfrm>
+          <a:prstGeom prst="rect">
+            <a:avLst/>
+          </a:prstGeom>
+        </p:spPr>
+      </p:pic>
+      <p:sp>
+        <p:nvSpPr>
+          <p:cNvPr id="10" name="TextBox 9"/>
+          <p:cNvSpPr txBox="1"/>
+          <p:nvPr/>
+        </p:nvSpPr>
+        <p:spPr>
+          <a:xfrm>
+            <a:off x="1356976" y="5507583"/>
+            <a:ext cx="7604454" cy="369332"/>
+          </a:xfrm>
+          <a:prstGeom prst="rect">
+            <a:avLst/>
+          </a:prstGeom>
+          <a:noFill/>
+        </p:spPr>
+        <p:txBody>
+          <a:bodyPr wrap="none" rtlCol="1">
+            <a:spAutoFit/>
+          </a:bodyPr>
+          <a:lstStyle/>
+          <a:p>
+            <a:r>
+              <a:rPr lang="en-US" dirty="0"/>
+              <a:t>The following run time evaluation is allow alongside the compile time evaluations:</a:t>
+            </a:r>
+            <a:endParaRPr lang="he-IL" dirty="0"/>
+          </a:p>
+        </p:txBody>
+      </p:sp>
+      <p:pic>
+        <p:nvPicPr>
+          <p:cNvPr id="11" name="Picture 10"/>
+          <p:cNvPicPr>
+            <a:picLocks noChangeAspect="1"/>
+          </p:cNvPicPr>
+          <p:nvPr/>
+        </p:nvPicPr>
+        <p:blipFill>
+          <a:blip r:embed="rId5"/>
+          <a:stretch>
+            <a:fillRect/>
+          </a:stretch>
+        </p:blipFill>
+        <p:spPr>
+          <a:xfrm>
+            <a:off x="1356976" y="5890461"/>
+            <a:ext cx="3400425" cy="400050"/>
+          </a:xfrm>
+          <a:prstGeom prst="rect">
+            <a:avLst/>
+          </a:prstGeom>
+        </p:spPr>
+      </p:pic>
+      <p:sp>
+        <p:nvSpPr>
+          <p:cNvPr id="13" name="&quot;No&quot; Symbol 12"/>
+          <p:cNvSpPr/>
+          <p:nvPr/>
+        </p:nvSpPr>
+        <p:spPr>
+          <a:xfrm>
+            <a:off x="1401829" y="5590714"/>
+            <a:ext cx="3310717" cy="999543"/>
+          </a:xfrm>
+          <a:prstGeom prst="noSmoking">
+            <a:avLst/>
+          </a:prstGeom>
+          <a:solidFill>
+            <a:srgbClr val="FF0000"/>
+          </a:solidFill>
+          <a:ln>
+            <a:noFill/>
+          </a:ln>
+          <a:effectLst>
+            <a:outerShdw blurRad="44450" dist="27940" dir="5400000" algn="ctr">
+              <a:srgbClr val="000000">
+                <a:alpha val="32000"/>
+              </a:srgbClr>
+            </a:outerShdw>
+          </a:effectLst>
+          <a:scene3d>
+            <a:camera prst="orthographicFront">
+              <a:rot lat="0" lon="0" rev="0"/>
+            </a:camera>
+            <a:lightRig rig="balanced" dir="t">
+              <a:rot lat="0" lon="0" rev="8700000"/>
+            </a:lightRig>
+          </a:scene3d>
+          <a:sp3d>
+            <a:bevelT w="190500" h="38100"/>
+          </a:sp3d>
+        </p:spPr>
+        <p:style>
+          <a:lnRef idx="2">
+            <a:schemeClr val="accent1">
+              <a:shade val="50000"/>
+            </a:schemeClr>
+          </a:lnRef>
+          <a:fillRef idx="1">
+            <a:schemeClr val="accent1"/>
+          </a:fillRef>
+          <a:effectRef idx="0">
+            <a:schemeClr val="accent1"/>
+          </a:effectRef>
+          <a:fontRef idx="minor">
+            <a:schemeClr val="lt1"/>
+          </a:fontRef>
+        </p:style>
+        <p:txBody>
+          <a:bodyPr rtlCol="1" anchor="ctr"/>
+          <a:lstStyle/>
+          <a:p>
+            <a:pPr algn="ctr"/>
+            <a:endParaRPr lang="he-IL">
+              <a:solidFill>
+                <a:schemeClr val="tx1"/>
+              </a:solidFill>
+            </a:endParaRPr>
+          </a:p>
+        </p:txBody>
+      </p:sp>
     </p:spTree>
     <p:extLst>
       <p:ext uri="{BB962C8B-B14F-4D97-AF65-F5344CB8AC3E}">
@@ -27828,6 +28102,939 @@
   <p:clrMapOvr>
     <a:masterClrMapping/>
   </p:clrMapOvr>
+  <p:timing>
+    <p:tnLst>
+      <p:par>
+        <p:cTn id="1" dur="indefinite" restart="never" nodeType="tmRoot">
+          <p:childTnLst>
+            <p:seq concurrent="1" nextAc="seek">
+              <p:cTn id="2" dur="indefinite" nodeType="mainSeq">
+                <p:childTnLst>
+                  <p:par>
+                    <p:cTn id="3" fill="hold">
+                      <p:stCondLst>
+                        <p:cond delay="indefinite"/>
+                      </p:stCondLst>
+                      <p:childTnLst>
+                        <p:par>
+                          <p:cTn id="4" fill="hold">
+                            <p:stCondLst>
+                              <p:cond delay="0"/>
+                            </p:stCondLst>
+                            <p:childTnLst>
+                              <p:par>
+                                <p:cTn id="5" presetID="42" presetClass="entr" presetSubtype="0" fill="hold" grpId="0" nodeType="clickEffect">
+                                  <p:stCondLst>
+                                    <p:cond delay="0"/>
+                                  </p:stCondLst>
+                                  <p:childTnLst>
+                                    <p:set>
+                                      <p:cBhvr>
+                                        <p:cTn id="6" dur="1" fill="hold">
+                                          <p:stCondLst>
+                                            <p:cond delay="0"/>
+                                          </p:stCondLst>
+                                        </p:cTn>
+                                        <p:tgtEl>
+                                          <p:spTgt spid="4"/>
+                                        </p:tgtEl>
+                                        <p:attrNameLst>
+                                          <p:attrName>style.visibility</p:attrName>
+                                        </p:attrNameLst>
+                                      </p:cBhvr>
+                                      <p:to>
+                                        <p:strVal val="visible"/>
+                                      </p:to>
+                                    </p:set>
+                                    <p:animEffect transition="in" filter="fade">
+                                      <p:cBhvr>
+                                        <p:cTn id="7" dur="1000"/>
+                                        <p:tgtEl>
+                                          <p:spTgt spid="4"/>
+                                        </p:tgtEl>
+                                      </p:cBhvr>
+                                    </p:animEffect>
+                                    <p:anim calcmode="lin" valueType="num">
+                                      <p:cBhvr>
+                                        <p:cTn id="8" dur="1000" fill="hold"/>
+                                        <p:tgtEl>
+                                          <p:spTgt spid="4"/>
+                                        </p:tgtEl>
+                                        <p:attrNameLst>
+                                          <p:attrName>ppt_x</p:attrName>
+                                        </p:attrNameLst>
+                                      </p:cBhvr>
+                                      <p:tavLst>
+                                        <p:tav tm="0">
+                                          <p:val>
+                                            <p:strVal val="#ppt_x"/>
+                                          </p:val>
+                                        </p:tav>
+                                        <p:tav tm="100000">
+                                          <p:val>
+                                            <p:strVal val="#ppt_x"/>
+                                          </p:val>
+                                        </p:tav>
+                                      </p:tavLst>
+                                    </p:anim>
+                                    <p:anim calcmode="lin" valueType="num">
+                                      <p:cBhvr>
+                                        <p:cTn id="9" dur="1000" fill="hold"/>
+                                        <p:tgtEl>
+                                          <p:spTgt spid="4"/>
+                                        </p:tgtEl>
+                                        <p:attrNameLst>
+                                          <p:attrName>ppt_y</p:attrName>
+                                        </p:attrNameLst>
+                                      </p:cBhvr>
+                                      <p:tavLst>
+                                        <p:tav tm="0">
+                                          <p:val>
+                                            <p:strVal val="#ppt_y+.1"/>
+                                          </p:val>
+                                        </p:tav>
+                                        <p:tav tm="100000">
+                                          <p:val>
+                                            <p:strVal val="#ppt_y"/>
+                                          </p:val>
+                                        </p:tav>
+                                      </p:tavLst>
+                                    </p:anim>
+                                  </p:childTnLst>
+                                </p:cTn>
+                              </p:par>
+                            </p:childTnLst>
+                          </p:cTn>
+                        </p:par>
+                      </p:childTnLst>
+                    </p:cTn>
+                  </p:par>
+                  <p:par>
+                    <p:cTn id="10" fill="hold">
+                      <p:stCondLst>
+                        <p:cond delay="indefinite"/>
+                      </p:stCondLst>
+                      <p:childTnLst>
+                        <p:par>
+                          <p:cTn id="11" fill="hold">
+                            <p:stCondLst>
+                              <p:cond delay="0"/>
+                            </p:stCondLst>
+                            <p:childTnLst>
+                              <p:par>
+                                <p:cTn id="12" presetID="10" presetClass="entr" presetSubtype="0" fill="hold" grpId="0" nodeType="clickEffect">
+                                  <p:stCondLst>
+                                    <p:cond delay="0"/>
+                                  </p:stCondLst>
+                                  <p:childTnLst>
+                                    <p:set>
+                                      <p:cBhvr>
+                                        <p:cTn id="13" dur="1" fill="hold">
+                                          <p:stCondLst>
+                                            <p:cond delay="0"/>
+                                          </p:stCondLst>
+                                        </p:cTn>
+                                        <p:tgtEl>
+                                          <p:spTgt spid="7"/>
+                                        </p:tgtEl>
+                                        <p:attrNameLst>
+                                          <p:attrName>style.visibility</p:attrName>
+                                        </p:attrNameLst>
+                                      </p:cBhvr>
+                                      <p:to>
+                                        <p:strVal val="visible"/>
+                                      </p:to>
+                                    </p:set>
+                                    <p:animEffect transition="in" filter="fade">
+                                      <p:cBhvr>
+                                        <p:cTn id="14" dur="500"/>
+                                        <p:tgtEl>
+                                          <p:spTgt spid="7"/>
+                                        </p:tgtEl>
+                                      </p:cBhvr>
+                                    </p:animEffect>
+                                  </p:childTnLst>
+                                </p:cTn>
+                              </p:par>
+                            </p:childTnLst>
+                          </p:cTn>
+                        </p:par>
+                        <p:par>
+                          <p:cTn id="15" fill="hold">
+                            <p:stCondLst>
+                              <p:cond delay="500"/>
+                            </p:stCondLst>
+                            <p:childTnLst>
+                              <p:par>
+                                <p:cTn id="16" presetID="21" presetClass="entr" presetSubtype="8" fill="hold" nodeType="afterEffect">
+                                  <p:stCondLst>
+                                    <p:cond delay="0"/>
+                                  </p:stCondLst>
+                                  <p:childTnLst>
+                                    <p:set>
+                                      <p:cBhvr>
+                                        <p:cTn id="17" dur="1" fill="hold">
+                                          <p:stCondLst>
+                                            <p:cond delay="0"/>
+                                          </p:stCondLst>
+                                        </p:cTn>
+                                        <p:tgtEl>
+                                          <p:spTgt spid="8"/>
+                                        </p:tgtEl>
+                                        <p:attrNameLst>
+                                          <p:attrName>style.visibility</p:attrName>
+                                        </p:attrNameLst>
+                                      </p:cBhvr>
+                                      <p:to>
+                                        <p:strVal val="visible"/>
+                                      </p:to>
+                                    </p:set>
+                                    <p:animEffect transition="in" filter="wheel(8)">
+                                      <p:cBhvr>
+                                        <p:cTn id="18" dur="500"/>
+                                        <p:tgtEl>
+                                          <p:spTgt spid="8"/>
+                                        </p:tgtEl>
+                                      </p:cBhvr>
+                                    </p:animEffect>
+                                  </p:childTnLst>
+                                </p:cTn>
+                              </p:par>
+                            </p:childTnLst>
+                          </p:cTn>
+                        </p:par>
+                        <p:par>
+                          <p:cTn id="19" fill="hold">
+                            <p:stCondLst>
+                              <p:cond delay="1000"/>
+                            </p:stCondLst>
+                            <p:childTnLst>
+                              <p:par>
+                                <p:cTn id="20" presetID="22" presetClass="entr" presetSubtype="8" fill="hold" nodeType="afterEffect">
+                                  <p:stCondLst>
+                                    <p:cond delay="0"/>
+                                  </p:stCondLst>
+                                  <p:childTnLst>
+                                    <p:set>
+                                      <p:cBhvr>
+                                        <p:cTn id="21" dur="1" fill="hold">
+                                          <p:stCondLst>
+                                            <p:cond delay="0"/>
+                                          </p:stCondLst>
+                                        </p:cTn>
+                                        <p:tgtEl>
+                                          <p:spTgt spid="9"/>
+                                        </p:tgtEl>
+                                        <p:attrNameLst>
+                                          <p:attrName>style.visibility</p:attrName>
+                                        </p:attrNameLst>
+                                      </p:cBhvr>
+                                      <p:to>
+                                        <p:strVal val="visible"/>
+                                      </p:to>
+                                    </p:set>
+                                    <p:animEffect transition="in" filter="wipe(left)">
+                                      <p:cBhvr>
+                                        <p:cTn id="22" dur="500"/>
+                                        <p:tgtEl>
+                                          <p:spTgt spid="9"/>
+                                        </p:tgtEl>
+                                      </p:cBhvr>
+                                    </p:animEffect>
+                                  </p:childTnLst>
+                                </p:cTn>
+                              </p:par>
+                            </p:childTnLst>
+                          </p:cTn>
+                        </p:par>
+                      </p:childTnLst>
+                    </p:cTn>
+                  </p:par>
+                  <p:par>
+                    <p:cTn id="23" fill="hold">
+                      <p:stCondLst>
+                        <p:cond delay="indefinite"/>
+                      </p:stCondLst>
+                      <p:childTnLst>
+                        <p:par>
+                          <p:cTn id="24" fill="hold">
+                            <p:stCondLst>
+                              <p:cond delay="0"/>
+                            </p:stCondLst>
+                            <p:childTnLst>
+                              <p:par>
+                                <p:cTn id="25" presetID="42" presetClass="entr" presetSubtype="0" fill="hold" grpId="0" nodeType="clickEffect">
+                                  <p:stCondLst>
+                                    <p:cond delay="0"/>
+                                  </p:stCondLst>
+                                  <p:childTnLst>
+                                    <p:set>
+                                      <p:cBhvr>
+                                        <p:cTn id="26" dur="1" fill="hold">
+                                          <p:stCondLst>
+                                            <p:cond delay="0"/>
+                                          </p:stCondLst>
+                                        </p:cTn>
+                                        <p:tgtEl>
+                                          <p:spTgt spid="10"/>
+                                        </p:tgtEl>
+                                        <p:attrNameLst>
+                                          <p:attrName>style.visibility</p:attrName>
+                                        </p:attrNameLst>
+                                      </p:cBhvr>
+                                      <p:to>
+                                        <p:strVal val="visible"/>
+                                      </p:to>
+                                    </p:set>
+                                    <p:animEffect transition="in" filter="fade">
+                                      <p:cBhvr>
+                                        <p:cTn id="27" dur="1000"/>
+                                        <p:tgtEl>
+                                          <p:spTgt spid="10"/>
+                                        </p:tgtEl>
+                                      </p:cBhvr>
+                                    </p:animEffect>
+                                    <p:anim calcmode="lin" valueType="num">
+                                      <p:cBhvr>
+                                        <p:cTn id="28" dur="1000" fill="hold"/>
+                                        <p:tgtEl>
+                                          <p:spTgt spid="10"/>
+                                        </p:tgtEl>
+                                        <p:attrNameLst>
+                                          <p:attrName>ppt_x</p:attrName>
+                                        </p:attrNameLst>
+                                      </p:cBhvr>
+                                      <p:tavLst>
+                                        <p:tav tm="0">
+                                          <p:val>
+                                            <p:strVal val="#ppt_x"/>
+                                          </p:val>
+                                        </p:tav>
+                                        <p:tav tm="100000">
+                                          <p:val>
+                                            <p:strVal val="#ppt_x"/>
+                                          </p:val>
+                                        </p:tav>
+                                      </p:tavLst>
+                                    </p:anim>
+                                    <p:anim calcmode="lin" valueType="num">
+                                      <p:cBhvr>
+                                        <p:cTn id="29" dur="1000" fill="hold"/>
+                                        <p:tgtEl>
+                                          <p:spTgt spid="10"/>
+                                        </p:tgtEl>
+                                        <p:attrNameLst>
+                                          <p:attrName>ppt_y</p:attrName>
+                                        </p:attrNameLst>
+                                      </p:cBhvr>
+                                      <p:tavLst>
+                                        <p:tav tm="0">
+                                          <p:val>
+                                            <p:strVal val="#ppt_y+.1"/>
+                                          </p:val>
+                                        </p:tav>
+                                        <p:tav tm="100000">
+                                          <p:val>
+                                            <p:strVal val="#ppt_y"/>
+                                          </p:val>
+                                        </p:tav>
+                                      </p:tavLst>
+                                    </p:anim>
+                                  </p:childTnLst>
+                                </p:cTn>
+                              </p:par>
+                            </p:childTnLst>
+                          </p:cTn>
+                        </p:par>
+                        <p:par>
+                          <p:cTn id="30" fill="hold">
+                            <p:stCondLst>
+                              <p:cond delay="1000"/>
+                            </p:stCondLst>
+                            <p:childTnLst>
+                              <p:par>
+                                <p:cTn id="31" presetID="53" presetClass="entr" presetSubtype="16" fill="hold" nodeType="afterEffect">
+                                  <p:stCondLst>
+                                    <p:cond delay="0"/>
+                                  </p:stCondLst>
+                                  <p:childTnLst>
+                                    <p:set>
+                                      <p:cBhvr>
+                                        <p:cTn id="32" dur="1" fill="hold">
+                                          <p:stCondLst>
+                                            <p:cond delay="0"/>
+                                          </p:stCondLst>
+                                        </p:cTn>
+                                        <p:tgtEl>
+                                          <p:spTgt spid="11"/>
+                                        </p:tgtEl>
+                                        <p:attrNameLst>
+                                          <p:attrName>style.visibility</p:attrName>
+                                        </p:attrNameLst>
+                                      </p:cBhvr>
+                                      <p:to>
+                                        <p:strVal val="visible"/>
+                                      </p:to>
+                                    </p:set>
+                                    <p:anim calcmode="lin" valueType="num">
+                                      <p:cBhvr>
+                                        <p:cTn id="33" dur="500" fill="hold"/>
+                                        <p:tgtEl>
+                                          <p:spTgt spid="11"/>
+                                        </p:tgtEl>
+                                        <p:attrNameLst>
+                                          <p:attrName>ppt_w</p:attrName>
+                                        </p:attrNameLst>
+                                      </p:cBhvr>
+                                      <p:tavLst>
+                                        <p:tav tm="0">
+                                          <p:val>
+                                            <p:fltVal val="0"/>
+                                          </p:val>
+                                        </p:tav>
+                                        <p:tav tm="100000">
+                                          <p:val>
+                                            <p:strVal val="#ppt_w"/>
+                                          </p:val>
+                                        </p:tav>
+                                      </p:tavLst>
+                                    </p:anim>
+                                    <p:anim calcmode="lin" valueType="num">
+                                      <p:cBhvr>
+                                        <p:cTn id="34" dur="500" fill="hold"/>
+                                        <p:tgtEl>
+                                          <p:spTgt spid="11"/>
+                                        </p:tgtEl>
+                                        <p:attrNameLst>
+                                          <p:attrName>ppt_h</p:attrName>
+                                        </p:attrNameLst>
+                                      </p:cBhvr>
+                                      <p:tavLst>
+                                        <p:tav tm="0">
+                                          <p:val>
+                                            <p:fltVal val="0"/>
+                                          </p:val>
+                                        </p:tav>
+                                        <p:tav tm="100000">
+                                          <p:val>
+                                            <p:strVal val="#ppt_h"/>
+                                          </p:val>
+                                        </p:tav>
+                                      </p:tavLst>
+                                    </p:anim>
+                                    <p:animEffect transition="in" filter="fade">
+                                      <p:cBhvr>
+                                        <p:cTn id="35" dur="500"/>
+                                        <p:tgtEl>
+                                          <p:spTgt spid="11"/>
+                                        </p:tgtEl>
+                                      </p:cBhvr>
+                                    </p:animEffect>
+                                  </p:childTnLst>
+                                </p:cTn>
+                              </p:par>
+                            </p:childTnLst>
+                          </p:cTn>
+                        </p:par>
+                      </p:childTnLst>
+                    </p:cTn>
+                  </p:par>
+                  <p:par>
+                    <p:cTn id="36" fill="hold">
+                      <p:stCondLst>
+                        <p:cond delay="indefinite"/>
+                      </p:stCondLst>
+                      <p:childTnLst>
+                        <p:par>
+                          <p:cTn id="37" fill="hold">
+                            <p:stCondLst>
+                              <p:cond delay="0"/>
+                            </p:stCondLst>
+                            <p:childTnLst>
+                              <p:par>
+                                <p:cTn id="38" presetID="50" presetClass="exit" presetSubtype="0" accel="100000" fill="hold" grpId="1" nodeType="clickEffect">
+                                  <p:stCondLst>
+                                    <p:cond delay="0"/>
+                                  </p:stCondLst>
+                                  <p:childTnLst>
+                                    <p:anim calcmode="lin" valueType="num">
+                                      <p:cBhvr>
+                                        <p:cTn id="39" dur="1000"/>
+                                        <p:tgtEl>
+                                          <p:spTgt spid="7"/>
+                                        </p:tgtEl>
+                                        <p:attrNameLst>
+                                          <p:attrName>ppt_w</p:attrName>
+                                        </p:attrNameLst>
+                                      </p:cBhvr>
+                                      <p:tavLst>
+                                        <p:tav tm="0">
+                                          <p:val>
+                                            <p:strVal val="ppt_w"/>
+                                          </p:val>
+                                        </p:tav>
+                                        <p:tav tm="100000">
+                                          <p:val>
+                                            <p:strVal val="ppt_w+.3"/>
+                                          </p:val>
+                                        </p:tav>
+                                      </p:tavLst>
+                                    </p:anim>
+                                    <p:anim calcmode="lin" valueType="num">
+                                      <p:cBhvr>
+                                        <p:cTn id="40" dur="1000"/>
+                                        <p:tgtEl>
+                                          <p:spTgt spid="7"/>
+                                        </p:tgtEl>
+                                        <p:attrNameLst>
+                                          <p:attrName>ppt_h</p:attrName>
+                                        </p:attrNameLst>
+                                      </p:cBhvr>
+                                      <p:tavLst>
+                                        <p:tav tm="0">
+                                          <p:val>
+                                            <p:strVal val="ppt_h"/>
+                                          </p:val>
+                                        </p:tav>
+                                        <p:tav tm="100000">
+                                          <p:val>
+                                            <p:strVal val="ppt_h"/>
+                                          </p:val>
+                                        </p:tav>
+                                      </p:tavLst>
+                                    </p:anim>
+                                    <p:animEffect transition="out" filter="fade">
+                                      <p:cBhvr>
+                                        <p:cTn id="41" dur="1000"/>
+                                        <p:tgtEl>
+                                          <p:spTgt spid="7"/>
+                                        </p:tgtEl>
+                                      </p:cBhvr>
+                                    </p:animEffect>
+                                    <p:set>
+                                      <p:cBhvr>
+                                        <p:cTn id="42" dur="1" fill="hold">
+                                          <p:stCondLst>
+                                            <p:cond delay="999"/>
+                                          </p:stCondLst>
+                                        </p:cTn>
+                                        <p:tgtEl>
+                                          <p:spTgt spid="7"/>
+                                        </p:tgtEl>
+                                        <p:attrNameLst>
+                                          <p:attrName>style.visibility</p:attrName>
+                                        </p:attrNameLst>
+                                      </p:cBhvr>
+                                      <p:to>
+                                        <p:strVal val="hidden"/>
+                                      </p:to>
+                                    </p:set>
+                                  </p:childTnLst>
+                                </p:cTn>
+                              </p:par>
+                            </p:childTnLst>
+                          </p:cTn>
+                        </p:par>
+                        <p:par>
+                          <p:cTn id="43" fill="hold">
+                            <p:stCondLst>
+                              <p:cond delay="1000"/>
+                            </p:stCondLst>
+                            <p:childTnLst>
+                              <p:par>
+                                <p:cTn id="44" presetID="50" presetClass="exit" presetSubtype="0" accel="100000" fill="hold" nodeType="afterEffect">
+                                  <p:stCondLst>
+                                    <p:cond delay="0"/>
+                                  </p:stCondLst>
+                                  <p:childTnLst>
+                                    <p:anim calcmode="lin" valueType="num">
+                                      <p:cBhvr>
+                                        <p:cTn id="45" dur="1000"/>
+                                        <p:tgtEl>
+                                          <p:spTgt spid="8"/>
+                                        </p:tgtEl>
+                                        <p:attrNameLst>
+                                          <p:attrName>ppt_w</p:attrName>
+                                        </p:attrNameLst>
+                                      </p:cBhvr>
+                                      <p:tavLst>
+                                        <p:tav tm="0">
+                                          <p:val>
+                                            <p:strVal val="ppt_w"/>
+                                          </p:val>
+                                        </p:tav>
+                                        <p:tav tm="100000">
+                                          <p:val>
+                                            <p:strVal val="ppt_w+.3"/>
+                                          </p:val>
+                                        </p:tav>
+                                      </p:tavLst>
+                                    </p:anim>
+                                    <p:anim calcmode="lin" valueType="num">
+                                      <p:cBhvr>
+                                        <p:cTn id="46" dur="1000"/>
+                                        <p:tgtEl>
+                                          <p:spTgt spid="8"/>
+                                        </p:tgtEl>
+                                        <p:attrNameLst>
+                                          <p:attrName>ppt_h</p:attrName>
+                                        </p:attrNameLst>
+                                      </p:cBhvr>
+                                      <p:tavLst>
+                                        <p:tav tm="0">
+                                          <p:val>
+                                            <p:strVal val="ppt_h"/>
+                                          </p:val>
+                                        </p:tav>
+                                        <p:tav tm="100000">
+                                          <p:val>
+                                            <p:strVal val="ppt_h"/>
+                                          </p:val>
+                                        </p:tav>
+                                      </p:tavLst>
+                                    </p:anim>
+                                    <p:animEffect transition="out" filter="fade">
+                                      <p:cBhvr>
+                                        <p:cTn id="47" dur="1000"/>
+                                        <p:tgtEl>
+                                          <p:spTgt spid="8"/>
+                                        </p:tgtEl>
+                                      </p:cBhvr>
+                                    </p:animEffect>
+                                    <p:set>
+                                      <p:cBhvr>
+                                        <p:cTn id="48" dur="1" fill="hold">
+                                          <p:stCondLst>
+                                            <p:cond delay="999"/>
+                                          </p:stCondLst>
+                                        </p:cTn>
+                                        <p:tgtEl>
+                                          <p:spTgt spid="8"/>
+                                        </p:tgtEl>
+                                        <p:attrNameLst>
+                                          <p:attrName>style.visibility</p:attrName>
+                                        </p:attrNameLst>
+                                      </p:cBhvr>
+                                      <p:to>
+                                        <p:strVal val="hidden"/>
+                                      </p:to>
+                                    </p:set>
+                                  </p:childTnLst>
+                                </p:cTn>
+                              </p:par>
+                            </p:childTnLst>
+                          </p:cTn>
+                        </p:par>
+                        <p:par>
+                          <p:cTn id="49" fill="hold">
+                            <p:stCondLst>
+                              <p:cond delay="2000"/>
+                            </p:stCondLst>
+                            <p:childTnLst>
+                              <p:par>
+                                <p:cTn id="50" presetID="17" presetClass="entr" presetSubtype="10" fill="hold" grpId="0" nodeType="afterEffect">
+                                  <p:stCondLst>
+                                    <p:cond delay="0"/>
+                                  </p:stCondLst>
+                                  <p:childTnLst>
+                                    <p:set>
+                                      <p:cBhvr>
+                                        <p:cTn id="51" dur="1" fill="hold">
+                                          <p:stCondLst>
+                                            <p:cond delay="0"/>
+                                          </p:stCondLst>
+                                        </p:cTn>
+                                        <p:tgtEl>
+                                          <p:spTgt spid="5"/>
+                                        </p:tgtEl>
+                                        <p:attrNameLst>
+                                          <p:attrName>style.visibility</p:attrName>
+                                        </p:attrNameLst>
+                                      </p:cBhvr>
+                                      <p:to>
+                                        <p:strVal val="visible"/>
+                                      </p:to>
+                                    </p:set>
+                                    <p:anim calcmode="lin" valueType="num">
+                                      <p:cBhvr>
+                                        <p:cTn id="52" dur="500" fill="hold"/>
+                                        <p:tgtEl>
+                                          <p:spTgt spid="5"/>
+                                        </p:tgtEl>
+                                        <p:attrNameLst>
+                                          <p:attrName>ppt_w</p:attrName>
+                                        </p:attrNameLst>
+                                      </p:cBhvr>
+                                      <p:tavLst>
+                                        <p:tav tm="0">
+                                          <p:val>
+                                            <p:fltVal val="0"/>
+                                          </p:val>
+                                        </p:tav>
+                                        <p:tav tm="100000">
+                                          <p:val>
+                                            <p:strVal val="#ppt_w"/>
+                                          </p:val>
+                                        </p:tav>
+                                      </p:tavLst>
+                                    </p:anim>
+                                    <p:anim calcmode="lin" valueType="num">
+                                      <p:cBhvr>
+                                        <p:cTn id="53" dur="500" fill="hold"/>
+                                        <p:tgtEl>
+                                          <p:spTgt spid="5"/>
+                                        </p:tgtEl>
+                                        <p:attrNameLst>
+                                          <p:attrName>ppt_h</p:attrName>
+                                        </p:attrNameLst>
+                                      </p:cBhvr>
+                                      <p:tavLst>
+                                        <p:tav tm="0">
+                                          <p:val>
+                                            <p:strVal val="#ppt_h"/>
+                                          </p:val>
+                                        </p:tav>
+                                        <p:tav tm="100000">
+                                          <p:val>
+                                            <p:strVal val="#ppt_h"/>
+                                          </p:val>
+                                        </p:tav>
+                                      </p:tavLst>
+                                    </p:anim>
+                                  </p:childTnLst>
+                                </p:cTn>
+                              </p:par>
+                            </p:childTnLst>
+                          </p:cTn>
+                        </p:par>
+                        <p:par>
+                          <p:cTn id="54" fill="hold">
+                            <p:stCondLst>
+                              <p:cond delay="2500"/>
+                            </p:stCondLst>
+                            <p:childTnLst>
+                              <p:par>
+                                <p:cTn id="55" presetID="17" presetClass="entr" presetSubtype="10" fill="hold" nodeType="afterEffect">
+                                  <p:stCondLst>
+                                    <p:cond delay="0"/>
+                                  </p:stCondLst>
+                                  <p:childTnLst>
+                                    <p:set>
+                                      <p:cBhvr>
+                                        <p:cTn id="56" dur="1" fill="hold">
+                                          <p:stCondLst>
+                                            <p:cond delay="0"/>
+                                          </p:stCondLst>
+                                        </p:cTn>
+                                        <p:tgtEl>
+                                          <p:spTgt spid="6"/>
+                                        </p:tgtEl>
+                                        <p:attrNameLst>
+                                          <p:attrName>style.visibility</p:attrName>
+                                        </p:attrNameLst>
+                                      </p:cBhvr>
+                                      <p:to>
+                                        <p:strVal val="visible"/>
+                                      </p:to>
+                                    </p:set>
+                                    <p:anim calcmode="lin" valueType="num">
+                                      <p:cBhvr>
+                                        <p:cTn id="57" dur="500" fill="hold"/>
+                                        <p:tgtEl>
+                                          <p:spTgt spid="6"/>
+                                        </p:tgtEl>
+                                        <p:attrNameLst>
+                                          <p:attrName>ppt_w</p:attrName>
+                                        </p:attrNameLst>
+                                      </p:cBhvr>
+                                      <p:tavLst>
+                                        <p:tav tm="0">
+                                          <p:val>
+                                            <p:fltVal val="0"/>
+                                          </p:val>
+                                        </p:tav>
+                                        <p:tav tm="100000">
+                                          <p:val>
+                                            <p:strVal val="#ppt_w"/>
+                                          </p:val>
+                                        </p:tav>
+                                      </p:tavLst>
+                                    </p:anim>
+                                    <p:anim calcmode="lin" valueType="num">
+                                      <p:cBhvr>
+                                        <p:cTn id="58" dur="500" fill="hold"/>
+                                        <p:tgtEl>
+                                          <p:spTgt spid="6"/>
+                                        </p:tgtEl>
+                                        <p:attrNameLst>
+                                          <p:attrName>ppt_h</p:attrName>
+                                        </p:attrNameLst>
+                                      </p:cBhvr>
+                                      <p:tavLst>
+                                        <p:tav tm="0">
+                                          <p:val>
+                                            <p:strVal val="#ppt_h"/>
+                                          </p:val>
+                                        </p:tav>
+                                        <p:tav tm="100000">
+                                          <p:val>
+                                            <p:strVal val="#ppt_h"/>
+                                          </p:val>
+                                        </p:tav>
+                                      </p:tavLst>
+                                    </p:anim>
+                                  </p:childTnLst>
+                                </p:cTn>
+                              </p:par>
+                            </p:childTnLst>
+                          </p:cTn>
+                        </p:par>
+                        <p:par>
+                          <p:cTn id="59" fill="hold">
+                            <p:stCondLst>
+                              <p:cond delay="3000"/>
+                            </p:stCondLst>
+                            <p:childTnLst>
+                              <p:par>
+                                <p:cTn id="60" presetID="49" presetClass="entr" presetSubtype="0" decel="100000" fill="hold" grpId="0" nodeType="afterEffect">
+                                  <p:stCondLst>
+                                    <p:cond delay="0"/>
+                                  </p:stCondLst>
+                                  <p:childTnLst>
+                                    <p:set>
+                                      <p:cBhvr>
+                                        <p:cTn id="61" dur="1" fill="hold">
+                                          <p:stCondLst>
+                                            <p:cond delay="0"/>
+                                          </p:stCondLst>
+                                        </p:cTn>
+                                        <p:tgtEl>
+                                          <p:spTgt spid="13"/>
+                                        </p:tgtEl>
+                                        <p:attrNameLst>
+                                          <p:attrName>style.visibility</p:attrName>
+                                        </p:attrNameLst>
+                                      </p:cBhvr>
+                                      <p:to>
+                                        <p:strVal val="visible"/>
+                                      </p:to>
+                                    </p:set>
+                                    <p:anim calcmode="lin" valueType="num">
+                                      <p:cBhvr>
+                                        <p:cTn id="62" dur="500" fill="hold"/>
+                                        <p:tgtEl>
+                                          <p:spTgt spid="13"/>
+                                        </p:tgtEl>
+                                        <p:attrNameLst>
+                                          <p:attrName>ppt_w</p:attrName>
+                                        </p:attrNameLst>
+                                      </p:cBhvr>
+                                      <p:tavLst>
+                                        <p:tav tm="0">
+                                          <p:val>
+                                            <p:fltVal val="0"/>
+                                          </p:val>
+                                        </p:tav>
+                                        <p:tav tm="100000">
+                                          <p:val>
+                                            <p:strVal val="#ppt_w"/>
+                                          </p:val>
+                                        </p:tav>
+                                      </p:tavLst>
+                                    </p:anim>
+                                    <p:anim calcmode="lin" valueType="num">
+                                      <p:cBhvr>
+                                        <p:cTn id="63" dur="500" fill="hold"/>
+                                        <p:tgtEl>
+                                          <p:spTgt spid="13"/>
+                                        </p:tgtEl>
+                                        <p:attrNameLst>
+                                          <p:attrName>ppt_h</p:attrName>
+                                        </p:attrNameLst>
+                                      </p:cBhvr>
+                                      <p:tavLst>
+                                        <p:tav tm="0">
+                                          <p:val>
+                                            <p:fltVal val="0"/>
+                                          </p:val>
+                                        </p:tav>
+                                        <p:tav tm="100000">
+                                          <p:val>
+                                            <p:strVal val="#ppt_h"/>
+                                          </p:val>
+                                        </p:tav>
+                                      </p:tavLst>
+                                    </p:anim>
+                                    <p:anim calcmode="lin" valueType="num">
+                                      <p:cBhvr>
+                                        <p:cTn id="64" dur="500" fill="hold"/>
+                                        <p:tgtEl>
+                                          <p:spTgt spid="13"/>
+                                        </p:tgtEl>
+                                        <p:attrNameLst>
+                                          <p:attrName>style.rotation</p:attrName>
+                                        </p:attrNameLst>
+                                      </p:cBhvr>
+                                      <p:tavLst>
+                                        <p:tav tm="0">
+                                          <p:val>
+                                            <p:fltVal val="360"/>
+                                          </p:val>
+                                        </p:tav>
+                                        <p:tav tm="100000">
+                                          <p:val>
+                                            <p:fltVal val="0"/>
+                                          </p:val>
+                                        </p:tav>
+                                      </p:tavLst>
+                                    </p:anim>
+                                    <p:animEffect transition="in" filter="fade">
+                                      <p:cBhvr>
+                                        <p:cTn id="65" dur="500"/>
+                                        <p:tgtEl>
+                                          <p:spTgt spid="13"/>
+                                        </p:tgtEl>
+                                      </p:cBhvr>
+                                    </p:animEffect>
+                                  </p:childTnLst>
+                                </p:cTn>
+                              </p:par>
+                            </p:childTnLst>
+                          </p:cTn>
+                        </p:par>
+                      </p:childTnLst>
+                    </p:cTn>
+                  </p:par>
+                </p:childTnLst>
+              </p:cTn>
+              <p:prevCondLst>
+                <p:cond evt="onPrev" delay="0">
+                  <p:tgtEl>
+                    <p:sldTgt/>
+                  </p:tgtEl>
+                </p:cond>
+              </p:prevCondLst>
+              <p:nextCondLst>
+                <p:cond evt="onNext" delay="0">
+                  <p:tgtEl>
+                    <p:sldTgt/>
+                  </p:tgtEl>
+                </p:cond>
+              </p:nextCondLst>
+            </p:seq>
+          </p:childTnLst>
+        </p:cTn>
+      </p:par>
+    </p:tnLst>
+    <p:bldLst>
+      <p:bldP spid="4" grpId="0"/>
+      <p:bldP spid="5" grpId="0"/>
+      <p:bldP spid="7" grpId="0"/>
+      <p:bldP spid="7" grpId="1"/>
+      <p:bldP spid="10" grpId="0"/>
+      <p:bldP spid="13" grpId="0" animBg="1"/>
+    </p:bldLst>
+  </p:timing>
 </p:sld>
 </file>
 
